--- a/Figures/GxE_design.pptx
+++ b/Figures/GxE_design.pptx
@@ -6,6 +6,8 @@
   </p:sldMasterIdLst>
   <p:sldIdLst>
     <p:sldId id="256" r:id="rId2"/>
+    <p:sldId id="258" r:id="rId3"/>
+    <p:sldId id="257" r:id="rId4"/>
   </p:sldIdLst>
   <p:sldSz cx="12192000" cy="6858000"/>
   <p:notesSz cx="6858000" cy="9144000"/>
@@ -259,7 +261,7 @@
           <a:p>
             <a:fld id="{02975635-7F22-9644-8B0D-87C8EE75CA58}" type="datetimeFigureOut">
               <a:rPr lang="en-US" smtClean="0"/>
-              <a:t>4/18/21</a:t>
+              <a:t>4/29/21</a:t>
             </a:fld>
             <a:endParaRPr lang="en-US"/>
           </a:p>
@@ -457,7 +459,7 @@
           <a:p>
             <a:fld id="{02975635-7F22-9644-8B0D-87C8EE75CA58}" type="datetimeFigureOut">
               <a:rPr lang="en-US" smtClean="0"/>
-              <a:t>4/18/21</a:t>
+              <a:t>4/29/21</a:t>
             </a:fld>
             <a:endParaRPr lang="en-US"/>
           </a:p>
@@ -665,7 +667,7 @@
           <a:p>
             <a:fld id="{02975635-7F22-9644-8B0D-87C8EE75CA58}" type="datetimeFigureOut">
               <a:rPr lang="en-US" smtClean="0"/>
-              <a:t>4/18/21</a:t>
+              <a:t>4/29/21</a:t>
             </a:fld>
             <a:endParaRPr lang="en-US"/>
           </a:p>
@@ -863,7 +865,7 @@
           <a:p>
             <a:fld id="{02975635-7F22-9644-8B0D-87C8EE75CA58}" type="datetimeFigureOut">
               <a:rPr lang="en-US" smtClean="0"/>
-              <a:t>4/18/21</a:t>
+              <a:t>4/29/21</a:t>
             </a:fld>
             <a:endParaRPr lang="en-US"/>
           </a:p>
@@ -1138,7 +1140,7 @@
           <a:p>
             <a:fld id="{02975635-7F22-9644-8B0D-87C8EE75CA58}" type="datetimeFigureOut">
               <a:rPr lang="en-US" smtClean="0"/>
-              <a:t>4/18/21</a:t>
+              <a:t>4/29/21</a:t>
             </a:fld>
             <a:endParaRPr lang="en-US"/>
           </a:p>
@@ -1403,7 +1405,7 @@
           <a:p>
             <a:fld id="{02975635-7F22-9644-8B0D-87C8EE75CA58}" type="datetimeFigureOut">
               <a:rPr lang="en-US" smtClean="0"/>
-              <a:t>4/18/21</a:t>
+              <a:t>4/29/21</a:t>
             </a:fld>
             <a:endParaRPr lang="en-US"/>
           </a:p>
@@ -1815,7 +1817,7 @@
           <a:p>
             <a:fld id="{02975635-7F22-9644-8B0D-87C8EE75CA58}" type="datetimeFigureOut">
               <a:rPr lang="en-US" smtClean="0"/>
-              <a:t>4/18/21</a:t>
+              <a:t>4/29/21</a:t>
             </a:fld>
             <a:endParaRPr lang="en-US"/>
           </a:p>
@@ -1956,7 +1958,7 @@
           <a:p>
             <a:fld id="{02975635-7F22-9644-8B0D-87C8EE75CA58}" type="datetimeFigureOut">
               <a:rPr lang="en-US" smtClean="0"/>
-              <a:t>4/18/21</a:t>
+              <a:t>4/29/21</a:t>
             </a:fld>
             <a:endParaRPr lang="en-US"/>
           </a:p>
@@ -2069,7 +2071,7 @@
           <a:p>
             <a:fld id="{02975635-7F22-9644-8B0D-87C8EE75CA58}" type="datetimeFigureOut">
               <a:rPr lang="en-US" smtClean="0"/>
-              <a:t>4/18/21</a:t>
+              <a:t>4/29/21</a:t>
             </a:fld>
             <a:endParaRPr lang="en-US"/>
           </a:p>
@@ -2380,7 +2382,7 @@
           <a:p>
             <a:fld id="{02975635-7F22-9644-8B0D-87C8EE75CA58}" type="datetimeFigureOut">
               <a:rPr lang="en-US" smtClean="0"/>
-              <a:t>4/18/21</a:t>
+              <a:t>4/29/21</a:t>
             </a:fld>
             <a:endParaRPr lang="en-US"/>
           </a:p>
@@ -2668,7 +2670,7 @@
           <a:p>
             <a:fld id="{02975635-7F22-9644-8B0D-87C8EE75CA58}" type="datetimeFigureOut">
               <a:rPr lang="en-US" smtClean="0"/>
-              <a:t>4/18/21</a:t>
+              <a:t>4/29/21</a:t>
             </a:fld>
             <a:endParaRPr lang="en-US"/>
           </a:p>
@@ -2909,7 +2911,7 @@
           <a:p>
             <a:fld id="{02975635-7F22-9644-8B0D-87C8EE75CA58}" type="datetimeFigureOut">
               <a:rPr lang="en-US" smtClean="0"/>
-              <a:t>4/18/21</a:t>
+              <a:t>4/29/21</a:t>
             </a:fld>
             <a:endParaRPr lang="en-US"/>
           </a:p>
@@ -3328,6 +3330,5403 @@
       </p:grpSpPr>
       <p:sp>
         <p:nvSpPr>
+          <p:cNvPr id="46" name="TextBox 45">
+            <a:extLst>
+              <a:ext uri="{FF2B5EF4-FFF2-40B4-BE49-F238E27FC236}">
+                <a16:creationId xmlns:a16="http://schemas.microsoft.com/office/drawing/2014/main" id="{FA5D6BEB-DFF1-FF49-8AB0-C2EA2C33C31F}"/>
+              </a:ext>
+            </a:extLst>
+          </p:cNvPr>
+          <p:cNvSpPr txBox="1"/>
+          <p:nvPr/>
+        </p:nvSpPr>
+        <p:spPr>
+          <a:xfrm>
+            <a:off x="8214959" y="5390772"/>
+            <a:ext cx="4320920" cy="1323439"/>
+          </a:xfrm>
+          <a:prstGeom prst="rect">
+            <a:avLst/>
+          </a:prstGeom>
+          <a:noFill/>
+        </p:spPr>
+        <p:txBody>
+          <a:bodyPr wrap="square" rtlCol="0">
+            <a:spAutoFit/>
+          </a:bodyPr>
+          <a:lstStyle/>
+          <a:p>
+            <a:r>
+              <a:rPr lang="en-US" sz="1600" dirty="0"/>
+              <a:t>⍦</a:t>
+            </a:r>
+            <a:r>
+              <a:rPr lang="en-US" sz="1600" baseline="-25000" dirty="0"/>
+              <a:t>x</a:t>
+            </a:r>
+            <a:r>
+              <a:rPr lang="en-US" sz="1600" dirty="0"/>
+              <a:t> = Stem xylem pressure</a:t>
+            </a:r>
+          </a:p>
+          <a:p>
+            <a:r>
+              <a:rPr lang="en-US" sz="1600" dirty="0"/>
+              <a:t>⍦</a:t>
+            </a:r>
+            <a:r>
+              <a:rPr lang="en-US" sz="1600" baseline="-25000" dirty="0"/>
+              <a:t>s</a:t>
+            </a:r>
+            <a:r>
+              <a:rPr lang="en-US" sz="1600" dirty="0"/>
+              <a:t> = Soil water potential (TEROS 21/ZL6)</a:t>
+            </a:r>
+          </a:p>
+          <a:p>
+            <a:r>
+              <a:rPr lang="en-US" sz="1600" dirty="0"/>
+              <a:t>%RH = Percentage relative humidity (Kestrel)</a:t>
+            </a:r>
+          </a:p>
+          <a:p>
+            <a:r>
+              <a:rPr lang="en-US" sz="1600" dirty="0"/>
+              <a:t>Soil = Sand and vermiculite (4:1), 50 ml of MS+PPM and XX ml H20.</a:t>
+            </a:r>
+          </a:p>
+        </p:txBody>
+      </p:sp>
+      <p:grpSp>
+        <p:nvGrpSpPr>
+          <p:cNvPr id="27" name="Group 26">
+            <a:extLst>
+              <a:ext uri="{FF2B5EF4-FFF2-40B4-BE49-F238E27FC236}">
+                <a16:creationId xmlns:a16="http://schemas.microsoft.com/office/drawing/2014/main" id="{E632A540-B203-0146-B48B-E4F1DE3AEDD4}"/>
+              </a:ext>
+            </a:extLst>
+          </p:cNvPr>
+          <p:cNvGrpSpPr/>
+          <p:nvPr/>
+        </p:nvGrpSpPr>
+        <p:grpSpPr>
+          <a:xfrm>
+            <a:off x="2739312" y="1046261"/>
+            <a:ext cx="5087776" cy="5515301"/>
+            <a:chOff x="4419081" y="2359574"/>
+            <a:chExt cx="3782545" cy="4100392"/>
+          </a:xfrm>
+        </p:grpSpPr>
+        <p:sp>
+          <p:nvSpPr>
+            <p:cNvPr id="5" name="Rectangle 4">
+              <a:extLst>
+                <a:ext uri="{FF2B5EF4-FFF2-40B4-BE49-F238E27FC236}">
+                  <a16:creationId xmlns:a16="http://schemas.microsoft.com/office/drawing/2014/main" id="{E45058DE-A43A-5C47-8BD1-6FFEBA196E6A}"/>
+                </a:ext>
+              </a:extLst>
+            </p:cNvPr>
+            <p:cNvSpPr/>
+            <p:nvPr/>
+          </p:nvSpPr>
+          <p:spPr>
+            <a:xfrm>
+              <a:off x="4880113" y="2460337"/>
+              <a:ext cx="2802835" cy="3468757"/>
+            </a:xfrm>
+            <a:prstGeom prst="rect">
+              <a:avLst/>
+            </a:prstGeom>
+            <a:noFill/>
+            <a:ln w="25400">
+              <a:solidFill>
+                <a:schemeClr val="tx1"/>
+              </a:solidFill>
+            </a:ln>
+          </p:spPr>
+          <p:style>
+            <a:lnRef idx="2">
+              <a:schemeClr val="accent1">
+                <a:shade val="50000"/>
+              </a:schemeClr>
+            </a:lnRef>
+            <a:fillRef idx="1">
+              <a:schemeClr val="accent1"/>
+            </a:fillRef>
+            <a:effectRef idx="0">
+              <a:schemeClr val="accent1"/>
+            </a:effectRef>
+            <a:fontRef idx="minor">
+              <a:schemeClr val="lt1"/>
+            </a:fontRef>
+          </p:style>
+          <p:txBody>
+            <a:bodyPr rtlCol="0" anchor="ctr"/>
+            <a:lstStyle/>
+            <a:p>
+              <a:pPr algn="ctr"/>
+              <a:endParaRPr lang="en-US"/>
+            </a:p>
+          </p:txBody>
+        </p:sp>
+        <p:sp>
+          <p:nvSpPr>
+            <p:cNvPr id="6" name="Rectangle 5">
+              <a:extLst>
+                <a:ext uri="{FF2B5EF4-FFF2-40B4-BE49-F238E27FC236}">
+                  <a16:creationId xmlns:a16="http://schemas.microsoft.com/office/drawing/2014/main" id="{D74A744A-B053-C04B-B2F9-8C9808D6B6DD}"/>
+                </a:ext>
+              </a:extLst>
+            </p:cNvPr>
+            <p:cNvSpPr/>
+            <p:nvPr/>
+          </p:nvSpPr>
+          <p:spPr>
+            <a:xfrm>
+              <a:off x="4880113" y="4250724"/>
+              <a:ext cx="2802835" cy="1678369"/>
+            </a:xfrm>
+            <a:prstGeom prst="rect">
+              <a:avLst/>
+            </a:prstGeom>
+            <a:solidFill>
+              <a:schemeClr val="accent4">
+                <a:lumMod val="75000"/>
+                <a:alpha val="25000"/>
+              </a:schemeClr>
+            </a:solidFill>
+            <a:ln>
+              <a:noFill/>
+            </a:ln>
+          </p:spPr>
+          <p:style>
+            <a:lnRef idx="2">
+              <a:schemeClr val="accent1">
+                <a:shade val="50000"/>
+              </a:schemeClr>
+            </a:lnRef>
+            <a:fillRef idx="1">
+              <a:schemeClr val="accent1"/>
+            </a:fillRef>
+            <a:effectRef idx="0">
+              <a:schemeClr val="accent1"/>
+            </a:effectRef>
+            <a:fontRef idx="minor">
+              <a:schemeClr val="lt1"/>
+            </a:fontRef>
+          </p:style>
+          <p:txBody>
+            <a:bodyPr rtlCol="0" anchor="ctr"/>
+            <a:lstStyle/>
+            <a:p>
+              <a:pPr algn="ctr"/>
+              <a:endParaRPr lang="en-US" dirty="0"/>
+            </a:p>
+          </p:txBody>
+        </p:sp>
+        <p:sp>
+          <p:nvSpPr>
+            <p:cNvPr id="7" name="TextBox 6">
+              <a:extLst>
+                <a:ext uri="{FF2B5EF4-FFF2-40B4-BE49-F238E27FC236}">
+                  <a16:creationId xmlns:a16="http://schemas.microsoft.com/office/drawing/2014/main" id="{1EC87FE0-E0EE-0F45-B472-8565136770E7}"/>
+                </a:ext>
+              </a:extLst>
+            </p:cNvPr>
+            <p:cNvSpPr txBox="1"/>
+            <p:nvPr/>
+          </p:nvSpPr>
+          <p:spPr>
+            <a:xfrm rot="16200000">
+              <a:off x="4139517" y="4010048"/>
+              <a:ext cx="928459" cy="369332"/>
+            </a:xfrm>
+            <a:prstGeom prst="rect">
+              <a:avLst/>
+            </a:prstGeom>
+            <a:noFill/>
+          </p:spPr>
+          <p:txBody>
+            <a:bodyPr wrap="none" rtlCol="0">
+              <a:spAutoFit/>
+            </a:bodyPr>
+            <a:lstStyle/>
+            <a:p>
+              <a:r>
+                <a:rPr lang="en-US" dirty="0"/>
+                <a:t>13.5 cm</a:t>
+              </a:r>
+            </a:p>
+          </p:txBody>
+        </p:sp>
+        <p:cxnSp>
+          <p:nvCxnSpPr>
+            <p:cNvPr id="9" name="Straight Arrow Connector 8">
+              <a:extLst>
+                <a:ext uri="{FF2B5EF4-FFF2-40B4-BE49-F238E27FC236}">
+                  <a16:creationId xmlns:a16="http://schemas.microsoft.com/office/drawing/2014/main" id="{BCD24AC8-F69D-6249-AE30-1C64FD0B0629}"/>
+                </a:ext>
+              </a:extLst>
+            </p:cNvPr>
+            <p:cNvCxnSpPr>
+              <a:cxnSpLocks/>
+            </p:cNvCxnSpPr>
+            <p:nvPr/>
+          </p:nvCxnSpPr>
+          <p:spPr>
+            <a:xfrm>
+              <a:off x="4788412" y="2641776"/>
+              <a:ext cx="0" cy="3287318"/>
+            </a:xfrm>
+            <a:prstGeom prst="straightConnector1">
+              <a:avLst/>
+            </a:prstGeom>
+            <a:ln w="12700">
+              <a:solidFill>
+                <a:schemeClr val="tx1"/>
+              </a:solidFill>
+              <a:headEnd type="triangle"/>
+              <a:tailEnd type="triangle"/>
+            </a:ln>
+          </p:spPr>
+          <p:style>
+            <a:lnRef idx="1">
+              <a:schemeClr val="accent1"/>
+            </a:lnRef>
+            <a:fillRef idx="0">
+              <a:schemeClr val="accent1"/>
+            </a:fillRef>
+            <a:effectRef idx="0">
+              <a:schemeClr val="accent1"/>
+            </a:effectRef>
+            <a:fontRef idx="minor">
+              <a:schemeClr val="tx1"/>
+            </a:fontRef>
+          </p:style>
+        </p:cxnSp>
+        <p:cxnSp>
+          <p:nvCxnSpPr>
+            <p:cNvPr id="10" name="Straight Arrow Connector 9">
+              <a:extLst>
+                <a:ext uri="{FF2B5EF4-FFF2-40B4-BE49-F238E27FC236}">
+                  <a16:creationId xmlns:a16="http://schemas.microsoft.com/office/drawing/2014/main" id="{BB84CE5E-C502-464A-BE69-EB724CE60C0A}"/>
+                </a:ext>
+              </a:extLst>
+            </p:cNvPr>
+            <p:cNvCxnSpPr>
+              <a:cxnSpLocks/>
+            </p:cNvCxnSpPr>
+            <p:nvPr/>
+          </p:nvCxnSpPr>
+          <p:spPr>
+            <a:xfrm>
+              <a:off x="7832293" y="4250724"/>
+              <a:ext cx="0" cy="1672593"/>
+            </a:xfrm>
+            <a:prstGeom prst="straightConnector1">
+              <a:avLst/>
+            </a:prstGeom>
+            <a:ln w="12700">
+              <a:solidFill>
+                <a:schemeClr val="tx1"/>
+              </a:solidFill>
+              <a:headEnd type="triangle"/>
+              <a:tailEnd type="triangle"/>
+            </a:ln>
+          </p:spPr>
+          <p:style>
+            <a:lnRef idx="1">
+              <a:schemeClr val="accent1"/>
+            </a:lnRef>
+            <a:fillRef idx="0">
+              <a:schemeClr val="accent1"/>
+            </a:fillRef>
+            <a:effectRef idx="0">
+              <a:schemeClr val="accent1"/>
+            </a:effectRef>
+            <a:fontRef idx="minor">
+              <a:schemeClr val="tx1"/>
+            </a:fontRef>
+          </p:style>
+        </p:cxnSp>
+        <p:sp>
+          <p:nvSpPr>
+            <p:cNvPr id="13" name="TextBox 12">
+              <a:extLst>
+                <a:ext uri="{FF2B5EF4-FFF2-40B4-BE49-F238E27FC236}">
+                  <a16:creationId xmlns:a16="http://schemas.microsoft.com/office/drawing/2014/main" id="{AE94612F-584C-3344-8BF8-1519204C5AC2}"/>
+                </a:ext>
+              </a:extLst>
+            </p:cNvPr>
+            <p:cNvSpPr txBox="1"/>
+            <p:nvPr/>
+          </p:nvSpPr>
+          <p:spPr>
+            <a:xfrm rot="16200000">
+              <a:off x="7698603" y="4902353"/>
+              <a:ext cx="636713" cy="369332"/>
+            </a:xfrm>
+            <a:prstGeom prst="rect">
+              <a:avLst/>
+            </a:prstGeom>
+            <a:noFill/>
+          </p:spPr>
+          <p:txBody>
+            <a:bodyPr wrap="none" rtlCol="0">
+              <a:spAutoFit/>
+            </a:bodyPr>
+            <a:lstStyle/>
+            <a:p>
+              <a:r>
+                <a:rPr lang="en-US" dirty="0"/>
+                <a:t>6 cm</a:t>
+              </a:r>
+            </a:p>
+          </p:txBody>
+        </p:sp>
+        <p:cxnSp>
+          <p:nvCxnSpPr>
+            <p:cNvPr id="14" name="Straight Arrow Connector 13">
+              <a:extLst>
+                <a:ext uri="{FF2B5EF4-FFF2-40B4-BE49-F238E27FC236}">
+                  <a16:creationId xmlns:a16="http://schemas.microsoft.com/office/drawing/2014/main" id="{01CE39DE-AE98-D649-A83B-6451CB98EBFF}"/>
+                </a:ext>
+              </a:extLst>
+            </p:cNvPr>
+            <p:cNvCxnSpPr>
+              <a:cxnSpLocks/>
+            </p:cNvCxnSpPr>
+            <p:nvPr/>
+          </p:nvCxnSpPr>
+          <p:spPr>
+            <a:xfrm flipH="1">
+              <a:off x="4880113" y="6081494"/>
+              <a:ext cx="2802835" cy="0"/>
+            </a:xfrm>
+            <a:prstGeom prst="straightConnector1">
+              <a:avLst/>
+            </a:prstGeom>
+            <a:ln w="12700">
+              <a:solidFill>
+                <a:schemeClr val="tx1"/>
+              </a:solidFill>
+              <a:headEnd type="triangle"/>
+              <a:tailEnd type="triangle"/>
+            </a:ln>
+          </p:spPr>
+          <p:style>
+            <a:lnRef idx="1">
+              <a:schemeClr val="accent1"/>
+            </a:lnRef>
+            <a:fillRef idx="0">
+              <a:schemeClr val="accent1"/>
+            </a:fillRef>
+            <a:effectRef idx="0">
+              <a:schemeClr val="accent1"/>
+            </a:effectRef>
+            <a:fontRef idx="minor">
+              <a:schemeClr val="tx1"/>
+            </a:fontRef>
+          </p:style>
+        </p:cxnSp>
+        <p:sp>
+          <p:nvSpPr>
+            <p:cNvPr id="17" name="TextBox 16">
+              <a:extLst>
+                <a:ext uri="{FF2B5EF4-FFF2-40B4-BE49-F238E27FC236}">
+                  <a16:creationId xmlns:a16="http://schemas.microsoft.com/office/drawing/2014/main" id="{236528F3-0705-C044-AB93-33A7887369AF}"/>
+                </a:ext>
+              </a:extLst>
+            </p:cNvPr>
+            <p:cNvSpPr txBox="1"/>
+            <p:nvPr/>
+          </p:nvSpPr>
+          <p:spPr>
+            <a:xfrm>
+              <a:off x="5697726" y="6090634"/>
+              <a:ext cx="1334020" cy="369332"/>
+            </a:xfrm>
+            <a:prstGeom prst="rect">
+              <a:avLst/>
+            </a:prstGeom>
+            <a:noFill/>
+          </p:spPr>
+          <p:txBody>
+            <a:bodyPr wrap="none" rtlCol="0">
+              <a:spAutoFit/>
+            </a:bodyPr>
+            <a:lstStyle/>
+            <a:p>
+              <a:r>
+                <a:rPr lang="en-US" dirty="0"/>
+                <a:t>11 cm diam.</a:t>
+              </a:r>
+            </a:p>
+          </p:txBody>
+        </p:sp>
+        <p:cxnSp>
+          <p:nvCxnSpPr>
+            <p:cNvPr id="31" name="Straight Connector 30">
+              <a:extLst>
+                <a:ext uri="{FF2B5EF4-FFF2-40B4-BE49-F238E27FC236}">
+                  <a16:creationId xmlns:a16="http://schemas.microsoft.com/office/drawing/2014/main" id="{67981C61-80BB-EC4D-B6C8-3741799D53D0}"/>
+                </a:ext>
+              </a:extLst>
+            </p:cNvPr>
+            <p:cNvCxnSpPr>
+              <a:endCxn id="6" idx="0"/>
+            </p:cNvCxnSpPr>
+            <p:nvPr/>
+          </p:nvCxnSpPr>
+          <p:spPr>
+            <a:xfrm>
+              <a:off x="6281530" y="2990335"/>
+              <a:ext cx="1" cy="1260389"/>
+            </a:xfrm>
+            <a:prstGeom prst="line">
+              <a:avLst/>
+            </a:prstGeom>
+            <a:ln w="38100">
+              <a:solidFill>
+                <a:schemeClr val="tx1">
+                  <a:lumMod val="75000"/>
+                  <a:lumOff val="25000"/>
+                </a:schemeClr>
+              </a:solidFill>
+            </a:ln>
+          </p:spPr>
+          <p:style>
+            <a:lnRef idx="1">
+              <a:schemeClr val="accent1"/>
+            </a:lnRef>
+            <a:fillRef idx="0">
+              <a:schemeClr val="accent1"/>
+            </a:fillRef>
+            <a:effectRef idx="0">
+              <a:schemeClr val="accent1"/>
+            </a:effectRef>
+            <a:fontRef idx="minor">
+              <a:schemeClr val="tx1"/>
+            </a:fontRef>
+          </p:style>
+        </p:cxnSp>
+        <p:sp>
+          <p:nvSpPr>
+            <p:cNvPr id="33" name="Freeform 32">
+              <a:extLst>
+                <a:ext uri="{FF2B5EF4-FFF2-40B4-BE49-F238E27FC236}">
+                  <a16:creationId xmlns:a16="http://schemas.microsoft.com/office/drawing/2014/main" id="{78E576BA-1C33-6048-BEDA-1D96E89774DF}"/>
+                </a:ext>
+              </a:extLst>
+            </p:cNvPr>
+            <p:cNvSpPr/>
+            <p:nvPr/>
+          </p:nvSpPr>
+          <p:spPr>
+            <a:xfrm>
+              <a:off x="5643533" y="2730844"/>
+              <a:ext cx="621343" cy="902341"/>
+            </a:xfrm>
+            <a:custGeom>
+              <a:avLst/>
+              <a:gdLst>
+                <a:gd name="connsiteX0" fmla="*/ 621343 w 621343"/>
+                <a:gd name="connsiteY0" fmla="*/ 889686 h 902341"/>
+                <a:gd name="connsiteX1" fmla="*/ 621343 w 621343"/>
+                <a:gd name="connsiteY1" fmla="*/ 889686 h 902341"/>
+                <a:gd name="connsiteX2" fmla="*/ 510132 w 621343"/>
+                <a:gd name="connsiteY2" fmla="*/ 902043 h 902341"/>
+                <a:gd name="connsiteX3" fmla="*/ 411278 w 621343"/>
+                <a:gd name="connsiteY3" fmla="*/ 877329 h 902341"/>
+                <a:gd name="connsiteX4" fmla="*/ 374208 w 621343"/>
+                <a:gd name="connsiteY4" fmla="*/ 864972 h 902341"/>
+                <a:gd name="connsiteX5" fmla="*/ 300067 w 621343"/>
+                <a:gd name="connsiteY5" fmla="*/ 815545 h 902341"/>
+                <a:gd name="connsiteX6" fmla="*/ 225926 w 621343"/>
+                <a:gd name="connsiteY6" fmla="*/ 741405 h 902341"/>
+                <a:gd name="connsiteX7" fmla="*/ 176499 w 621343"/>
+                <a:gd name="connsiteY7" fmla="*/ 667264 h 902341"/>
+                <a:gd name="connsiteX8" fmla="*/ 90002 w 621343"/>
+                <a:gd name="connsiteY8" fmla="*/ 556054 h 902341"/>
+                <a:gd name="connsiteX9" fmla="*/ 65289 w 621343"/>
+                <a:gd name="connsiteY9" fmla="*/ 518983 h 902341"/>
+                <a:gd name="connsiteX10" fmla="*/ 28218 w 621343"/>
+                <a:gd name="connsiteY10" fmla="*/ 444843 h 902341"/>
+                <a:gd name="connsiteX11" fmla="*/ 15862 w 621343"/>
+                <a:gd name="connsiteY11" fmla="*/ 383059 h 902341"/>
+                <a:gd name="connsiteX12" fmla="*/ 3505 w 621343"/>
+                <a:gd name="connsiteY12" fmla="*/ 333632 h 902341"/>
+                <a:gd name="connsiteX13" fmla="*/ 28218 w 621343"/>
+                <a:gd name="connsiteY13" fmla="*/ 0 h 902341"/>
+                <a:gd name="connsiteX14" fmla="*/ 102359 w 621343"/>
+                <a:gd name="connsiteY14" fmla="*/ 24713 h 902341"/>
+                <a:gd name="connsiteX15" fmla="*/ 139429 w 621343"/>
+                <a:gd name="connsiteY15" fmla="*/ 37070 h 902341"/>
+                <a:gd name="connsiteX16" fmla="*/ 213570 w 621343"/>
+                <a:gd name="connsiteY16" fmla="*/ 86497 h 902341"/>
+                <a:gd name="connsiteX17" fmla="*/ 262997 w 621343"/>
+                <a:gd name="connsiteY17" fmla="*/ 148281 h 902341"/>
+                <a:gd name="connsiteX18" fmla="*/ 275353 w 621343"/>
+                <a:gd name="connsiteY18" fmla="*/ 185351 h 902341"/>
+                <a:gd name="connsiteX19" fmla="*/ 324781 w 621343"/>
+                <a:gd name="connsiteY19" fmla="*/ 259491 h 902341"/>
+                <a:gd name="connsiteX20" fmla="*/ 361851 w 621343"/>
+                <a:gd name="connsiteY20" fmla="*/ 333632 h 902341"/>
+                <a:gd name="connsiteX21" fmla="*/ 374208 w 621343"/>
+                <a:gd name="connsiteY21" fmla="*/ 370702 h 902341"/>
+                <a:gd name="connsiteX22" fmla="*/ 423635 w 621343"/>
+                <a:gd name="connsiteY22" fmla="*/ 444843 h 902341"/>
+                <a:gd name="connsiteX23" fmla="*/ 460705 w 621343"/>
+                <a:gd name="connsiteY23" fmla="*/ 518983 h 902341"/>
+                <a:gd name="connsiteX24" fmla="*/ 485418 w 621343"/>
+                <a:gd name="connsiteY24" fmla="*/ 593124 h 902341"/>
+                <a:gd name="connsiteX25" fmla="*/ 534845 w 621343"/>
+                <a:gd name="connsiteY25" fmla="*/ 667264 h 902341"/>
+                <a:gd name="connsiteX26" fmla="*/ 571916 w 621343"/>
+                <a:gd name="connsiteY26" fmla="*/ 778475 h 902341"/>
+                <a:gd name="connsiteX27" fmla="*/ 596629 w 621343"/>
+                <a:gd name="connsiteY27" fmla="*/ 877329 h 902341"/>
+                <a:gd name="connsiteX28" fmla="*/ 621343 w 621343"/>
+                <a:gd name="connsiteY28" fmla="*/ 889686 h 902341"/>
+              </a:gdLst>
+              <a:ahLst/>
+              <a:cxnLst>
+                <a:cxn ang="0">
+                  <a:pos x="connsiteX0" y="connsiteY0"/>
+                </a:cxn>
+                <a:cxn ang="0">
+                  <a:pos x="connsiteX1" y="connsiteY1"/>
+                </a:cxn>
+                <a:cxn ang="0">
+                  <a:pos x="connsiteX2" y="connsiteY2"/>
+                </a:cxn>
+                <a:cxn ang="0">
+                  <a:pos x="connsiteX3" y="connsiteY3"/>
+                </a:cxn>
+                <a:cxn ang="0">
+                  <a:pos x="connsiteX4" y="connsiteY4"/>
+                </a:cxn>
+                <a:cxn ang="0">
+                  <a:pos x="connsiteX5" y="connsiteY5"/>
+                </a:cxn>
+                <a:cxn ang="0">
+                  <a:pos x="connsiteX6" y="connsiteY6"/>
+                </a:cxn>
+                <a:cxn ang="0">
+                  <a:pos x="connsiteX7" y="connsiteY7"/>
+                </a:cxn>
+                <a:cxn ang="0">
+                  <a:pos x="connsiteX8" y="connsiteY8"/>
+                </a:cxn>
+                <a:cxn ang="0">
+                  <a:pos x="connsiteX9" y="connsiteY9"/>
+                </a:cxn>
+                <a:cxn ang="0">
+                  <a:pos x="connsiteX10" y="connsiteY10"/>
+                </a:cxn>
+                <a:cxn ang="0">
+                  <a:pos x="connsiteX11" y="connsiteY11"/>
+                </a:cxn>
+                <a:cxn ang="0">
+                  <a:pos x="connsiteX12" y="connsiteY12"/>
+                </a:cxn>
+                <a:cxn ang="0">
+                  <a:pos x="connsiteX13" y="connsiteY13"/>
+                </a:cxn>
+                <a:cxn ang="0">
+                  <a:pos x="connsiteX14" y="connsiteY14"/>
+                </a:cxn>
+                <a:cxn ang="0">
+                  <a:pos x="connsiteX15" y="connsiteY15"/>
+                </a:cxn>
+                <a:cxn ang="0">
+                  <a:pos x="connsiteX16" y="connsiteY16"/>
+                </a:cxn>
+                <a:cxn ang="0">
+                  <a:pos x="connsiteX17" y="connsiteY17"/>
+                </a:cxn>
+                <a:cxn ang="0">
+                  <a:pos x="connsiteX18" y="connsiteY18"/>
+                </a:cxn>
+                <a:cxn ang="0">
+                  <a:pos x="connsiteX19" y="connsiteY19"/>
+                </a:cxn>
+                <a:cxn ang="0">
+                  <a:pos x="connsiteX20" y="connsiteY20"/>
+                </a:cxn>
+                <a:cxn ang="0">
+                  <a:pos x="connsiteX21" y="connsiteY21"/>
+                </a:cxn>
+                <a:cxn ang="0">
+                  <a:pos x="connsiteX22" y="connsiteY22"/>
+                </a:cxn>
+                <a:cxn ang="0">
+                  <a:pos x="connsiteX23" y="connsiteY23"/>
+                </a:cxn>
+                <a:cxn ang="0">
+                  <a:pos x="connsiteX24" y="connsiteY24"/>
+                </a:cxn>
+                <a:cxn ang="0">
+                  <a:pos x="connsiteX25" y="connsiteY25"/>
+                </a:cxn>
+                <a:cxn ang="0">
+                  <a:pos x="connsiteX26" y="connsiteY26"/>
+                </a:cxn>
+                <a:cxn ang="0">
+                  <a:pos x="connsiteX27" y="connsiteY27"/>
+                </a:cxn>
+                <a:cxn ang="0">
+                  <a:pos x="connsiteX28" y="connsiteY28"/>
+                </a:cxn>
+              </a:cxnLst>
+              <a:rect l="l" t="t" r="r" b="b"/>
+              <a:pathLst>
+                <a:path w="621343" h="902341">
+                  <a:moveTo>
+                    <a:pt x="621343" y="889686"/>
+                  </a:moveTo>
+                  <a:lnTo>
+                    <a:pt x="621343" y="889686"/>
+                  </a:lnTo>
+                  <a:cubicBezTo>
+                    <a:pt x="584273" y="893805"/>
+                    <a:pt x="547366" y="904233"/>
+                    <a:pt x="510132" y="902043"/>
+                  </a:cubicBezTo>
+                  <a:cubicBezTo>
+                    <a:pt x="476225" y="900048"/>
+                    <a:pt x="443500" y="888070"/>
+                    <a:pt x="411278" y="877329"/>
+                  </a:cubicBezTo>
+                  <a:cubicBezTo>
+                    <a:pt x="398921" y="873210"/>
+                    <a:pt x="385594" y="871298"/>
+                    <a:pt x="374208" y="864972"/>
+                  </a:cubicBezTo>
+                  <a:cubicBezTo>
+                    <a:pt x="348244" y="850547"/>
+                    <a:pt x="321070" y="836547"/>
+                    <a:pt x="300067" y="815545"/>
+                  </a:cubicBezTo>
+                  <a:cubicBezTo>
+                    <a:pt x="275353" y="790832"/>
+                    <a:pt x="245313" y="770485"/>
+                    <a:pt x="225926" y="741405"/>
+                  </a:cubicBezTo>
+                  <a:cubicBezTo>
+                    <a:pt x="209450" y="716691"/>
+                    <a:pt x="197502" y="688267"/>
+                    <a:pt x="176499" y="667264"/>
+                  </a:cubicBezTo>
+                  <a:cubicBezTo>
+                    <a:pt x="118428" y="609193"/>
+                    <a:pt x="149120" y="644731"/>
+                    <a:pt x="90002" y="556054"/>
+                  </a:cubicBezTo>
+                  <a:cubicBezTo>
+                    <a:pt x="81764" y="543697"/>
+                    <a:pt x="69985" y="533072"/>
+                    <a:pt x="65289" y="518983"/>
+                  </a:cubicBezTo>
+                  <a:cubicBezTo>
+                    <a:pt x="48236" y="467824"/>
+                    <a:pt x="60157" y="492750"/>
+                    <a:pt x="28218" y="444843"/>
+                  </a:cubicBezTo>
+                  <a:cubicBezTo>
+                    <a:pt x="24099" y="424248"/>
+                    <a:pt x="20418" y="403561"/>
+                    <a:pt x="15862" y="383059"/>
+                  </a:cubicBezTo>
+                  <a:cubicBezTo>
+                    <a:pt x="12178" y="366481"/>
+                    <a:pt x="3505" y="350615"/>
+                    <a:pt x="3505" y="333632"/>
+                  </a:cubicBezTo>
+                  <a:cubicBezTo>
+                    <a:pt x="3505" y="62756"/>
+                    <a:pt x="-13726" y="125838"/>
+                    <a:pt x="28218" y="0"/>
+                  </a:cubicBezTo>
+                  <a:lnTo>
+                    <a:pt x="102359" y="24713"/>
+                  </a:lnTo>
+                  <a:cubicBezTo>
+                    <a:pt x="114716" y="28832"/>
+                    <a:pt x="128591" y="29845"/>
+                    <a:pt x="139429" y="37070"/>
+                  </a:cubicBezTo>
+                  <a:lnTo>
+                    <a:pt x="213570" y="86497"/>
+                  </a:lnTo>
+                  <a:cubicBezTo>
+                    <a:pt x="244627" y="179672"/>
+                    <a:pt x="199120" y="68435"/>
+                    <a:pt x="262997" y="148281"/>
+                  </a:cubicBezTo>
+                  <a:cubicBezTo>
+                    <a:pt x="271134" y="158452"/>
+                    <a:pt x="269027" y="173965"/>
+                    <a:pt x="275353" y="185351"/>
+                  </a:cubicBezTo>
+                  <a:cubicBezTo>
+                    <a:pt x="289778" y="211315"/>
+                    <a:pt x="324781" y="259491"/>
+                    <a:pt x="324781" y="259491"/>
+                  </a:cubicBezTo>
+                  <a:cubicBezTo>
+                    <a:pt x="355835" y="352660"/>
+                    <a:pt x="313947" y="237827"/>
+                    <a:pt x="361851" y="333632"/>
+                  </a:cubicBezTo>
+                  <a:cubicBezTo>
+                    <a:pt x="367676" y="345282"/>
+                    <a:pt x="367882" y="359316"/>
+                    <a:pt x="374208" y="370702"/>
+                  </a:cubicBezTo>
+                  <a:cubicBezTo>
+                    <a:pt x="388633" y="396666"/>
+                    <a:pt x="423635" y="444843"/>
+                    <a:pt x="423635" y="444843"/>
+                  </a:cubicBezTo>
+                  <a:cubicBezTo>
+                    <a:pt x="468695" y="580030"/>
+                    <a:pt x="396832" y="375267"/>
+                    <a:pt x="460705" y="518983"/>
+                  </a:cubicBezTo>
+                  <a:cubicBezTo>
+                    <a:pt x="471285" y="542788"/>
+                    <a:pt x="470968" y="571449"/>
+                    <a:pt x="485418" y="593124"/>
+                  </a:cubicBezTo>
+                  <a:cubicBezTo>
+                    <a:pt x="501894" y="617837"/>
+                    <a:pt x="525452" y="639086"/>
+                    <a:pt x="534845" y="667264"/>
+                  </a:cubicBezTo>
+                  <a:lnTo>
+                    <a:pt x="571916" y="778475"/>
+                  </a:lnTo>
+                  <a:cubicBezTo>
+                    <a:pt x="587830" y="826217"/>
+                    <a:pt x="586689" y="817693"/>
+                    <a:pt x="596629" y="877329"/>
+                  </a:cubicBezTo>
+                  <a:cubicBezTo>
+                    <a:pt x="597306" y="881392"/>
+                    <a:pt x="617224" y="887627"/>
+                    <a:pt x="621343" y="889686"/>
+                  </a:cubicBezTo>
+                  <a:close/>
+                </a:path>
+              </a:pathLst>
+            </a:custGeom>
+            <a:solidFill>
+              <a:schemeClr val="accent6"/>
+            </a:solidFill>
+            <a:ln>
+              <a:solidFill>
+                <a:schemeClr val="accent6"/>
+              </a:solidFill>
+            </a:ln>
+          </p:spPr>
+          <p:style>
+            <a:lnRef idx="2">
+              <a:schemeClr val="accent1">
+                <a:shade val="50000"/>
+              </a:schemeClr>
+            </a:lnRef>
+            <a:fillRef idx="1">
+              <a:schemeClr val="accent1"/>
+            </a:fillRef>
+            <a:effectRef idx="0">
+              <a:schemeClr val="accent1"/>
+            </a:effectRef>
+            <a:fontRef idx="minor">
+              <a:schemeClr val="lt1"/>
+            </a:fontRef>
+          </p:style>
+          <p:txBody>
+            <a:bodyPr rtlCol="0" anchor="ctr"/>
+            <a:lstStyle/>
+            <a:p>
+              <a:pPr algn="ctr"/>
+              <a:endParaRPr lang="en-US" dirty="0"/>
+            </a:p>
+          </p:txBody>
+        </p:sp>
+        <p:sp>
+          <p:nvSpPr>
+            <p:cNvPr id="36" name="Freeform 35">
+              <a:extLst>
+                <a:ext uri="{FF2B5EF4-FFF2-40B4-BE49-F238E27FC236}">
+                  <a16:creationId xmlns:a16="http://schemas.microsoft.com/office/drawing/2014/main" id="{F58AFEE1-5FB8-0548-9D77-C0FDF1B54430}"/>
+                </a:ext>
+              </a:extLst>
+            </p:cNvPr>
+            <p:cNvSpPr/>
+            <p:nvPr/>
+          </p:nvSpPr>
+          <p:spPr>
+            <a:xfrm>
+              <a:off x="6277231" y="4250724"/>
+              <a:ext cx="1116873" cy="1030958"/>
+            </a:xfrm>
+            <a:custGeom>
+              <a:avLst/>
+              <a:gdLst>
+                <a:gd name="connsiteX0" fmla="*/ 0 w 481914"/>
+                <a:gd name="connsiteY0" fmla="*/ 0 h 444843"/>
+                <a:gd name="connsiteX1" fmla="*/ 24714 w 481914"/>
+                <a:gd name="connsiteY1" fmla="*/ 86497 h 444843"/>
+                <a:gd name="connsiteX2" fmla="*/ 37071 w 481914"/>
+                <a:gd name="connsiteY2" fmla="*/ 210064 h 444843"/>
+                <a:gd name="connsiteX3" fmla="*/ 185352 w 481914"/>
+                <a:gd name="connsiteY3" fmla="*/ 284205 h 444843"/>
+                <a:gd name="connsiteX4" fmla="*/ 222422 w 481914"/>
+                <a:gd name="connsiteY4" fmla="*/ 308919 h 444843"/>
+                <a:gd name="connsiteX5" fmla="*/ 296563 w 481914"/>
+                <a:gd name="connsiteY5" fmla="*/ 333632 h 444843"/>
+                <a:gd name="connsiteX6" fmla="*/ 321276 w 481914"/>
+                <a:gd name="connsiteY6" fmla="*/ 370702 h 444843"/>
+                <a:gd name="connsiteX7" fmla="*/ 469557 w 481914"/>
+                <a:gd name="connsiteY7" fmla="*/ 444843 h 444843"/>
+                <a:gd name="connsiteX8" fmla="*/ 481914 w 481914"/>
+                <a:gd name="connsiteY8" fmla="*/ 444843 h 444843"/>
+              </a:gdLst>
+              <a:ahLst/>
+              <a:cxnLst>
+                <a:cxn ang="0">
+                  <a:pos x="connsiteX0" y="connsiteY0"/>
+                </a:cxn>
+                <a:cxn ang="0">
+                  <a:pos x="connsiteX1" y="connsiteY1"/>
+                </a:cxn>
+                <a:cxn ang="0">
+                  <a:pos x="connsiteX2" y="connsiteY2"/>
+                </a:cxn>
+                <a:cxn ang="0">
+                  <a:pos x="connsiteX3" y="connsiteY3"/>
+                </a:cxn>
+                <a:cxn ang="0">
+                  <a:pos x="connsiteX4" y="connsiteY4"/>
+                </a:cxn>
+                <a:cxn ang="0">
+                  <a:pos x="connsiteX5" y="connsiteY5"/>
+                </a:cxn>
+                <a:cxn ang="0">
+                  <a:pos x="connsiteX6" y="connsiteY6"/>
+                </a:cxn>
+                <a:cxn ang="0">
+                  <a:pos x="connsiteX7" y="connsiteY7"/>
+                </a:cxn>
+                <a:cxn ang="0">
+                  <a:pos x="connsiteX8" y="connsiteY8"/>
+                </a:cxn>
+              </a:cxnLst>
+              <a:rect l="l" t="t" r="r" b="b"/>
+              <a:pathLst>
+                <a:path w="481914" h="444843">
+                  <a:moveTo>
+                    <a:pt x="0" y="0"/>
+                  </a:moveTo>
+                  <a:cubicBezTo>
+                    <a:pt x="8238" y="28832"/>
+                    <a:pt x="19503" y="56967"/>
+                    <a:pt x="24714" y="86497"/>
+                  </a:cubicBezTo>
+                  <a:cubicBezTo>
+                    <a:pt x="31908" y="127262"/>
+                    <a:pt x="18559" y="173040"/>
+                    <a:pt x="37071" y="210064"/>
+                  </a:cubicBezTo>
+                  <a:cubicBezTo>
+                    <a:pt x="66239" y="268400"/>
+                    <a:pt x="141487" y="254961"/>
+                    <a:pt x="185352" y="284205"/>
+                  </a:cubicBezTo>
+                  <a:cubicBezTo>
+                    <a:pt x="197709" y="292443"/>
+                    <a:pt x="208851" y="302887"/>
+                    <a:pt x="222422" y="308919"/>
+                  </a:cubicBezTo>
+                  <a:cubicBezTo>
+                    <a:pt x="246227" y="319499"/>
+                    <a:pt x="296563" y="333632"/>
+                    <a:pt x="296563" y="333632"/>
+                  </a:cubicBezTo>
+                  <a:cubicBezTo>
+                    <a:pt x="304801" y="345989"/>
+                    <a:pt x="310100" y="360923"/>
+                    <a:pt x="321276" y="370702"/>
+                  </a:cubicBezTo>
+                  <a:cubicBezTo>
+                    <a:pt x="349835" y="395691"/>
+                    <a:pt x="426227" y="444843"/>
+                    <a:pt x="469557" y="444843"/>
+                  </a:cubicBezTo>
+                  <a:lnTo>
+                    <a:pt x="481914" y="444843"/>
+                  </a:lnTo>
+                </a:path>
+              </a:pathLst>
+            </a:custGeom>
+            <a:noFill/>
+            <a:ln w="25400">
+              <a:solidFill>
+                <a:schemeClr val="tx1"/>
+              </a:solidFill>
+            </a:ln>
+          </p:spPr>
+          <p:style>
+            <a:lnRef idx="2">
+              <a:schemeClr val="accent1">
+                <a:shade val="50000"/>
+              </a:schemeClr>
+            </a:lnRef>
+            <a:fillRef idx="1">
+              <a:schemeClr val="accent1"/>
+            </a:fillRef>
+            <a:effectRef idx="0">
+              <a:schemeClr val="accent1"/>
+            </a:effectRef>
+            <a:fontRef idx="minor">
+              <a:schemeClr val="lt1"/>
+            </a:fontRef>
+          </p:style>
+          <p:txBody>
+            <a:bodyPr rtlCol="0" anchor="ctr"/>
+            <a:lstStyle/>
+            <a:p>
+              <a:pPr algn="ctr"/>
+              <a:endParaRPr lang="en-US"/>
+            </a:p>
+          </p:txBody>
+        </p:sp>
+        <p:sp>
+          <p:nvSpPr>
+            <p:cNvPr id="37" name="Freeform 36">
+              <a:extLst>
+                <a:ext uri="{FF2B5EF4-FFF2-40B4-BE49-F238E27FC236}">
+                  <a16:creationId xmlns:a16="http://schemas.microsoft.com/office/drawing/2014/main" id="{8ED06403-CBBF-F544-BFFD-5F6A314D92D1}"/>
+                </a:ext>
+              </a:extLst>
+            </p:cNvPr>
+            <p:cNvSpPr/>
+            <p:nvPr/>
+          </p:nvSpPr>
+          <p:spPr>
+            <a:xfrm flipH="1">
+              <a:off x="5278913" y="4258369"/>
+              <a:ext cx="1011486" cy="1050292"/>
+            </a:xfrm>
+            <a:custGeom>
+              <a:avLst/>
+              <a:gdLst>
+                <a:gd name="connsiteX0" fmla="*/ 0 w 481914"/>
+                <a:gd name="connsiteY0" fmla="*/ 0 h 444843"/>
+                <a:gd name="connsiteX1" fmla="*/ 24714 w 481914"/>
+                <a:gd name="connsiteY1" fmla="*/ 86497 h 444843"/>
+                <a:gd name="connsiteX2" fmla="*/ 37071 w 481914"/>
+                <a:gd name="connsiteY2" fmla="*/ 210064 h 444843"/>
+                <a:gd name="connsiteX3" fmla="*/ 185352 w 481914"/>
+                <a:gd name="connsiteY3" fmla="*/ 284205 h 444843"/>
+                <a:gd name="connsiteX4" fmla="*/ 222422 w 481914"/>
+                <a:gd name="connsiteY4" fmla="*/ 308919 h 444843"/>
+                <a:gd name="connsiteX5" fmla="*/ 296563 w 481914"/>
+                <a:gd name="connsiteY5" fmla="*/ 333632 h 444843"/>
+                <a:gd name="connsiteX6" fmla="*/ 321276 w 481914"/>
+                <a:gd name="connsiteY6" fmla="*/ 370702 h 444843"/>
+                <a:gd name="connsiteX7" fmla="*/ 469557 w 481914"/>
+                <a:gd name="connsiteY7" fmla="*/ 444843 h 444843"/>
+                <a:gd name="connsiteX8" fmla="*/ 481914 w 481914"/>
+                <a:gd name="connsiteY8" fmla="*/ 444843 h 444843"/>
+              </a:gdLst>
+              <a:ahLst/>
+              <a:cxnLst>
+                <a:cxn ang="0">
+                  <a:pos x="connsiteX0" y="connsiteY0"/>
+                </a:cxn>
+                <a:cxn ang="0">
+                  <a:pos x="connsiteX1" y="connsiteY1"/>
+                </a:cxn>
+                <a:cxn ang="0">
+                  <a:pos x="connsiteX2" y="connsiteY2"/>
+                </a:cxn>
+                <a:cxn ang="0">
+                  <a:pos x="connsiteX3" y="connsiteY3"/>
+                </a:cxn>
+                <a:cxn ang="0">
+                  <a:pos x="connsiteX4" y="connsiteY4"/>
+                </a:cxn>
+                <a:cxn ang="0">
+                  <a:pos x="connsiteX5" y="connsiteY5"/>
+                </a:cxn>
+                <a:cxn ang="0">
+                  <a:pos x="connsiteX6" y="connsiteY6"/>
+                </a:cxn>
+                <a:cxn ang="0">
+                  <a:pos x="connsiteX7" y="connsiteY7"/>
+                </a:cxn>
+                <a:cxn ang="0">
+                  <a:pos x="connsiteX8" y="connsiteY8"/>
+                </a:cxn>
+              </a:cxnLst>
+              <a:rect l="l" t="t" r="r" b="b"/>
+              <a:pathLst>
+                <a:path w="481914" h="444843">
+                  <a:moveTo>
+                    <a:pt x="0" y="0"/>
+                  </a:moveTo>
+                  <a:cubicBezTo>
+                    <a:pt x="8238" y="28832"/>
+                    <a:pt x="19503" y="56967"/>
+                    <a:pt x="24714" y="86497"/>
+                  </a:cubicBezTo>
+                  <a:cubicBezTo>
+                    <a:pt x="31908" y="127262"/>
+                    <a:pt x="18559" y="173040"/>
+                    <a:pt x="37071" y="210064"/>
+                  </a:cubicBezTo>
+                  <a:cubicBezTo>
+                    <a:pt x="66239" y="268400"/>
+                    <a:pt x="141487" y="254961"/>
+                    <a:pt x="185352" y="284205"/>
+                  </a:cubicBezTo>
+                  <a:cubicBezTo>
+                    <a:pt x="197709" y="292443"/>
+                    <a:pt x="208851" y="302887"/>
+                    <a:pt x="222422" y="308919"/>
+                  </a:cubicBezTo>
+                  <a:cubicBezTo>
+                    <a:pt x="246227" y="319499"/>
+                    <a:pt x="296563" y="333632"/>
+                    <a:pt x="296563" y="333632"/>
+                  </a:cubicBezTo>
+                  <a:cubicBezTo>
+                    <a:pt x="304801" y="345989"/>
+                    <a:pt x="310100" y="360923"/>
+                    <a:pt x="321276" y="370702"/>
+                  </a:cubicBezTo>
+                  <a:cubicBezTo>
+                    <a:pt x="349835" y="395691"/>
+                    <a:pt x="426227" y="444843"/>
+                    <a:pt x="469557" y="444843"/>
+                  </a:cubicBezTo>
+                  <a:lnTo>
+                    <a:pt x="481914" y="444843"/>
+                  </a:lnTo>
+                </a:path>
+              </a:pathLst>
+            </a:custGeom>
+            <a:noFill/>
+            <a:ln w="25400">
+              <a:solidFill>
+                <a:schemeClr val="tx1"/>
+              </a:solidFill>
+            </a:ln>
+          </p:spPr>
+          <p:style>
+            <a:lnRef idx="2">
+              <a:schemeClr val="accent1">
+                <a:shade val="50000"/>
+              </a:schemeClr>
+            </a:lnRef>
+            <a:fillRef idx="1">
+              <a:schemeClr val="accent1"/>
+            </a:fillRef>
+            <a:effectRef idx="0">
+              <a:schemeClr val="accent1"/>
+            </a:effectRef>
+            <a:fontRef idx="minor">
+              <a:schemeClr val="lt1"/>
+            </a:fontRef>
+          </p:style>
+          <p:txBody>
+            <a:bodyPr rtlCol="0" anchor="ctr"/>
+            <a:lstStyle/>
+            <a:p>
+              <a:pPr algn="ctr"/>
+              <a:endParaRPr lang="en-US"/>
+            </a:p>
+          </p:txBody>
+        </p:sp>
+        <p:sp>
+          <p:nvSpPr>
+            <p:cNvPr id="44" name="TextBox 43">
+              <a:extLst>
+                <a:ext uri="{FF2B5EF4-FFF2-40B4-BE49-F238E27FC236}">
+                  <a16:creationId xmlns:a16="http://schemas.microsoft.com/office/drawing/2014/main" id="{C4EF8E61-5484-8B46-B96F-3F75B14FAF91}"/>
+                </a:ext>
+              </a:extLst>
+            </p:cNvPr>
+            <p:cNvSpPr txBox="1"/>
+            <p:nvPr/>
+          </p:nvSpPr>
+          <p:spPr>
+            <a:xfrm>
+              <a:off x="6756293" y="4445911"/>
+              <a:ext cx="633048" cy="430887"/>
+            </a:xfrm>
+            <a:prstGeom prst="rect">
+              <a:avLst/>
+            </a:prstGeom>
+            <a:noFill/>
+          </p:spPr>
+          <p:txBody>
+            <a:bodyPr wrap="square" rtlCol="0">
+              <a:spAutoFit/>
+            </a:bodyPr>
+            <a:lstStyle/>
+            <a:p>
+              <a:r>
+                <a:rPr lang="en-US" sz="2200" b="1" dirty="0"/>
+                <a:t>⍦</a:t>
+              </a:r>
+              <a:r>
+                <a:rPr lang="en-US" sz="2200" b="1" baseline="-25000" dirty="0"/>
+                <a:t>s</a:t>
+              </a:r>
+            </a:p>
+          </p:txBody>
+        </p:sp>
+        <p:grpSp>
+          <p:nvGrpSpPr>
+            <p:cNvPr id="15" name="Group 14">
+              <a:extLst>
+                <a:ext uri="{FF2B5EF4-FFF2-40B4-BE49-F238E27FC236}">
+                  <a16:creationId xmlns:a16="http://schemas.microsoft.com/office/drawing/2014/main" id="{11D34E7D-78D6-5048-BD31-00196225A295}"/>
+                </a:ext>
+              </a:extLst>
+            </p:cNvPr>
+            <p:cNvGrpSpPr/>
+            <p:nvPr/>
+          </p:nvGrpSpPr>
+          <p:grpSpPr>
+            <a:xfrm>
+              <a:off x="5258479" y="3995148"/>
+              <a:ext cx="535122" cy="612739"/>
+              <a:chOff x="5214552" y="4273286"/>
+              <a:chExt cx="426506" cy="488369"/>
+            </a:xfrm>
+          </p:grpSpPr>
+          <p:cxnSp>
+            <p:nvCxnSpPr>
+              <p:cNvPr id="48" name="Curved Connector 47">
+                <a:extLst>
+                  <a:ext uri="{FF2B5EF4-FFF2-40B4-BE49-F238E27FC236}">
+                    <a16:creationId xmlns:a16="http://schemas.microsoft.com/office/drawing/2014/main" id="{D0F699FE-D862-8244-9B2B-0934D38DD385}"/>
+                  </a:ext>
+                </a:extLst>
+              </p:cNvPr>
+              <p:cNvCxnSpPr>
+                <a:cxnSpLocks/>
+              </p:cNvCxnSpPr>
+              <p:nvPr/>
+            </p:nvCxnSpPr>
+            <p:spPr>
+              <a:xfrm rot="16200000" flipV="1">
+                <a:off x="5037399" y="4471037"/>
+                <a:ext cx="467771" cy="113466"/>
+              </a:xfrm>
+              <a:prstGeom prst="curvedConnector3">
+                <a:avLst/>
+              </a:prstGeom>
+              <a:ln w="22225">
+                <a:solidFill>
+                  <a:srgbClr val="0070C0"/>
+                </a:solidFill>
+                <a:tailEnd type="triangle"/>
+              </a:ln>
+            </p:spPr>
+            <p:style>
+              <a:lnRef idx="1">
+                <a:schemeClr val="accent1"/>
+              </a:lnRef>
+              <a:fillRef idx="0">
+                <a:schemeClr val="accent1"/>
+              </a:fillRef>
+              <a:effectRef idx="0">
+                <a:schemeClr val="accent1"/>
+              </a:effectRef>
+              <a:fontRef idx="minor">
+                <a:schemeClr val="tx1"/>
+              </a:fontRef>
+            </p:style>
+          </p:cxnSp>
+          <p:cxnSp>
+            <p:nvCxnSpPr>
+              <p:cNvPr id="49" name="Curved Connector 48">
+                <a:extLst>
+                  <a:ext uri="{FF2B5EF4-FFF2-40B4-BE49-F238E27FC236}">
+                    <a16:creationId xmlns:a16="http://schemas.microsoft.com/office/drawing/2014/main" id="{12953DBB-50F4-D940-BC1E-52E20CA699DD}"/>
+                  </a:ext>
+                </a:extLst>
+              </p:cNvPr>
+              <p:cNvCxnSpPr>
+                <a:cxnSpLocks/>
+              </p:cNvCxnSpPr>
+              <p:nvPr/>
+            </p:nvCxnSpPr>
+            <p:spPr>
+              <a:xfrm rot="16200000" flipV="1">
+                <a:off x="5189799" y="4462796"/>
+                <a:ext cx="467771" cy="113466"/>
+              </a:xfrm>
+              <a:prstGeom prst="curvedConnector3">
+                <a:avLst/>
+              </a:prstGeom>
+              <a:ln w="22225">
+                <a:solidFill>
+                  <a:srgbClr val="0070C0"/>
+                </a:solidFill>
+                <a:tailEnd type="triangle"/>
+              </a:ln>
+            </p:spPr>
+            <p:style>
+              <a:lnRef idx="1">
+                <a:schemeClr val="accent1"/>
+              </a:lnRef>
+              <a:fillRef idx="0">
+                <a:schemeClr val="accent1"/>
+              </a:fillRef>
+              <a:effectRef idx="0">
+                <a:schemeClr val="accent1"/>
+              </a:effectRef>
+              <a:fontRef idx="minor">
+                <a:schemeClr val="tx1"/>
+              </a:fontRef>
+            </p:style>
+          </p:cxnSp>
+          <p:cxnSp>
+            <p:nvCxnSpPr>
+              <p:cNvPr id="50" name="Curved Connector 49">
+                <a:extLst>
+                  <a:ext uri="{FF2B5EF4-FFF2-40B4-BE49-F238E27FC236}">
+                    <a16:creationId xmlns:a16="http://schemas.microsoft.com/office/drawing/2014/main" id="{50E7D02D-497B-A944-A1F9-57FEF065CC94}"/>
+                  </a:ext>
+                </a:extLst>
+              </p:cNvPr>
+              <p:cNvCxnSpPr>
+                <a:cxnSpLocks/>
+              </p:cNvCxnSpPr>
+              <p:nvPr/>
+            </p:nvCxnSpPr>
+            <p:spPr>
+              <a:xfrm rot="16200000" flipV="1">
+                <a:off x="5350439" y="4450439"/>
+                <a:ext cx="467771" cy="113466"/>
+              </a:xfrm>
+              <a:prstGeom prst="curvedConnector3">
+                <a:avLst/>
+              </a:prstGeom>
+              <a:ln w="22225">
+                <a:solidFill>
+                  <a:srgbClr val="0070C0"/>
+                </a:solidFill>
+                <a:tailEnd type="triangle"/>
+              </a:ln>
+            </p:spPr>
+            <p:style>
+              <a:lnRef idx="1">
+                <a:schemeClr val="accent1"/>
+              </a:lnRef>
+              <a:fillRef idx="0">
+                <a:schemeClr val="accent1"/>
+              </a:fillRef>
+              <a:effectRef idx="0">
+                <a:schemeClr val="accent1"/>
+              </a:effectRef>
+              <a:fontRef idx="minor">
+                <a:schemeClr val="tx1"/>
+              </a:fontRef>
+            </p:style>
+          </p:cxnSp>
+        </p:grpSp>
+        <p:sp>
+          <p:nvSpPr>
+            <p:cNvPr id="64" name="Rectangle 63">
+              <a:extLst>
+                <a:ext uri="{FF2B5EF4-FFF2-40B4-BE49-F238E27FC236}">
+                  <a16:creationId xmlns:a16="http://schemas.microsoft.com/office/drawing/2014/main" id="{006CFB1B-EDD1-C34B-B121-F9584D9F7D14}"/>
+                </a:ext>
+              </a:extLst>
+            </p:cNvPr>
+            <p:cNvSpPr/>
+            <p:nvPr/>
+          </p:nvSpPr>
+          <p:spPr>
+            <a:xfrm>
+              <a:off x="4788412" y="2359574"/>
+              <a:ext cx="2986233" cy="224918"/>
+            </a:xfrm>
+            <a:prstGeom prst="rect">
+              <a:avLst/>
+            </a:prstGeom>
+            <a:solidFill>
+              <a:schemeClr val="bg1"/>
+            </a:solidFill>
+            <a:ln>
+              <a:solidFill>
+                <a:schemeClr val="bg1"/>
+              </a:solidFill>
+            </a:ln>
+          </p:spPr>
+          <p:style>
+            <a:lnRef idx="2">
+              <a:schemeClr val="accent1">
+                <a:shade val="50000"/>
+              </a:schemeClr>
+            </a:lnRef>
+            <a:fillRef idx="1">
+              <a:schemeClr val="accent1"/>
+            </a:fillRef>
+            <a:effectRef idx="0">
+              <a:schemeClr val="accent1"/>
+            </a:effectRef>
+            <a:fontRef idx="minor">
+              <a:schemeClr val="lt1"/>
+            </a:fontRef>
+          </p:style>
+          <p:txBody>
+            <a:bodyPr rtlCol="0" anchor="ctr"/>
+            <a:lstStyle/>
+            <a:p>
+              <a:pPr algn="ctr"/>
+              <a:endParaRPr lang="en-US"/>
+            </a:p>
+          </p:txBody>
+        </p:sp>
+        <p:sp>
+          <p:nvSpPr>
+            <p:cNvPr id="34" name="Freeform 33">
+              <a:extLst>
+                <a:ext uri="{FF2B5EF4-FFF2-40B4-BE49-F238E27FC236}">
+                  <a16:creationId xmlns:a16="http://schemas.microsoft.com/office/drawing/2014/main" id="{615B38FE-90B3-6E4A-85B8-18F68F5191DD}"/>
+                </a:ext>
+              </a:extLst>
+            </p:cNvPr>
+            <p:cNvSpPr/>
+            <p:nvPr/>
+          </p:nvSpPr>
+          <p:spPr>
+            <a:xfrm rot="245782" flipH="1">
+              <a:off x="6322572" y="2657110"/>
+              <a:ext cx="574370" cy="995788"/>
+            </a:xfrm>
+            <a:custGeom>
+              <a:avLst/>
+              <a:gdLst>
+                <a:gd name="connsiteX0" fmla="*/ 621343 w 621343"/>
+                <a:gd name="connsiteY0" fmla="*/ 889686 h 902341"/>
+                <a:gd name="connsiteX1" fmla="*/ 621343 w 621343"/>
+                <a:gd name="connsiteY1" fmla="*/ 889686 h 902341"/>
+                <a:gd name="connsiteX2" fmla="*/ 510132 w 621343"/>
+                <a:gd name="connsiteY2" fmla="*/ 902043 h 902341"/>
+                <a:gd name="connsiteX3" fmla="*/ 411278 w 621343"/>
+                <a:gd name="connsiteY3" fmla="*/ 877329 h 902341"/>
+                <a:gd name="connsiteX4" fmla="*/ 374208 w 621343"/>
+                <a:gd name="connsiteY4" fmla="*/ 864972 h 902341"/>
+                <a:gd name="connsiteX5" fmla="*/ 300067 w 621343"/>
+                <a:gd name="connsiteY5" fmla="*/ 815545 h 902341"/>
+                <a:gd name="connsiteX6" fmla="*/ 225926 w 621343"/>
+                <a:gd name="connsiteY6" fmla="*/ 741405 h 902341"/>
+                <a:gd name="connsiteX7" fmla="*/ 176499 w 621343"/>
+                <a:gd name="connsiteY7" fmla="*/ 667264 h 902341"/>
+                <a:gd name="connsiteX8" fmla="*/ 90002 w 621343"/>
+                <a:gd name="connsiteY8" fmla="*/ 556054 h 902341"/>
+                <a:gd name="connsiteX9" fmla="*/ 65289 w 621343"/>
+                <a:gd name="connsiteY9" fmla="*/ 518983 h 902341"/>
+                <a:gd name="connsiteX10" fmla="*/ 28218 w 621343"/>
+                <a:gd name="connsiteY10" fmla="*/ 444843 h 902341"/>
+                <a:gd name="connsiteX11" fmla="*/ 15862 w 621343"/>
+                <a:gd name="connsiteY11" fmla="*/ 383059 h 902341"/>
+                <a:gd name="connsiteX12" fmla="*/ 3505 w 621343"/>
+                <a:gd name="connsiteY12" fmla="*/ 333632 h 902341"/>
+                <a:gd name="connsiteX13" fmla="*/ 28218 w 621343"/>
+                <a:gd name="connsiteY13" fmla="*/ 0 h 902341"/>
+                <a:gd name="connsiteX14" fmla="*/ 102359 w 621343"/>
+                <a:gd name="connsiteY14" fmla="*/ 24713 h 902341"/>
+                <a:gd name="connsiteX15" fmla="*/ 139429 w 621343"/>
+                <a:gd name="connsiteY15" fmla="*/ 37070 h 902341"/>
+                <a:gd name="connsiteX16" fmla="*/ 213570 w 621343"/>
+                <a:gd name="connsiteY16" fmla="*/ 86497 h 902341"/>
+                <a:gd name="connsiteX17" fmla="*/ 262997 w 621343"/>
+                <a:gd name="connsiteY17" fmla="*/ 148281 h 902341"/>
+                <a:gd name="connsiteX18" fmla="*/ 275353 w 621343"/>
+                <a:gd name="connsiteY18" fmla="*/ 185351 h 902341"/>
+                <a:gd name="connsiteX19" fmla="*/ 324781 w 621343"/>
+                <a:gd name="connsiteY19" fmla="*/ 259491 h 902341"/>
+                <a:gd name="connsiteX20" fmla="*/ 361851 w 621343"/>
+                <a:gd name="connsiteY20" fmla="*/ 333632 h 902341"/>
+                <a:gd name="connsiteX21" fmla="*/ 374208 w 621343"/>
+                <a:gd name="connsiteY21" fmla="*/ 370702 h 902341"/>
+                <a:gd name="connsiteX22" fmla="*/ 423635 w 621343"/>
+                <a:gd name="connsiteY22" fmla="*/ 444843 h 902341"/>
+                <a:gd name="connsiteX23" fmla="*/ 460705 w 621343"/>
+                <a:gd name="connsiteY23" fmla="*/ 518983 h 902341"/>
+                <a:gd name="connsiteX24" fmla="*/ 485418 w 621343"/>
+                <a:gd name="connsiteY24" fmla="*/ 593124 h 902341"/>
+                <a:gd name="connsiteX25" fmla="*/ 534845 w 621343"/>
+                <a:gd name="connsiteY25" fmla="*/ 667264 h 902341"/>
+                <a:gd name="connsiteX26" fmla="*/ 571916 w 621343"/>
+                <a:gd name="connsiteY26" fmla="*/ 778475 h 902341"/>
+                <a:gd name="connsiteX27" fmla="*/ 596629 w 621343"/>
+                <a:gd name="connsiteY27" fmla="*/ 877329 h 902341"/>
+                <a:gd name="connsiteX28" fmla="*/ 621343 w 621343"/>
+                <a:gd name="connsiteY28" fmla="*/ 889686 h 902341"/>
+              </a:gdLst>
+              <a:ahLst/>
+              <a:cxnLst>
+                <a:cxn ang="0">
+                  <a:pos x="connsiteX0" y="connsiteY0"/>
+                </a:cxn>
+                <a:cxn ang="0">
+                  <a:pos x="connsiteX1" y="connsiteY1"/>
+                </a:cxn>
+                <a:cxn ang="0">
+                  <a:pos x="connsiteX2" y="connsiteY2"/>
+                </a:cxn>
+                <a:cxn ang="0">
+                  <a:pos x="connsiteX3" y="connsiteY3"/>
+                </a:cxn>
+                <a:cxn ang="0">
+                  <a:pos x="connsiteX4" y="connsiteY4"/>
+                </a:cxn>
+                <a:cxn ang="0">
+                  <a:pos x="connsiteX5" y="connsiteY5"/>
+                </a:cxn>
+                <a:cxn ang="0">
+                  <a:pos x="connsiteX6" y="connsiteY6"/>
+                </a:cxn>
+                <a:cxn ang="0">
+                  <a:pos x="connsiteX7" y="connsiteY7"/>
+                </a:cxn>
+                <a:cxn ang="0">
+                  <a:pos x="connsiteX8" y="connsiteY8"/>
+                </a:cxn>
+                <a:cxn ang="0">
+                  <a:pos x="connsiteX9" y="connsiteY9"/>
+                </a:cxn>
+                <a:cxn ang="0">
+                  <a:pos x="connsiteX10" y="connsiteY10"/>
+                </a:cxn>
+                <a:cxn ang="0">
+                  <a:pos x="connsiteX11" y="connsiteY11"/>
+                </a:cxn>
+                <a:cxn ang="0">
+                  <a:pos x="connsiteX12" y="connsiteY12"/>
+                </a:cxn>
+                <a:cxn ang="0">
+                  <a:pos x="connsiteX13" y="connsiteY13"/>
+                </a:cxn>
+                <a:cxn ang="0">
+                  <a:pos x="connsiteX14" y="connsiteY14"/>
+                </a:cxn>
+                <a:cxn ang="0">
+                  <a:pos x="connsiteX15" y="connsiteY15"/>
+                </a:cxn>
+                <a:cxn ang="0">
+                  <a:pos x="connsiteX16" y="connsiteY16"/>
+                </a:cxn>
+                <a:cxn ang="0">
+                  <a:pos x="connsiteX17" y="connsiteY17"/>
+                </a:cxn>
+                <a:cxn ang="0">
+                  <a:pos x="connsiteX18" y="connsiteY18"/>
+                </a:cxn>
+                <a:cxn ang="0">
+                  <a:pos x="connsiteX19" y="connsiteY19"/>
+                </a:cxn>
+                <a:cxn ang="0">
+                  <a:pos x="connsiteX20" y="connsiteY20"/>
+                </a:cxn>
+                <a:cxn ang="0">
+                  <a:pos x="connsiteX21" y="connsiteY21"/>
+                </a:cxn>
+                <a:cxn ang="0">
+                  <a:pos x="connsiteX22" y="connsiteY22"/>
+                </a:cxn>
+                <a:cxn ang="0">
+                  <a:pos x="connsiteX23" y="connsiteY23"/>
+                </a:cxn>
+                <a:cxn ang="0">
+                  <a:pos x="connsiteX24" y="connsiteY24"/>
+                </a:cxn>
+                <a:cxn ang="0">
+                  <a:pos x="connsiteX25" y="connsiteY25"/>
+                </a:cxn>
+                <a:cxn ang="0">
+                  <a:pos x="connsiteX26" y="connsiteY26"/>
+                </a:cxn>
+                <a:cxn ang="0">
+                  <a:pos x="connsiteX27" y="connsiteY27"/>
+                </a:cxn>
+                <a:cxn ang="0">
+                  <a:pos x="connsiteX28" y="connsiteY28"/>
+                </a:cxn>
+              </a:cxnLst>
+              <a:rect l="l" t="t" r="r" b="b"/>
+              <a:pathLst>
+                <a:path w="621343" h="902341">
+                  <a:moveTo>
+                    <a:pt x="621343" y="889686"/>
+                  </a:moveTo>
+                  <a:lnTo>
+                    <a:pt x="621343" y="889686"/>
+                  </a:lnTo>
+                  <a:cubicBezTo>
+                    <a:pt x="584273" y="893805"/>
+                    <a:pt x="547366" y="904233"/>
+                    <a:pt x="510132" y="902043"/>
+                  </a:cubicBezTo>
+                  <a:cubicBezTo>
+                    <a:pt x="476225" y="900048"/>
+                    <a:pt x="443500" y="888070"/>
+                    <a:pt x="411278" y="877329"/>
+                  </a:cubicBezTo>
+                  <a:cubicBezTo>
+                    <a:pt x="398921" y="873210"/>
+                    <a:pt x="385594" y="871298"/>
+                    <a:pt x="374208" y="864972"/>
+                  </a:cubicBezTo>
+                  <a:cubicBezTo>
+                    <a:pt x="348244" y="850547"/>
+                    <a:pt x="321070" y="836547"/>
+                    <a:pt x="300067" y="815545"/>
+                  </a:cubicBezTo>
+                  <a:cubicBezTo>
+                    <a:pt x="275353" y="790832"/>
+                    <a:pt x="245313" y="770485"/>
+                    <a:pt x="225926" y="741405"/>
+                  </a:cubicBezTo>
+                  <a:cubicBezTo>
+                    <a:pt x="209450" y="716691"/>
+                    <a:pt x="197502" y="688267"/>
+                    <a:pt x="176499" y="667264"/>
+                  </a:cubicBezTo>
+                  <a:cubicBezTo>
+                    <a:pt x="118428" y="609193"/>
+                    <a:pt x="149120" y="644731"/>
+                    <a:pt x="90002" y="556054"/>
+                  </a:cubicBezTo>
+                  <a:cubicBezTo>
+                    <a:pt x="81764" y="543697"/>
+                    <a:pt x="69985" y="533072"/>
+                    <a:pt x="65289" y="518983"/>
+                  </a:cubicBezTo>
+                  <a:cubicBezTo>
+                    <a:pt x="48236" y="467824"/>
+                    <a:pt x="60157" y="492750"/>
+                    <a:pt x="28218" y="444843"/>
+                  </a:cubicBezTo>
+                  <a:cubicBezTo>
+                    <a:pt x="24099" y="424248"/>
+                    <a:pt x="20418" y="403561"/>
+                    <a:pt x="15862" y="383059"/>
+                  </a:cubicBezTo>
+                  <a:cubicBezTo>
+                    <a:pt x="12178" y="366481"/>
+                    <a:pt x="3505" y="350615"/>
+                    <a:pt x="3505" y="333632"/>
+                  </a:cubicBezTo>
+                  <a:cubicBezTo>
+                    <a:pt x="3505" y="62756"/>
+                    <a:pt x="-13726" y="125838"/>
+                    <a:pt x="28218" y="0"/>
+                  </a:cubicBezTo>
+                  <a:lnTo>
+                    <a:pt x="102359" y="24713"/>
+                  </a:lnTo>
+                  <a:cubicBezTo>
+                    <a:pt x="114716" y="28832"/>
+                    <a:pt x="128591" y="29845"/>
+                    <a:pt x="139429" y="37070"/>
+                  </a:cubicBezTo>
+                  <a:lnTo>
+                    <a:pt x="213570" y="86497"/>
+                  </a:lnTo>
+                  <a:cubicBezTo>
+                    <a:pt x="244627" y="179672"/>
+                    <a:pt x="199120" y="68435"/>
+                    <a:pt x="262997" y="148281"/>
+                  </a:cubicBezTo>
+                  <a:cubicBezTo>
+                    <a:pt x="271134" y="158452"/>
+                    <a:pt x="269027" y="173965"/>
+                    <a:pt x="275353" y="185351"/>
+                  </a:cubicBezTo>
+                  <a:cubicBezTo>
+                    <a:pt x="289778" y="211315"/>
+                    <a:pt x="324781" y="259491"/>
+                    <a:pt x="324781" y="259491"/>
+                  </a:cubicBezTo>
+                  <a:cubicBezTo>
+                    <a:pt x="355835" y="352660"/>
+                    <a:pt x="313947" y="237827"/>
+                    <a:pt x="361851" y="333632"/>
+                  </a:cubicBezTo>
+                  <a:cubicBezTo>
+                    <a:pt x="367676" y="345282"/>
+                    <a:pt x="367882" y="359316"/>
+                    <a:pt x="374208" y="370702"/>
+                  </a:cubicBezTo>
+                  <a:cubicBezTo>
+                    <a:pt x="388633" y="396666"/>
+                    <a:pt x="423635" y="444843"/>
+                    <a:pt x="423635" y="444843"/>
+                  </a:cubicBezTo>
+                  <a:cubicBezTo>
+                    <a:pt x="468695" y="580030"/>
+                    <a:pt x="396832" y="375267"/>
+                    <a:pt x="460705" y="518983"/>
+                  </a:cubicBezTo>
+                  <a:cubicBezTo>
+                    <a:pt x="471285" y="542788"/>
+                    <a:pt x="470968" y="571449"/>
+                    <a:pt x="485418" y="593124"/>
+                  </a:cubicBezTo>
+                  <a:cubicBezTo>
+                    <a:pt x="501894" y="617837"/>
+                    <a:pt x="525452" y="639086"/>
+                    <a:pt x="534845" y="667264"/>
+                  </a:cubicBezTo>
+                  <a:lnTo>
+                    <a:pt x="571916" y="778475"/>
+                  </a:lnTo>
+                  <a:cubicBezTo>
+                    <a:pt x="587830" y="826217"/>
+                    <a:pt x="586689" y="817693"/>
+                    <a:pt x="596629" y="877329"/>
+                  </a:cubicBezTo>
+                  <a:cubicBezTo>
+                    <a:pt x="597306" y="881392"/>
+                    <a:pt x="617224" y="887627"/>
+                    <a:pt x="621343" y="889686"/>
+                  </a:cubicBezTo>
+                  <a:close/>
+                </a:path>
+              </a:pathLst>
+            </a:custGeom>
+            <a:solidFill>
+              <a:schemeClr val="accent6"/>
+            </a:solidFill>
+            <a:ln>
+              <a:solidFill>
+                <a:schemeClr val="accent6"/>
+              </a:solidFill>
+            </a:ln>
+          </p:spPr>
+          <p:style>
+            <a:lnRef idx="2">
+              <a:schemeClr val="accent1">
+                <a:shade val="50000"/>
+              </a:schemeClr>
+            </a:lnRef>
+            <a:fillRef idx="1">
+              <a:schemeClr val="accent1"/>
+            </a:fillRef>
+            <a:effectRef idx="0">
+              <a:schemeClr val="accent1"/>
+            </a:effectRef>
+            <a:fontRef idx="minor">
+              <a:schemeClr val="lt1"/>
+            </a:fontRef>
+          </p:style>
+          <p:txBody>
+            <a:bodyPr rtlCol="0" anchor="ctr"/>
+            <a:lstStyle/>
+            <a:p>
+              <a:pPr algn="ctr"/>
+              <a:endParaRPr lang="en-US" dirty="0"/>
+            </a:p>
+          </p:txBody>
+        </p:sp>
+        <p:cxnSp>
+          <p:nvCxnSpPr>
+            <p:cNvPr id="55" name="Curved Connector 54">
+              <a:extLst>
+                <a:ext uri="{FF2B5EF4-FFF2-40B4-BE49-F238E27FC236}">
+                  <a16:creationId xmlns:a16="http://schemas.microsoft.com/office/drawing/2014/main" id="{530FDBBB-440F-454B-8169-D089306114AB}"/>
+                </a:ext>
+              </a:extLst>
+            </p:cNvPr>
+            <p:cNvCxnSpPr/>
+            <p:nvPr/>
+          </p:nvCxnSpPr>
+          <p:spPr>
+            <a:xfrm rot="5400000" flipH="1" flipV="1">
+              <a:off x="6623065" y="2932582"/>
+              <a:ext cx="469869" cy="444843"/>
+            </a:xfrm>
+            <a:prstGeom prst="curvedConnector3">
+              <a:avLst>
+                <a:gd name="adj1" fmla="val 28961"/>
+              </a:avLst>
+            </a:prstGeom>
+            <a:ln w="22225">
+              <a:solidFill>
+                <a:srgbClr val="0070C0"/>
+              </a:solidFill>
+              <a:tailEnd type="triangle"/>
+            </a:ln>
+          </p:spPr>
+          <p:style>
+            <a:lnRef idx="1">
+              <a:schemeClr val="accent1"/>
+            </a:lnRef>
+            <a:fillRef idx="0">
+              <a:schemeClr val="accent1"/>
+            </a:fillRef>
+            <a:effectRef idx="0">
+              <a:schemeClr val="accent1"/>
+            </a:effectRef>
+            <a:fontRef idx="minor">
+              <a:schemeClr val="tx1"/>
+            </a:fontRef>
+          </p:style>
+        </p:cxnSp>
+        <p:cxnSp>
+          <p:nvCxnSpPr>
+            <p:cNvPr id="57" name="Curved Connector 56">
+              <a:extLst>
+                <a:ext uri="{FF2B5EF4-FFF2-40B4-BE49-F238E27FC236}">
+                  <a16:creationId xmlns:a16="http://schemas.microsoft.com/office/drawing/2014/main" id="{94382E84-5F3F-0E44-A274-660CD04ACF6C}"/>
+                </a:ext>
+              </a:extLst>
+            </p:cNvPr>
+            <p:cNvCxnSpPr/>
+            <p:nvPr/>
+          </p:nvCxnSpPr>
+          <p:spPr>
+            <a:xfrm rot="5400000" flipH="1" flipV="1">
+              <a:off x="6580204" y="2804671"/>
+              <a:ext cx="469869" cy="444843"/>
+            </a:xfrm>
+            <a:prstGeom prst="curvedConnector3">
+              <a:avLst>
+                <a:gd name="adj1" fmla="val 28961"/>
+              </a:avLst>
+            </a:prstGeom>
+            <a:ln w="22225">
+              <a:solidFill>
+                <a:srgbClr val="0070C0"/>
+              </a:solidFill>
+              <a:tailEnd type="triangle"/>
+            </a:ln>
+          </p:spPr>
+          <p:style>
+            <a:lnRef idx="1">
+              <a:schemeClr val="accent1"/>
+            </a:lnRef>
+            <a:fillRef idx="0">
+              <a:schemeClr val="accent1"/>
+            </a:fillRef>
+            <a:effectRef idx="0">
+              <a:schemeClr val="accent1"/>
+            </a:effectRef>
+            <a:fontRef idx="minor">
+              <a:schemeClr val="tx1"/>
+            </a:fontRef>
+          </p:style>
+        </p:cxnSp>
+        <p:sp>
+          <p:nvSpPr>
+            <p:cNvPr id="58" name="TextBox 57">
+              <a:extLst>
+                <a:ext uri="{FF2B5EF4-FFF2-40B4-BE49-F238E27FC236}">
+                  <a16:creationId xmlns:a16="http://schemas.microsoft.com/office/drawing/2014/main" id="{15DF5737-F28E-6341-86EF-BD0C7E5B17F6}"/>
+                </a:ext>
+              </a:extLst>
+            </p:cNvPr>
+            <p:cNvSpPr txBox="1"/>
+            <p:nvPr/>
+          </p:nvSpPr>
+          <p:spPr>
+            <a:xfrm>
+              <a:off x="6151844" y="2366294"/>
+              <a:ext cx="1412310" cy="369332"/>
+            </a:xfrm>
+            <a:prstGeom prst="rect">
+              <a:avLst/>
+            </a:prstGeom>
+            <a:noFill/>
+          </p:spPr>
+          <p:txBody>
+            <a:bodyPr wrap="none" rtlCol="0">
+              <a:spAutoFit/>
+            </a:bodyPr>
+            <a:lstStyle/>
+            <a:p>
+              <a:r>
+                <a:rPr lang="en-US" dirty="0"/>
+                <a:t>Transpiration</a:t>
+              </a:r>
+            </a:p>
+          </p:txBody>
+        </p:sp>
+        <p:sp>
+          <p:nvSpPr>
+            <p:cNvPr id="68" name="TextBox 67">
+              <a:extLst>
+                <a:ext uri="{FF2B5EF4-FFF2-40B4-BE49-F238E27FC236}">
+                  <a16:creationId xmlns:a16="http://schemas.microsoft.com/office/drawing/2014/main" id="{99413ED4-6996-AF4B-8380-C25910E2281B}"/>
+                </a:ext>
+              </a:extLst>
+            </p:cNvPr>
+            <p:cNvSpPr txBox="1"/>
+            <p:nvPr/>
+          </p:nvSpPr>
+          <p:spPr>
+            <a:xfrm>
+              <a:off x="6276193" y="3668826"/>
+              <a:ext cx="633048" cy="430887"/>
+            </a:xfrm>
+            <a:prstGeom prst="rect">
+              <a:avLst/>
+            </a:prstGeom>
+            <a:noFill/>
+          </p:spPr>
+          <p:txBody>
+            <a:bodyPr wrap="square" rtlCol="0">
+              <a:spAutoFit/>
+            </a:bodyPr>
+            <a:lstStyle/>
+            <a:p>
+              <a:r>
+                <a:rPr lang="en-US" sz="2200" b="1" dirty="0"/>
+                <a:t>⍦</a:t>
+              </a:r>
+              <a:r>
+                <a:rPr lang="en-US" sz="2200" b="1" baseline="-25000" dirty="0"/>
+                <a:t>x</a:t>
+              </a:r>
+            </a:p>
+          </p:txBody>
+        </p:sp>
+        <p:cxnSp>
+          <p:nvCxnSpPr>
+            <p:cNvPr id="47" name="Straight Arrow Connector 46">
+              <a:extLst>
+                <a:ext uri="{FF2B5EF4-FFF2-40B4-BE49-F238E27FC236}">
+                  <a16:creationId xmlns:a16="http://schemas.microsoft.com/office/drawing/2014/main" id="{AB47F8D8-17DF-9746-9AD9-2F5011995F3E}"/>
+                </a:ext>
+              </a:extLst>
+            </p:cNvPr>
+            <p:cNvCxnSpPr>
+              <a:cxnSpLocks/>
+            </p:cNvCxnSpPr>
+            <p:nvPr/>
+          </p:nvCxnSpPr>
+          <p:spPr>
+            <a:xfrm>
+              <a:off x="7832293" y="2557551"/>
+              <a:ext cx="0" cy="1672593"/>
+            </a:xfrm>
+            <a:prstGeom prst="straightConnector1">
+              <a:avLst/>
+            </a:prstGeom>
+            <a:ln w="12700">
+              <a:solidFill>
+                <a:schemeClr val="tx1"/>
+              </a:solidFill>
+              <a:headEnd type="triangle"/>
+              <a:tailEnd type="triangle"/>
+            </a:ln>
+          </p:spPr>
+          <p:style>
+            <a:lnRef idx="1">
+              <a:schemeClr val="accent1"/>
+            </a:lnRef>
+            <a:fillRef idx="0">
+              <a:schemeClr val="accent1"/>
+            </a:fillRef>
+            <a:effectRef idx="0">
+              <a:schemeClr val="accent1"/>
+            </a:effectRef>
+            <a:fontRef idx="minor">
+              <a:schemeClr val="tx1"/>
+            </a:fontRef>
+          </p:style>
+        </p:cxnSp>
+        <p:sp>
+          <p:nvSpPr>
+            <p:cNvPr id="52" name="TextBox 51">
+              <a:extLst>
+                <a:ext uri="{FF2B5EF4-FFF2-40B4-BE49-F238E27FC236}">
+                  <a16:creationId xmlns:a16="http://schemas.microsoft.com/office/drawing/2014/main" id="{5E0B275E-B190-4640-8144-9939C38EEF30}"/>
+                </a:ext>
+              </a:extLst>
+            </p:cNvPr>
+            <p:cNvSpPr txBox="1"/>
+            <p:nvPr/>
+          </p:nvSpPr>
+          <p:spPr>
+            <a:xfrm rot="16200000">
+              <a:off x="7684828" y="3305805"/>
+              <a:ext cx="636713" cy="369332"/>
+            </a:xfrm>
+            <a:prstGeom prst="rect">
+              <a:avLst/>
+            </a:prstGeom>
+            <a:noFill/>
+          </p:spPr>
+          <p:txBody>
+            <a:bodyPr wrap="none" rtlCol="0">
+              <a:spAutoFit/>
+            </a:bodyPr>
+            <a:lstStyle/>
+            <a:p>
+              <a:r>
+                <a:rPr lang="en-US" dirty="0"/>
+                <a:t>6 cm</a:t>
+              </a:r>
+            </a:p>
+          </p:txBody>
+        </p:sp>
+        <p:cxnSp>
+          <p:nvCxnSpPr>
+            <p:cNvPr id="3" name="Straight Connector 2">
+              <a:extLst>
+                <a:ext uri="{FF2B5EF4-FFF2-40B4-BE49-F238E27FC236}">
+                  <a16:creationId xmlns:a16="http://schemas.microsoft.com/office/drawing/2014/main" id="{72C9CD26-25AE-A744-842A-29553EA14F6C}"/>
+                </a:ext>
+              </a:extLst>
+            </p:cNvPr>
+            <p:cNvCxnSpPr>
+              <a:cxnSpLocks/>
+            </p:cNvCxnSpPr>
+            <p:nvPr/>
+          </p:nvCxnSpPr>
+          <p:spPr>
+            <a:xfrm>
+              <a:off x="4880113" y="4223744"/>
+              <a:ext cx="2802835" cy="0"/>
+            </a:xfrm>
+            <a:prstGeom prst="line">
+              <a:avLst/>
+            </a:prstGeom>
+            <a:ln w="38100">
+              <a:solidFill>
+                <a:schemeClr val="tx1"/>
+              </a:solidFill>
+            </a:ln>
+          </p:spPr>
+          <p:style>
+            <a:lnRef idx="1">
+              <a:schemeClr val="accent1"/>
+            </a:lnRef>
+            <a:fillRef idx="0">
+              <a:schemeClr val="accent1"/>
+            </a:fillRef>
+            <a:effectRef idx="0">
+              <a:schemeClr val="accent1"/>
+            </a:effectRef>
+            <a:fontRef idx="minor">
+              <a:schemeClr val="tx1"/>
+            </a:fontRef>
+          </p:style>
+        </p:cxnSp>
+        <p:sp>
+          <p:nvSpPr>
+            <p:cNvPr id="4" name="&quot;No&quot; Symbol 3">
+              <a:extLst>
+                <a:ext uri="{FF2B5EF4-FFF2-40B4-BE49-F238E27FC236}">
+                  <a16:creationId xmlns:a16="http://schemas.microsoft.com/office/drawing/2014/main" id="{59A83E6D-866E-3B4E-A9E3-038DA6FD023E}"/>
+                </a:ext>
+              </a:extLst>
+            </p:cNvPr>
+            <p:cNvSpPr/>
+            <p:nvPr/>
+          </p:nvSpPr>
+          <p:spPr>
+            <a:xfrm>
+              <a:off x="5028350" y="3828234"/>
+              <a:ext cx="914400" cy="914400"/>
+            </a:xfrm>
+            <a:prstGeom prst="noSmoking">
+              <a:avLst/>
+            </a:prstGeom>
+            <a:solidFill>
+              <a:srgbClr val="FF0000">
+                <a:alpha val="60409"/>
+              </a:srgbClr>
+            </a:solidFill>
+            <a:ln>
+              <a:solidFill>
+                <a:schemeClr val="tx1"/>
+              </a:solidFill>
+            </a:ln>
+          </p:spPr>
+          <p:style>
+            <a:lnRef idx="2">
+              <a:schemeClr val="accent1">
+                <a:shade val="50000"/>
+              </a:schemeClr>
+            </a:lnRef>
+            <a:fillRef idx="1">
+              <a:schemeClr val="accent1"/>
+            </a:fillRef>
+            <a:effectRef idx="0">
+              <a:schemeClr val="accent1"/>
+            </a:effectRef>
+            <a:fontRef idx="minor">
+              <a:schemeClr val="lt1"/>
+            </a:fontRef>
+          </p:style>
+          <p:txBody>
+            <a:bodyPr rtlCol="0" anchor="ctr"/>
+            <a:lstStyle/>
+            <a:p>
+              <a:pPr algn="ctr"/>
+              <a:endParaRPr lang="en-US">
+                <a:solidFill>
+                  <a:schemeClr val="tx1"/>
+                </a:solidFill>
+              </a:endParaRPr>
+            </a:p>
+          </p:txBody>
+        </p:sp>
+        <p:sp>
+          <p:nvSpPr>
+            <p:cNvPr id="51" name="TextBox 50">
+              <a:extLst>
+                <a:ext uri="{FF2B5EF4-FFF2-40B4-BE49-F238E27FC236}">
+                  <a16:creationId xmlns:a16="http://schemas.microsoft.com/office/drawing/2014/main" id="{5F22E2D1-14A0-5B4E-8851-E228CB250C62}"/>
+                </a:ext>
+              </a:extLst>
+            </p:cNvPr>
+            <p:cNvSpPr txBox="1"/>
+            <p:nvPr/>
+          </p:nvSpPr>
+          <p:spPr>
+            <a:xfrm>
+              <a:off x="4839077" y="3513368"/>
+              <a:ext cx="1428789" cy="369332"/>
+            </a:xfrm>
+            <a:prstGeom prst="rect">
+              <a:avLst/>
+            </a:prstGeom>
+            <a:noFill/>
+          </p:spPr>
+          <p:txBody>
+            <a:bodyPr wrap="square" rtlCol="0">
+              <a:spAutoFit/>
+            </a:bodyPr>
+            <a:lstStyle/>
+            <a:p>
+              <a:r>
+                <a:rPr lang="en-US" dirty="0"/>
+                <a:t>Evaporation</a:t>
+              </a:r>
+            </a:p>
+          </p:txBody>
+        </p:sp>
+        <p:sp>
+          <p:nvSpPr>
+            <p:cNvPr id="54" name="TextBox 53">
+              <a:extLst>
+                <a:ext uri="{FF2B5EF4-FFF2-40B4-BE49-F238E27FC236}">
+                  <a16:creationId xmlns:a16="http://schemas.microsoft.com/office/drawing/2014/main" id="{7DC0578D-8FAF-5543-AA88-D5AA2DF200F0}"/>
+                </a:ext>
+              </a:extLst>
+            </p:cNvPr>
+            <p:cNvSpPr txBox="1"/>
+            <p:nvPr/>
+          </p:nvSpPr>
+          <p:spPr>
+            <a:xfrm>
+              <a:off x="7106503" y="3954226"/>
+              <a:ext cx="457176" cy="369332"/>
+            </a:xfrm>
+            <a:prstGeom prst="rect">
+              <a:avLst/>
+            </a:prstGeom>
+            <a:noFill/>
+          </p:spPr>
+          <p:txBody>
+            <a:bodyPr wrap="none" rtlCol="0">
+              <a:spAutoFit/>
+            </a:bodyPr>
+            <a:lstStyle/>
+            <a:p>
+              <a:r>
+                <a:rPr lang="en-US" dirty="0"/>
+                <a:t>Lid</a:t>
+              </a:r>
+            </a:p>
+          </p:txBody>
+        </p:sp>
+      </p:grpSp>
+      <p:sp>
+        <p:nvSpPr>
+          <p:cNvPr id="28" name="TextBox 27">
+            <a:extLst>
+              <a:ext uri="{FF2B5EF4-FFF2-40B4-BE49-F238E27FC236}">
+                <a16:creationId xmlns:a16="http://schemas.microsoft.com/office/drawing/2014/main" id="{2E29CEB0-7FF4-2842-AB8F-CF8853866420}"/>
+              </a:ext>
+            </a:extLst>
+          </p:cNvPr>
+          <p:cNvSpPr txBox="1"/>
+          <p:nvPr/>
+        </p:nvSpPr>
+        <p:spPr>
+          <a:xfrm>
+            <a:off x="4993412" y="4833696"/>
+            <a:ext cx="518091" cy="369332"/>
+          </a:xfrm>
+          <a:prstGeom prst="rect">
+            <a:avLst/>
+          </a:prstGeom>
+          <a:noFill/>
+        </p:spPr>
+        <p:txBody>
+          <a:bodyPr wrap="none" rtlCol="0">
+            <a:spAutoFit/>
+          </a:bodyPr>
+          <a:lstStyle/>
+          <a:p>
+            <a:r>
+              <a:rPr lang="en-US" dirty="0"/>
+              <a:t>Soil</a:t>
+            </a:r>
+          </a:p>
+        </p:txBody>
+      </p:sp>
+    </p:spTree>
+    <p:extLst>
+      <p:ext uri="{BB962C8B-B14F-4D97-AF65-F5344CB8AC3E}">
+        <p14:creationId xmlns:p14="http://schemas.microsoft.com/office/powerpoint/2010/main" val="2542126611"/>
+      </p:ext>
+    </p:extLst>
+  </p:cSld>
+  <p:clrMapOvr>
+    <a:masterClrMapping/>
+  </p:clrMapOvr>
+</p:sld>
+</file>
+
+<file path=ppt/slides/slide2.xml><?xml version="1.0" encoding="utf-8"?>
+<p:sld xmlns:a="http://schemas.openxmlformats.org/drawingml/2006/main" xmlns:r="http://schemas.openxmlformats.org/officeDocument/2006/relationships" xmlns:p="http://schemas.openxmlformats.org/presentationml/2006/main">
+  <p:cSld>
+    <p:spTree>
+      <p:nvGrpSpPr>
+        <p:cNvPr id="1" name=""/>
+        <p:cNvGrpSpPr/>
+        <p:nvPr/>
+      </p:nvGrpSpPr>
+      <p:grpSpPr>
+        <a:xfrm>
+          <a:off x="0" y="0"/>
+          <a:ext cx="0" cy="0"/>
+          <a:chOff x="0" y="0"/>
+          <a:chExt cx="0" cy="0"/>
+        </a:xfrm>
+      </p:grpSpPr>
+      <p:sp>
+        <p:nvSpPr>
+          <p:cNvPr id="93" name="Rounded Rectangle 92">
+            <a:extLst>
+              <a:ext uri="{FF2B5EF4-FFF2-40B4-BE49-F238E27FC236}">
+                <a16:creationId xmlns:a16="http://schemas.microsoft.com/office/drawing/2014/main" id="{BE04E47F-8580-2E42-A096-AB5F36A68E5B}"/>
+              </a:ext>
+            </a:extLst>
+          </p:cNvPr>
+          <p:cNvSpPr/>
+          <p:nvPr/>
+        </p:nvSpPr>
+        <p:spPr>
+          <a:xfrm>
+            <a:off x="1654638" y="4712829"/>
+            <a:ext cx="2015749" cy="1103088"/>
+          </a:xfrm>
+          <a:prstGeom prst="roundRect">
+            <a:avLst/>
+          </a:prstGeom>
+          <a:solidFill>
+            <a:srgbClr val="00B050">
+              <a:alpha val="70000"/>
+            </a:srgbClr>
+          </a:solidFill>
+          <a:ln>
+            <a:solidFill>
+              <a:schemeClr val="tx1"/>
+            </a:solidFill>
+          </a:ln>
+        </p:spPr>
+        <p:style>
+          <a:lnRef idx="2">
+            <a:schemeClr val="accent1">
+              <a:shade val="50000"/>
+            </a:schemeClr>
+          </a:lnRef>
+          <a:fillRef idx="1">
+            <a:schemeClr val="accent1"/>
+          </a:fillRef>
+          <a:effectRef idx="0">
+            <a:schemeClr val="accent1"/>
+          </a:effectRef>
+          <a:fontRef idx="minor">
+            <a:schemeClr val="lt1"/>
+          </a:fontRef>
+        </p:style>
+        <p:txBody>
+          <a:bodyPr rtlCol="0" anchor="ctr"/>
+          <a:lstStyle/>
+          <a:p>
+            <a:pPr algn="ctr"/>
+            <a:endParaRPr lang="en-US"/>
+          </a:p>
+        </p:txBody>
+      </p:sp>
+      <p:sp>
+        <p:nvSpPr>
+          <p:cNvPr id="4" name="Rectangle 3">
+            <a:extLst>
+              <a:ext uri="{FF2B5EF4-FFF2-40B4-BE49-F238E27FC236}">
+                <a16:creationId xmlns:a16="http://schemas.microsoft.com/office/drawing/2014/main" id="{6D571A9C-074B-FB42-96DA-54179AB19680}"/>
+              </a:ext>
+            </a:extLst>
+          </p:cNvPr>
+          <p:cNvSpPr/>
+          <p:nvPr/>
+        </p:nvSpPr>
+        <p:spPr>
+          <a:xfrm>
+            <a:off x="1596571" y="798286"/>
+            <a:ext cx="2162629" cy="5297714"/>
+          </a:xfrm>
+          <a:prstGeom prst="rect">
+            <a:avLst/>
+          </a:prstGeom>
+          <a:noFill/>
+          <a:ln>
+            <a:solidFill>
+              <a:schemeClr val="tx1"/>
+            </a:solidFill>
+          </a:ln>
+        </p:spPr>
+        <p:style>
+          <a:lnRef idx="2">
+            <a:schemeClr val="accent1">
+              <a:shade val="50000"/>
+            </a:schemeClr>
+          </a:lnRef>
+          <a:fillRef idx="1">
+            <a:schemeClr val="accent1"/>
+          </a:fillRef>
+          <a:effectRef idx="0">
+            <a:schemeClr val="accent1"/>
+          </a:effectRef>
+          <a:fontRef idx="minor">
+            <a:schemeClr val="lt1"/>
+          </a:fontRef>
+        </p:style>
+        <p:txBody>
+          <a:bodyPr rtlCol="0" anchor="ctr"/>
+          <a:lstStyle/>
+          <a:p>
+            <a:pPr algn="ctr"/>
+            <a:endParaRPr lang="en-US"/>
+          </a:p>
+        </p:txBody>
+      </p:sp>
+      <p:sp>
+        <p:nvSpPr>
+          <p:cNvPr id="5" name="Rounded Rectangle 4">
+            <a:extLst>
+              <a:ext uri="{FF2B5EF4-FFF2-40B4-BE49-F238E27FC236}">
+                <a16:creationId xmlns:a16="http://schemas.microsoft.com/office/drawing/2014/main" id="{A6BFBF70-2DB7-5543-8734-9BC858120AD0}"/>
+              </a:ext>
+            </a:extLst>
+          </p:cNvPr>
+          <p:cNvSpPr/>
+          <p:nvPr/>
+        </p:nvSpPr>
+        <p:spPr>
+          <a:xfrm>
+            <a:off x="1654639" y="1045025"/>
+            <a:ext cx="2015749" cy="1103088"/>
+          </a:xfrm>
+          <a:prstGeom prst="roundRect">
+            <a:avLst/>
+          </a:prstGeom>
+          <a:solidFill>
+            <a:srgbClr val="00B050">
+              <a:alpha val="70000"/>
+            </a:srgbClr>
+          </a:solidFill>
+          <a:ln>
+            <a:solidFill>
+              <a:schemeClr val="tx1"/>
+            </a:solidFill>
+          </a:ln>
+        </p:spPr>
+        <p:style>
+          <a:lnRef idx="2">
+            <a:schemeClr val="accent1">
+              <a:shade val="50000"/>
+            </a:schemeClr>
+          </a:lnRef>
+          <a:fillRef idx="1">
+            <a:schemeClr val="accent1"/>
+          </a:fillRef>
+          <a:effectRef idx="0">
+            <a:schemeClr val="accent1"/>
+          </a:effectRef>
+          <a:fontRef idx="minor">
+            <a:schemeClr val="lt1"/>
+          </a:fontRef>
+        </p:style>
+        <p:txBody>
+          <a:bodyPr rtlCol="0" anchor="ctr"/>
+          <a:lstStyle/>
+          <a:p>
+            <a:pPr algn="ctr"/>
+            <a:endParaRPr lang="en-US"/>
+          </a:p>
+        </p:txBody>
+      </p:sp>
+      <p:sp>
+        <p:nvSpPr>
+          <p:cNvPr id="7" name="Oval 6">
+            <a:extLst>
+              <a:ext uri="{FF2B5EF4-FFF2-40B4-BE49-F238E27FC236}">
+                <a16:creationId xmlns:a16="http://schemas.microsoft.com/office/drawing/2014/main" id="{E42AF101-363D-F740-B456-635FBED42FB3}"/>
+              </a:ext>
+            </a:extLst>
+          </p:cNvPr>
+          <p:cNvSpPr/>
+          <p:nvPr/>
+        </p:nvSpPr>
+        <p:spPr>
+          <a:xfrm>
+            <a:off x="2256970" y="2997200"/>
+            <a:ext cx="899886" cy="899886"/>
+          </a:xfrm>
+          <a:prstGeom prst="ellipse">
+            <a:avLst/>
+          </a:prstGeom>
+          <a:solidFill>
+            <a:schemeClr val="accent4">
+              <a:lumMod val="50000"/>
+            </a:schemeClr>
+          </a:solidFill>
+          <a:ln>
+            <a:solidFill>
+              <a:schemeClr val="tx1"/>
+            </a:solidFill>
+          </a:ln>
+        </p:spPr>
+        <p:style>
+          <a:lnRef idx="2">
+            <a:schemeClr val="accent1">
+              <a:shade val="50000"/>
+            </a:schemeClr>
+          </a:lnRef>
+          <a:fillRef idx="1">
+            <a:schemeClr val="accent1"/>
+          </a:fillRef>
+          <a:effectRef idx="0">
+            <a:schemeClr val="accent1"/>
+          </a:effectRef>
+          <a:fontRef idx="minor">
+            <a:schemeClr val="lt1"/>
+          </a:fontRef>
+        </p:style>
+        <p:txBody>
+          <a:bodyPr rtlCol="0" anchor="ctr"/>
+          <a:lstStyle/>
+          <a:p>
+            <a:pPr algn="ctr"/>
+            <a:endParaRPr lang="en-US" dirty="0"/>
+          </a:p>
+        </p:txBody>
+      </p:sp>
+      <p:sp>
+        <p:nvSpPr>
+          <p:cNvPr id="9" name="Chord 8">
+            <a:extLst>
+              <a:ext uri="{FF2B5EF4-FFF2-40B4-BE49-F238E27FC236}">
+                <a16:creationId xmlns:a16="http://schemas.microsoft.com/office/drawing/2014/main" id="{44768BB9-F89F-944A-BB35-5620ACFF10F0}"/>
+              </a:ext>
+            </a:extLst>
+          </p:cNvPr>
+          <p:cNvSpPr/>
+          <p:nvPr/>
+        </p:nvSpPr>
+        <p:spPr>
+          <a:xfrm rot="6808257">
+            <a:off x="2046108" y="621556"/>
+            <a:ext cx="576583" cy="586525"/>
+          </a:xfrm>
+          <a:prstGeom prst="chord">
+            <a:avLst/>
+          </a:prstGeom>
+          <a:solidFill>
+            <a:srgbClr val="FFC000"/>
+          </a:solidFill>
+          <a:ln>
+            <a:solidFill>
+              <a:schemeClr val="tx1"/>
+            </a:solidFill>
+          </a:ln>
+        </p:spPr>
+        <p:style>
+          <a:lnRef idx="2">
+            <a:schemeClr val="accent1">
+              <a:shade val="50000"/>
+            </a:schemeClr>
+          </a:lnRef>
+          <a:fillRef idx="1">
+            <a:schemeClr val="accent1"/>
+          </a:fillRef>
+          <a:effectRef idx="0">
+            <a:schemeClr val="accent1"/>
+          </a:effectRef>
+          <a:fontRef idx="minor">
+            <a:schemeClr val="lt1"/>
+          </a:fontRef>
+        </p:style>
+        <p:txBody>
+          <a:bodyPr rtlCol="0" anchor="ctr"/>
+          <a:lstStyle/>
+          <a:p>
+            <a:pPr algn="ctr"/>
+            <a:endParaRPr lang="en-US" dirty="0"/>
+          </a:p>
+        </p:txBody>
+      </p:sp>
+      <p:sp>
+        <p:nvSpPr>
+          <p:cNvPr id="10" name="Chord 9">
+            <a:extLst>
+              <a:ext uri="{FF2B5EF4-FFF2-40B4-BE49-F238E27FC236}">
+                <a16:creationId xmlns:a16="http://schemas.microsoft.com/office/drawing/2014/main" id="{A4F8CE33-F471-7D4E-98F3-035B7B264EFF}"/>
+              </a:ext>
+            </a:extLst>
+          </p:cNvPr>
+          <p:cNvSpPr/>
+          <p:nvPr/>
+        </p:nvSpPr>
+        <p:spPr>
+          <a:xfrm rot="6808257">
+            <a:off x="2779079" y="628816"/>
+            <a:ext cx="576583" cy="586525"/>
+          </a:xfrm>
+          <a:prstGeom prst="chord">
+            <a:avLst/>
+          </a:prstGeom>
+          <a:solidFill>
+            <a:srgbClr val="FFC000"/>
+          </a:solidFill>
+          <a:ln>
+            <a:solidFill>
+              <a:schemeClr val="tx1"/>
+            </a:solidFill>
+          </a:ln>
+        </p:spPr>
+        <p:style>
+          <a:lnRef idx="2">
+            <a:schemeClr val="accent1">
+              <a:shade val="50000"/>
+            </a:schemeClr>
+          </a:lnRef>
+          <a:fillRef idx="1">
+            <a:schemeClr val="accent1"/>
+          </a:fillRef>
+          <a:effectRef idx="0">
+            <a:schemeClr val="accent1"/>
+          </a:effectRef>
+          <a:fontRef idx="minor">
+            <a:schemeClr val="lt1"/>
+          </a:fontRef>
+        </p:style>
+        <p:txBody>
+          <a:bodyPr rtlCol="0" anchor="ctr"/>
+          <a:lstStyle/>
+          <a:p>
+            <a:pPr algn="ctr"/>
+            <a:endParaRPr lang="en-US" dirty="0"/>
+          </a:p>
+        </p:txBody>
+      </p:sp>
+      <p:sp>
+        <p:nvSpPr>
+          <p:cNvPr id="11" name="Chord 10">
+            <a:extLst>
+              <a:ext uri="{FF2B5EF4-FFF2-40B4-BE49-F238E27FC236}">
+                <a16:creationId xmlns:a16="http://schemas.microsoft.com/office/drawing/2014/main" id="{BA089D3E-5234-504E-B57B-3760EC21CF1B}"/>
+              </a:ext>
+            </a:extLst>
+          </p:cNvPr>
+          <p:cNvSpPr/>
+          <p:nvPr/>
+        </p:nvSpPr>
+        <p:spPr>
+          <a:xfrm rot="17546660">
+            <a:off x="2033996" y="5682992"/>
+            <a:ext cx="576583" cy="586525"/>
+          </a:xfrm>
+          <a:prstGeom prst="chord">
+            <a:avLst/>
+          </a:prstGeom>
+          <a:solidFill>
+            <a:srgbClr val="FFC000"/>
+          </a:solidFill>
+          <a:ln>
+            <a:solidFill>
+              <a:schemeClr val="tx1"/>
+            </a:solidFill>
+          </a:ln>
+        </p:spPr>
+        <p:style>
+          <a:lnRef idx="2">
+            <a:schemeClr val="accent1">
+              <a:shade val="50000"/>
+            </a:schemeClr>
+          </a:lnRef>
+          <a:fillRef idx="1">
+            <a:schemeClr val="accent1"/>
+          </a:fillRef>
+          <a:effectRef idx="0">
+            <a:schemeClr val="accent1"/>
+          </a:effectRef>
+          <a:fontRef idx="minor">
+            <a:schemeClr val="lt1"/>
+          </a:fontRef>
+        </p:style>
+        <p:txBody>
+          <a:bodyPr rtlCol="0" anchor="ctr"/>
+          <a:lstStyle/>
+          <a:p>
+            <a:pPr algn="ctr"/>
+            <a:endParaRPr lang="en-US" dirty="0"/>
+          </a:p>
+        </p:txBody>
+      </p:sp>
+      <p:sp>
+        <p:nvSpPr>
+          <p:cNvPr id="12" name="Chord 11">
+            <a:extLst>
+              <a:ext uri="{FF2B5EF4-FFF2-40B4-BE49-F238E27FC236}">
+                <a16:creationId xmlns:a16="http://schemas.microsoft.com/office/drawing/2014/main" id="{3626EDB7-9124-7E4B-A998-3E71580707C5}"/>
+              </a:ext>
+            </a:extLst>
+          </p:cNvPr>
+          <p:cNvSpPr/>
+          <p:nvPr/>
+        </p:nvSpPr>
+        <p:spPr>
+          <a:xfrm rot="17546660">
+            <a:off x="2795995" y="5682992"/>
+            <a:ext cx="576583" cy="586525"/>
+          </a:xfrm>
+          <a:prstGeom prst="chord">
+            <a:avLst/>
+          </a:prstGeom>
+          <a:solidFill>
+            <a:srgbClr val="FFC000"/>
+          </a:solidFill>
+          <a:ln>
+            <a:solidFill>
+              <a:schemeClr val="tx1"/>
+            </a:solidFill>
+          </a:ln>
+        </p:spPr>
+        <p:style>
+          <a:lnRef idx="2">
+            <a:schemeClr val="accent1">
+              <a:shade val="50000"/>
+            </a:schemeClr>
+          </a:lnRef>
+          <a:fillRef idx="1">
+            <a:schemeClr val="accent1"/>
+          </a:fillRef>
+          <a:effectRef idx="0">
+            <a:schemeClr val="accent1"/>
+          </a:effectRef>
+          <a:fontRef idx="minor">
+            <a:schemeClr val="lt1"/>
+          </a:fontRef>
+        </p:style>
+        <p:txBody>
+          <a:bodyPr rtlCol="0" anchor="ctr"/>
+          <a:lstStyle/>
+          <a:p>
+            <a:pPr algn="ctr"/>
+            <a:endParaRPr lang="en-US" dirty="0"/>
+          </a:p>
+        </p:txBody>
+      </p:sp>
+      <p:cxnSp>
+        <p:nvCxnSpPr>
+          <p:cNvPr id="24" name="Curved Connector 23">
+            <a:extLst>
+              <a:ext uri="{FF2B5EF4-FFF2-40B4-BE49-F238E27FC236}">
+                <a16:creationId xmlns:a16="http://schemas.microsoft.com/office/drawing/2014/main" id="{7F98436C-4CBD-8D40-BE38-CED00D0A657F}"/>
+              </a:ext>
+            </a:extLst>
+          </p:cNvPr>
+          <p:cNvCxnSpPr>
+            <a:cxnSpLocks/>
+          </p:cNvCxnSpPr>
+          <p:nvPr/>
+        </p:nvCxnSpPr>
+        <p:spPr>
+          <a:xfrm rot="16200000" flipV="1">
+            <a:off x="1027061" y="1694296"/>
+            <a:ext cx="3138714" cy="243604"/>
+          </a:xfrm>
+          <a:prstGeom prst="curvedConnector3">
+            <a:avLst>
+              <a:gd name="adj1" fmla="val 88844"/>
+            </a:avLst>
+          </a:prstGeom>
+          <a:ln w="38100">
+            <a:tailEnd type="triangle"/>
+          </a:ln>
+        </p:spPr>
+        <p:style>
+          <a:lnRef idx="1">
+            <a:schemeClr val="accent1"/>
+          </a:lnRef>
+          <a:fillRef idx="0">
+            <a:schemeClr val="accent1"/>
+          </a:fillRef>
+          <a:effectRef idx="0">
+            <a:schemeClr val="accent1"/>
+          </a:effectRef>
+          <a:fontRef idx="minor">
+            <a:schemeClr val="tx1"/>
+          </a:fontRef>
+        </p:style>
+      </p:cxnSp>
+      <p:cxnSp>
+        <p:nvCxnSpPr>
+          <p:cNvPr id="39" name="Curved Connector 38">
+            <a:extLst>
+              <a:ext uri="{FF2B5EF4-FFF2-40B4-BE49-F238E27FC236}">
+                <a16:creationId xmlns:a16="http://schemas.microsoft.com/office/drawing/2014/main" id="{92ABAC3F-DA6B-9C48-AA64-1B2D53E9B76B}"/>
+              </a:ext>
+            </a:extLst>
+          </p:cNvPr>
+          <p:cNvCxnSpPr>
+            <a:cxnSpLocks/>
+          </p:cNvCxnSpPr>
+          <p:nvPr/>
+        </p:nvCxnSpPr>
+        <p:spPr>
+          <a:xfrm rot="5400000">
+            <a:off x="1005288" y="4898329"/>
+            <a:ext cx="3225805" cy="200060"/>
+          </a:xfrm>
+          <a:prstGeom prst="curvedConnector3">
+            <a:avLst>
+              <a:gd name="adj1" fmla="val 86895"/>
+            </a:avLst>
+          </a:prstGeom>
+          <a:ln w="38100">
+            <a:tailEnd type="triangle"/>
+          </a:ln>
+        </p:spPr>
+        <p:style>
+          <a:lnRef idx="1">
+            <a:schemeClr val="accent1"/>
+          </a:lnRef>
+          <a:fillRef idx="0">
+            <a:schemeClr val="accent1"/>
+          </a:fillRef>
+          <a:effectRef idx="0">
+            <a:schemeClr val="accent1"/>
+          </a:effectRef>
+          <a:fontRef idx="minor">
+            <a:schemeClr val="tx1"/>
+          </a:fontRef>
+        </p:style>
+      </p:cxnSp>
+      <p:sp>
+        <p:nvSpPr>
+          <p:cNvPr id="47" name="TextBox 46">
+            <a:extLst>
+              <a:ext uri="{FF2B5EF4-FFF2-40B4-BE49-F238E27FC236}">
+                <a16:creationId xmlns:a16="http://schemas.microsoft.com/office/drawing/2014/main" id="{6F24DA1B-F02A-5B40-84F9-7BAD1688D872}"/>
+              </a:ext>
+            </a:extLst>
+          </p:cNvPr>
+          <p:cNvSpPr txBox="1"/>
+          <p:nvPr/>
+        </p:nvSpPr>
+        <p:spPr>
+          <a:xfrm>
+            <a:off x="1958391" y="32103"/>
+            <a:ext cx="559769" cy="369332"/>
+          </a:xfrm>
+          <a:prstGeom prst="rect">
+            <a:avLst/>
+          </a:prstGeom>
+          <a:noFill/>
+        </p:spPr>
+        <p:txBody>
+          <a:bodyPr wrap="none" rtlCol="0">
+            <a:spAutoFit/>
+          </a:bodyPr>
+          <a:lstStyle/>
+          <a:p>
+            <a:r>
+              <a:rPr lang="en-US" dirty="0"/>
+              <a:t>H</a:t>
+            </a:r>
+            <a:r>
+              <a:rPr lang="en-US" baseline="-25000" dirty="0"/>
+              <a:t>2</a:t>
+            </a:r>
+            <a:r>
+              <a:rPr lang="en-US" dirty="0"/>
+              <a:t>O</a:t>
+            </a:r>
+          </a:p>
+        </p:txBody>
+      </p:sp>
+      <p:sp>
+        <p:nvSpPr>
+          <p:cNvPr id="48" name="TextBox 47">
+            <a:extLst>
+              <a:ext uri="{FF2B5EF4-FFF2-40B4-BE49-F238E27FC236}">
+                <a16:creationId xmlns:a16="http://schemas.microsoft.com/office/drawing/2014/main" id="{920928BA-67D4-EB49-B94E-3B0DF71E24FF}"/>
+              </a:ext>
+            </a:extLst>
+          </p:cNvPr>
+          <p:cNvSpPr txBox="1"/>
+          <p:nvPr/>
+        </p:nvSpPr>
+        <p:spPr>
+          <a:xfrm>
+            <a:off x="1928264" y="6335876"/>
+            <a:ext cx="559769" cy="369332"/>
+          </a:xfrm>
+          <a:prstGeom prst="rect">
+            <a:avLst/>
+          </a:prstGeom>
+          <a:noFill/>
+        </p:spPr>
+        <p:txBody>
+          <a:bodyPr wrap="none" rtlCol="0">
+            <a:spAutoFit/>
+          </a:bodyPr>
+          <a:lstStyle/>
+          <a:p>
+            <a:r>
+              <a:rPr lang="en-US" dirty="0"/>
+              <a:t>H</a:t>
+            </a:r>
+            <a:r>
+              <a:rPr lang="en-US" baseline="-25000" dirty="0"/>
+              <a:t>2</a:t>
+            </a:r>
+            <a:r>
+              <a:rPr lang="en-US" dirty="0"/>
+              <a:t>O</a:t>
+            </a:r>
+          </a:p>
+        </p:txBody>
+      </p:sp>
+      <p:sp>
+        <p:nvSpPr>
+          <p:cNvPr id="49" name="TextBox 48">
+            <a:extLst>
+              <a:ext uri="{FF2B5EF4-FFF2-40B4-BE49-F238E27FC236}">
+                <a16:creationId xmlns:a16="http://schemas.microsoft.com/office/drawing/2014/main" id="{B7FC50A3-5C19-6E44-9E8B-CC82D4785F1D}"/>
+              </a:ext>
+            </a:extLst>
+          </p:cNvPr>
+          <p:cNvSpPr txBox="1"/>
+          <p:nvPr/>
+        </p:nvSpPr>
+        <p:spPr>
+          <a:xfrm>
+            <a:off x="3006901" y="85487"/>
+            <a:ext cx="536878" cy="369332"/>
+          </a:xfrm>
+          <a:prstGeom prst="rect">
+            <a:avLst/>
+          </a:prstGeom>
+          <a:noFill/>
+        </p:spPr>
+        <p:txBody>
+          <a:bodyPr wrap="none" rtlCol="0">
+            <a:spAutoFit/>
+          </a:bodyPr>
+          <a:lstStyle/>
+          <a:p>
+            <a:r>
+              <a:rPr lang="en-US" dirty="0"/>
+              <a:t>CO</a:t>
+            </a:r>
+            <a:r>
+              <a:rPr lang="en-US" baseline="-25000" dirty="0"/>
+              <a:t>2</a:t>
+            </a:r>
+            <a:endParaRPr lang="en-US" dirty="0"/>
+          </a:p>
+        </p:txBody>
+      </p:sp>
+      <p:cxnSp>
+        <p:nvCxnSpPr>
+          <p:cNvPr id="51" name="Curved Connector 50">
+            <a:extLst>
+              <a:ext uri="{FF2B5EF4-FFF2-40B4-BE49-F238E27FC236}">
+                <a16:creationId xmlns:a16="http://schemas.microsoft.com/office/drawing/2014/main" id="{C09C15EE-26F3-B849-969B-C8985C0BE9C3}"/>
+              </a:ext>
+            </a:extLst>
+          </p:cNvPr>
+          <p:cNvCxnSpPr>
+            <a:cxnSpLocks/>
+          </p:cNvCxnSpPr>
+          <p:nvPr/>
+        </p:nvCxnSpPr>
+        <p:spPr>
+          <a:xfrm rot="10800000" flipV="1">
+            <a:off x="2761461" y="459785"/>
+            <a:ext cx="834805" cy="770963"/>
+          </a:xfrm>
+          <a:prstGeom prst="curvedConnector3">
+            <a:avLst>
+              <a:gd name="adj1" fmla="val 102159"/>
+            </a:avLst>
+          </a:prstGeom>
+          <a:ln w="38100">
+            <a:solidFill>
+              <a:schemeClr val="tx1"/>
+            </a:solidFill>
+            <a:tailEnd type="triangle"/>
+          </a:ln>
+        </p:spPr>
+        <p:style>
+          <a:lnRef idx="1">
+            <a:schemeClr val="accent1"/>
+          </a:lnRef>
+          <a:fillRef idx="0">
+            <a:schemeClr val="accent1"/>
+          </a:fillRef>
+          <a:effectRef idx="0">
+            <a:schemeClr val="accent1"/>
+          </a:effectRef>
+          <a:fontRef idx="minor">
+            <a:schemeClr val="tx1"/>
+          </a:fontRef>
+        </p:style>
+      </p:cxnSp>
+      <p:sp>
+        <p:nvSpPr>
+          <p:cNvPr id="63" name="TextBox 62">
+            <a:extLst>
+              <a:ext uri="{FF2B5EF4-FFF2-40B4-BE49-F238E27FC236}">
+                <a16:creationId xmlns:a16="http://schemas.microsoft.com/office/drawing/2014/main" id="{D2D15529-2E45-CD4A-BC43-89307AEFEE27}"/>
+              </a:ext>
+            </a:extLst>
+          </p:cNvPr>
+          <p:cNvSpPr txBox="1"/>
+          <p:nvPr/>
+        </p:nvSpPr>
+        <p:spPr>
+          <a:xfrm>
+            <a:off x="3118996" y="6220794"/>
+            <a:ext cx="536878" cy="369332"/>
+          </a:xfrm>
+          <a:prstGeom prst="rect">
+            <a:avLst/>
+          </a:prstGeom>
+          <a:noFill/>
+        </p:spPr>
+        <p:txBody>
+          <a:bodyPr wrap="none" rtlCol="0">
+            <a:spAutoFit/>
+          </a:bodyPr>
+          <a:lstStyle/>
+          <a:p>
+            <a:r>
+              <a:rPr lang="en-US" dirty="0"/>
+              <a:t>CO</a:t>
+            </a:r>
+            <a:r>
+              <a:rPr lang="en-US" baseline="-25000" dirty="0"/>
+              <a:t>2</a:t>
+            </a:r>
+            <a:endParaRPr lang="en-US" dirty="0"/>
+          </a:p>
+        </p:txBody>
+      </p:sp>
+      <p:cxnSp>
+        <p:nvCxnSpPr>
+          <p:cNvPr id="64" name="Curved Connector 63">
+            <a:extLst>
+              <a:ext uri="{FF2B5EF4-FFF2-40B4-BE49-F238E27FC236}">
+                <a16:creationId xmlns:a16="http://schemas.microsoft.com/office/drawing/2014/main" id="{58B543A1-9028-E84E-BB8B-5068C75726B9}"/>
+              </a:ext>
+            </a:extLst>
+          </p:cNvPr>
+          <p:cNvCxnSpPr>
+            <a:cxnSpLocks/>
+          </p:cNvCxnSpPr>
+          <p:nvPr/>
+        </p:nvCxnSpPr>
+        <p:spPr>
+          <a:xfrm rot="16200000" flipV="1">
+            <a:off x="2470140" y="5765161"/>
+            <a:ext cx="1135812" cy="614442"/>
+          </a:xfrm>
+          <a:prstGeom prst="curvedConnector3">
+            <a:avLst>
+              <a:gd name="adj1" fmla="val 6552"/>
+            </a:avLst>
+          </a:prstGeom>
+          <a:ln w="38100">
+            <a:solidFill>
+              <a:schemeClr val="tx1"/>
+            </a:solidFill>
+            <a:tailEnd type="triangle"/>
+          </a:ln>
+        </p:spPr>
+        <p:style>
+          <a:lnRef idx="1">
+            <a:schemeClr val="accent1"/>
+          </a:lnRef>
+          <a:fillRef idx="0">
+            <a:schemeClr val="accent1"/>
+          </a:fillRef>
+          <a:effectRef idx="0">
+            <a:schemeClr val="accent1"/>
+          </a:effectRef>
+          <a:fontRef idx="minor">
+            <a:schemeClr val="tx1"/>
+          </a:fontRef>
+        </p:style>
+      </p:cxnSp>
+      <p:sp>
+        <p:nvSpPr>
+          <p:cNvPr id="80" name="TextBox 79">
+            <a:extLst>
+              <a:ext uri="{FF2B5EF4-FFF2-40B4-BE49-F238E27FC236}">
+                <a16:creationId xmlns:a16="http://schemas.microsoft.com/office/drawing/2014/main" id="{BC8240FA-4AD5-394D-A530-E5E002C3C61E}"/>
+              </a:ext>
+            </a:extLst>
+          </p:cNvPr>
+          <p:cNvSpPr txBox="1"/>
+          <p:nvPr/>
+        </p:nvSpPr>
+        <p:spPr>
+          <a:xfrm>
+            <a:off x="524114" y="744666"/>
+            <a:ext cx="1116011" cy="369332"/>
+          </a:xfrm>
+          <a:prstGeom prst="rect">
+            <a:avLst/>
+          </a:prstGeom>
+          <a:noFill/>
+        </p:spPr>
+        <p:txBody>
+          <a:bodyPr wrap="none" rtlCol="0">
+            <a:spAutoFit/>
+          </a:bodyPr>
+          <a:lstStyle/>
+          <a:p>
+            <a:r>
+              <a:rPr lang="en-US" dirty="0"/>
+              <a:t>Epidermis</a:t>
+            </a:r>
+          </a:p>
+        </p:txBody>
+      </p:sp>
+      <p:sp>
+        <p:nvSpPr>
+          <p:cNvPr id="81" name="TextBox 80">
+            <a:extLst>
+              <a:ext uri="{FF2B5EF4-FFF2-40B4-BE49-F238E27FC236}">
+                <a16:creationId xmlns:a16="http://schemas.microsoft.com/office/drawing/2014/main" id="{8B4C9BB6-4F67-5545-B44D-2A2FB0691797}"/>
+              </a:ext>
+            </a:extLst>
+          </p:cNvPr>
+          <p:cNvSpPr txBox="1"/>
+          <p:nvPr/>
+        </p:nvSpPr>
+        <p:spPr>
+          <a:xfrm>
+            <a:off x="1596570" y="1446765"/>
+            <a:ext cx="1158202" cy="369332"/>
+          </a:xfrm>
+          <a:prstGeom prst="rect">
+            <a:avLst/>
+          </a:prstGeom>
+          <a:noFill/>
+        </p:spPr>
+        <p:txBody>
+          <a:bodyPr wrap="none" rtlCol="0">
+            <a:spAutoFit/>
+          </a:bodyPr>
+          <a:lstStyle/>
+          <a:p>
+            <a:r>
+              <a:rPr lang="en-US" dirty="0"/>
+              <a:t>Mesophyll</a:t>
+            </a:r>
+          </a:p>
+        </p:txBody>
+      </p:sp>
+      <p:sp>
+        <p:nvSpPr>
+          <p:cNvPr id="82" name="TextBox 81">
+            <a:extLst>
+              <a:ext uri="{FF2B5EF4-FFF2-40B4-BE49-F238E27FC236}">
+                <a16:creationId xmlns:a16="http://schemas.microsoft.com/office/drawing/2014/main" id="{A837B4FE-D986-0744-8C97-9738F7F617CC}"/>
+              </a:ext>
+            </a:extLst>
+          </p:cNvPr>
+          <p:cNvSpPr txBox="1"/>
+          <p:nvPr/>
+        </p:nvSpPr>
+        <p:spPr>
+          <a:xfrm>
+            <a:off x="2941888" y="2786866"/>
+            <a:ext cx="1337802" cy="369332"/>
+          </a:xfrm>
+          <a:prstGeom prst="rect">
+            <a:avLst/>
+          </a:prstGeom>
+          <a:noFill/>
+        </p:spPr>
+        <p:txBody>
+          <a:bodyPr wrap="none" rtlCol="0">
+            <a:spAutoFit/>
+          </a:bodyPr>
+          <a:lstStyle/>
+          <a:p>
+            <a:r>
+              <a:rPr lang="en-US" dirty="0"/>
+              <a:t>Parenchyma</a:t>
+            </a:r>
+          </a:p>
+        </p:txBody>
+      </p:sp>
+      <p:sp>
+        <p:nvSpPr>
+          <p:cNvPr id="83" name="TextBox 82">
+            <a:extLst>
+              <a:ext uri="{FF2B5EF4-FFF2-40B4-BE49-F238E27FC236}">
+                <a16:creationId xmlns:a16="http://schemas.microsoft.com/office/drawing/2014/main" id="{E585986F-B32D-6246-A12B-9949779EC7DA}"/>
+              </a:ext>
+            </a:extLst>
+          </p:cNvPr>
+          <p:cNvSpPr txBox="1"/>
+          <p:nvPr/>
+        </p:nvSpPr>
+        <p:spPr>
+          <a:xfrm>
+            <a:off x="2333094" y="3246597"/>
+            <a:ext cx="756874" cy="369332"/>
+          </a:xfrm>
+          <a:prstGeom prst="rect">
+            <a:avLst/>
+          </a:prstGeom>
+          <a:noFill/>
+        </p:spPr>
+        <p:txBody>
+          <a:bodyPr wrap="none" rtlCol="0">
+            <a:spAutoFit/>
+          </a:bodyPr>
+          <a:lstStyle/>
+          <a:p>
+            <a:r>
+              <a:rPr lang="en-US" dirty="0"/>
+              <a:t>Xylem</a:t>
+            </a:r>
+          </a:p>
+        </p:txBody>
+      </p:sp>
+      <p:sp>
+        <p:nvSpPr>
+          <p:cNvPr id="84" name="TextBox 83">
+            <a:extLst>
+              <a:ext uri="{FF2B5EF4-FFF2-40B4-BE49-F238E27FC236}">
+                <a16:creationId xmlns:a16="http://schemas.microsoft.com/office/drawing/2014/main" id="{7F5AB010-2AFC-B647-86E0-11DBDBD711FD}"/>
+              </a:ext>
+            </a:extLst>
+          </p:cNvPr>
+          <p:cNvSpPr txBox="1"/>
+          <p:nvPr/>
+        </p:nvSpPr>
+        <p:spPr>
+          <a:xfrm>
+            <a:off x="3612332" y="425399"/>
+            <a:ext cx="2161617" cy="369332"/>
+          </a:xfrm>
+          <a:prstGeom prst="rect">
+            <a:avLst/>
+          </a:prstGeom>
+          <a:noFill/>
+        </p:spPr>
+        <p:txBody>
+          <a:bodyPr wrap="none" rtlCol="0">
+            <a:spAutoFit/>
+          </a:bodyPr>
+          <a:lstStyle/>
+          <a:p>
+            <a:r>
+              <a:rPr lang="en-US" dirty="0"/>
+              <a:t>Stomata (guard cells)</a:t>
+            </a:r>
+          </a:p>
+        </p:txBody>
+      </p:sp>
+      <p:cxnSp>
+        <p:nvCxnSpPr>
+          <p:cNvPr id="86" name="Straight Connector 85">
+            <a:extLst>
+              <a:ext uri="{FF2B5EF4-FFF2-40B4-BE49-F238E27FC236}">
+                <a16:creationId xmlns:a16="http://schemas.microsoft.com/office/drawing/2014/main" id="{BD01C8F9-9EDC-C246-9F67-B8330BB8F061}"/>
+              </a:ext>
+            </a:extLst>
+          </p:cNvPr>
+          <p:cNvCxnSpPr>
+            <a:stCxn id="84" idx="1"/>
+          </p:cNvCxnSpPr>
+          <p:nvPr/>
+        </p:nvCxnSpPr>
+        <p:spPr>
+          <a:xfrm flipH="1">
+            <a:off x="3084286" y="610065"/>
+            <a:ext cx="528046" cy="184666"/>
+          </a:xfrm>
+          <a:prstGeom prst="line">
+            <a:avLst/>
+          </a:prstGeom>
+          <a:ln>
+            <a:solidFill>
+              <a:schemeClr val="tx1"/>
+            </a:solidFill>
+          </a:ln>
+        </p:spPr>
+        <p:style>
+          <a:lnRef idx="1">
+            <a:schemeClr val="accent1"/>
+          </a:lnRef>
+          <a:fillRef idx="0">
+            <a:schemeClr val="accent1"/>
+          </a:fillRef>
+          <a:effectRef idx="0">
+            <a:schemeClr val="accent1"/>
+          </a:effectRef>
+          <a:fontRef idx="minor">
+            <a:schemeClr val="tx1"/>
+          </a:fontRef>
+        </p:style>
+      </p:cxnSp>
+      <p:cxnSp>
+        <p:nvCxnSpPr>
+          <p:cNvPr id="87" name="Straight Connector 86">
+            <a:extLst>
+              <a:ext uri="{FF2B5EF4-FFF2-40B4-BE49-F238E27FC236}">
+                <a16:creationId xmlns:a16="http://schemas.microsoft.com/office/drawing/2014/main" id="{57040609-5B63-E84B-8B36-06BCDF005F48}"/>
+              </a:ext>
+            </a:extLst>
+          </p:cNvPr>
+          <p:cNvCxnSpPr>
+            <a:cxnSpLocks/>
+            <a:stCxn id="84" idx="1"/>
+          </p:cNvCxnSpPr>
+          <p:nvPr/>
+        </p:nvCxnSpPr>
+        <p:spPr>
+          <a:xfrm flipH="1">
+            <a:off x="2290857" y="610065"/>
+            <a:ext cx="1321475" cy="212647"/>
+          </a:xfrm>
+          <a:prstGeom prst="line">
+            <a:avLst/>
+          </a:prstGeom>
+          <a:ln>
+            <a:solidFill>
+              <a:schemeClr val="tx1"/>
+            </a:solidFill>
+          </a:ln>
+        </p:spPr>
+        <p:style>
+          <a:lnRef idx="1">
+            <a:schemeClr val="accent1"/>
+          </a:lnRef>
+          <a:fillRef idx="0">
+            <a:schemeClr val="accent1"/>
+          </a:fillRef>
+          <a:effectRef idx="0">
+            <a:schemeClr val="accent1"/>
+          </a:effectRef>
+          <a:fontRef idx="minor">
+            <a:schemeClr val="tx1"/>
+          </a:fontRef>
+        </p:style>
+      </p:cxnSp>
+      <p:sp>
+        <p:nvSpPr>
+          <p:cNvPr id="91" name="Rounded Rectangle 90">
+            <a:extLst>
+              <a:ext uri="{FF2B5EF4-FFF2-40B4-BE49-F238E27FC236}">
+                <a16:creationId xmlns:a16="http://schemas.microsoft.com/office/drawing/2014/main" id="{09A966AC-BCEF-A148-A47E-F45F7B1525CE}"/>
+              </a:ext>
+            </a:extLst>
+          </p:cNvPr>
+          <p:cNvSpPr/>
+          <p:nvPr/>
+        </p:nvSpPr>
+        <p:spPr>
+          <a:xfrm>
+            <a:off x="1611232" y="810695"/>
+            <a:ext cx="382902" cy="212647"/>
+          </a:xfrm>
+          <a:prstGeom prst="roundRect">
+            <a:avLst/>
+          </a:prstGeom>
+          <a:noFill/>
+          <a:ln>
+            <a:solidFill>
+              <a:schemeClr val="tx1"/>
+            </a:solidFill>
+          </a:ln>
+        </p:spPr>
+        <p:style>
+          <a:lnRef idx="2">
+            <a:schemeClr val="accent1">
+              <a:shade val="50000"/>
+            </a:schemeClr>
+          </a:lnRef>
+          <a:fillRef idx="1">
+            <a:schemeClr val="accent1"/>
+          </a:fillRef>
+          <a:effectRef idx="0">
+            <a:schemeClr val="accent1"/>
+          </a:effectRef>
+          <a:fontRef idx="minor">
+            <a:schemeClr val="lt1"/>
+          </a:fontRef>
+        </p:style>
+        <p:txBody>
+          <a:bodyPr rtlCol="0" anchor="ctr"/>
+          <a:lstStyle/>
+          <a:p>
+            <a:pPr algn="ctr"/>
+            <a:endParaRPr lang="en-US"/>
+          </a:p>
+        </p:txBody>
+      </p:sp>
+      <p:sp>
+        <p:nvSpPr>
+          <p:cNvPr id="92" name="Rounded Rectangle 91">
+            <a:extLst>
+              <a:ext uri="{FF2B5EF4-FFF2-40B4-BE49-F238E27FC236}">
+                <a16:creationId xmlns:a16="http://schemas.microsoft.com/office/drawing/2014/main" id="{04E0FC57-22E6-6849-AE35-10D86DE44826}"/>
+              </a:ext>
+            </a:extLst>
+          </p:cNvPr>
+          <p:cNvSpPr/>
+          <p:nvPr/>
+        </p:nvSpPr>
+        <p:spPr>
+          <a:xfrm>
+            <a:off x="3364463" y="819362"/>
+            <a:ext cx="382902" cy="212647"/>
+          </a:xfrm>
+          <a:prstGeom prst="roundRect">
+            <a:avLst/>
+          </a:prstGeom>
+          <a:noFill/>
+          <a:ln>
+            <a:solidFill>
+              <a:schemeClr val="tx1"/>
+            </a:solidFill>
+          </a:ln>
+        </p:spPr>
+        <p:style>
+          <a:lnRef idx="2">
+            <a:schemeClr val="accent1">
+              <a:shade val="50000"/>
+            </a:schemeClr>
+          </a:lnRef>
+          <a:fillRef idx="1">
+            <a:schemeClr val="accent1"/>
+          </a:fillRef>
+          <a:effectRef idx="0">
+            <a:schemeClr val="accent1"/>
+          </a:effectRef>
+          <a:fontRef idx="minor">
+            <a:schemeClr val="lt1"/>
+          </a:fontRef>
+        </p:style>
+        <p:txBody>
+          <a:bodyPr rtlCol="0" anchor="ctr"/>
+          <a:lstStyle/>
+          <a:p>
+            <a:pPr algn="ctr"/>
+            <a:endParaRPr lang="en-US"/>
+          </a:p>
+        </p:txBody>
+      </p:sp>
+      <p:sp>
+        <p:nvSpPr>
+          <p:cNvPr id="94" name="Rounded Rectangle 93">
+            <a:extLst>
+              <a:ext uri="{FF2B5EF4-FFF2-40B4-BE49-F238E27FC236}">
+                <a16:creationId xmlns:a16="http://schemas.microsoft.com/office/drawing/2014/main" id="{B42931F4-3238-ED47-A7F1-AF18E81F147A}"/>
+              </a:ext>
+            </a:extLst>
+          </p:cNvPr>
+          <p:cNvSpPr/>
+          <p:nvPr/>
+        </p:nvSpPr>
+        <p:spPr>
+          <a:xfrm>
+            <a:off x="1606551" y="5862509"/>
+            <a:ext cx="382902" cy="212647"/>
+          </a:xfrm>
+          <a:prstGeom prst="roundRect">
+            <a:avLst/>
+          </a:prstGeom>
+          <a:noFill/>
+          <a:ln>
+            <a:solidFill>
+              <a:schemeClr val="tx1"/>
+            </a:solidFill>
+          </a:ln>
+        </p:spPr>
+        <p:style>
+          <a:lnRef idx="2">
+            <a:schemeClr val="accent1">
+              <a:shade val="50000"/>
+            </a:schemeClr>
+          </a:lnRef>
+          <a:fillRef idx="1">
+            <a:schemeClr val="accent1"/>
+          </a:fillRef>
+          <a:effectRef idx="0">
+            <a:schemeClr val="accent1"/>
+          </a:effectRef>
+          <a:fontRef idx="minor">
+            <a:schemeClr val="lt1"/>
+          </a:fontRef>
+        </p:style>
+        <p:txBody>
+          <a:bodyPr rtlCol="0" anchor="ctr"/>
+          <a:lstStyle/>
+          <a:p>
+            <a:pPr algn="ctr"/>
+            <a:endParaRPr lang="en-US"/>
+          </a:p>
+        </p:txBody>
+      </p:sp>
+      <p:sp>
+        <p:nvSpPr>
+          <p:cNvPr id="95" name="Rounded Rectangle 94">
+            <a:extLst>
+              <a:ext uri="{FF2B5EF4-FFF2-40B4-BE49-F238E27FC236}">
+                <a16:creationId xmlns:a16="http://schemas.microsoft.com/office/drawing/2014/main" id="{D476611C-CEDB-634C-9333-C00B971FD733}"/>
+              </a:ext>
+            </a:extLst>
+          </p:cNvPr>
+          <p:cNvSpPr/>
+          <p:nvPr/>
+        </p:nvSpPr>
+        <p:spPr>
+          <a:xfrm>
+            <a:off x="3359782" y="5862509"/>
+            <a:ext cx="382902" cy="212647"/>
+          </a:xfrm>
+          <a:prstGeom prst="roundRect">
+            <a:avLst/>
+          </a:prstGeom>
+          <a:noFill/>
+          <a:ln>
+            <a:solidFill>
+              <a:schemeClr val="tx1"/>
+            </a:solidFill>
+          </a:ln>
+        </p:spPr>
+        <p:style>
+          <a:lnRef idx="2">
+            <a:schemeClr val="accent1">
+              <a:shade val="50000"/>
+            </a:schemeClr>
+          </a:lnRef>
+          <a:fillRef idx="1">
+            <a:schemeClr val="accent1"/>
+          </a:fillRef>
+          <a:effectRef idx="0">
+            <a:schemeClr val="accent1"/>
+          </a:effectRef>
+          <a:fontRef idx="minor">
+            <a:schemeClr val="lt1"/>
+          </a:fontRef>
+        </p:style>
+        <p:txBody>
+          <a:bodyPr rtlCol="0" anchor="ctr"/>
+          <a:lstStyle/>
+          <a:p>
+            <a:pPr algn="ctr"/>
+            <a:endParaRPr lang="en-US"/>
+          </a:p>
+        </p:txBody>
+      </p:sp>
+      <p:sp>
+        <p:nvSpPr>
+          <p:cNvPr id="96" name="Oval 95">
+            <a:extLst>
+              <a:ext uri="{FF2B5EF4-FFF2-40B4-BE49-F238E27FC236}">
+                <a16:creationId xmlns:a16="http://schemas.microsoft.com/office/drawing/2014/main" id="{069F5074-7FFF-7547-92B2-BE2F0AA99916}"/>
+              </a:ext>
+            </a:extLst>
+          </p:cNvPr>
+          <p:cNvSpPr/>
+          <p:nvPr/>
+        </p:nvSpPr>
+        <p:spPr>
+          <a:xfrm>
+            <a:off x="1712259" y="3583669"/>
+            <a:ext cx="562351" cy="600977"/>
+          </a:xfrm>
+          <a:prstGeom prst="ellipse">
+            <a:avLst/>
+          </a:prstGeom>
+          <a:noFill/>
+          <a:ln>
+            <a:solidFill>
+              <a:schemeClr val="tx1"/>
+            </a:solidFill>
+          </a:ln>
+        </p:spPr>
+        <p:style>
+          <a:lnRef idx="2">
+            <a:schemeClr val="accent1">
+              <a:shade val="50000"/>
+            </a:schemeClr>
+          </a:lnRef>
+          <a:fillRef idx="1">
+            <a:schemeClr val="accent1"/>
+          </a:fillRef>
+          <a:effectRef idx="0">
+            <a:schemeClr val="accent1"/>
+          </a:effectRef>
+          <a:fontRef idx="minor">
+            <a:schemeClr val="lt1"/>
+          </a:fontRef>
+        </p:style>
+        <p:txBody>
+          <a:bodyPr rtlCol="0" anchor="ctr"/>
+          <a:lstStyle/>
+          <a:p>
+            <a:pPr algn="ctr"/>
+            <a:endParaRPr lang="en-US" dirty="0"/>
+          </a:p>
+        </p:txBody>
+      </p:sp>
+      <p:sp>
+        <p:nvSpPr>
+          <p:cNvPr id="97" name="Oval 96">
+            <a:extLst>
+              <a:ext uri="{FF2B5EF4-FFF2-40B4-BE49-F238E27FC236}">
+                <a16:creationId xmlns:a16="http://schemas.microsoft.com/office/drawing/2014/main" id="{657FEC04-9937-B049-8190-8544B0ABC505}"/>
+              </a:ext>
+            </a:extLst>
+          </p:cNvPr>
+          <p:cNvSpPr/>
+          <p:nvPr/>
+        </p:nvSpPr>
+        <p:spPr>
+          <a:xfrm>
+            <a:off x="1690914" y="2244114"/>
+            <a:ext cx="738296" cy="789007"/>
+          </a:xfrm>
+          <a:prstGeom prst="ellipse">
+            <a:avLst/>
+          </a:prstGeom>
+          <a:noFill/>
+          <a:ln>
+            <a:solidFill>
+              <a:schemeClr val="tx1"/>
+            </a:solidFill>
+          </a:ln>
+        </p:spPr>
+        <p:style>
+          <a:lnRef idx="2">
+            <a:schemeClr val="accent1">
+              <a:shade val="50000"/>
+            </a:schemeClr>
+          </a:lnRef>
+          <a:fillRef idx="1">
+            <a:schemeClr val="accent1"/>
+          </a:fillRef>
+          <a:effectRef idx="0">
+            <a:schemeClr val="accent1"/>
+          </a:effectRef>
+          <a:fontRef idx="minor">
+            <a:schemeClr val="lt1"/>
+          </a:fontRef>
+        </p:style>
+        <p:txBody>
+          <a:bodyPr rtlCol="0" anchor="ctr"/>
+          <a:lstStyle/>
+          <a:p>
+            <a:pPr algn="ctr"/>
+            <a:endParaRPr lang="en-US" dirty="0"/>
+          </a:p>
+        </p:txBody>
+      </p:sp>
+      <p:sp>
+        <p:nvSpPr>
+          <p:cNvPr id="98" name="Oval 97">
+            <a:extLst>
+              <a:ext uri="{FF2B5EF4-FFF2-40B4-BE49-F238E27FC236}">
+                <a16:creationId xmlns:a16="http://schemas.microsoft.com/office/drawing/2014/main" id="{CE6A6362-6E79-854B-A491-6C82B391E16B}"/>
+              </a:ext>
+            </a:extLst>
+          </p:cNvPr>
+          <p:cNvSpPr/>
+          <p:nvPr/>
+        </p:nvSpPr>
+        <p:spPr>
+          <a:xfrm>
+            <a:off x="1801497" y="3120787"/>
+            <a:ext cx="413655" cy="442068"/>
+          </a:xfrm>
+          <a:prstGeom prst="ellipse">
+            <a:avLst/>
+          </a:prstGeom>
+          <a:noFill/>
+          <a:ln>
+            <a:solidFill>
+              <a:schemeClr val="tx1"/>
+            </a:solidFill>
+          </a:ln>
+        </p:spPr>
+        <p:style>
+          <a:lnRef idx="2">
+            <a:schemeClr val="accent1">
+              <a:shade val="50000"/>
+            </a:schemeClr>
+          </a:lnRef>
+          <a:fillRef idx="1">
+            <a:schemeClr val="accent1"/>
+          </a:fillRef>
+          <a:effectRef idx="0">
+            <a:schemeClr val="accent1"/>
+          </a:effectRef>
+          <a:fontRef idx="minor">
+            <a:schemeClr val="lt1"/>
+          </a:fontRef>
+        </p:style>
+        <p:txBody>
+          <a:bodyPr rtlCol="0" anchor="ctr"/>
+          <a:lstStyle/>
+          <a:p>
+            <a:pPr algn="ctr"/>
+            <a:endParaRPr lang="en-US" dirty="0"/>
+          </a:p>
+        </p:txBody>
+      </p:sp>
+      <p:sp>
+        <p:nvSpPr>
+          <p:cNvPr id="99" name="Oval 98">
+            <a:extLst>
+              <a:ext uri="{FF2B5EF4-FFF2-40B4-BE49-F238E27FC236}">
+                <a16:creationId xmlns:a16="http://schemas.microsoft.com/office/drawing/2014/main" id="{C0D20DD6-BF49-9349-B87B-06B15CBAF47F}"/>
+              </a:ext>
+            </a:extLst>
+          </p:cNvPr>
+          <p:cNvSpPr/>
+          <p:nvPr/>
+        </p:nvSpPr>
+        <p:spPr>
+          <a:xfrm>
+            <a:off x="2474615" y="2358573"/>
+            <a:ext cx="562351" cy="600977"/>
+          </a:xfrm>
+          <a:prstGeom prst="ellipse">
+            <a:avLst/>
+          </a:prstGeom>
+          <a:noFill/>
+          <a:ln>
+            <a:solidFill>
+              <a:schemeClr val="tx1"/>
+            </a:solidFill>
+          </a:ln>
+        </p:spPr>
+        <p:style>
+          <a:lnRef idx="2">
+            <a:schemeClr val="accent1">
+              <a:shade val="50000"/>
+            </a:schemeClr>
+          </a:lnRef>
+          <a:fillRef idx="1">
+            <a:schemeClr val="accent1"/>
+          </a:fillRef>
+          <a:effectRef idx="0">
+            <a:schemeClr val="accent1"/>
+          </a:effectRef>
+          <a:fontRef idx="minor">
+            <a:schemeClr val="lt1"/>
+          </a:fontRef>
+        </p:style>
+        <p:txBody>
+          <a:bodyPr rtlCol="0" anchor="ctr"/>
+          <a:lstStyle/>
+          <a:p>
+            <a:pPr algn="ctr"/>
+            <a:endParaRPr lang="en-US" dirty="0"/>
+          </a:p>
+        </p:txBody>
+      </p:sp>
+      <p:sp>
+        <p:nvSpPr>
+          <p:cNvPr id="100" name="Oval 99">
+            <a:extLst>
+              <a:ext uri="{FF2B5EF4-FFF2-40B4-BE49-F238E27FC236}">
+                <a16:creationId xmlns:a16="http://schemas.microsoft.com/office/drawing/2014/main" id="{6A2DD23E-9CA4-DB4E-A618-21B4FEDE950F}"/>
+              </a:ext>
+            </a:extLst>
+          </p:cNvPr>
+          <p:cNvSpPr/>
+          <p:nvPr/>
+        </p:nvSpPr>
+        <p:spPr>
+          <a:xfrm>
+            <a:off x="2992561" y="2634316"/>
+            <a:ext cx="644778" cy="671314"/>
+          </a:xfrm>
+          <a:prstGeom prst="ellipse">
+            <a:avLst/>
+          </a:prstGeom>
+          <a:noFill/>
+          <a:ln>
+            <a:solidFill>
+              <a:schemeClr val="tx1"/>
+            </a:solidFill>
+          </a:ln>
+        </p:spPr>
+        <p:style>
+          <a:lnRef idx="2">
+            <a:schemeClr val="accent1">
+              <a:shade val="50000"/>
+            </a:schemeClr>
+          </a:lnRef>
+          <a:fillRef idx="1">
+            <a:schemeClr val="accent1"/>
+          </a:fillRef>
+          <a:effectRef idx="0">
+            <a:schemeClr val="accent1"/>
+          </a:effectRef>
+          <a:fontRef idx="minor">
+            <a:schemeClr val="lt1"/>
+          </a:fontRef>
+        </p:style>
+        <p:txBody>
+          <a:bodyPr rtlCol="0" anchor="ctr"/>
+          <a:lstStyle/>
+          <a:p>
+            <a:pPr algn="ctr"/>
+            <a:endParaRPr lang="en-US" dirty="0"/>
+          </a:p>
+        </p:txBody>
+      </p:sp>
+      <p:sp>
+        <p:nvSpPr>
+          <p:cNvPr id="101" name="Oval 100">
+            <a:extLst>
+              <a:ext uri="{FF2B5EF4-FFF2-40B4-BE49-F238E27FC236}">
+                <a16:creationId xmlns:a16="http://schemas.microsoft.com/office/drawing/2014/main" id="{09D2EC5B-E5C5-584E-A7A9-7318AF6DF299}"/>
+              </a:ext>
+            </a:extLst>
+          </p:cNvPr>
+          <p:cNvSpPr/>
+          <p:nvPr/>
+        </p:nvSpPr>
+        <p:spPr>
+          <a:xfrm>
+            <a:off x="2474615" y="3897086"/>
+            <a:ext cx="413655" cy="442068"/>
+          </a:xfrm>
+          <a:prstGeom prst="ellipse">
+            <a:avLst/>
+          </a:prstGeom>
+          <a:noFill/>
+          <a:ln>
+            <a:solidFill>
+              <a:schemeClr val="tx1"/>
+            </a:solidFill>
+          </a:ln>
+        </p:spPr>
+        <p:style>
+          <a:lnRef idx="2">
+            <a:schemeClr val="accent1">
+              <a:shade val="50000"/>
+            </a:schemeClr>
+          </a:lnRef>
+          <a:fillRef idx="1">
+            <a:schemeClr val="accent1"/>
+          </a:fillRef>
+          <a:effectRef idx="0">
+            <a:schemeClr val="accent1"/>
+          </a:effectRef>
+          <a:fontRef idx="minor">
+            <a:schemeClr val="lt1"/>
+          </a:fontRef>
+        </p:style>
+        <p:txBody>
+          <a:bodyPr rtlCol="0" anchor="ctr"/>
+          <a:lstStyle/>
+          <a:p>
+            <a:pPr algn="ctr"/>
+            <a:endParaRPr lang="en-US" dirty="0"/>
+          </a:p>
+        </p:txBody>
+      </p:sp>
+      <p:sp>
+        <p:nvSpPr>
+          <p:cNvPr id="102" name="Oval 101">
+            <a:extLst>
+              <a:ext uri="{FF2B5EF4-FFF2-40B4-BE49-F238E27FC236}">
+                <a16:creationId xmlns:a16="http://schemas.microsoft.com/office/drawing/2014/main" id="{C1269CBB-213B-0843-86F1-2420E6E9F786}"/>
+              </a:ext>
+            </a:extLst>
+          </p:cNvPr>
+          <p:cNvSpPr/>
+          <p:nvPr/>
+        </p:nvSpPr>
+        <p:spPr>
+          <a:xfrm>
+            <a:off x="2931613" y="3788101"/>
+            <a:ext cx="413655" cy="442068"/>
+          </a:xfrm>
+          <a:prstGeom prst="ellipse">
+            <a:avLst/>
+          </a:prstGeom>
+          <a:noFill/>
+          <a:ln>
+            <a:solidFill>
+              <a:schemeClr val="tx1"/>
+            </a:solidFill>
+          </a:ln>
+        </p:spPr>
+        <p:style>
+          <a:lnRef idx="2">
+            <a:schemeClr val="accent1">
+              <a:shade val="50000"/>
+            </a:schemeClr>
+          </a:lnRef>
+          <a:fillRef idx="1">
+            <a:schemeClr val="accent1"/>
+          </a:fillRef>
+          <a:effectRef idx="0">
+            <a:schemeClr val="accent1"/>
+          </a:effectRef>
+          <a:fontRef idx="minor">
+            <a:schemeClr val="lt1"/>
+          </a:fontRef>
+        </p:style>
+        <p:txBody>
+          <a:bodyPr rtlCol="0" anchor="ctr"/>
+          <a:lstStyle/>
+          <a:p>
+            <a:pPr algn="ctr"/>
+            <a:endParaRPr lang="en-US" dirty="0"/>
+          </a:p>
+        </p:txBody>
+      </p:sp>
+      <p:sp>
+        <p:nvSpPr>
+          <p:cNvPr id="103" name="Oval 102">
+            <a:extLst>
+              <a:ext uri="{FF2B5EF4-FFF2-40B4-BE49-F238E27FC236}">
+                <a16:creationId xmlns:a16="http://schemas.microsoft.com/office/drawing/2014/main" id="{792B282D-E0DE-2B45-9B94-6000D5892A4A}"/>
+              </a:ext>
+            </a:extLst>
+          </p:cNvPr>
+          <p:cNvSpPr/>
+          <p:nvPr/>
+        </p:nvSpPr>
+        <p:spPr>
+          <a:xfrm>
+            <a:off x="3164402" y="3362635"/>
+            <a:ext cx="413655" cy="442068"/>
+          </a:xfrm>
+          <a:prstGeom prst="ellipse">
+            <a:avLst/>
+          </a:prstGeom>
+          <a:noFill/>
+          <a:ln>
+            <a:solidFill>
+              <a:schemeClr val="tx1"/>
+            </a:solidFill>
+          </a:ln>
+        </p:spPr>
+        <p:style>
+          <a:lnRef idx="2">
+            <a:schemeClr val="accent1">
+              <a:shade val="50000"/>
+            </a:schemeClr>
+          </a:lnRef>
+          <a:fillRef idx="1">
+            <a:schemeClr val="accent1"/>
+          </a:fillRef>
+          <a:effectRef idx="0">
+            <a:schemeClr val="accent1"/>
+          </a:effectRef>
+          <a:fontRef idx="minor">
+            <a:schemeClr val="lt1"/>
+          </a:fontRef>
+        </p:style>
+        <p:txBody>
+          <a:bodyPr rtlCol="0" anchor="ctr"/>
+          <a:lstStyle/>
+          <a:p>
+            <a:pPr algn="ctr"/>
+            <a:endParaRPr lang="en-US" dirty="0"/>
+          </a:p>
+        </p:txBody>
+      </p:sp>
+      <p:sp>
+        <p:nvSpPr>
+          <p:cNvPr id="104" name="Oval 103">
+            <a:extLst>
+              <a:ext uri="{FF2B5EF4-FFF2-40B4-BE49-F238E27FC236}">
+                <a16:creationId xmlns:a16="http://schemas.microsoft.com/office/drawing/2014/main" id="{EBC7216F-DC80-924B-B12C-2EE6EB259DE4}"/>
+              </a:ext>
+            </a:extLst>
+          </p:cNvPr>
+          <p:cNvSpPr/>
+          <p:nvPr/>
+        </p:nvSpPr>
+        <p:spPr>
+          <a:xfrm>
+            <a:off x="2042672" y="4132928"/>
+            <a:ext cx="482950" cy="519692"/>
+          </a:xfrm>
+          <a:prstGeom prst="ellipse">
+            <a:avLst/>
+          </a:prstGeom>
+          <a:noFill/>
+          <a:ln>
+            <a:solidFill>
+              <a:schemeClr val="tx1"/>
+            </a:solidFill>
+          </a:ln>
+        </p:spPr>
+        <p:style>
+          <a:lnRef idx="2">
+            <a:schemeClr val="accent1">
+              <a:shade val="50000"/>
+            </a:schemeClr>
+          </a:lnRef>
+          <a:fillRef idx="1">
+            <a:schemeClr val="accent1"/>
+          </a:fillRef>
+          <a:effectRef idx="0">
+            <a:schemeClr val="accent1"/>
+          </a:effectRef>
+          <a:fontRef idx="minor">
+            <a:schemeClr val="lt1"/>
+          </a:fontRef>
+        </p:style>
+        <p:txBody>
+          <a:bodyPr rtlCol="0" anchor="ctr"/>
+          <a:lstStyle/>
+          <a:p>
+            <a:pPr algn="ctr"/>
+            <a:endParaRPr lang="en-US" dirty="0"/>
+          </a:p>
+        </p:txBody>
+      </p:sp>
+      <p:sp>
+        <p:nvSpPr>
+          <p:cNvPr id="105" name="Oval 104">
+            <a:extLst>
+              <a:ext uri="{FF2B5EF4-FFF2-40B4-BE49-F238E27FC236}">
+                <a16:creationId xmlns:a16="http://schemas.microsoft.com/office/drawing/2014/main" id="{3C50AA0C-2A7A-A140-A50B-00C9E8A53B5C}"/>
+              </a:ext>
+            </a:extLst>
+          </p:cNvPr>
+          <p:cNvSpPr/>
+          <p:nvPr/>
+        </p:nvSpPr>
+        <p:spPr>
+          <a:xfrm>
+            <a:off x="2779382" y="4243990"/>
+            <a:ext cx="504330" cy="502183"/>
+          </a:xfrm>
+          <a:prstGeom prst="ellipse">
+            <a:avLst/>
+          </a:prstGeom>
+          <a:noFill/>
+          <a:ln>
+            <a:solidFill>
+              <a:schemeClr val="tx1"/>
+            </a:solidFill>
+          </a:ln>
+        </p:spPr>
+        <p:style>
+          <a:lnRef idx="2">
+            <a:schemeClr val="accent1">
+              <a:shade val="50000"/>
+            </a:schemeClr>
+          </a:lnRef>
+          <a:fillRef idx="1">
+            <a:schemeClr val="accent1"/>
+          </a:fillRef>
+          <a:effectRef idx="0">
+            <a:schemeClr val="accent1"/>
+          </a:effectRef>
+          <a:fontRef idx="minor">
+            <a:schemeClr val="lt1"/>
+          </a:fontRef>
+        </p:style>
+        <p:txBody>
+          <a:bodyPr rtlCol="0" anchor="ctr"/>
+          <a:lstStyle/>
+          <a:p>
+            <a:pPr algn="ctr"/>
+            <a:endParaRPr lang="en-US" dirty="0"/>
+          </a:p>
+        </p:txBody>
+      </p:sp>
+      <p:sp>
+        <p:nvSpPr>
+          <p:cNvPr id="106" name="Oval 105">
+            <a:extLst>
+              <a:ext uri="{FF2B5EF4-FFF2-40B4-BE49-F238E27FC236}">
+                <a16:creationId xmlns:a16="http://schemas.microsoft.com/office/drawing/2014/main" id="{0701D4D9-000C-F447-A20F-F4FC71A35DB5}"/>
+              </a:ext>
+            </a:extLst>
+          </p:cNvPr>
+          <p:cNvSpPr/>
+          <p:nvPr/>
+        </p:nvSpPr>
+        <p:spPr>
+          <a:xfrm>
+            <a:off x="3256251" y="4109648"/>
+            <a:ext cx="413655" cy="442068"/>
+          </a:xfrm>
+          <a:prstGeom prst="ellipse">
+            <a:avLst/>
+          </a:prstGeom>
+          <a:noFill/>
+          <a:ln>
+            <a:solidFill>
+              <a:schemeClr val="tx1"/>
+            </a:solidFill>
+          </a:ln>
+        </p:spPr>
+        <p:style>
+          <a:lnRef idx="2">
+            <a:schemeClr val="accent1">
+              <a:shade val="50000"/>
+            </a:schemeClr>
+          </a:lnRef>
+          <a:fillRef idx="1">
+            <a:schemeClr val="accent1"/>
+          </a:fillRef>
+          <a:effectRef idx="0">
+            <a:schemeClr val="accent1"/>
+          </a:effectRef>
+          <a:fontRef idx="minor">
+            <a:schemeClr val="lt1"/>
+          </a:fontRef>
+        </p:style>
+        <p:txBody>
+          <a:bodyPr rtlCol="0" anchor="ctr"/>
+          <a:lstStyle/>
+          <a:p>
+            <a:pPr algn="ctr"/>
+            <a:endParaRPr lang="en-US" dirty="0"/>
+          </a:p>
+        </p:txBody>
+      </p:sp>
+      <p:sp>
+        <p:nvSpPr>
+          <p:cNvPr id="107" name="Oval 106">
+            <a:extLst>
+              <a:ext uri="{FF2B5EF4-FFF2-40B4-BE49-F238E27FC236}">
+                <a16:creationId xmlns:a16="http://schemas.microsoft.com/office/drawing/2014/main" id="{7D750BD5-8741-674C-88F4-158F48317156}"/>
+              </a:ext>
+            </a:extLst>
+          </p:cNvPr>
+          <p:cNvSpPr/>
+          <p:nvPr/>
+        </p:nvSpPr>
+        <p:spPr>
+          <a:xfrm>
+            <a:off x="3006902" y="2185763"/>
+            <a:ext cx="413655" cy="442068"/>
+          </a:xfrm>
+          <a:prstGeom prst="ellipse">
+            <a:avLst/>
+          </a:prstGeom>
+          <a:noFill/>
+          <a:ln>
+            <a:solidFill>
+              <a:schemeClr val="tx1"/>
+            </a:solidFill>
+          </a:ln>
+        </p:spPr>
+        <p:style>
+          <a:lnRef idx="2">
+            <a:schemeClr val="accent1">
+              <a:shade val="50000"/>
+            </a:schemeClr>
+          </a:lnRef>
+          <a:fillRef idx="1">
+            <a:schemeClr val="accent1"/>
+          </a:fillRef>
+          <a:effectRef idx="0">
+            <a:schemeClr val="accent1"/>
+          </a:effectRef>
+          <a:fontRef idx="minor">
+            <a:schemeClr val="lt1"/>
+          </a:fontRef>
+        </p:style>
+        <p:txBody>
+          <a:bodyPr rtlCol="0" anchor="ctr"/>
+          <a:lstStyle/>
+          <a:p>
+            <a:pPr algn="ctr"/>
+            <a:endParaRPr lang="en-US" dirty="0"/>
+          </a:p>
+        </p:txBody>
+      </p:sp>
+      <p:sp>
+        <p:nvSpPr>
+          <p:cNvPr id="108" name="Oval 107">
+            <a:extLst>
+              <a:ext uri="{FF2B5EF4-FFF2-40B4-BE49-F238E27FC236}">
+                <a16:creationId xmlns:a16="http://schemas.microsoft.com/office/drawing/2014/main" id="{742F3818-A703-864D-8800-9E901E2599C4}"/>
+              </a:ext>
+            </a:extLst>
+          </p:cNvPr>
+          <p:cNvSpPr/>
+          <p:nvPr/>
+        </p:nvSpPr>
+        <p:spPr>
+          <a:xfrm>
+            <a:off x="1604037" y="4171740"/>
+            <a:ext cx="413655" cy="442068"/>
+          </a:xfrm>
+          <a:prstGeom prst="ellipse">
+            <a:avLst/>
+          </a:prstGeom>
+          <a:noFill/>
+          <a:ln>
+            <a:solidFill>
+              <a:schemeClr val="tx1"/>
+            </a:solidFill>
+          </a:ln>
+        </p:spPr>
+        <p:style>
+          <a:lnRef idx="2">
+            <a:schemeClr val="accent1">
+              <a:shade val="50000"/>
+            </a:schemeClr>
+          </a:lnRef>
+          <a:fillRef idx="1">
+            <a:schemeClr val="accent1"/>
+          </a:fillRef>
+          <a:effectRef idx="0">
+            <a:schemeClr val="accent1"/>
+          </a:effectRef>
+          <a:fontRef idx="minor">
+            <a:schemeClr val="lt1"/>
+          </a:fontRef>
+        </p:style>
+        <p:txBody>
+          <a:bodyPr rtlCol="0" anchor="ctr"/>
+          <a:lstStyle/>
+          <a:p>
+            <a:pPr algn="ctr"/>
+            <a:endParaRPr lang="en-US" dirty="0"/>
+          </a:p>
+        </p:txBody>
+      </p:sp>
+      <p:sp>
+        <p:nvSpPr>
+          <p:cNvPr id="109" name="TextBox 108">
+            <a:extLst>
+              <a:ext uri="{FF2B5EF4-FFF2-40B4-BE49-F238E27FC236}">
+                <a16:creationId xmlns:a16="http://schemas.microsoft.com/office/drawing/2014/main" id="{7B9D0BB0-6778-FC4A-AD3D-A3A8B4184F6F}"/>
+              </a:ext>
+            </a:extLst>
+          </p:cNvPr>
+          <p:cNvSpPr txBox="1"/>
+          <p:nvPr/>
+        </p:nvSpPr>
+        <p:spPr>
+          <a:xfrm>
+            <a:off x="1712259" y="3706991"/>
+            <a:ext cx="573555" cy="369332"/>
+          </a:xfrm>
+          <a:prstGeom prst="rect">
+            <a:avLst/>
+          </a:prstGeom>
+          <a:noFill/>
+        </p:spPr>
+        <p:txBody>
+          <a:bodyPr wrap="none" rtlCol="0">
+            <a:spAutoFit/>
+          </a:bodyPr>
+          <a:lstStyle/>
+          <a:p>
+            <a:r>
+              <a:rPr lang="en-US" dirty="0"/>
+              <a:t>ABA</a:t>
+            </a:r>
+          </a:p>
+        </p:txBody>
+      </p:sp>
+      <p:sp>
+        <p:nvSpPr>
+          <p:cNvPr id="133" name="TextBox 132">
+            <a:extLst>
+              <a:ext uri="{FF2B5EF4-FFF2-40B4-BE49-F238E27FC236}">
+                <a16:creationId xmlns:a16="http://schemas.microsoft.com/office/drawing/2014/main" id="{577C67A4-2441-574C-AB6C-129DD15E91BC}"/>
+              </a:ext>
+            </a:extLst>
+          </p:cNvPr>
+          <p:cNvSpPr txBox="1"/>
+          <p:nvPr/>
+        </p:nvSpPr>
+        <p:spPr>
+          <a:xfrm>
+            <a:off x="5642330" y="4810950"/>
+            <a:ext cx="573555" cy="369332"/>
+          </a:xfrm>
+          <a:prstGeom prst="rect">
+            <a:avLst/>
+          </a:prstGeom>
+          <a:noFill/>
+        </p:spPr>
+        <p:txBody>
+          <a:bodyPr wrap="none" rtlCol="0">
+            <a:spAutoFit/>
+          </a:bodyPr>
+          <a:lstStyle/>
+          <a:p>
+            <a:r>
+              <a:rPr lang="en-US" dirty="0"/>
+              <a:t>ABA</a:t>
+            </a:r>
+          </a:p>
+        </p:txBody>
+      </p:sp>
+      <p:sp>
+        <p:nvSpPr>
+          <p:cNvPr id="134" name="Freeform 133">
+            <a:extLst>
+              <a:ext uri="{FF2B5EF4-FFF2-40B4-BE49-F238E27FC236}">
+                <a16:creationId xmlns:a16="http://schemas.microsoft.com/office/drawing/2014/main" id="{9A46662D-A497-224F-A933-8626CDBD147B}"/>
+              </a:ext>
+            </a:extLst>
+          </p:cNvPr>
+          <p:cNvSpPr/>
+          <p:nvPr/>
+        </p:nvSpPr>
+        <p:spPr>
+          <a:xfrm>
+            <a:off x="1603184" y="4020456"/>
+            <a:ext cx="678832" cy="2039257"/>
+          </a:xfrm>
+          <a:custGeom>
+            <a:avLst/>
+            <a:gdLst>
+              <a:gd name="connsiteX0" fmla="*/ 414302 w 617502"/>
+              <a:gd name="connsiteY0" fmla="*/ 0 h 2032000"/>
+              <a:gd name="connsiteX1" fmla="*/ 385273 w 617502"/>
+              <a:gd name="connsiteY1" fmla="*/ 72572 h 2032000"/>
+              <a:gd name="connsiteX2" fmla="*/ 356245 w 617502"/>
+              <a:gd name="connsiteY2" fmla="*/ 522514 h 2032000"/>
+              <a:gd name="connsiteX3" fmla="*/ 341730 w 617502"/>
+              <a:gd name="connsiteY3" fmla="*/ 580572 h 2032000"/>
+              <a:gd name="connsiteX4" fmla="*/ 167559 w 617502"/>
+              <a:gd name="connsiteY4" fmla="*/ 624114 h 2032000"/>
+              <a:gd name="connsiteX5" fmla="*/ 36930 w 617502"/>
+              <a:gd name="connsiteY5" fmla="*/ 682172 h 2032000"/>
+              <a:gd name="connsiteX6" fmla="*/ 22416 w 617502"/>
+              <a:gd name="connsiteY6" fmla="*/ 725714 h 2032000"/>
+              <a:gd name="connsiteX7" fmla="*/ 22416 w 617502"/>
+              <a:gd name="connsiteY7" fmla="*/ 1625600 h 2032000"/>
+              <a:gd name="connsiteX8" fmla="*/ 65959 w 617502"/>
+              <a:gd name="connsiteY8" fmla="*/ 1756229 h 2032000"/>
+              <a:gd name="connsiteX9" fmla="*/ 124016 w 617502"/>
+              <a:gd name="connsiteY9" fmla="*/ 1814286 h 2032000"/>
+              <a:gd name="connsiteX10" fmla="*/ 167559 w 617502"/>
+              <a:gd name="connsiteY10" fmla="*/ 1843314 h 2032000"/>
+              <a:gd name="connsiteX11" fmla="*/ 443330 w 617502"/>
+              <a:gd name="connsiteY11" fmla="*/ 1886857 h 2032000"/>
+              <a:gd name="connsiteX12" fmla="*/ 530416 w 617502"/>
+              <a:gd name="connsiteY12" fmla="*/ 1915886 h 2032000"/>
+              <a:gd name="connsiteX13" fmla="*/ 573959 w 617502"/>
+              <a:gd name="connsiteY13" fmla="*/ 1930400 h 2032000"/>
+              <a:gd name="connsiteX14" fmla="*/ 617502 w 617502"/>
+              <a:gd name="connsiteY14" fmla="*/ 2032000 h 2032000"/>
+            </a:gdLst>
+            <a:ahLst/>
+            <a:cxnLst>
+              <a:cxn ang="0">
+                <a:pos x="connsiteX0" y="connsiteY0"/>
+              </a:cxn>
+              <a:cxn ang="0">
+                <a:pos x="connsiteX1" y="connsiteY1"/>
+              </a:cxn>
+              <a:cxn ang="0">
+                <a:pos x="connsiteX2" y="connsiteY2"/>
+              </a:cxn>
+              <a:cxn ang="0">
+                <a:pos x="connsiteX3" y="connsiteY3"/>
+              </a:cxn>
+              <a:cxn ang="0">
+                <a:pos x="connsiteX4" y="connsiteY4"/>
+              </a:cxn>
+              <a:cxn ang="0">
+                <a:pos x="connsiteX5" y="connsiteY5"/>
+              </a:cxn>
+              <a:cxn ang="0">
+                <a:pos x="connsiteX6" y="connsiteY6"/>
+              </a:cxn>
+              <a:cxn ang="0">
+                <a:pos x="connsiteX7" y="connsiteY7"/>
+              </a:cxn>
+              <a:cxn ang="0">
+                <a:pos x="connsiteX8" y="connsiteY8"/>
+              </a:cxn>
+              <a:cxn ang="0">
+                <a:pos x="connsiteX9" y="connsiteY9"/>
+              </a:cxn>
+              <a:cxn ang="0">
+                <a:pos x="connsiteX10" y="connsiteY10"/>
+              </a:cxn>
+              <a:cxn ang="0">
+                <a:pos x="connsiteX11" y="connsiteY11"/>
+              </a:cxn>
+              <a:cxn ang="0">
+                <a:pos x="connsiteX12" y="connsiteY12"/>
+              </a:cxn>
+              <a:cxn ang="0">
+                <a:pos x="connsiteX13" y="connsiteY13"/>
+              </a:cxn>
+              <a:cxn ang="0">
+                <a:pos x="connsiteX14" y="connsiteY14"/>
+              </a:cxn>
+            </a:cxnLst>
+            <a:rect l="l" t="t" r="r" b="b"/>
+            <a:pathLst>
+              <a:path w="617502" h="2032000">
+                <a:moveTo>
+                  <a:pt x="414302" y="0"/>
+                </a:moveTo>
+                <a:cubicBezTo>
+                  <a:pt x="404626" y="24191"/>
+                  <a:pt x="393512" y="47855"/>
+                  <a:pt x="385273" y="72572"/>
+                </a:cubicBezTo>
+                <a:cubicBezTo>
+                  <a:pt x="340612" y="206555"/>
+                  <a:pt x="361300" y="444168"/>
+                  <a:pt x="356245" y="522514"/>
+                </a:cubicBezTo>
+                <a:cubicBezTo>
+                  <a:pt x="354961" y="542421"/>
+                  <a:pt x="356876" y="567590"/>
+                  <a:pt x="341730" y="580572"/>
+                </a:cubicBezTo>
+                <a:cubicBezTo>
+                  <a:pt x="313971" y="604366"/>
+                  <a:pt x="200917" y="618554"/>
+                  <a:pt x="167559" y="624114"/>
+                </a:cubicBezTo>
+                <a:cubicBezTo>
+                  <a:pt x="63924" y="658659"/>
+                  <a:pt x="105933" y="636170"/>
+                  <a:pt x="36930" y="682172"/>
+                </a:cubicBezTo>
+                <a:cubicBezTo>
+                  <a:pt x="32092" y="696686"/>
+                  <a:pt x="25153" y="710662"/>
+                  <a:pt x="22416" y="725714"/>
+                </a:cubicBezTo>
+                <a:cubicBezTo>
+                  <a:pt x="-26275" y="993517"/>
+                  <a:pt x="19016" y="1523611"/>
+                  <a:pt x="22416" y="1625600"/>
+                </a:cubicBezTo>
+                <a:cubicBezTo>
+                  <a:pt x="25161" y="1707937"/>
+                  <a:pt x="29282" y="1701214"/>
+                  <a:pt x="65959" y="1756229"/>
+                </a:cubicBezTo>
+                <a:cubicBezTo>
+                  <a:pt x="89181" y="1825897"/>
+                  <a:pt x="62088" y="1783323"/>
+                  <a:pt x="124016" y="1814286"/>
+                </a:cubicBezTo>
+                <a:cubicBezTo>
+                  <a:pt x="139618" y="1822087"/>
+                  <a:pt x="151619" y="1836229"/>
+                  <a:pt x="167559" y="1843314"/>
+                </a:cubicBezTo>
+                <a:cubicBezTo>
+                  <a:pt x="270070" y="1888874"/>
+                  <a:pt x="315706" y="1877040"/>
+                  <a:pt x="443330" y="1886857"/>
+                </a:cubicBezTo>
+                <a:lnTo>
+                  <a:pt x="530416" y="1915886"/>
+                </a:lnTo>
+                <a:lnTo>
+                  <a:pt x="573959" y="1930400"/>
+                </a:lnTo>
+                <a:cubicBezTo>
+                  <a:pt x="605151" y="2023977"/>
+                  <a:pt x="581350" y="1995850"/>
+                  <a:pt x="617502" y="2032000"/>
+                </a:cubicBezTo>
+              </a:path>
+            </a:pathLst>
+          </a:custGeom>
+          <a:noFill/>
+          <a:ln w="25400">
+            <a:solidFill>
+              <a:schemeClr val="tx1"/>
+            </a:solidFill>
+            <a:tailEnd type="stealth" w="lg" len="lg"/>
+          </a:ln>
+        </p:spPr>
+        <p:style>
+          <a:lnRef idx="2">
+            <a:schemeClr val="accent1">
+              <a:shade val="50000"/>
+            </a:schemeClr>
+          </a:lnRef>
+          <a:fillRef idx="1">
+            <a:schemeClr val="accent1"/>
+          </a:fillRef>
+          <a:effectRef idx="0">
+            <a:schemeClr val="accent1"/>
+          </a:effectRef>
+          <a:fontRef idx="minor">
+            <a:schemeClr val="lt1"/>
+          </a:fontRef>
+        </p:style>
+        <p:txBody>
+          <a:bodyPr rtlCol="0" anchor="ctr"/>
+          <a:lstStyle/>
+          <a:p>
+            <a:pPr algn="ctr"/>
+            <a:endParaRPr lang="en-US"/>
+          </a:p>
+        </p:txBody>
+      </p:sp>
+      <p:grpSp>
+        <p:nvGrpSpPr>
+          <p:cNvPr id="137" name="Group 136">
+            <a:extLst>
+              <a:ext uri="{FF2B5EF4-FFF2-40B4-BE49-F238E27FC236}">
+                <a16:creationId xmlns:a16="http://schemas.microsoft.com/office/drawing/2014/main" id="{E92B340B-B131-074A-93A7-24EB5E16CE1D}"/>
+              </a:ext>
+            </a:extLst>
+          </p:cNvPr>
+          <p:cNvGrpSpPr/>
+          <p:nvPr/>
+        </p:nvGrpSpPr>
+        <p:grpSpPr>
+          <a:xfrm>
+            <a:off x="4258208" y="765555"/>
+            <a:ext cx="3292020" cy="4186039"/>
+            <a:chOff x="4287236" y="983265"/>
+            <a:chExt cx="3292020" cy="4186039"/>
+          </a:xfrm>
+        </p:grpSpPr>
+        <p:sp>
+          <p:nvSpPr>
+            <p:cNvPr id="112" name="Oval 111">
+              <a:extLst>
+                <a:ext uri="{FF2B5EF4-FFF2-40B4-BE49-F238E27FC236}">
+                  <a16:creationId xmlns:a16="http://schemas.microsoft.com/office/drawing/2014/main" id="{390C7310-123C-564E-A1F1-9601E487E1CF}"/>
+                </a:ext>
+              </a:extLst>
+            </p:cNvPr>
+            <p:cNvSpPr/>
+            <p:nvPr/>
+          </p:nvSpPr>
+          <p:spPr>
+            <a:xfrm>
+              <a:off x="4287236" y="983265"/>
+              <a:ext cx="3292020" cy="3409509"/>
+            </a:xfrm>
+            <a:prstGeom prst="ellipse">
+              <a:avLst/>
+            </a:prstGeom>
+            <a:noFill/>
+            <a:ln>
+              <a:solidFill>
+                <a:schemeClr val="tx1"/>
+              </a:solidFill>
+            </a:ln>
+          </p:spPr>
+          <p:style>
+            <a:lnRef idx="2">
+              <a:schemeClr val="accent1">
+                <a:shade val="50000"/>
+              </a:schemeClr>
+            </a:lnRef>
+            <a:fillRef idx="1">
+              <a:schemeClr val="accent1"/>
+            </a:fillRef>
+            <a:effectRef idx="0">
+              <a:schemeClr val="accent1"/>
+            </a:effectRef>
+            <a:fontRef idx="minor">
+              <a:schemeClr val="lt1"/>
+            </a:fontRef>
+          </p:style>
+          <p:txBody>
+            <a:bodyPr rtlCol="0" anchor="ctr"/>
+            <a:lstStyle/>
+            <a:p>
+              <a:pPr algn="ctr"/>
+              <a:endParaRPr lang="en-US" dirty="0"/>
+            </a:p>
+          </p:txBody>
+        </p:sp>
+        <p:sp>
+          <p:nvSpPr>
+            <p:cNvPr id="113" name="TextBox 112">
+              <a:extLst>
+                <a:ext uri="{FF2B5EF4-FFF2-40B4-BE49-F238E27FC236}">
+                  <a16:creationId xmlns:a16="http://schemas.microsoft.com/office/drawing/2014/main" id="{D10B4DD0-A4BA-3348-AD0D-D57F077B00B1}"/>
+                </a:ext>
+              </a:extLst>
+            </p:cNvPr>
+            <p:cNvSpPr txBox="1"/>
+            <p:nvPr/>
+          </p:nvSpPr>
+          <p:spPr>
+            <a:xfrm>
+              <a:off x="5326200" y="1159530"/>
+              <a:ext cx="1211550" cy="369332"/>
+            </a:xfrm>
+            <a:prstGeom prst="rect">
+              <a:avLst/>
+            </a:prstGeom>
+            <a:noFill/>
+          </p:spPr>
+          <p:txBody>
+            <a:bodyPr wrap="none" rtlCol="0">
+              <a:spAutoFit/>
+            </a:bodyPr>
+            <a:lstStyle/>
+            <a:p>
+              <a:r>
+                <a:rPr lang="en-US" dirty="0"/>
+                <a:t>Zeaxanthin</a:t>
+              </a:r>
+            </a:p>
+          </p:txBody>
+        </p:sp>
+        <p:sp>
+          <p:nvSpPr>
+            <p:cNvPr id="114" name="TextBox 113">
+              <a:extLst>
+                <a:ext uri="{FF2B5EF4-FFF2-40B4-BE49-F238E27FC236}">
+                  <a16:creationId xmlns:a16="http://schemas.microsoft.com/office/drawing/2014/main" id="{42219A3E-0FF8-BB4F-B013-E5061F1AED00}"/>
+                </a:ext>
+              </a:extLst>
+            </p:cNvPr>
+            <p:cNvSpPr txBox="1"/>
+            <p:nvPr/>
+          </p:nvSpPr>
+          <p:spPr>
+            <a:xfrm>
+              <a:off x="5043527" y="1789938"/>
+              <a:ext cx="1776897" cy="369332"/>
+            </a:xfrm>
+            <a:prstGeom prst="rect">
+              <a:avLst/>
+            </a:prstGeom>
+            <a:noFill/>
+          </p:spPr>
+          <p:txBody>
+            <a:bodyPr wrap="none" rtlCol="0">
+              <a:spAutoFit/>
+            </a:bodyPr>
+            <a:lstStyle/>
+            <a:p>
+              <a:r>
+                <a:rPr lang="en-US" dirty="0"/>
+                <a:t>9’ cis-neoxanthin</a:t>
+              </a:r>
+            </a:p>
+          </p:txBody>
+        </p:sp>
+        <p:sp>
+          <p:nvSpPr>
+            <p:cNvPr id="115" name="TextBox 114">
+              <a:extLst>
+                <a:ext uri="{FF2B5EF4-FFF2-40B4-BE49-F238E27FC236}">
+                  <a16:creationId xmlns:a16="http://schemas.microsoft.com/office/drawing/2014/main" id="{E083DDEB-59D3-1F42-85B6-612E56E901A0}"/>
+                </a:ext>
+              </a:extLst>
+            </p:cNvPr>
+            <p:cNvSpPr txBox="1"/>
+            <p:nvPr/>
+          </p:nvSpPr>
+          <p:spPr>
+            <a:xfrm>
+              <a:off x="5369256" y="2369194"/>
+              <a:ext cx="1125436" cy="369332"/>
+            </a:xfrm>
+            <a:prstGeom prst="rect">
+              <a:avLst/>
+            </a:prstGeom>
+            <a:noFill/>
+          </p:spPr>
+          <p:txBody>
+            <a:bodyPr wrap="none" rtlCol="0">
+              <a:spAutoFit/>
+            </a:bodyPr>
+            <a:lstStyle/>
+            <a:p>
+              <a:r>
+                <a:rPr lang="en-US" dirty="0" err="1"/>
+                <a:t>Xanthoxin</a:t>
+              </a:r>
+              <a:endParaRPr lang="en-US" dirty="0"/>
+            </a:p>
+          </p:txBody>
+        </p:sp>
+        <p:sp>
+          <p:nvSpPr>
+            <p:cNvPr id="116" name="TextBox 115">
+              <a:extLst>
+                <a:ext uri="{FF2B5EF4-FFF2-40B4-BE49-F238E27FC236}">
+                  <a16:creationId xmlns:a16="http://schemas.microsoft.com/office/drawing/2014/main" id="{42696657-2B36-3148-944A-C9A1A2DA2C3E}"/>
+                </a:ext>
+              </a:extLst>
+            </p:cNvPr>
+            <p:cNvSpPr txBox="1"/>
+            <p:nvPr/>
+          </p:nvSpPr>
+          <p:spPr>
+            <a:xfrm>
+              <a:off x="5043527" y="3004468"/>
+              <a:ext cx="1829219" cy="369332"/>
+            </a:xfrm>
+            <a:prstGeom prst="rect">
+              <a:avLst/>
+            </a:prstGeom>
+            <a:noFill/>
+          </p:spPr>
+          <p:txBody>
+            <a:bodyPr wrap="none" rtlCol="0">
+              <a:spAutoFit/>
+            </a:bodyPr>
+            <a:lstStyle/>
+            <a:p>
+              <a:r>
+                <a:rPr lang="en-US" dirty="0"/>
+                <a:t>Abscisic aldehyde</a:t>
+              </a:r>
+            </a:p>
+          </p:txBody>
+        </p:sp>
+        <p:sp>
+          <p:nvSpPr>
+            <p:cNvPr id="117" name="TextBox 116">
+              <a:extLst>
+                <a:ext uri="{FF2B5EF4-FFF2-40B4-BE49-F238E27FC236}">
+                  <a16:creationId xmlns:a16="http://schemas.microsoft.com/office/drawing/2014/main" id="{890FF6E6-DD2F-D444-874F-02F0B7A70986}"/>
+                </a:ext>
+              </a:extLst>
+            </p:cNvPr>
+            <p:cNvSpPr txBox="1"/>
+            <p:nvPr/>
+          </p:nvSpPr>
+          <p:spPr>
+            <a:xfrm>
+              <a:off x="5645197" y="3585769"/>
+              <a:ext cx="573555" cy="369332"/>
+            </a:xfrm>
+            <a:prstGeom prst="rect">
+              <a:avLst/>
+            </a:prstGeom>
+            <a:noFill/>
+          </p:spPr>
+          <p:txBody>
+            <a:bodyPr wrap="none" rtlCol="0">
+              <a:spAutoFit/>
+            </a:bodyPr>
+            <a:lstStyle/>
+            <a:p>
+              <a:r>
+                <a:rPr lang="en-US" dirty="0"/>
+                <a:t>ABA</a:t>
+              </a:r>
+            </a:p>
+          </p:txBody>
+        </p:sp>
+        <p:sp>
+          <p:nvSpPr>
+            <p:cNvPr id="118" name="TextBox 117">
+              <a:extLst>
+                <a:ext uri="{FF2B5EF4-FFF2-40B4-BE49-F238E27FC236}">
+                  <a16:creationId xmlns:a16="http://schemas.microsoft.com/office/drawing/2014/main" id="{5B94164A-C49F-634D-B161-BB345C75248C}"/>
+                </a:ext>
+              </a:extLst>
+            </p:cNvPr>
+            <p:cNvSpPr txBox="1"/>
+            <p:nvPr/>
+          </p:nvSpPr>
+          <p:spPr>
+            <a:xfrm rot="16200000">
+              <a:off x="3913590" y="2245591"/>
+              <a:ext cx="1823128" cy="369332"/>
+            </a:xfrm>
+            <a:prstGeom prst="rect">
+              <a:avLst/>
+            </a:prstGeom>
+            <a:noFill/>
+          </p:spPr>
+          <p:txBody>
+            <a:bodyPr wrap="none" rtlCol="0">
+              <a:spAutoFit/>
+            </a:bodyPr>
+            <a:lstStyle/>
+            <a:p>
+              <a:r>
+                <a:rPr lang="en-US" b="1" dirty="0"/>
+                <a:t>ABA biosynthesis</a:t>
+              </a:r>
+            </a:p>
+          </p:txBody>
+        </p:sp>
+        <p:cxnSp>
+          <p:nvCxnSpPr>
+            <p:cNvPr id="120" name="Straight Arrow Connector 119">
+              <a:extLst>
+                <a:ext uri="{FF2B5EF4-FFF2-40B4-BE49-F238E27FC236}">
+                  <a16:creationId xmlns:a16="http://schemas.microsoft.com/office/drawing/2014/main" id="{E04148B9-6DB6-8348-B046-E458CC745569}"/>
+                </a:ext>
+              </a:extLst>
+            </p:cNvPr>
+            <p:cNvCxnSpPr>
+              <a:stCxn id="113" idx="2"/>
+              <a:endCxn id="114" idx="0"/>
+            </p:cNvCxnSpPr>
+            <p:nvPr/>
+          </p:nvCxnSpPr>
+          <p:spPr>
+            <a:xfrm>
+              <a:off x="5931975" y="1528862"/>
+              <a:ext cx="1" cy="261076"/>
+            </a:xfrm>
+            <a:prstGeom prst="straightConnector1">
+              <a:avLst/>
+            </a:prstGeom>
+            <a:ln>
+              <a:solidFill>
+                <a:schemeClr val="tx1"/>
+              </a:solidFill>
+              <a:tailEnd type="triangle"/>
+            </a:ln>
+          </p:spPr>
+          <p:style>
+            <a:lnRef idx="1">
+              <a:schemeClr val="accent1"/>
+            </a:lnRef>
+            <a:fillRef idx="0">
+              <a:schemeClr val="accent1"/>
+            </a:fillRef>
+            <a:effectRef idx="0">
+              <a:schemeClr val="accent1"/>
+            </a:effectRef>
+            <a:fontRef idx="minor">
+              <a:schemeClr val="tx1"/>
+            </a:fontRef>
+          </p:style>
+        </p:cxnSp>
+        <p:cxnSp>
+          <p:nvCxnSpPr>
+            <p:cNvPr id="122" name="Straight Arrow Connector 121">
+              <a:extLst>
+                <a:ext uri="{FF2B5EF4-FFF2-40B4-BE49-F238E27FC236}">
+                  <a16:creationId xmlns:a16="http://schemas.microsoft.com/office/drawing/2014/main" id="{078C36F6-5226-C34B-97DF-DB67DC02F2C1}"/>
+                </a:ext>
+              </a:extLst>
+            </p:cNvPr>
+            <p:cNvCxnSpPr/>
+            <p:nvPr/>
+          </p:nvCxnSpPr>
+          <p:spPr>
+            <a:xfrm>
+              <a:off x="5939232" y="2131200"/>
+              <a:ext cx="1" cy="261076"/>
+            </a:xfrm>
+            <a:prstGeom prst="straightConnector1">
+              <a:avLst/>
+            </a:prstGeom>
+            <a:ln>
+              <a:solidFill>
+                <a:schemeClr val="tx1"/>
+              </a:solidFill>
+              <a:tailEnd type="triangle"/>
+            </a:ln>
+          </p:spPr>
+          <p:style>
+            <a:lnRef idx="1">
+              <a:schemeClr val="accent1"/>
+            </a:lnRef>
+            <a:fillRef idx="0">
+              <a:schemeClr val="accent1"/>
+            </a:fillRef>
+            <a:effectRef idx="0">
+              <a:schemeClr val="accent1"/>
+            </a:effectRef>
+            <a:fontRef idx="minor">
+              <a:schemeClr val="tx1"/>
+            </a:fontRef>
+          </p:style>
+        </p:cxnSp>
+        <p:cxnSp>
+          <p:nvCxnSpPr>
+            <p:cNvPr id="123" name="Straight Arrow Connector 122">
+              <a:extLst>
+                <a:ext uri="{FF2B5EF4-FFF2-40B4-BE49-F238E27FC236}">
+                  <a16:creationId xmlns:a16="http://schemas.microsoft.com/office/drawing/2014/main" id="{99F9EEBE-E372-2A44-A6B3-C951D4984BD1}"/>
+                </a:ext>
+              </a:extLst>
+            </p:cNvPr>
+            <p:cNvCxnSpPr/>
+            <p:nvPr/>
+          </p:nvCxnSpPr>
+          <p:spPr>
+            <a:xfrm>
+              <a:off x="5939232" y="2798860"/>
+              <a:ext cx="1" cy="261076"/>
+            </a:xfrm>
+            <a:prstGeom prst="straightConnector1">
+              <a:avLst/>
+            </a:prstGeom>
+            <a:ln>
+              <a:solidFill>
+                <a:schemeClr val="tx1"/>
+              </a:solidFill>
+              <a:tailEnd type="triangle"/>
+            </a:ln>
+          </p:spPr>
+          <p:style>
+            <a:lnRef idx="1">
+              <a:schemeClr val="accent1"/>
+            </a:lnRef>
+            <a:fillRef idx="0">
+              <a:schemeClr val="accent1"/>
+            </a:fillRef>
+            <a:effectRef idx="0">
+              <a:schemeClr val="accent1"/>
+            </a:effectRef>
+            <a:fontRef idx="minor">
+              <a:schemeClr val="tx1"/>
+            </a:fontRef>
+          </p:style>
+        </p:cxnSp>
+        <p:cxnSp>
+          <p:nvCxnSpPr>
+            <p:cNvPr id="124" name="Straight Arrow Connector 123">
+              <a:extLst>
+                <a:ext uri="{FF2B5EF4-FFF2-40B4-BE49-F238E27FC236}">
+                  <a16:creationId xmlns:a16="http://schemas.microsoft.com/office/drawing/2014/main" id="{4141406D-1FA1-D548-9470-D40726E4695D}"/>
+                </a:ext>
+              </a:extLst>
+            </p:cNvPr>
+            <p:cNvCxnSpPr/>
+            <p:nvPr/>
+          </p:nvCxnSpPr>
+          <p:spPr>
+            <a:xfrm>
+              <a:off x="5946490" y="3386685"/>
+              <a:ext cx="1" cy="261076"/>
+            </a:xfrm>
+            <a:prstGeom prst="straightConnector1">
+              <a:avLst/>
+            </a:prstGeom>
+            <a:ln>
+              <a:solidFill>
+                <a:schemeClr val="tx1"/>
+              </a:solidFill>
+              <a:tailEnd type="triangle"/>
+            </a:ln>
+          </p:spPr>
+          <p:style>
+            <a:lnRef idx="1">
+              <a:schemeClr val="accent1"/>
+            </a:lnRef>
+            <a:fillRef idx="0">
+              <a:schemeClr val="accent1"/>
+            </a:fillRef>
+            <a:effectRef idx="0">
+              <a:schemeClr val="accent1"/>
+            </a:effectRef>
+            <a:fontRef idx="minor">
+              <a:schemeClr val="tx1"/>
+            </a:fontRef>
+          </p:style>
+        </p:cxnSp>
+        <p:sp>
+          <p:nvSpPr>
+            <p:cNvPr id="125" name="TextBox 124">
+              <a:extLst>
+                <a:ext uri="{FF2B5EF4-FFF2-40B4-BE49-F238E27FC236}">
+                  <a16:creationId xmlns:a16="http://schemas.microsoft.com/office/drawing/2014/main" id="{2622A043-161D-B149-910C-17668733E42B}"/>
+                </a:ext>
+              </a:extLst>
+            </p:cNvPr>
+            <p:cNvSpPr txBox="1"/>
+            <p:nvPr/>
+          </p:nvSpPr>
+          <p:spPr>
+            <a:xfrm>
+              <a:off x="6074962" y="1469813"/>
+              <a:ext cx="530915" cy="369332"/>
+            </a:xfrm>
+            <a:prstGeom prst="rect">
+              <a:avLst/>
+            </a:prstGeom>
+            <a:noFill/>
+          </p:spPr>
+          <p:txBody>
+            <a:bodyPr wrap="none" rtlCol="0">
+              <a:spAutoFit/>
+            </a:bodyPr>
+            <a:lstStyle/>
+            <a:p>
+              <a:r>
+                <a:rPr lang="en-US" b="1" dirty="0"/>
+                <a:t>ZEP</a:t>
+              </a:r>
+            </a:p>
+          </p:txBody>
+        </p:sp>
+        <p:sp>
+          <p:nvSpPr>
+            <p:cNvPr id="126" name="TextBox 125">
+              <a:extLst>
+                <a:ext uri="{FF2B5EF4-FFF2-40B4-BE49-F238E27FC236}">
+                  <a16:creationId xmlns:a16="http://schemas.microsoft.com/office/drawing/2014/main" id="{E20A6389-34C9-F34C-8289-E742C5B0B2B8}"/>
+                </a:ext>
+              </a:extLst>
+            </p:cNvPr>
+            <p:cNvSpPr txBox="1"/>
+            <p:nvPr/>
+          </p:nvSpPr>
+          <p:spPr>
+            <a:xfrm>
+              <a:off x="6074962" y="2083665"/>
+              <a:ext cx="716863" cy="369332"/>
+            </a:xfrm>
+            <a:prstGeom prst="rect">
+              <a:avLst/>
+            </a:prstGeom>
+            <a:noFill/>
+          </p:spPr>
+          <p:txBody>
+            <a:bodyPr wrap="none" rtlCol="0">
+              <a:spAutoFit/>
+            </a:bodyPr>
+            <a:lstStyle/>
+            <a:p>
+              <a:r>
+                <a:rPr lang="en-US" b="1" dirty="0"/>
+                <a:t>NCED</a:t>
+              </a:r>
+            </a:p>
+          </p:txBody>
+        </p:sp>
+        <p:sp>
+          <p:nvSpPr>
+            <p:cNvPr id="127" name="TextBox 126">
+              <a:extLst>
+                <a:ext uri="{FF2B5EF4-FFF2-40B4-BE49-F238E27FC236}">
+                  <a16:creationId xmlns:a16="http://schemas.microsoft.com/office/drawing/2014/main" id="{A17B252F-77AE-0A48-B18F-DCB97D03A037}"/>
+                </a:ext>
+              </a:extLst>
+            </p:cNvPr>
+            <p:cNvSpPr txBox="1"/>
+            <p:nvPr/>
+          </p:nvSpPr>
+          <p:spPr>
+            <a:xfrm>
+              <a:off x="6074962" y="2686008"/>
+              <a:ext cx="708207" cy="369332"/>
+            </a:xfrm>
+            <a:prstGeom prst="rect">
+              <a:avLst/>
+            </a:prstGeom>
+            <a:noFill/>
+          </p:spPr>
+          <p:txBody>
+            <a:bodyPr wrap="none" rtlCol="0">
+              <a:spAutoFit/>
+            </a:bodyPr>
+            <a:lstStyle/>
+            <a:p>
+              <a:r>
+                <a:rPr lang="en-US" b="1" dirty="0"/>
+                <a:t>ABA2</a:t>
+              </a:r>
+            </a:p>
+          </p:txBody>
+        </p:sp>
+        <p:sp>
+          <p:nvSpPr>
+            <p:cNvPr id="128" name="TextBox 127">
+              <a:extLst>
+                <a:ext uri="{FF2B5EF4-FFF2-40B4-BE49-F238E27FC236}">
+                  <a16:creationId xmlns:a16="http://schemas.microsoft.com/office/drawing/2014/main" id="{B2807324-FC52-5849-8FD7-D0D6836610C6}"/>
+                </a:ext>
+              </a:extLst>
+            </p:cNvPr>
+            <p:cNvSpPr txBox="1"/>
+            <p:nvPr/>
+          </p:nvSpPr>
+          <p:spPr>
+            <a:xfrm>
+              <a:off x="6074962" y="3317380"/>
+              <a:ext cx="631968" cy="369332"/>
+            </a:xfrm>
+            <a:prstGeom prst="rect">
+              <a:avLst/>
+            </a:prstGeom>
+            <a:noFill/>
+          </p:spPr>
+          <p:txBody>
+            <a:bodyPr wrap="none" rtlCol="0">
+              <a:spAutoFit/>
+            </a:bodyPr>
+            <a:lstStyle/>
+            <a:p>
+              <a:r>
+                <a:rPr lang="en-US" b="1" dirty="0"/>
+                <a:t>AOO</a:t>
+              </a:r>
+            </a:p>
+          </p:txBody>
+        </p:sp>
+        <p:sp>
+          <p:nvSpPr>
+            <p:cNvPr id="129" name="Can 128">
+              <a:extLst>
+                <a:ext uri="{FF2B5EF4-FFF2-40B4-BE49-F238E27FC236}">
+                  <a16:creationId xmlns:a16="http://schemas.microsoft.com/office/drawing/2014/main" id="{587D1BC2-F2D3-494A-8E23-7DAFFDA86DEC}"/>
+                </a:ext>
+              </a:extLst>
+            </p:cNvPr>
+            <p:cNvSpPr/>
+            <p:nvPr/>
+          </p:nvSpPr>
+          <p:spPr>
+            <a:xfrm>
+              <a:off x="5659712" y="4153748"/>
+              <a:ext cx="573555" cy="542972"/>
+            </a:xfrm>
+            <a:prstGeom prst="can">
+              <a:avLst/>
+            </a:prstGeom>
+          </p:spPr>
+          <p:style>
+            <a:lnRef idx="2">
+              <a:schemeClr val="accent1">
+                <a:shade val="50000"/>
+              </a:schemeClr>
+            </a:lnRef>
+            <a:fillRef idx="1">
+              <a:schemeClr val="accent1"/>
+            </a:fillRef>
+            <a:effectRef idx="0">
+              <a:schemeClr val="accent1"/>
+            </a:effectRef>
+            <a:fontRef idx="minor">
+              <a:schemeClr val="lt1"/>
+            </a:fontRef>
+          </p:style>
+          <p:txBody>
+            <a:bodyPr rtlCol="0" anchor="ctr"/>
+            <a:lstStyle/>
+            <a:p>
+              <a:pPr algn="ctr"/>
+              <a:endParaRPr lang="en-US"/>
+            </a:p>
+          </p:txBody>
+        </p:sp>
+        <p:sp>
+          <p:nvSpPr>
+            <p:cNvPr id="130" name="TextBox 129">
+              <a:extLst>
+                <a:ext uri="{FF2B5EF4-FFF2-40B4-BE49-F238E27FC236}">
+                  <a16:creationId xmlns:a16="http://schemas.microsoft.com/office/drawing/2014/main" id="{5920DB75-3687-EF4B-B5EA-CCC3ACF12F46}"/>
+                </a:ext>
+              </a:extLst>
+            </p:cNvPr>
+            <p:cNvSpPr txBox="1"/>
+            <p:nvPr/>
+          </p:nvSpPr>
+          <p:spPr>
+            <a:xfrm>
+              <a:off x="6189724" y="4326830"/>
+              <a:ext cx="955646" cy="369332"/>
+            </a:xfrm>
+            <a:prstGeom prst="rect">
+              <a:avLst/>
+            </a:prstGeom>
+            <a:noFill/>
+          </p:spPr>
+          <p:txBody>
+            <a:bodyPr wrap="none" rtlCol="0">
+              <a:spAutoFit/>
+            </a:bodyPr>
+            <a:lstStyle/>
+            <a:p>
+              <a:r>
+                <a:rPr lang="en-US" b="1" dirty="0"/>
+                <a:t>ABCG25</a:t>
+              </a:r>
+            </a:p>
+          </p:txBody>
+        </p:sp>
+        <p:cxnSp>
+          <p:nvCxnSpPr>
+            <p:cNvPr id="131" name="Straight Arrow Connector 130">
+              <a:extLst>
+                <a:ext uri="{FF2B5EF4-FFF2-40B4-BE49-F238E27FC236}">
+                  <a16:creationId xmlns:a16="http://schemas.microsoft.com/office/drawing/2014/main" id="{17C18960-5313-7E46-8459-E4FC38CC9FB7}"/>
+                </a:ext>
+              </a:extLst>
+            </p:cNvPr>
+            <p:cNvCxnSpPr>
+              <a:cxnSpLocks/>
+            </p:cNvCxnSpPr>
+            <p:nvPr/>
+          </p:nvCxnSpPr>
+          <p:spPr>
+            <a:xfrm>
+              <a:off x="5958136" y="3945785"/>
+              <a:ext cx="0" cy="1052574"/>
+            </a:xfrm>
+            <a:prstGeom prst="straightConnector1">
+              <a:avLst/>
+            </a:prstGeom>
+            <a:ln>
+              <a:solidFill>
+                <a:schemeClr val="tx1"/>
+              </a:solidFill>
+              <a:tailEnd type="triangle"/>
+            </a:ln>
+          </p:spPr>
+          <p:style>
+            <a:lnRef idx="1">
+              <a:schemeClr val="accent1"/>
+            </a:lnRef>
+            <a:fillRef idx="0">
+              <a:schemeClr val="accent1"/>
+            </a:fillRef>
+            <a:effectRef idx="0">
+              <a:schemeClr val="accent1"/>
+            </a:effectRef>
+            <a:fontRef idx="minor">
+              <a:schemeClr val="tx1"/>
+            </a:fontRef>
+          </p:style>
+        </p:cxnSp>
+        <p:sp>
+          <p:nvSpPr>
+            <p:cNvPr id="135" name="TextBox 134">
+              <a:extLst>
+                <a:ext uri="{FF2B5EF4-FFF2-40B4-BE49-F238E27FC236}">
+                  <a16:creationId xmlns:a16="http://schemas.microsoft.com/office/drawing/2014/main" id="{C7886AC1-9DD8-FD44-A68E-326D8749CC4F}"/>
+                </a:ext>
+              </a:extLst>
+            </p:cNvPr>
+            <p:cNvSpPr txBox="1"/>
+            <p:nvPr/>
+          </p:nvSpPr>
+          <p:spPr>
+            <a:xfrm>
+              <a:off x="4504035" y="4799972"/>
+              <a:ext cx="1010854" cy="369332"/>
+            </a:xfrm>
+            <a:prstGeom prst="rect">
+              <a:avLst/>
+            </a:prstGeom>
+            <a:noFill/>
+          </p:spPr>
+          <p:txBody>
+            <a:bodyPr wrap="none" rtlCol="0">
+              <a:spAutoFit/>
+            </a:bodyPr>
+            <a:lstStyle/>
+            <a:p>
+              <a:r>
+                <a:rPr lang="en-US" dirty="0"/>
+                <a:t>Apoplast</a:t>
+              </a:r>
+            </a:p>
+          </p:txBody>
+        </p:sp>
+      </p:grpSp>
+      <p:sp>
+        <p:nvSpPr>
+          <p:cNvPr id="136" name="Chord 135">
+            <a:extLst>
+              <a:ext uri="{FF2B5EF4-FFF2-40B4-BE49-F238E27FC236}">
+                <a16:creationId xmlns:a16="http://schemas.microsoft.com/office/drawing/2014/main" id="{E8A4C6FE-A856-4A41-B5E4-61A9879ABC4B}"/>
+              </a:ext>
+            </a:extLst>
+          </p:cNvPr>
+          <p:cNvSpPr/>
+          <p:nvPr/>
+        </p:nvSpPr>
+        <p:spPr>
+          <a:xfrm rot="17546660">
+            <a:off x="5197138" y="5028604"/>
+            <a:ext cx="1639536" cy="1667807"/>
+          </a:xfrm>
+          <a:prstGeom prst="chord">
+            <a:avLst/>
+          </a:prstGeom>
+          <a:solidFill>
+            <a:srgbClr val="FFC000"/>
+          </a:solidFill>
+          <a:ln>
+            <a:solidFill>
+              <a:schemeClr val="tx1"/>
+            </a:solidFill>
+          </a:ln>
+        </p:spPr>
+        <p:style>
+          <a:lnRef idx="2">
+            <a:schemeClr val="accent1">
+              <a:shade val="50000"/>
+            </a:schemeClr>
+          </a:lnRef>
+          <a:fillRef idx="1">
+            <a:schemeClr val="accent1"/>
+          </a:fillRef>
+          <a:effectRef idx="0">
+            <a:schemeClr val="accent1"/>
+          </a:effectRef>
+          <a:fontRef idx="minor">
+            <a:schemeClr val="lt1"/>
+          </a:fontRef>
+        </p:style>
+        <p:txBody>
+          <a:bodyPr rtlCol="0" anchor="ctr"/>
+          <a:lstStyle/>
+          <a:p>
+            <a:pPr algn="ctr"/>
+            <a:endParaRPr lang="en-US" dirty="0"/>
+          </a:p>
+        </p:txBody>
+      </p:sp>
+      <p:sp>
+        <p:nvSpPr>
+          <p:cNvPr id="138" name="Can 137">
+            <a:extLst>
+              <a:ext uri="{FF2B5EF4-FFF2-40B4-BE49-F238E27FC236}">
+                <a16:creationId xmlns:a16="http://schemas.microsoft.com/office/drawing/2014/main" id="{E372D9AD-E5DE-394C-B15C-4C47CA023E47}"/>
+              </a:ext>
+            </a:extLst>
+          </p:cNvPr>
+          <p:cNvSpPr/>
+          <p:nvPr/>
+        </p:nvSpPr>
+        <p:spPr>
+          <a:xfrm>
+            <a:off x="5630174" y="5295855"/>
+            <a:ext cx="573555" cy="542972"/>
+          </a:xfrm>
+          <a:prstGeom prst="can">
+            <a:avLst/>
+          </a:prstGeom>
+        </p:spPr>
+        <p:style>
+          <a:lnRef idx="2">
+            <a:schemeClr val="accent1">
+              <a:shade val="50000"/>
+            </a:schemeClr>
+          </a:lnRef>
+          <a:fillRef idx="1">
+            <a:schemeClr val="accent1"/>
+          </a:fillRef>
+          <a:effectRef idx="0">
+            <a:schemeClr val="accent1"/>
+          </a:effectRef>
+          <a:fontRef idx="minor">
+            <a:schemeClr val="lt1"/>
+          </a:fontRef>
+        </p:style>
+        <p:txBody>
+          <a:bodyPr rtlCol="0" anchor="ctr"/>
+          <a:lstStyle/>
+          <a:p>
+            <a:pPr algn="ctr"/>
+            <a:endParaRPr lang="en-US"/>
+          </a:p>
+        </p:txBody>
+      </p:sp>
+      <p:sp>
+        <p:nvSpPr>
+          <p:cNvPr id="139" name="TextBox 138">
+            <a:extLst>
+              <a:ext uri="{FF2B5EF4-FFF2-40B4-BE49-F238E27FC236}">
+                <a16:creationId xmlns:a16="http://schemas.microsoft.com/office/drawing/2014/main" id="{6CE28C45-923E-B244-8BC3-E45D22DC70F4}"/>
+              </a:ext>
+            </a:extLst>
+          </p:cNvPr>
+          <p:cNvSpPr txBox="1"/>
+          <p:nvPr/>
+        </p:nvSpPr>
+        <p:spPr>
+          <a:xfrm>
+            <a:off x="6171708" y="5204769"/>
+            <a:ext cx="955646" cy="369332"/>
+          </a:xfrm>
+          <a:prstGeom prst="rect">
+            <a:avLst/>
+          </a:prstGeom>
+          <a:noFill/>
+        </p:spPr>
+        <p:txBody>
+          <a:bodyPr wrap="none" rtlCol="0">
+            <a:spAutoFit/>
+          </a:bodyPr>
+          <a:lstStyle/>
+          <a:p>
+            <a:r>
+              <a:rPr lang="en-US" b="1" dirty="0"/>
+              <a:t>ABCG25</a:t>
+            </a:r>
+          </a:p>
+        </p:txBody>
+      </p:sp>
+      <p:cxnSp>
+        <p:nvCxnSpPr>
+          <p:cNvPr id="140" name="Straight Arrow Connector 139">
+            <a:extLst>
+              <a:ext uri="{FF2B5EF4-FFF2-40B4-BE49-F238E27FC236}">
+                <a16:creationId xmlns:a16="http://schemas.microsoft.com/office/drawing/2014/main" id="{C9E58D62-67A1-FE42-ADE5-987BD3FC3E5F}"/>
+              </a:ext>
+            </a:extLst>
+          </p:cNvPr>
+          <p:cNvCxnSpPr>
+            <a:cxnSpLocks/>
+          </p:cNvCxnSpPr>
+          <p:nvPr/>
+        </p:nvCxnSpPr>
+        <p:spPr>
+          <a:xfrm>
+            <a:off x="5929107" y="5185496"/>
+            <a:ext cx="0" cy="874217"/>
+          </a:xfrm>
+          <a:prstGeom prst="straightConnector1">
+            <a:avLst/>
+          </a:prstGeom>
+          <a:ln>
+            <a:solidFill>
+              <a:schemeClr val="tx1"/>
+            </a:solidFill>
+            <a:tailEnd type="triangle"/>
+          </a:ln>
+        </p:spPr>
+        <p:style>
+          <a:lnRef idx="1">
+            <a:schemeClr val="accent1"/>
+          </a:lnRef>
+          <a:fillRef idx="0">
+            <a:schemeClr val="accent1"/>
+          </a:fillRef>
+          <a:effectRef idx="0">
+            <a:schemeClr val="accent1"/>
+          </a:effectRef>
+          <a:fontRef idx="minor">
+            <a:schemeClr val="tx1"/>
+          </a:fontRef>
+        </p:style>
+      </p:cxnSp>
+      <p:sp>
+        <p:nvSpPr>
+          <p:cNvPr id="141" name="TextBox 140">
+            <a:extLst>
+              <a:ext uri="{FF2B5EF4-FFF2-40B4-BE49-F238E27FC236}">
+                <a16:creationId xmlns:a16="http://schemas.microsoft.com/office/drawing/2014/main" id="{3EE7F03D-0A03-8F4A-866D-8E4EB7A5826C}"/>
+              </a:ext>
+            </a:extLst>
+          </p:cNvPr>
+          <p:cNvSpPr txBox="1"/>
+          <p:nvPr/>
+        </p:nvSpPr>
+        <p:spPr>
+          <a:xfrm>
+            <a:off x="5297172" y="5981299"/>
+            <a:ext cx="1890773" cy="646331"/>
+          </a:xfrm>
+          <a:prstGeom prst="rect">
+            <a:avLst/>
+          </a:prstGeom>
+          <a:noFill/>
+        </p:spPr>
+        <p:txBody>
+          <a:bodyPr wrap="square" rtlCol="0">
+            <a:spAutoFit/>
+          </a:bodyPr>
+          <a:lstStyle/>
+          <a:p>
+            <a:r>
+              <a:rPr lang="en-US" dirty="0"/>
+              <a:t>Activation of ABA related genes</a:t>
+            </a:r>
+          </a:p>
+        </p:txBody>
+      </p:sp>
+    </p:spTree>
+    <p:extLst>
+      <p:ext uri="{BB962C8B-B14F-4D97-AF65-F5344CB8AC3E}">
+        <p14:creationId xmlns:p14="http://schemas.microsoft.com/office/powerpoint/2010/main" val="4131970291"/>
+      </p:ext>
+    </p:extLst>
+  </p:cSld>
+  <p:clrMapOvr>
+    <a:masterClrMapping/>
+  </p:clrMapOvr>
+</p:sld>
+</file>
+
+<file path=ppt/slides/slide3.xml><?xml version="1.0" encoding="utf-8"?>
+<p:sld xmlns:a="http://schemas.openxmlformats.org/drawingml/2006/main" xmlns:r="http://schemas.openxmlformats.org/officeDocument/2006/relationships" xmlns:p="http://schemas.openxmlformats.org/presentationml/2006/main">
+  <p:cSld>
+    <p:spTree>
+      <p:nvGrpSpPr>
+        <p:cNvPr id="1" name=""/>
+        <p:cNvGrpSpPr/>
+        <p:nvPr/>
+      </p:nvGrpSpPr>
+      <p:grpSpPr>
+        <a:xfrm>
+          <a:off x="0" y="0"/>
+          <a:ext cx="0" cy="0"/>
+          <a:chOff x="0" y="0"/>
+          <a:chExt cx="0" cy="0"/>
+        </a:xfrm>
+      </p:grpSpPr>
+      <p:sp>
+        <p:nvSpPr>
           <p:cNvPr id="5" name="Rectangle 4">
             <a:extLst>
               <a:ext uri="{FF2B5EF4-FFF2-40B4-BE49-F238E27FC236}">
@@ -4752,8 +10151,8 @@
         </p:nvSpPr>
         <p:spPr>
           <a:xfrm>
-            <a:off x="8045980" y="5428914"/>
-            <a:ext cx="4320920" cy="1323439"/>
+            <a:off x="189861" y="5731942"/>
+            <a:ext cx="4320920" cy="830997"/>
           </a:xfrm>
           <a:prstGeom prst="rect">
             <a:avLst/>
@@ -4767,12 +10166,16 @@
           <a:lstStyle/>
           <a:p>
             <a:r>
-              <a:rPr lang="en-US" sz="1600" i="1" dirty="0"/>
-              <a:t>K</a:t>
+              <a:rPr lang="en-US" sz="1600" dirty="0"/>
+              <a:t>⍦</a:t>
+            </a:r>
+            <a:r>
+              <a:rPr lang="en-US" sz="1600" baseline="-25000" dirty="0"/>
+              <a:t>x</a:t>
             </a:r>
             <a:r>
               <a:rPr lang="en-US" sz="1600" dirty="0"/>
-              <a:t> = hydraulic conductance = flow rate/pressure difference (Marcelo)</a:t>
+              <a:t> = Stem xylem pressure</a:t>
             </a:r>
           </a:p>
           <a:p>
@@ -4795,12 +10198,6 @@
               <a:t>%RH = Percentage relative humidity (Kestrel)</a:t>
             </a:r>
           </a:p>
-          <a:p>
-            <a:r>
-              <a:rPr lang="en-US" sz="1600" dirty="0"/>
-              <a:t>HC = Hydraulic conductivity (at sampling) </a:t>
-            </a:r>
-          </a:p>
         </p:txBody>
       </p:sp>
       <p:cxnSp>
@@ -4817,7 +10214,7 @@
         </p:nvCxnSpPr>
         <p:spPr>
           <a:xfrm rot="16200000" flipV="1">
-            <a:off x="5037399" y="4006579"/>
+            <a:off x="5037399" y="4471037"/>
             <a:ext cx="467771" cy="113466"/>
           </a:xfrm>
           <a:prstGeom prst="curvedConnector3">
@@ -4859,7 +10256,7 @@
         </p:nvCxnSpPr>
         <p:spPr>
           <a:xfrm rot="16200000" flipV="1">
-            <a:off x="5189799" y="3998338"/>
+            <a:off x="5189799" y="4462796"/>
             <a:ext cx="467771" cy="113466"/>
           </a:xfrm>
           <a:prstGeom prst="curvedConnector3">
@@ -4901,7 +10298,7 @@
         </p:nvCxnSpPr>
         <p:spPr>
           <a:xfrm rot="16200000" flipV="1">
-            <a:off x="5350439" y="3985981"/>
+            <a:off x="5350439" y="4450439"/>
             <a:ext cx="467771" cy="113466"/>
           </a:xfrm>
           <a:prstGeom prst="curvedConnector3">
@@ -4943,7 +10340,7 @@
         </p:nvSpPr>
         <p:spPr>
           <a:xfrm>
-            <a:off x="4845044" y="3514658"/>
+            <a:off x="4845044" y="3979116"/>
             <a:ext cx="1180580" cy="338554"/>
           </a:xfrm>
           <a:prstGeom prst="rect">
@@ -5849,10 +11246,13 @@
           <a:lstStyle/>
           <a:p>
             <a:r>
-              <a:rPr lang="en-US" sz="2200" i="1" dirty="0"/>
-              <a:t>K</a:t>
+              <a:rPr lang="en-US" sz="2200" b="1" dirty="0"/>
+              <a:t>⍦</a:t>
             </a:r>
-            <a:endParaRPr lang="en-US" sz="2200" i="1" baseline="-25000" dirty="0"/>
+            <a:r>
+              <a:rPr lang="en-US" sz="2200" b="1" baseline="-25000" dirty="0"/>
+              <a:t>x</a:t>
+            </a:r>
           </a:p>
         </p:txBody>
       </p:sp>
@@ -5970,10 +11370,53 @@
           </a:p>
         </p:txBody>
       </p:sp>
+      <p:cxnSp>
+        <p:nvCxnSpPr>
+          <p:cNvPr id="3" name="Straight Connector 2">
+            <a:extLst>
+              <a:ext uri="{FF2B5EF4-FFF2-40B4-BE49-F238E27FC236}">
+                <a16:creationId xmlns:a16="http://schemas.microsoft.com/office/drawing/2014/main" id="{72C9CD26-25AE-A744-842A-29553EA14F6C}"/>
+              </a:ext>
+            </a:extLst>
+          </p:cNvPr>
+          <p:cNvCxnSpPr>
+            <a:cxnSpLocks/>
+          </p:cNvCxnSpPr>
+          <p:nvPr/>
+        </p:nvCxnSpPr>
+        <p:spPr>
+          <a:xfrm>
+            <a:off x="4880113" y="4223744"/>
+            <a:ext cx="2802835" cy="0"/>
+          </a:xfrm>
+          <a:prstGeom prst="line">
+            <a:avLst/>
+          </a:prstGeom>
+          <a:ln w="38100">
+            <a:solidFill>
+              <a:schemeClr val="tx1"/>
+            </a:solidFill>
+          </a:ln>
+        </p:spPr>
+        <p:style>
+          <a:lnRef idx="1">
+            <a:schemeClr val="accent1"/>
+          </a:lnRef>
+          <a:fillRef idx="0">
+            <a:schemeClr val="accent1"/>
+          </a:fillRef>
+          <a:effectRef idx="0">
+            <a:schemeClr val="accent1"/>
+          </a:effectRef>
+          <a:fontRef idx="minor">
+            <a:schemeClr val="tx1"/>
+          </a:fontRef>
+        </p:style>
+      </p:cxnSp>
     </p:spTree>
     <p:extLst>
       <p:ext uri="{BB962C8B-B14F-4D97-AF65-F5344CB8AC3E}">
-        <p14:creationId xmlns:p14="http://schemas.microsoft.com/office/powerpoint/2010/main" val="2542126611"/>
+        <p14:creationId xmlns:p14="http://schemas.microsoft.com/office/powerpoint/2010/main" val="706187730"/>
       </p:ext>
     </p:extLst>
   </p:cSld>

--- a/Figures/GxE_design.pptx
+++ b/Figures/GxE_design.pptx
@@ -4,10 +4,14 @@
   <p:sldMasterIdLst>
     <p:sldMasterId id="2147483648" r:id="rId1"/>
   </p:sldMasterIdLst>
+  <p:notesMasterIdLst>
+    <p:notesMasterId r:id="rId6"/>
+  </p:notesMasterIdLst>
   <p:sldIdLst>
     <p:sldId id="256" r:id="rId2"/>
     <p:sldId id="258" r:id="rId3"/>
-    <p:sldId id="257" r:id="rId4"/>
+    <p:sldId id="259" r:id="rId4"/>
+    <p:sldId id="257" r:id="rId5"/>
   </p:sldIdLst>
   <p:sldSz cx="12192000" cy="6858000"/>
   <p:notesSz cx="6858000" cy="9144000"/>
@@ -112,6 +116,1001 @@
     </p:ext>
   </p:extLst>
 </p:presentation>
+</file>
+
+<file path=ppt/notesMasters/notesMaster1.xml><?xml version="1.0" encoding="utf-8"?>
+<p:notesMaster xmlns:a="http://schemas.openxmlformats.org/drawingml/2006/main" xmlns:r="http://schemas.openxmlformats.org/officeDocument/2006/relationships" xmlns:p="http://schemas.openxmlformats.org/presentationml/2006/main">
+  <p:cSld>
+    <p:bg>
+      <p:bgRef idx="1001">
+        <a:schemeClr val="bg1"/>
+      </p:bgRef>
+    </p:bg>
+    <p:spTree>
+      <p:nvGrpSpPr>
+        <p:cNvPr id="1" name=""/>
+        <p:cNvGrpSpPr/>
+        <p:nvPr/>
+      </p:nvGrpSpPr>
+      <p:grpSpPr>
+        <a:xfrm>
+          <a:off x="0" y="0"/>
+          <a:ext cx="0" cy="0"/>
+          <a:chOff x="0" y="0"/>
+          <a:chExt cx="0" cy="0"/>
+        </a:xfrm>
+      </p:grpSpPr>
+      <p:sp>
+        <p:nvSpPr>
+          <p:cNvPr id="2" name="Header Placeholder 1"/>
+          <p:cNvSpPr>
+            <a:spLocks noGrp="1"/>
+          </p:cNvSpPr>
+          <p:nvPr>
+            <p:ph type="hdr" sz="quarter"/>
+          </p:nvPr>
+        </p:nvSpPr>
+        <p:spPr>
+          <a:xfrm>
+            <a:off x="0" y="0"/>
+            <a:ext cx="2971800" cy="458788"/>
+          </a:xfrm>
+          <a:prstGeom prst="rect">
+            <a:avLst/>
+          </a:prstGeom>
+        </p:spPr>
+        <p:txBody>
+          <a:bodyPr vert="horz" lIns="91440" tIns="45720" rIns="91440" bIns="45720" rtlCol="0"/>
+          <a:lstStyle>
+            <a:lvl1pPr algn="l">
+              <a:defRPr sz="1200"/>
+            </a:lvl1pPr>
+          </a:lstStyle>
+          <a:p>
+            <a:endParaRPr lang="en-US"/>
+          </a:p>
+        </p:txBody>
+      </p:sp>
+      <p:sp>
+        <p:nvSpPr>
+          <p:cNvPr id="3" name="Date Placeholder 2"/>
+          <p:cNvSpPr>
+            <a:spLocks noGrp="1"/>
+          </p:cNvSpPr>
+          <p:nvPr>
+            <p:ph type="dt" idx="1"/>
+          </p:nvPr>
+        </p:nvSpPr>
+        <p:spPr>
+          <a:xfrm>
+            <a:off x="3884613" y="0"/>
+            <a:ext cx="2971800" cy="458788"/>
+          </a:xfrm>
+          <a:prstGeom prst="rect">
+            <a:avLst/>
+          </a:prstGeom>
+        </p:spPr>
+        <p:txBody>
+          <a:bodyPr vert="horz" lIns="91440" tIns="45720" rIns="91440" bIns="45720" rtlCol="0"/>
+          <a:lstStyle>
+            <a:lvl1pPr algn="r">
+              <a:defRPr sz="1200"/>
+            </a:lvl1pPr>
+          </a:lstStyle>
+          <a:p>
+            <a:fld id="{EA4128DA-EF56-EC44-B3CE-8527123B05C6}" type="datetimeFigureOut">
+              <a:rPr lang="en-US" smtClean="0"/>
+              <a:t>5/6/21</a:t>
+            </a:fld>
+            <a:endParaRPr lang="en-US"/>
+          </a:p>
+        </p:txBody>
+      </p:sp>
+      <p:sp>
+        <p:nvSpPr>
+          <p:cNvPr id="4" name="Slide Image Placeholder 3"/>
+          <p:cNvSpPr>
+            <a:spLocks noGrp="1" noRot="1" noChangeAspect="1"/>
+          </p:cNvSpPr>
+          <p:nvPr>
+            <p:ph type="sldImg" idx="2"/>
+          </p:nvPr>
+        </p:nvSpPr>
+        <p:spPr>
+          <a:xfrm>
+            <a:off x="685800" y="1143000"/>
+            <a:ext cx="5486400" cy="3086100"/>
+          </a:xfrm>
+          <a:prstGeom prst="rect">
+            <a:avLst/>
+          </a:prstGeom>
+          <a:noFill/>
+          <a:ln w="12700">
+            <a:solidFill>
+              <a:prstClr val="black"/>
+            </a:solidFill>
+          </a:ln>
+        </p:spPr>
+        <p:txBody>
+          <a:bodyPr vert="horz" lIns="91440" tIns="45720" rIns="91440" bIns="45720" rtlCol="0" anchor="ctr"/>
+          <a:lstStyle/>
+          <a:p>
+            <a:endParaRPr lang="en-US"/>
+          </a:p>
+        </p:txBody>
+      </p:sp>
+      <p:sp>
+        <p:nvSpPr>
+          <p:cNvPr id="5" name="Notes Placeholder 4"/>
+          <p:cNvSpPr>
+            <a:spLocks noGrp="1"/>
+          </p:cNvSpPr>
+          <p:nvPr>
+            <p:ph type="body" sz="quarter" idx="3"/>
+          </p:nvPr>
+        </p:nvSpPr>
+        <p:spPr>
+          <a:xfrm>
+            <a:off x="685800" y="4400550"/>
+            <a:ext cx="5486400" cy="3600450"/>
+          </a:xfrm>
+          <a:prstGeom prst="rect">
+            <a:avLst/>
+          </a:prstGeom>
+        </p:spPr>
+        <p:txBody>
+          <a:bodyPr vert="horz" lIns="91440" tIns="45720" rIns="91440" bIns="45720" rtlCol="0"/>
+          <a:lstStyle/>
+          <a:p>
+            <a:pPr lvl="0"/>
+            <a:r>
+              <a:rPr lang="en-US"/>
+              <a:t>Click to edit Master text styles</a:t>
+            </a:r>
+          </a:p>
+          <a:p>
+            <a:pPr lvl="1"/>
+            <a:r>
+              <a:rPr lang="en-US"/>
+              <a:t>Second level</a:t>
+            </a:r>
+          </a:p>
+          <a:p>
+            <a:pPr lvl="2"/>
+            <a:r>
+              <a:rPr lang="en-US"/>
+              <a:t>Third level</a:t>
+            </a:r>
+          </a:p>
+          <a:p>
+            <a:pPr lvl="3"/>
+            <a:r>
+              <a:rPr lang="en-US"/>
+              <a:t>Fourth level</a:t>
+            </a:r>
+          </a:p>
+          <a:p>
+            <a:pPr lvl="4"/>
+            <a:r>
+              <a:rPr lang="en-US"/>
+              <a:t>Fifth level</a:t>
+            </a:r>
+          </a:p>
+        </p:txBody>
+      </p:sp>
+      <p:sp>
+        <p:nvSpPr>
+          <p:cNvPr id="6" name="Footer Placeholder 5"/>
+          <p:cNvSpPr>
+            <a:spLocks noGrp="1"/>
+          </p:cNvSpPr>
+          <p:nvPr>
+            <p:ph type="ftr" sz="quarter" idx="4"/>
+          </p:nvPr>
+        </p:nvSpPr>
+        <p:spPr>
+          <a:xfrm>
+            <a:off x="0" y="8685213"/>
+            <a:ext cx="2971800" cy="458787"/>
+          </a:xfrm>
+          <a:prstGeom prst="rect">
+            <a:avLst/>
+          </a:prstGeom>
+        </p:spPr>
+        <p:txBody>
+          <a:bodyPr vert="horz" lIns="91440" tIns="45720" rIns="91440" bIns="45720" rtlCol="0" anchor="b"/>
+          <a:lstStyle>
+            <a:lvl1pPr algn="l">
+              <a:defRPr sz="1200"/>
+            </a:lvl1pPr>
+          </a:lstStyle>
+          <a:p>
+            <a:endParaRPr lang="en-US"/>
+          </a:p>
+        </p:txBody>
+      </p:sp>
+      <p:sp>
+        <p:nvSpPr>
+          <p:cNvPr id="7" name="Slide Number Placeholder 6"/>
+          <p:cNvSpPr>
+            <a:spLocks noGrp="1"/>
+          </p:cNvSpPr>
+          <p:nvPr>
+            <p:ph type="sldNum" sz="quarter" idx="5"/>
+          </p:nvPr>
+        </p:nvSpPr>
+        <p:spPr>
+          <a:xfrm>
+            <a:off x="3884613" y="8685213"/>
+            <a:ext cx="2971800" cy="458787"/>
+          </a:xfrm>
+          <a:prstGeom prst="rect">
+            <a:avLst/>
+          </a:prstGeom>
+        </p:spPr>
+        <p:txBody>
+          <a:bodyPr vert="horz" lIns="91440" tIns="45720" rIns="91440" bIns="45720" rtlCol="0" anchor="b"/>
+          <a:lstStyle>
+            <a:lvl1pPr algn="r">
+              <a:defRPr sz="1200"/>
+            </a:lvl1pPr>
+          </a:lstStyle>
+          <a:p>
+            <a:fld id="{4AB4DA10-ECFB-3E4D-B6C7-4D5DD2F29390}" type="slidenum">
+              <a:rPr lang="en-US" smtClean="0"/>
+              <a:t>‹#›</a:t>
+            </a:fld>
+            <a:endParaRPr lang="en-US"/>
+          </a:p>
+        </p:txBody>
+      </p:sp>
+    </p:spTree>
+    <p:extLst>
+      <p:ext uri="{BB962C8B-B14F-4D97-AF65-F5344CB8AC3E}">
+        <p14:creationId xmlns:p14="http://schemas.microsoft.com/office/powerpoint/2010/main" val="3372937397"/>
+      </p:ext>
+    </p:extLst>
+  </p:cSld>
+  <p:clrMap bg1="lt1" tx1="dk1" bg2="lt2" tx2="dk2" accent1="accent1" accent2="accent2" accent3="accent3" accent4="accent4" accent5="accent5" accent6="accent6" hlink="hlink" folHlink="folHlink"/>
+  <p:notesStyle>
+    <a:lvl1pPr marL="0" algn="l" defTabSz="914400" rtl="0" eaLnBrk="1" latinLnBrk="0" hangingPunct="1">
+      <a:defRPr sz="1200" kern="1200">
+        <a:solidFill>
+          <a:schemeClr val="tx1"/>
+        </a:solidFill>
+        <a:latin typeface="+mn-lt"/>
+        <a:ea typeface="+mn-ea"/>
+        <a:cs typeface="+mn-cs"/>
+      </a:defRPr>
+    </a:lvl1pPr>
+    <a:lvl2pPr marL="457200" algn="l" defTabSz="914400" rtl="0" eaLnBrk="1" latinLnBrk="0" hangingPunct="1">
+      <a:defRPr sz="1200" kern="1200">
+        <a:solidFill>
+          <a:schemeClr val="tx1"/>
+        </a:solidFill>
+        <a:latin typeface="+mn-lt"/>
+        <a:ea typeface="+mn-ea"/>
+        <a:cs typeface="+mn-cs"/>
+      </a:defRPr>
+    </a:lvl2pPr>
+    <a:lvl3pPr marL="914400" algn="l" defTabSz="914400" rtl="0" eaLnBrk="1" latinLnBrk="0" hangingPunct="1">
+      <a:defRPr sz="1200" kern="1200">
+        <a:solidFill>
+          <a:schemeClr val="tx1"/>
+        </a:solidFill>
+        <a:latin typeface="+mn-lt"/>
+        <a:ea typeface="+mn-ea"/>
+        <a:cs typeface="+mn-cs"/>
+      </a:defRPr>
+    </a:lvl3pPr>
+    <a:lvl4pPr marL="1371600" algn="l" defTabSz="914400" rtl="0" eaLnBrk="1" latinLnBrk="0" hangingPunct="1">
+      <a:defRPr sz="1200" kern="1200">
+        <a:solidFill>
+          <a:schemeClr val="tx1"/>
+        </a:solidFill>
+        <a:latin typeface="+mn-lt"/>
+        <a:ea typeface="+mn-ea"/>
+        <a:cs typeface="+mn-cs"/>
+      </a:defRPr>
+    </a:lvl4pPr>
+    <a:lvl5pPr marL="1828800" algn="l" defTabSz="914400" rtl="0" eaLnBrk="1" latinLnBrk="0" hangingPunct="1">
+      <a:defRPr sz="1200" kern="1200">
+        <a:solidFill>
+          <a:schemeClr val="tx1"/>
+        </a:solidFill>
+        <a:latin typeface="+mn-lt"/>
+        <a:ea typeface="+mn-ea"/>
+        <a:cs typeface="+mn-cs"/>
+      </a:defRPr>
+    </a:lvl5pPr>
+    <a:lvl6pPr marL="2286000" algn="l" defTabSz="914400" rtl="0" eaLnBrk="1" latinLnBrk="0" hangingPunct="1">
+      <a:defRPr sz="1200" kern="1200">
+        <a:solidFill>
+          <a:schemeClr val="tx1"/>
+        </a:solidFill>
+        <a:latin typeface="+mn-lt"/>
+        <a:ea typeface="+mn-ea"/>
+        <a:cs typeface="+mn-cs"/>
+      </a:defRPr>
+    </a:lvl6pPr>
+    <a:lvl7pPr marL="2743200" algn="l" defTabSz="914400" rtl="0" eaLnBrk="1" latinLnBrk="0" hangingPunct="1">
+      <a:defRPr sz="1200" kern="1200">
+        <a:solidFill>
+          <a:schemeClr val="tx1"/>
+        </a:solidFill>
+        <a:latin typeface="+mn-lt"/>
+        <a:ea typeface="+mn-ea"/>
+        <a:cs typeface="+mn-cs"/>
+      </a:defRPr>
+    </a:lvl7pPr>
+    <a:lvl8pPr marL="3200400" algn="l" defTabSz="914400" rtl="0" eaLnBrk="1" latinLnBrk="0" hangingPunct="1">
+      <a:defRPr sz="1200" kern="1200">
+        <a:solidFill>
+          <a:schemeClr val="tx1"/>
+        </a:solidFill>
+        <a:latin typeface="+mn-lt"/>
+        <a:ea typeface="+mn-ea"/>
+        <a:cs typeface="+mn-cs"/>
+      </a:defRPr>
+    </a:lvl8pPr>
+    <a:lvl9pPr marL="3657600" algn="l" defTabSz="914400" rtl="0" eaLnBrk="1" latinLnBrk="0" hangingPunct="1">
+      <a:defRPr sz="1200" kern="1200">
+        <a:solidFill>
+          <a:schemeClr val="tx1"/>
+        </a:solidFill>
+        <a:latin typeface="+mn-lt"/>
+        <a:ea typeface="+mn-ea"/>
+        <a:cs typeface="+mn-cs"/>
+      </a:defRPr>
+    </a:lvl9pPr>
+  </p:notesStyle>
+</p:notesMaster>
+</file>
+
+<file path=ppt/notesSlides/notesSlide1.xml><?xml version="1.0" encoding="utf-8"?>
+<p:notes xmlns:a="http://schemas.openxmlformats.org/drawingml/2006/main" xmlns:r="http://schemas.openxmlformats.org/officeDocument/2006/relationships" xmlns:p="http://schemas.openxmlformats.org/presentationml/2006/main">
+  <p:cSld>
+    <p:spTree>
+      <p:nvGrpSpPr>
+        <p:cNvPr id="1" name=""/>
+        <p:cNvGrpSpPr/>
+        <p:nvPr/>
+      </p:nvGrpSpPr>
+      <p:grpSpPr>
+        <a:xfrm>
+          <a:off x="0" y="0"/>
+          <a:ext cx="0" cy="0"/>
+          <a:chOff x="0" y="0"/>
+          <a:chExt cx="0" cy="0"/>
+        </a:xfrm>
+      </p:grpSpPr>
+      <p:sp>
+        <p:nvSpPr>
+          <p:cNvPr id="2" name="Slide Image Placeholder 1"/>
+          <p:cNvSpPr>
+            <a:spLocks noGrp="1" noRot="1" noChangeAspect="1"/>
+          </p:cNvSpPr>
+          <p:nvPr>
+            <p:ph type="sldImg"/>
+          </p:nvPr>
+        </p:nvSpPr>
+        <p:spPr/>
+      </p:sp>
+      <p:sp>
+        <p:nvSpPr>
+          <p:cNvPr id="3" name="Notes Placeholder 2"/>
+          <p:cNvSpPr>
+            <a:spLocks noGrp="1"/>
+          </p:cNvSpPr>
+          <p:nvPr>
+            <p:ph type="body" idx="1"/>
+          </p:nvPr>
+        </p:nvSpPr>
+        <p:spPr/>
+        <p:txBody>
+          <a:bodyPr/>
+          <a:lstStyle/>
+          <a:p>
+            <a:r>
+              <a:rPr lang="en-US" dirty="0"/>
+              <a:t>https://</a:t>
+            </a:r>
+            <a:r>
+              <a:rPr lang="en-US" dirty="0" err="1"/>
+              <a:t>journals.plos.org</a:t>
+            </a:r>
+            <a:r>
+              <a:rPr lang="en-US" dirty="0"/>
+              <a:t>/</a:t>
+            </a:r>
+            <a:r>
+              <a:rPr lang="en-US" dirty="0" err="1"/>
+              <a:t>plosone</a:t>
+            </a:r>
+            <a:r>
+              <a:rPr lang="en-US" dirty="0"/>
+              <a:t>/</a:t>
+            </a:r>
+            <a:r>
+              <a:rPr lang="en-US" dirty="0" err="1"/>
+              <a:t>article?id</a:t>
+            </a:r>
+            <a:r>
+              <a:rPr lang="en-US" dirty="0"/>
+              <a:t>=10.1371/journal.pone.0200850</a:t>
+            </a:r>
+          </a:p>
+          <a:p>
+            <a:endParaRPr lang="en-US" dirty="0"/>
+          </a:p>
+          <a:p>
+            <a:r>
+              <a:rPr lang="en-US" dirty="0"/>
+              <a:t>ABA </a:t>
+            </a:r>
+            <a:r>
+              <a:rPr lang="en-US" dirty="0">
+                <a:sym typeface="Wingdings" pitchFamily="2" charset="2"/>
+              </a:rPr>
+              <a:t> ABA receptor (PYR/PYL/RCAR)  Group A PP2C  Subclass III SnRK2  Transcription factor (ABF)  ABA responsive cis elements  Gene transcriptions </a:t>
+            </a:r>
+          </a:p>
+          <a:p>
+            <a:endParaRPr lang="en-US" dirty="0">
+              <a:sym typeface="Wingdings" pitchFamily="2" charset="2"/>
+            </a:endParaRPr>
+          </a:p>
+          <a:p>
+            <a:r>
+              <a:rPr lang="en-US" dirty="0">
+                <a:sym typeface="Wingdings" pitchFamily="2" charset="2"/>
+              </a:rPr>
+              <a:t>https://</a:t>
+            </a:r>
+            <a:r>
+              <a:rPr lang="en-US" dirty="0" err="1">
+                <a:sym typeface="Wingdings" pitchFamily="2" charset="2"/>
+              </a:rPr>
+              <a:t>www.ncbi.nlm.nih.gov</a:t>
+            </a:r>
+            <a:r>
+              <a:rPr lang="en-US" dirty="0">
+                <a:sym typeface="Wingdings" pitchFamily="2" charset="2"/>
+              </a:rPr>
+              <a:t>/</a:t>
+            </a:r>
+            <a:r>
+              <a:rPr lang="en-US" dirty="0" err="1">
+                <a:sym typeface="Wingdings" pitchFamily="2" charset="2"/>
+              </a:rPr>
+              <a:t>pmc</a:t>
+            </a:r>
+            <a:r>
+              <a:rPr lang="en-US" dirty="0">
+                <a:sym typeface="Wingdings" pitchFamily="2" charset="2"/>
+              </a:rPr>
+              <a:t>/articles/PMC4679528/</a:t>
+            </a:r>
+          </a:p>
+          <a:p>
+            <a:r>
+              <a:rPr lang="en-US" sz="1200" b="0" i="0" kern="1200" dirty="0">
+                <a:solidFill>
+                  <a:schemeClr val="tx1"/>
+                </a:solidFill>
+                <a:effectLst/>
+                <a:latin typeface="+mn-lt"/>
+                <a:ea typeface="+mn-ea"/>
+                <a:cs typeface="+mn-cs"/>
+              </a:rPr>
+              <a:t>The perception of ABA is achieved by members of the START protein family of ABA receptors, PYRABACTIN RESISTANCE 1 (PYR)/PYR1-LIKE (PYL)/REGULATORY COMPONENT OF ABA RECEPTOR (RCAR). In the presence of ABA, the PYR/PYL/RCAR proteins bind to and inhibit clade A protein phosphatases type 2Cs (PP2Cs) [</a:t>
+            </a:r>
+            <a:r>
+              <a:rPr lang="en-US" sz="1200" b="0" i="0" kern="1200" dirty="0">
+                <a:solidFill>
+                  <a:schemeClr val="tx1"/>
+                </a:solidFill>
+                <a:effectLst/>
+                <a:latin typeface="+mn-lt"/>
+                <a:ea typeface="+mn-ea"/>
+                <a:cs typeface="+mn-cs"/>
+                <a:hlinkClick r:id="rId3"/>
+              </a:rPr>
+              <a:t>19</a:t>
+            </a:r>
+            <a:r>
+              <a:rPr lang="en-US" sz="1200" b="0" i="0" kern="1200" dirty="0">
+                <a:solidFill>
+                  <a:schemeClr val="tx1"/>
+                </a:solidFill>
+                <a:effectLst/>
+                <a:latin typeface="+mn-lt"/>
+                <a:ea typeface="+mn-ea"/>
+                <a:cs typeface="+mn-cs"/>
+              </a:rPr>
+              <a:t>,</a:t>
+            </a:r>
+            <a:r>
+              <a:rPr lang="en-US" sz="1200" b="0" i="0" kern="1200" dirty="0">
+                <a:solidFill>
+                  <a:schemeClr val="tx1"/>
+                </a:solidFill>
+                <a:effectLst/>
+                <a:latin typeface="+mn-lt"/>
+                <a:ea typeface="+mn-ea"/>
+                <a:cs typeface="+mn-cs"/>
+                <a:hlinkClick r:id="rId4"/>
+              </a:rPr>
+              <a:t>20</a:t>
+            </a:r>
+            <a:r>
+              <a:rPr lang="en-US" sz="1200" b="0" i="0" kern="1200" dirty="0">
+                <a:solidFill>
+                  <a:schemeClr val="tx1"/>
+                </a:solidFill>
+                <a:effectLst/>
+                <a:latin typeface="+mn-lt"/>
+                <a:ea typeface="+mn-ea"/>
+                <a:cs typeface="+mn-cs"/>
+              </a:rPr>
+              <a:t>], followed by activation of the Ca</a:t>
+            </a:r>
+            <a:r>
+              <a:rPr lang="en-US" sz="1200" b="0" i="0" kern="1200" baseline="30000" dirty="0">
+                <a:solidFill>
+                  <a:schemeClr val="tx1"/>
+                </a:solidFill>
+                <a:effectLst/>
+                <a:latin typeface="+mn-lt"/>
+                <a:ea typeface="+mn-ea"/>
+                <a:cs typeface="+mn-cs"/>
+              </a:rPr>
+              <a:t>2+</a:t>
+            </a:r>
+            <a:r>
+              <a:rPr lang="en-US" sz="1200" b="0" i="0" kern="1200" dirty="0">
+                <a:solidFill>
+                  <a:schemeClr val="tx1"/>
+                </a:solidFill>
+                <a:effectLst/>
+                <a:latin typeface="+mn-lt"/>
+                <a:ea typeface="+mn-ea"/>
+                <a:cs typeface="+mn-cs"/>
+              </a:rPr>
+              <a:t>-independent protein kinases SNF1-RELATED KINASE 2s (SnRK2s), most importantly OPEN STOMATA 1 (OST1/SnRK2.6), which phosphorylate multiple downstream targets (reviewed in [</a:t>
+            </a:r>
+            <a:r>
+              <a:rPr lang="en-US" sz="1200" b="0" i="0" kern="1200" dirty="0">
+                <a:solidFill>
+                  <a:schemeClr val="tx1"/>
+                </a:solidFill>
+                <a:effectLst/>
+                <a:latin typeface="+mn-lt"/>
+                <a:ea typeface="+mn-ea"/>
+                <a:cs typeface="+mn-cs"/>
+                <a:hlinkClick r:id="rId5"/>
+              </a:rPr>
+              <a:t>21</a:t>
+            </a:r>
+            <a:r>
+              <a:rPr lang="en-US" sz="1200" b="0" i="0" kern="1200" dirty="0">
+                <a:solidFill>
+                  <a:schemeClr val="tx1"/>
+                </a:solidFill>
+                <a:effectLst/>
+                <a:latin typeface="+mn-lt"/>
+                <a:ea typeface="+mn-ea"/>
+                <a:cs typeface="+mn-cs"/>
+              </a:rPr>
+              <a:t>]). In guard cells, ABA causes activation of two types of plasma membrane anion channels, called slow-sustained (S-type) and rapid-transient (R-type) anion channels, which drives plasma membrane depolarization and subsequent K</a:t>
+            </a:r>
+            <a:r>
+              <a:rPr lang="en-US" sz="1200" b="0" i="0" kern="1200" baseline="30000" dirty="0">
+                <a:solidFill>
+                  <a:schemeClr val="tx1"/>
+                </a:solidFill>
+                <a:effectLst/>
+                <a:latin typeface="+mn-lt"/>
+                <a:ea typeface="+mn-ea"/>
+                <a:cs typeface="+mn-cs"/>
+              </a:rPr>
+              <a:t>+</a:t>
+            </a:r>
+            <a:r>
+              <a:rPr lang="en-US" sz="1200" b="0" i="0" kern="1200" dirty="0">
+                <a:solidFill>
+                  <a:schemeClr val="tx1"/>
+                </a:solidFill>
+                <a:effectLst/>
+                <a:latin typeface="+mn-lt"/>
+                <a:ea typeface="+mn-ea"/>
+                <a:cs typeface="+mn-cs"/>
+              </a:rPr>
+              <a:t> efflux through voltage-dependent K</a:t>
+            </a:r>
+            <a:r>
+              <a:rPr lang="en-US" sz="1200" b="0" i="0" kern="1200" baseline="30000" dirty="0">
+                <a:solidFill>
+                  <a:schemeClr val="tx1"/>
+                </a:solidFill>
+                <a:effectLst/>
+                <a:latin typeface="+mn-lt"/>
+                <a:ea typeface="+mn-ea"/>
+                <a:cs typeface="+mn-cs"/>
+              </a:rPr>
+              <a:t>+</a:t>
+            </a:r>
+            <a:r>
+              <a:rPr lang="en-US" sz="1200" b="0" i="0" kern="1200" dirty="0">
+                <a:solidFill>
+                  <a:schemeClr val="tx1"/>
+                </a:solidFill>
+                <a:effectLst/>
+                <a:latin typeface="+mn-lt"/>
+                <a:ea typeface="+mn-ea"/>
+                <a:cs typeface="+mn-cs"/>
+              </a:rPr>
+              <a:t> channels (reviewed in [</a:t>
+            </a:r>
+            <a:r>
+              <a:rPr lang="en-US" sz="1200" b="0" i="0" kern="1200" dirty="0">
+                <a:solidFill>
+                  <a:schemeClr val="tx1"/>
+                </a:solidFill>
+                <a:effectLst/>
+                <a:latin typeface="+mn-lt"/>
+                <a:ea typeface="+mn-ea"/>
+                <a:cs typeface="+mn-cs"/>
+                <a:hlinkClick r:id="rId6"/>
+              </a:rPr>
+              <a:t>22</a:t>
+            </a:r>
+            <a:r>
+              <a:rPr lang="en-US" sz="1200" b="0" i="0" kern="1200" dirty="0">
+                <a:solidFill>
+                  <a:schemeClr val="tx1"/>
+                </a:solidFill>
+                <a:effectLst/>
+                <a:latin typeface="+mn-lt"/>
+                <a:ea typeface="+mn-ea"/>
+                <a:cs typeface="+mn-cs"/>
+              </a:rPr>
+              <a:t>–</a:t>
+            </a:r>
+            <a:r>
+              <a:rPr lang="en-US" sz="1200" b="0" i="0" kern="1200" dirty="0">
+                <a:solidFill>
+                  <a:schemeClr val="tx1"/>
+                </a:solidFill>
+                <a:effectLst/>
+                <a:latin typeface="+mn-lt"/>
+                <a:ea typeface="+mn-ea"/>
+                <a:cs typeface="+mn-cs"/>
+                <a:hlinkClick r:id="rId7"/>
+              </a:rPr>
+              <a:t>24</a:t>
+            </a:r>
+            <a:r>
+              <a:rPr lang="en-US" sz="1200" b="0" i="0" kern="1200" dirty="0">
+                <a:solidFill>
+                  <a:schemeClr val="tx1"/>
+                </a:solidFill>
+                <a:effectLst/>
+                <a:latin typeface="+mn-lt"/>
+                <a:ea typeface="+mn-ea"/>
+                <a:cs typeface="+mn-cs"/>
+              </a:rPr>
+              <a:t>]) (</a:t>
+            </a:r>
+            <a:r>
+              <a:rPr lang="en-US" sz="1200" b="0" i="0" kern="1200" dirty="0">
+                <a:solidFill>
+                  <a:schemeClr val="tx1"/>
+                </a:solidFill>
+                <a:effectLst/>
+                <a:latin typeface="+mn-lt"/>
+                <a:ea typeface="+mn-ea"/>
+                <a:cs typeface="+mn-cs"/>
+                <a:hlinkClick r:id="rId8"/>
+              </a:rPr>
+              <a:t>Figure 1</a:t>
+            </a:r>
+            <a:r>
+              <a:rPr lang="en-US" sz="1200" b="0" i="0" kern="1200" dirty="0">
+                <a:solidFill>
+                  <a:schemeClr val="tx1"/>
+                </a:solidFill>
+                <a:effectLst/>
+                <a:latin typeface="+mn-lt"/>
+                <a:ea typeface="+mn-ea"/>
+                <a:cs typeface="+mn-cs"/>
+              </a:rPr>
+              <a:t>). The release of anions and K</a:t>
+            </a:r>
+            <a:r>
+              <a:rPr lang="en-US" sz="1200" b="0" i="0" kern="1200" baseline="30000" dirty="0">
+                <a:solidFill>
+                  <a:schemeClr val="tx1"/>
+                </a:solidFill>
+                <a:effectLst/>
+                <a:latin typeface="+mn-lt"/>
+                <a:ea typeface="+mn-ea"/>
+                <a:cs typeface="+mn-cs"/>
+              </a:rPr>
+              <a:t>+</a:t>
+            </a:r>
+            <a:r>
+              <a:rPr lang="en-US" sz="1200" b="0" i="0" kern="1200" dirty="0">
+                <a:solidFill>
+                  <a:schemeClr val="tx1"/>
+                </a:solidFill>
+                <a:effectLst/>
+                <a:latin typeface="+mn-lt"/>
+                <a:ea typeface="+mn-ea"/>
+                <a:cs typeface="+mn-cs"/>
+              </a:rPr>
+              <a:t> causes a reduction in the turgor pressure of guard cells, resulting in stomatal closure. In </a:t>
+            </a:r>
+            <a:r>
+              <a:rPr lang="en-US" sz="1200" b="0" i="1" kern="1200" dirty="0">
+                <a:solidFill>
+                  <a:schemeClr val="tx1"/>
+                </a:solidFill>
+                <a:effectLst/>
+                <a:latin typeface="+mn-lt"/>
+                <a:ea typeface="+mn-ea"/>
+                <a:cs typeface="+mn-cs"/>
+              </a:rPr>
+              <a:t>Arabidopsis</a:t>
+            </a:r>
+            <a:r>
+              <a:rPr lang="en-US" sz="1200" b="0" i="0" kern="1200" dirty="0">
+                <a:solidFill>
+                  <a:schemeClr val="tx1"/>
+                </a:solidFill>
+                <a:effectLst/>
+                <a:latin typeface="+mn-lt"/>
+                <a:ea typeface="+mn-ea"/>
+                <a:cs typeface="+mn-cs"/>
+              </a:rPr>
+              <a:t> guard cells, S-type and R-type anion channels are mainly encoded by </a:t>
+            </a:r>
+            <a:r>
+              <a:rPr lang="en-US" sz="1200" b="0" i="1" kern="1200" dirty="0">
+                <a:solidFill>
+                  <a:schemeClr val="tx1"/>
+                </a:solidFill>
+                <a:effectLst/>
+                <a:latin typeface="+mn-lt"/>
+                <a:ea typeface="+mn-ea"/>
+                <a:cs typeface="+mn-cs"/>
+              </a:rPr>
+              <a:t>SLOW ANION CHANNEL-ACCOCIATED 1</a:t>
+            </a:r>
+            <a:r>
+              <a:rPr lang="en-US" sz="1200" b="0" i="0" kern="1200" dirty="0">
+                <a:solidFill>
+                  <a:schemeClr val="tx1"/>
+                </a:solidFill>
+                <a:effectLst/>
+                <a:latin typeface="+mn-lt"/>
+                <a:ea typeface="+mn-ea"/>
+                <a:cs typeface="+mn-cs"/>
+              </a:rPr>
+              <a:t> (</a:t>
+            </a:r>
+            <a:r>
+              <a:rPr lang="en-US" sz="1200" b="0" i="1" kern="1200" dirty="0">
+                <a:solidFill>
+                  <a:schemeClr val="tx1"/>
+                </a:solidFill>
+                <a:effectLst/>
+                <a:latin typeface="+mn-lt"/>
+                <a:ea typeface="+mn-ea"/>
+                <a:cs typeface="+mn-cs"/>
+              </a:rPr>
+              <a:t>SLAC1</a:t>
+            </a:r>
+            <a:r>
+              <a:rPr lang="en-US" sz="1200" b="0" i="0" kern="1200" dirty="0">
+                <a:solidFill>
+                  <a:schemeClr val="tx1"/>
+                </a:solidFill>
+                <a:effectLst/>
+                <a:latin typeface="+mn-lt"/>
+                <a:ea typeface="+mn-ea"/>
+                <a:cs typeface="+mn-cs"/>
+              </a:rPr>
+              <a:t>) [</a:t>
+            </a:r>
+            <a:r>
+              <a:rPr lang="en-US" sz="1200" b="0" i="0" kern="1200" dirty="0">
+                <a:solidFill>
+                  <a:schemeClr val="tx1"/>
+                </a:solidFill>
+                <a:effectLst/>
+                <a:latin typeface="+mn-lt"/>
+                <a:ea typeface="+mn-ea"/>
+                <a:cs typeface="+mn-cs"/>
+                <a:hlinkClick r:id="rId9"/>
+              </a:rPr>
+              <a:t>25</a:t>
+            </a:r>
+            <a:r>
+              <a:rPr lang="en-US" sz="1200" b="0" i="0" kern="1200" dirty="0">
+                <a:solidFill>
+                  <a:schemeClr val="tx1"/>
+                </a:solidFill>
+                <a:effectLst/>
+                <a:latin typeface="+mn-lt"/>
+                <a:ea typeface="+mn-ea"/>
+                <a:cs typeface="+mn-cs"/>
+              </a:rPr>
+              <a:t>,</a:t>
+            </a:r>
+            <a:r>
+              <a:rPr lang="en-US" sz="1200" b="0" i="0" kern="1200" dirty="0">
+                <a:solidFill>
+                  <a:schemeClr val="tx1"/>
+                </a:solidFill>
+                <a:effectLst/>
+                <a:latin typeface="+mn-lt"/>
+                <a:ea typeface="+mn-ea"/>
+                <a:cs typeface="+mn-cs"/>
+                <a:hlinkClick r:id="rId10"/>
+              </a:rPr>
+              <a:t>26</a:t>
+            </a:r>
+            <a:r>
+              <a:rPr lang="en-US" sz="1200" b="0" i="0" kern="1200" dirty="0">
+                <a:solidFill>
+                  <a:schemeClr val="tx1"/>
+                </a:solidFill>
+                <a:effectLst/>
+                <a:latin typeface="+mn-lt"/>
+                <a:ea typeface="+mn-ea"/>
+                <a:cs typeface="+mn-cs"/>
+              </a:rPr>
+              <a:t>] and </a:t>
+            </a:r>
+            <a:r>
+              <a:rPr lang="en-US" sz="1200" b="0" i="1" kern="1200" dirty="0">
+                <a:solidFill>
+                  <a:schemeClr val="tx1"/>
+                </a:solidFill>
+                <a:effectLst/>
+                <a:latin typeface="+mn-lt"/>
+                <a:ea typeface="+mn-ea"/>
+                <a:cs typeface="+mn-cs"/>
+              </a:rPr>
+              <a:t>ALUMINUM-ACTIVATED MALATE TRANSPORTER 12/QUICKLY ACTIVATING ANION CHANNEL 1</a:t>
+            </a:r>
+            <a:r>
+              <a:rPr lang="en-US" sz="1200" b="0" i="0" kern="1200" dirty="0">
+                <a:solidFill>
+                  <a:schemeClr val="tx1"/>
+                </a:solidFill>
+                <a:effectLst/>
+                <a:latin typeface="+mn-lt"/>
+                <a:ea typeface="+mn-ea"/>
+                <a:cs typeface="+mn-cs"/>
+              </a:rPr>
+              <a:t> (</a:t>
+            </a:r>
+            <a:r>
+              <a:rPr lang="en-US" sz="1200" b="0" i="1" kern="1200" dirty="0">
+                <a:solidFill>
+                  <a:schemeClr val="tx1"/>
+                </a:solidFill>
+                <a:effectLst/>
+                <a:latin typeface="+mn-lt"/>
+                <a:ea typeface="+mn-ea"/>
+                <a:cs typeface="+mn-cs"/>
+              </a:rPr>
+              <a:t>ALMT12/QUAC1</a:t>
+            </a:r>
+            <a:r>
+              <a:rPr lang="en-US" sz="1200" b="0" i="0" kern="1200" dirty="0">
+                <a:solidFill>
+                  <a:schemeClr val="tx1"/>
+                </a:solidFill>
+                <a:effectLst/>
+                <a:latin typeface="+mn-lt"/>
+                <a:ea typeface="+mn-ea"/>
+                <a:cs typeface="+mn-cs"/>
+              </a:rPr>
+              <a:t>) [</a:t>
+            </a:r>
+            <a:r>
+              <a:rPr lang="en-US" sz="1200" b="0" i="0" kern="1200" dirty="0">
+                <a:solidFill>
+                  <a:schemeClr val="tx1"/>
+                </a:solidFill>
+                <a:effectLst/>
+                <a:latin typeface="+mn-lt"/>
+                <a:ea typeface="+mn-ea"/>
+                <a:cs typeface="+mn-cs"/>
+                <a:hlinkClick r:id="rId11"/>
+              </a:rPr>
+              <a:t>27</a:t>
+            </a:r>
+            <a:r>
+              <a:rPr lang="en-US" sz="1200" b="0" i="0" kern="1200" dirty="0">
+                <a:solidFill>
+                  <a:schemeClr val="tx1"/>
+                </a:solidFill>
+                <a:effectLst/>
+                <a:latin typeface="+mn-lt"/>
+                <a:ea typeface="+mn-ea"/>
+                <a:cs typeface="+mn-cs"/>
+              </a:rPr>
+              <a:t>,</a:t>
+            </a:r>
+            <a:r>
+              <a:rPr lang="en-US" sz="1200" b="0" i="0" kern="1200" dirty="0">
+                <a:solidFill>
+                  <a:schemeClr val="tx1"/>
+                </a:solidFill>
+                <a:effectLst/>
+                <a:latin typeface="+mn-lt"/>
+                <a:ea typeface="+mn-ea"/>
+                <a:cs typeface="+mn-cs"/>
+                <a:hlinkClick r:id="rId12"/>
+              </a:rPr>
+              <a:t>28</a:t>
+            </a:r>
+            <a:r>
+              <a:rPr lang="en-US" sz="1200" b="0" i="0" kern="1200" dirty="0">
+                <a:solidFill>
+                  <a:schemeClr val="tx1"/>
+                </a:solidFill>
+                <a:effectLst/>
+                <a:latin typeface="+mn-lt"/>
+                <a:ea typeface="+mn-ea"/>
+                <a:cs typeface="+mn-cs"/>
+              </a:rPr>
+              <a:t>], respectively. </a:t>
+            </a:r>
+          </a:p>
+          <a:p>
+            <a:endParaRPr lang="en-US" dirty="0"/>
+          </a:p>
+        </p:txBody>
+      </p:sp>
+      <p:sp>
+        <p:nvSpPr>
+          <p:cNvPr id="4" name="Slide Number Placeholder 3"/>
+          <p:cNvSpPr>
+            <a:spLocks noGrp="1"/>
+          </p:cNvSpPr>
+          <p:nvPr>
+            <p:ph type="sldNum" sz="quarter" idx="5"/>
+          </p:nvPr>
+        </p:nvSpPr>
+        <p:spPr/>
+        <p:txBody>
+          <a:bodyPr/>
+          <a:lstStyle/>
+          <a:p>
+            <a:fld id="{4AB4DA10-ECFB-3E4D-B6C7-4D5DD2F29390}" type="slidenum">
+              <a:rPr lang="en-US" smtClean="0"/>
+              <a:t>2</a:t>
+            </a:fld>
+            <a:endParaRPr lang="en-US"/>
+          </a:p>
+        </p:txBody>
+      </p:sp>
+    </p:spTree>
+    <p:extLst>
+      <p:ext uri="{BB962C8B-B14F-4D97-AF65-F5344CB8AC3E}">
+        <p14:creationId xmlns:p14="http://schemas.microsoft.com/office/powerpoint/2010/main" val="4025709865"/>
+      </p:ext>
+    </p:extLst>
+  </p:cSld>
+  <p:clrMapOvr>
+    <a:masterClrMapping/>
+  </p:clrMapOvr>
+</p:notes>
 </file>
 
 <file path=ppt/slideLayouts/slideLayout1.xml><?xml version="1.0" encoding="utf-8"?>
@@ -5537,7 +6536,7 @@
         </p:nvSpPr>
         <p:spPr>
           <a:xfrm>
-            <a:off x="1654638" y="4712829"/>
+            <a:off x="1005726" y="4712829"/>
             <a:ext cx="2015749" cy="1103088"/>
           </a:xfrm>
           <a:prstGeom prst="roundRect">
@@ -5593,7 +6592,7 @@
         </p:nvSpPr>
         <p:spPr>
           <a:xfrm>
-            <a:off x="1596571" y="798286"/>
+            <a:off x="947659" y="798286"/>
             <a:ext cx="2162629" cy="5297714"/>
           </a:xfrm>
           <a:prstGeom prst="rect">
@@ -5645,7 +6644,7 @@
         </p:nvSpPr>
         <p:spPr>
           <a:xfrm>
-            <a:off x="1654639" y="1045025"/>
+            <a:off x="1005727" y="1045025"/>
             <a:ext cx="2015749" cy="1103088"/>
           </a:xfrm>
           <a:prstGeom prst="roundRect">
@@ -5701,7 +6700,7 @@
         </p:nvSpPr>
         <p:spPr>
           <a:xfrm>
-            <a:off x="2256970" y="2997200"/>
+            <a:off x="1608058" y="2997200"/>
             <a:ext cx="899886" cy="899886"/>
           </a:xfrm>
           <a:prstGeom prst="ellipse">
@@ -5757,7 +6756,7 @@
         </p:nvSpPr>
         <p:spPr>
           <a:xfrm rot="6808257">
-            <a:off x="2046108" y="621556"/>
+            <a:off x="1397196" y="621556"/>
             <a:ext cx="576583" cy="586525"/>
           </a:xfrm>
           <a:prstGeom prst="chord">
@@ -5811,7 +6810,7 @@
         </p:nvSpPr>
         <p:spPr>
           <a:xfrm rot="6808257">
-            <a:off x="2779079" y="628816"/>
+            <a:off x="2130167" y="628816"/>
             <a:ext cx="576583" cy="586525"/>
           </a:xfrm>
           <a:prstGeom prst="chord">
@@ -5865,7 +6864,7 @@
         </p:nvSpPr>
         <p:spPr>
           <a:xfrm rot="17546660">
-            <a:off x="2033996" y="5682992"/>
+            <a:off x="1385084" y="5682992"/>
             <a:ext cx="576583" cy="586525"/>
           </a:xfrm>
           <a:prstGeom prst="chord">
@@ -5919,7 +6918,7 @@
         </p:nvSpPr>
         <p:spPr>
           <a:xfrm rot="17546660">
-            <a:off x="2795995" y="5682992"/>
+            <a:off x="2147083" y="5682992"/>
             <a:ext cx="576583" cy="586525"/>
           </a:xfrm>
           <a:prstGeom prst="chord">
@@ -5975,7 +6974,7 @@
         </p:nvCxnSpPr>
         <p:spPr>
           <a:xfrm rot="16200000" flipV="1">
-            <a:off x="1027061" y="1694296"/>
+            <a:off x="378149" y="1694296"/>
             <a:ext cx="3138714" cy="243604"/>
           </a:xfrm>
           <a:prstGeom prst="curvedConnector3">
@@ -6018,7 +7017,7 @@
         </p:nvCxnSpPr>
         <p:spPr>
           <a:xfrm rot="5400000">
-            <a:off x="1005288" y="4898329"/>
+            <a:off x="356376" y="4898329"/>
             <a:ext cx="3225805" cy="200060"/>
           </a:xfrm>
           <a:prstGeom prst="curvedConnector3">
@@ -6059,7 +7058,7 @@
         </p:nvSpPr>
         <p:spPr>
           <a:xfrm>
-            <a:off x="1958391" y="32103"/>
+            <a:off x="1309479" y="32103"/>
             <a:ext cx="559769" cy="369332"/>
           </a:xfrm>
           <a:prstGeom prst="rect">
@@ -6102,7 +7101,7 @@
         </p:nvSpPr>
         <p:spPr>
           <a:xfrm>
-            <a:off x="1928264" y="6335876"/>
+            <a:off x="1279352" y="6335876"/>
             <a:ext cx="559769" cy="369332"/>
           </a:xfrm>
           <a:prstGeom prst="rect">
@@ -6145,7 +7144,7 @@
         </p:nvSpPr>
         <p:spPr>
           <a:xfrm>
-            <a:off x="3006901" y="85487"/>
+            <a:off x="2357989" y="85487"/>
             <a:ext cx="536878" cy="369332"/>
           </a:xfrm>
           <a:prstGeom prst="rect">
@@ -6187,7 +7186,7 @@
         </p:nvCxnSpPr>
         <p:spPr>
           <a:xfrm rot="10800000" flipV="1">
-            <a:off x="2761461" y="459785"/>
+            <a:off x="2112549" y="459785"/>
             <a:ext cx="834805" cy="770963"/>
           </a:xfrm>
           <a:prstGeom prst="curvedConnector3">
@@ -6231,7 +7230,7 @@
         </p:nvSpPr>
         <p:spPr>
           <a:xfrm>
-            <a:off x="3118996" y="6220794"/>
+            <a:off x="2470084" y="6220794"/>
             <a:ext cx="536878" cy="369332"/>
           </a:xfrm>
           <a:prstGeom prst="rect">
@@ -6273,7 +7272,7 @@
         </p:nvCxnSpPr>
         <p:spPr>
           <a:xfrm rot="16200000" flipV="1">
-            <a:off x="2470140" y="5765161"/>
+            <a:off x="1821228" y="5765161"/>
             <a:ext cx="1135812" cy="614442"/>
           </a:xfrm>
           <a:prstGeom prst="curvedConnector3">
@@ -6317,7 +7316,7 @@
         </p:nvSpPr>
         <p:spPr>
           <a:xfrm>
-            <a:off x="524114" y="744666"/>
+            <a:off x="3060698" y="730896"/>
             <a:ext cx="1116011" cy="369332"/>
           </a:xfrm>
           <a:prstGeom prst="rect">
@@ -6352,7 +7351,7 @@
         </p:nvSpPr>
         <p:spPr>
           <a:xfrm>
-            <a:off x="1596570" y="1446765"/>
+            <a:off x="947658" y="1446765"/>
             <a:ext cx="1158202" cy="369332"/>
           </a:xfrm>
           <a:prstGeom prst="rect">
@@ -6387,7 +7386,7 @@
         </p:nvSpPr>
         <p:spPr>
           <a:xfrm>
-            <a:off x="2941888" y="2786866"/>
+            <a:off x="2292976" y="2786866"/>
             <a:ext cx="1337802" cy="369332"/>
           </a:xfrm>
           <a:prstGeom prst="rect">
@@ -6422,7 +7421,7 @@
         </p:nvSpPr>
         <p:spPr>
           <a:xfrm>
-            <a:off x="2333094" y="3246597"/>
+            <a:off x="1684182" y="3246597"/>
             <a:ext cx="756874" cy="369332"/>
           </a:xfrm>
           <a:prstGeom prst="rect">
@@ -6457,7 +7456,7 @@
         </p:nvSpPr>
         <p:spPr>
           <a:xfrm>
-            <a:off x="3612332" y="425399"/>
+            <a:off x="2963420" y="425399"/>
             <a:ext cx="2161617" cy="369332"/>
           </a:xfrm>
           <a:prstGeom prst="rect">
@@ -6494,7 +7493,7 @@
         </p:nvCxnSpPr>
         <p:spPr>
           <a:xfrm flipH="1">
-            <a:off x="3084286" y="610065"/>
+            <a:off x="2435374" y="610065"/>
             <a:ext cx="528046" cy="184666"/>
           </a:xfrm>
           <a:prstGeom prst="line">
@@ -6538,7 +7537,7 @@
         </p:nvCxnSpPr>
         <p:spPr>
           <a:xfrm flipH="1">
-            <a:off x="2290857" y="610065"/>
+            <a:off x="1641945" y="610065"/>
             <a:ext cx="1321475" cy="212647"/>
           </a:xfrm>
           <a:prstGeom prst="line">
@@ -6579,7 +7578,7 @@
         </p:nvSpPr>
         <p:spPr>
           <a:xfrm>
-            <a:off x="1611232" y="810695"/>
+            <a:off x="962320" y="810695"/>
             <a:ext cx="382902" cy="212647"/>
           </a:xfrm>
           <a:prstGeom prst="roundRect">
@@ -6631,7 +7630,7 @@
         </p:nvSpPr>
         <p:spPr>
           <a:xfrm>
-            <a:off x="3364463" y="819362"/>
+            <a:off x="2715551" y="819362"/>
             <a:ext cx="382902" cy="212647"/>
           </a:xfrm>
           <a:prstGeom prst="roundRect">
@@ -6683,7 +7682,7 @@
         </p:nvSpPr>
         <p:spPr>
           <a:xfrm>
-            <a:off x="1606551" y="5862509"/>
+            <a:off x="957639" y="5862509"/>
             <a:ext cx="382902" cy="212647"/>
           </a:xfrm>
           <a:prstGeom prst="roundRect">
@@ -6735,7 +7734,7 @@
         </p:nvSpPr>
         <p:spPr>
           <a:xfrm>
-            <a:off x="3359782" y="5862509"/>
+            <a:off x="2710870" y="5862509"/>
             <a:ext cx="382902" cy="212647"/>
           </a:xfrm>
           <a:prstGeom prst="roundRect">
@@ -6787,7 +7786,7 @@
         </p:nvSpPr>
         <p:spPr>
           <a:xfrm>
-            <a:off x="1712259" y="3583669"/>
+            <a:off x="1063347" y="3583669"/>
             <a:ext cx="562351" cy="600977"/>
           </a:xfrm>
           <a:prstGeom prst="ellipse">
@@ -6839,7 +7838,7 @@
         </p:nvSpPr>
         <p:spPr>
           <a:xfrm>
-            <a:off x="1690914" y="2244114"/>
+            <a:off x="1042002" y="2244114"/>
             <a:ext cx="738296" cy="789007"/>
           </a:xfrm>
           <a:prstGeom prst="ellipse">
@@ -6891,7 +7890,7 @@
         </p:nvSpPr>
         <p:spPr>
           <a:xfrm>
-            <a:off x="1801497" y="3120787"/>
+            <a:off x="1152585" y="3120787"/>
             <a:ext cx="413655" cy="442068"/>
           </a:xfrm>
           <a:prstGeom prst="ellipse">
@@ -6943,7 +7942,7 @@
         </p:nvSpPr>
         <p:spPr>
           <a:xfrm>
-            <a:off x="2474615" y="2358573"/>
+            <a:off x="1825703" y="2358573"/>
             <a:ext cx="562351" cy="600977"/>
           </a:xfrm>
           <a:prstGeom prst="ellipse">
@@ -6995,7 +7994,7 @@
         </p:nvSpPr>
         <p:spPr>
           <a:xfrm>
-            <a:off x="2992561" y="2634316"/>
+            <a:off x="2343649" y="2634316"/>
             <a:ext cx="644778" cy="671314"/>
           </a:xfrm>
           <a:prstGeom prst="ellipse">
@@ -7047,7 +8046,7 @@
         </p:nvSpPr>
         <p:spPr>
           <a:xfrm>
-            <a:off x="2474615" y="3897086"/>
+            <a:off x="1825703" y="3897086"/>
             <a:ext cx="413655" cy="442068"/>
           </a:xfrm>
           <a:prstGeom prst="ellipse">
@@ -7099,7 +8098,7 @@
         </p:nvSpPr>
         <p:spPr>
           <a:xfrm>
-            <a:off x="2931613" y="3788101"/>
+            <a:off x="2282701" y="3788101"/>
             <a:ext cx="413655" cy="442068"/>
           </a:xfrm>
           <a:prstGeom prst="ellipse">
@@ -7151,7 +8150,7 @@
         </p:nvSpPr>
         <p:spPr>
           <a:xfrm>
-            <a:off x="3164402" y="3362635"/>
+            <a:off x="2515490" y="3362635"/>
             <a:ext cx="413655" cy="442068"/>
           </a:xfrm>
           <a:prstGeom prst="ellipse">
@@ -7203,7 +8202,7 @@
         </p:nvSpPr>
         <p:spPr>
           <a:xfrm>
-            <a:off x="2042672" y="4132928"/>
+            <a:off x="1393760" y="4132928"/>
             <a:ext cx="482950" cy="519692"/>
           </a:xfrm>
           <a:prstGeom prst="ellipse">
@@ -7255,7 +8254,7 @@
         </p:nvSpPr>
         <p:spPr>
           <a:xfrm>
-            <a:off x="2779382" y="4243990"/>
+            <a:off x="2130470" y="4243990"/>
             <a:ext cx="504330" cy="502183"/>
           </a:xfrm>
           <a:prstGeom prst="ellipse">
@@ -7307,7 +8306,7 @@
         </p:nvSpPr>
         <p:spPr>
           <a:xfrm>
-            <a:off x="3256251" y="4109648"/>
+            <a:off x="2607339" y="4109648"/>
             <a:ext cx="413655" cy="442068"/>
           </a:xfrm>
           <a:prstGeom prst="ellipse">
@@ -7359,7 +8358,7 @@
         </p:nvSpPr>
         <p:spPr>
           <a:xfrm>
-            <a:off x="3006902" y="2185763"/>
+            <a:off x="2357990" y="2185763"/>
             <a:ext cx="413655" cy="442068"/>
           </a:xfrm>
           <a:prstGeom prst="ellipse">
@@ -7411,7 +8410,7 @@
         </p:nvSpPr>
         <p:spPr>
           <a:xfrm>
-            <a:off x="1604037" y="4171740"/>
+            <a:off x="955125" y="4171740"/>
             <a:ext cx="413655" cy="442068"/>
           </a:xfrm>
           <a:prstGeom prst="ellipse">
@@ -7463,7 +8462,7 @@
         </p:nvSpPr>
         <p:spPr>
           <a:xfrm>
-            <a:off x="1712259" y="3706991"/>
+            <a:off x="1063347" y="3706991"/>
             <a:ext cx="573555" cy="369332"/>
           </a:xfrm>
           <a:prstGeom prst="rect">
@@ -7498,7 +8497,7 @@
         </p:nvSpPr>
         <p:spPr>
           <a:xfrm>
-            <a:off x="5642330" y="4810950"/>
+            <a:off x="5008358" y="4750050"/>
             <a:ext cx="573555" cy="369332"/>
           </a:xfrm>
           <a:prstGeom prst="rect">
@@ -7533,7 +8532,7 @@
         </p:nvSpPr>
         <p:spPr>
           <a:xfrm>
-            <a:off x="1603184" y="4020456"/>
+            <a:off x="954272" y="4020456"/>
             <a:ext cx="678832" cy="2039257"/>
           </a:xfrm>
           <a:custGeom>
@@ -7740,7 +8739,7 @@
         </p:nvGrpSpPr>
         <p:grpSpPr>
           <a:xfrm>
-            <a:off x="4258208" y="765555"/>
+            <a:off x="3609296" y="765555"/>
             <a:ext cx="3292020" cy="4186039"/>
             <a:chOff x="4287236" y="983265"/>
             <a:chExt cx="3292020" cy="4186039"/>
@@ -8381,7 +9380,7 @@
           <p:spPr>
             <a:xfrm>
               <a:off x="6189724" y="4326830"/>
-              <a:ext cx="955646" cy="369332"/>
+              <a:ext cx="1289071" cy="369332"/>
             </a:xfrm>
             <a:prstGeom prst="rect">
               <a:avLst/>
@@ -8396,7 +9395,7 @@
             <a:p>
               <a:r>
                 <a:rPr lang="en-US" b="1" dirty="0"/>
-                <a:t>ABCG25</a:t>
+                <a:t>ABCG25/40</a:t>
               </a:r>
             </a:p>
           </p:txBody>
@@ -8495,7 +9494,7 @@
         </p:nvSpPr>
         <p:spPr>
           <a:xfrm rot="17546660">
-            <a:off x="5197138" y="5028604"/>
+            <a:off x="3778973" y="5028604"/>
             <a:ext cx="1639536" cy="1667807"/>
           </a:xfrm>
           <a:prstGeom prst="chord">
@@ -8549,7 +9548,7 @@
         </p:nvSpPr>
         <p:spPr>
           <a:xfrm>
-            <a:off x="5630174" y="5295855"/>
+            <a:off x="4212009" y="5295855"/>
             <a:ext cx="573555" cy="542972"/>
           </a:xfrm>
           <a:prstGeom prst="can">
@@ -8595,7 +9594,7 @@
         </p:nvSpPr>
         <p:spPr>
           <a:xfrm>
-            <a:off x="6171708" y="5204769"/>
+            <a:off x="4886279" y="5204769"/>
             <a:ext cx="955646" cy="369332"/>
           </a:xfrm>
           <a:prstGeom prst="rect">
@@ -8611,7 +9610,7 @@
           <a:p>
             <a:r>
               <a:rPr lang="en-US" b="1" dirty="0"/>
-              <a:t>ABCG25</a:t>
+              <a:t>ABCG22</a:t>
             </a:r>
           </a:p>
         </p:txBody>
@@ -8632,7 +9631,430 @@
         </p:nvCxnSpPr>
         <p:spPr>
           <a:xfrm>
-            <a:off x="5929107" y="5185496"/>
+            <a:off x="4506064" y="5179681"/>
+            <a:ext cx="0" cy="874217"/>
+          </a:xfrm>
+          <a:prstGeom prst="straightConnector1">
+            <a:avLst/>
+          </a:prstGeom>
+          <a:ln>
+            <a:solidFill>
+              <a:schemeClr val="tx1"/>
+            </a:solidFill>
+            <a:tailEnd type="triangle"/>
+          </a:ln>
+        </p:spPr>
+        <p:style>
+          <a:lnRef idx="1">
+            <a:schemeClr val="accent1"/>
+          </a:lnRef>
+          <a:fillRef idx="0">
+            <a:schemeClr val="accent1"/>
+          </a:fillRef>
+          <a:effectRef idx="0">
+            <a:schemeClr val="accent1"/>
+          </a:effectRef>
+          <a:fontRef idx="minor">
+            <a:schemeClr val="tx1"/>
+          </a:fontRef>
+        </p:style>
+      </p:cxnSp>
+      <p:sp>
+        <p:nvSpPr>
+          <p:cNvPr id="152" name="Freeform 151">
+            <a:extLst>
+              <a:ext uri="{FF2B5EF4-FFF2-40B4-BE49-F238E27FC236}">
+                <a16:creationId xmlns:a16="http://schemas.microsoft.com/office/drawing/2014/main" id="{7EF20907-5DF0-DE4C-BCC2-8507B48B9363}"/>
+              </a:ext>
+            </a:extLst>
+          </p:cNvPr>
+          <p:cNvSpPr/>
+          <p:nvPr/>
+        </p:nvSpPr>
+        <p:spPr>
+          <a:xfrm>
+            <a:off x="1281488" y="4093029"/>
+            <a:ext cx="1798095" cy="1872342"/>
+          </a:xfrm>
+          <a:custGeom>
+            <a:avLst/>
+            <a:gdLst>
+              <a:gd name="connsiteX0" fmla="*/ 72571 w 1698171"/>
+              <a:gd name="connsiteY0" fmla="*/ 0 h 1872342"/>
+              <a:gd name="connsiteX1" fmla="*/ 58057 w 1698171"/>
+              <a:gd name="connsiteY1" fmla="*/ 72571 h 1872342"/>
+              <a:gd name="connsiteX2" fmla="*/ 14514 w 1698171"/>
+              <a:gd name="connsiteY2" fmla="*/ 101600 h 1872342"/>
+              <a:gd name="connsiteX3" fmla="*/ 0 w 1698171"/>
+              <a:gd name="connsiteY3" fmla="*/ 145142 h 1872342"/>
+              <a:gd name="connsiteX4" fmla="*/ 14514 w 1698171"/>
+              <a:gd name="connsiteY4" fmla="*/ 333828 h 1872342"/>
+              <a:gd name="connsiteX5" fmla="*/ 29029 w 1698171"/>
+              <a:gd name="connsiteY5" fmla="*/ 493485 h 1872342"/>
+              <a:gd name="connsiteX6" fmla="*/ 116114 w 1698171"/>
+              <a:gd name="connsiteY6" fmla="*/ 551542 h 1872342"/>
+              <a:gd name="connsiteX7" fmla="*/ 246743 w 1698171"/>
+              <a:gd name="connsiteY7" fmla="*/ 595085 h 1872342"/>
+              <a:gd name="connsiteX8" fmla="*/ 449943 w 1698171"/>
+              <a:gd name="connsiteY8" fmla="*/ 624114 h 1872342"/>
+              <a:gd name="connsiteX9" fmla="*/ 493486 w 1698171"/>
+              <a:gd name="connsiteY9" fmla="*/ 638628 h 1872342"/>
+              <a:gd name="connsiteX10" fmla="*/ 580571 w 1698171"/>
+              <a:gd name="connsiteY10" fmla="*/ 653142 h 1872342"/>
+              <a:gd name="connsiteX11" fmla="*/ 1640114 w 1698171"/>
+              <a:gd name="connsiteY11" fmla="*/ 667657 h 1872342"/>
+              <a:gd name="connsiteX12" fmla="*/ 1683657 w 1698171"/>
+              <a:gd name="connsiteY12" fmla="*/ 696685 h 1872342"/>
+              <a:gd name="connsiteX13" fmla="*/ 1698171 w 1698171"/>
+              <a:gd name="connsiteY13" fmla="*/ 740228 h 1872342"/>
+              <a:gd name="connsiteX14" fmla="*/ 1683657 w 1698171"/>
+              <a:gd name="connsiteY14" fmla="*/ 1422400 h 1872342"/>
+              <a:gd name="connsiteX15" fmla="*/ 1669143 w 1698171"/>
+              <a:gd name="connsiteY15" fmla="*/ 1669142 h 1872342"/>
+              <a:gd name="connsiteX16" fmla="*/ 1654629 w 1698171"/>
+              <a:gd name="connsiteY16" fmla="*/ 1712685 h 1872342"/>
+              <a:gd name="connsiteX17" fmla="*/ 1611086 w 1698171"/>
+              <a:gd name="connsiteY17" fmla="*/ 1727200 h 1872342"/>
+              <a:gd name="connsiteX18" fmla="*/ 1422400 w 1698171"/>
+              <a:gd name="connsiteY18" fmla="*/ 1785257 h 1872342"/>
+              <a:gd name="connsiteX19" fmla="*/ 1335314 w 1698171"/>
+              <a:gd name="connsiteY19" fmla="*/ 1799771 h 1872342"/>
+              <a:gd name="connsiteX20" fmla="*/ 1248229 w 1698171"/>
+              <a:gd name="connsiteY20" fmla="*/ 1828800 h 1872342"/>
+              <a:gd name="connsiteX21" fmla="*/ 1219200 w 1698171"/>
+              <a:gd name="connsiteY21" fmla="*/ 1872342 h 1872342"/>
+            </a:gdLst>
+            <a:ahLst/>
+            <a:cxnLst>
+              <a:cxn ang="0">
+                <a:pos x="connsiteX0" y="connsiteY0"/>
+              </a:cxn>
+              <a:cxn ang="0">
+                <a:pos x="connsiteX1" y="connsiteY1"/>
+              </a:cxn>
+              <a:cxn ang="0">
+                <a:pos x="connsiteX2" y="connsiteY2"/>
+              </a:cxn>
+              <a:cxn ang="0">
+                <a:pos x="connsiteX3" y="connsiteY3"/>
+              </a:cxn>
+              <a:cxn ang="0">
+                <a:pos x="connsiteX4" y="connsiteY4"/>
+              </a:cxn>
+              <a:cxn ang="0">
+                <a:pos x="connsiteX5" y="connsiteY5"/>
+              </a:cxn>
+              <a:cxn ang="0">
+                <a:pos x="connsiteX6" y="connsiteY6"/>
+              </a:cxn>
+              <a:cxn ang="0">
+                <a:pos x="connsiteX7" y="connsiteY7"/>
+              </a:cxn>
+              <a:cxn ang="0">
+                <a:pos x="connsiteX8" y="connsiteY8"/>
+              </a:cxn>
+              <a:cxn ang="0">
+                <a:pos x="connsiteX9" y="connsiteY9"/>
+              </a:cxn>
+              <a:cxn ang="0">
+                <a:pos x="connsiteX10" y="connsiteY10"/>
+              </a:cxn>
+              <a:cxn ang="0">
+                <a:pos x="connsiteX11" y="connsiteY11"/>
+              </a:cxn>
+              <a:cxn ang="0">
+                <a:pos x="connsiteX12" y="connsiteY12"/>
+              </a:cxn>
+              <a:cxn ang="0">
+                <a:pos x="connsiteX13" y="connsiteY13"/>
+              </a:cxn>
+              <a:cxn ang="0">
+                <a:pos x="connsiteX14" y="connsiteY14"/>
+              </a:cxn>
+              <a:cxn ang="0">
+                <a:pos x="connsiteX15" y="connsiteY15"/>
+              </a:cxn>
+              <a:cxn ang="0">
+                <a:pos x="connsiteX16" y="connsiteY16"/>
+              </a:cxn>
+              <a:cxn ang="0">
+                <a:pos x="connsiteX17" y="connsiteY17"/>
+              </a:cxn>
+              <a:cxn ang="0">
+                <a:pos x="connsiteX18" y="connsiteY18"/>
+              </a:cxn>
+              <a:cxn ang="0">
+                <a:pos x="connsiteX19" y="connsiteY19"/>
+              </a:cxn>
+              <a:cxn ang="0">
+                <a:pos x="connsiteX20" y="connsiteY20"/>
+              </a:cxn>
+              <a:cxn ang="0">
+                <a:pos x="connsiteX21" y="connsiteY21"/>
+              </a:cxn>
+            </a:cxnLst>
+            <a:rect l="l" t="t" r="r" b="b"/>
+            <a:pathLst>
+              <a:path w="1698171" h="1872342">
+                <a:moveTo>
+                  <a:pt x="72571" y="0"/>
+                </a:moveTo>
+                <a:cubicBezTo>
+                  <a:pt x="67733" y="24190"/>
+                  <a:pt x="70296" y="51152"/>
+                  <a:pt x="58057" y="72571"/>
+                </a:cubicBezTo>
+                <a:cubicBezTo>
+                  <a:pt x="49402" y="87717"/>
+                  <a:pt x="25411" y="87978"/>
+                  <a:pt x="14514" y="101600"/>
+                </a:cubicBezTo>
+                <a:cubicBezTo>
+                  <a:pt x="4957" y="113547"/>
+                  <a:pt x="4838" y="130628"/>
+                  <a:pt x="0" y="145142"/>
+                </a:cubicBezTo>
+                <a:cubicBezTo>
+                  <a:pt x="4838" y="208037"/>
+                  <a:pt x="9275" y="270965"/>
+                  <a:pt x="14514" y="333828"/>
+                </a:cubicBezTo>
+                <a:cubicBezTo>
+                  <a:pt x="18952" y="387082"/>
+                  <a:pt x="6431" y="445060"/>
+                  <a:pt x="29029" y="493485"/>
+                </a:cubicBezTo>
+                <a:cubicBezTo>
+                  <a:pt x="43783" y="525100"/>
+                  <a:pt x="87086" y="532190"/>
+                  <a:pt x="116114" y="551542"/>
+                </a:cubicBezTo>
+                <a:cubicBezTo>
+                  <a:pt x="188560" y="599840"/>
+                  <a:pt x="134999" y="572736"/>
+                  <a:pt x="246743" y="595085"/>
+                </a:cubicBezTo>
+                <a:cubicBezTo>
+                  <a:pt x="404592" y="626655"/>
+                  <a:pt x="156688" y="594789"/>
+                  <a:pt x="449943" y="624114"/>
+                </a:cubicBezTo>
+                <a:cubicBezTo>
+                  <a:pt x="464457" y="628952"/>
+                  <a:pt x="478551" y="635309"/>
+                  <a:pt x="493486" y="638628"/>
+                </a:cubicBezTo>
+                <a:cubicBezTo>
+                  <a:pt x="522214" y="645012"/>
+                  <a:pt x="551152" y="652397"/>
+                  <a:pt x="580571" y="653142"/>
+                </a:cubicBezTo>
+                <a:cubicBezTo>
+                  <a:pt x="933672" y="662081"/>
+                  <a:pt x="1286933" y="662819"/>
+                  <a:pt x="1640114" y="667657"/>
+                </a:cubicBezTo>
+                <a:cubicBezTo>
+                  <a:pt x="1654628" y="677333"/>
+                  <a:pt x="1672760" y="683064"/>
+                  <a:pt x="1683657" y="696685"/>
+                </a:cubicBezTo>
+                <a:cubicBezTo>
+                  <a:pt x="1693214" y="708632"/>
+                  <a:pt x="1698171" y="724929"/>
+                  <a:pt x="1698171" y="740228"/>
+                </a:cubicBezTo>
+                <a:cubicBezTo>
+                  <a:pt x="1698171" y="967670"/>
+                  <a:pt x="1690761" y="1195069"/>
+                  <a:pt x="1683657" y="1422400"/>
+                </a:cubicBezTo>
+                <a:cubicBezTo>
+                  <a:pt x="1681084" y="1504749"/>
+                  <a:pt x="1677341" y="1587161"/>
+                  <a:pt x="1669143" y="1669142"/>
+                </a:cubicBezTo>
+                <a:cubicBezTo>
+                  <a:pt x="1667621" y="1684365"/>
+                  <a:pt x="1665447" y="1701867"/>
+                  <a:pt x="1654629" y="1712685"/>
+                </a:cubicBezTo>
+                <a:cubicBezTo>
+                  <a:pt x="1643811" y="1723503"/>
+                  <a:pt x="1624770" y="1720358"/>
+                  <a:pt x="1611086" y="1727200"/>
+                </a:cubicBezTo>
+                <a:cubicBezTo>
+                  <a:pt x="1489934" y="1787776"/>
+                  <a:pt x="1688045" y="1740984"/>
+                  <a:pt x="1422400" y="1785257"/>
+                </a:cubicBezTo>
+                <a:cubicBezTo>
+                  <a:pt x="1393371" y="1790095"/>
+                  <a:pt x="1363864" y="1792633"/>
+                  <a:pt x="1335314" y="1799771"/>
+                </a:cubicBezTo>
+                <a:cubicBezTo>
+                  <a:pt x="1305629" y="1807192"/>
+                  <a:pt x="1248229" y="1828800"/>
+                  <a:pt x="1248229" y="1828800"/>
+                </a:cubicBezTo>
+                <a:lnTo>
+                  <a:pt x="1219200" y="1872342"/>
+                </a:lnTo>
+              </a:path>
+            </a:pathLst>
+          </a:custGeom>
+          <a:noFill/>
+          <a:ln w="25400">
+            <a:solidFill>
+              <a:schemeClr val="tx1"/>
+            </a:solidFill>
+            <a:tailEnd type="triangle" w="lg" len="lg"/>
+          </a:ln>
+        </p:spPr>
+        <p:style>
+          <a:lnRef idx="2">
+            <a:schemeClr val="accent1">
+              <a:shade val="50000"/>
+            </a:schemeClr>
+          </a:lnRef>
+          <a:fillRef idx="1">
+            <a:schemeClr val="accent1"/>
+          </a:fillRef>
+          <a:effectRef idx="0">
+            <a:schemeClr val="accent1"/>
+          </a:effectRef>
+          <a:fontRef idx="minor">
+            <a:schemeClr val="lt1"/>
+          </a:fontRef>
+        </p:style>
+        <p:txBody>
+          <a:bodyPr rtlCol="0" anchor="ctr"/>
+          <a:lstStyle/>
+          <a:p>
+            <a:pPr algn="ctr"/>
+            <a:endParaRPr lang="en-US"/>
+          </a:p>
+        </p:txBody>
+      </p:sp>
+      <p:sp>
+        <p:nvSpPr>
+          <p:cNvPr id="153" name="Chord 152">
+            <a:extLst>
+              <a:ext uri="{FF2B5EF4-FFF2-40B4-BE49-F238E27FC236}">
+                <a16:creationId xmlns:a16="http://schemas.microsoft.com/office/drawing/2014/main" id="{5BFC732D-6C4C-FE40-94CD-9D0710041007}"/>
+              </a:ext>
+            </a:extLst>
+          </p:cNvPr>
+          <p:cNvSpPr/>
+          <p:nvPr/>
+        </p:nvSpPr>
+        <p:spPr>
+          <a:xfrm rot="17546660">
+            <a:off x="5454060" y="5022790"/>
+            <a:ext cx="1639536" cy="1667807"/>
+          </a:xfrm>
+          <a:prstGeom prst="chord">
+            <a:avLst/>
+          </a:prstGeom>
+          <a:solidFill>
+            <a:srgbClr val="FFC000"/>
+          </a:solidFill>
+          <a:ln>
+            <a:solidFill>
+              <a:schemeClr val="tx1"/>
+            </a:solidFill>
+          </a:ln>
+        </p:spPr>
+        <p:style>
+          <a:lnRef idx="2">
+            <a:schemeClr val="accent1">
+              <a:shade val="50000"/>
+            </a:schemeClr>
+          </a:lnRef>
+          <a:fillRef idx="1">
+            <a:schemeClr val="accent1"/>
+          </a:fillRef>
+          <a:effectRef idx="0">
+            <a:schemeClr val="accent1"/>
+          </a:effectRef>
+          <a:fontRef idx="minor">
+            <a:schemeClr val="lt1"/>
+          </a:fontRef>
+        </p:style>
+        <p:txBody>
+          <a:bodyPr rtlCol="0" anchor="ctr"/>
+          <a:lstStyle/>
+          <a:p>
+            <a:pPr algn="ctr"/>
+            <a:endParaRPr lang="en-US" dirty="0"/>
+          </a:p>
+        </p:txBody>
+      </p:sp>
+      <p:sp>
+        <p:nvSpPr>
+          <p:cNvPr id="154" name="Can 153">
+            <a:extLst>
+              <a:ext uri="{FF2B5EF4-FFF2-40B4-BE49-F238E27FC236}">
+                <a16:creationId xmlns:a16="http://schemas.microsoft.com/office/drawing/2014/main" id="{F6338A77-6D0E-504C-898F-3B901F02BDCF}"/>
+              </a:ext>
+            </a:extLst>
+          </p:cNvPr>
+          <p:cNvSpPr/>
+          <p:nvPr/>
+        </p:nvSpPr>
+        <p:spPr>
+          <a:xfrm>
+            <a:off x="5887096" y="5290041"/>
+            <a:ext cx="573555" cy="542972"/>
+          </a:xfrm>
+          <a:prstGeom prst="can">
+            <a:avLst/>
+          </a:prstGeom>
+        </p:spPr>
+        <p:style>
+          <a:lnRef idx="2">
+            <a:schemeClr val="accent1">
+              <a:shade val="50000"/>
+            </a:schemeClr>
+          </a:lnRef>
+          <a:fillRef idx="1">
+            <a:schemeClr val="accent1"/>
+          </a:fillRef>
+          <a:effectRef idx="0">
+            <a:schemeClr val="accent1"/>
+          </a:effectRef>
+          <a:fontRef idx="minor">
+            <a:schemeClr val="lt1"/>
+          </a:fontRef>
+        </p:style>
+        <p:txBody>
+          <a:bodyPr rtlCol="0" anchor="ctr"/>
+          <a:lstStyle/>
+          <a:p>
+            <a:pPr algn="ctr"/>
+            <a:endParaRPr lang="en-US"/>
+          </a:p>
+        </p:txBody>
+      </p:sp>
+      <p:cxnSp>
+        <p:nvCxnSpPr>
+          <p:cNvPr id="155" name="Straight Arrow Connector 154">
+            <a:extLst>
+              <a:ext uri="{FF2B5EF4-FFF2-40B4-BE49-F238E27FC236}">
+                <a16:creationId xmlns:a16="http://schemas.microsoft.com/office/drawing/2014/main" id="{5D3AE362-E291-004D-8972-0C7D98D7C2EB}"/>
+              </a:ext>
+            </a:extLst>
+          </p:cNvPr>
+          <p:cNvCxnSpPr>
+            <a:cxnSpLocks/>
+          </p:cNvCxnSpPr>
+          <p:nvPr/>
+        </p:nvCxnSpPr>
+        <p:spPr>
+          <a:xfrm>
+            <a:off x="6186029" y="5179682"/>
             <a:ext cx="0" cy="874217"/>
           </a:xfrm>
           <a:prstGeom prst="straightConnector1">
@@ -8674,8 +10096,8 @@
         </p:nvSpPr>
         <p:spPr>
           <a:xfrm>
-            <a:off x="5297172" y="5981299"/>
-            <a:ext cx="1890773" cy="646331"/>
+            <a:off x="3962548" y="5993957"/>
+            <a:ext cx="3291169" cy="646331"/>
           </a:xfrm>
           <a:prstGeom prst="rect">
             <a:avLst/>
@@ -8690,7 +10112,2598 @@
           <a:p>
             <a:r>
               <a:rPr lang="en-US" dirty="0"/>
-              <a:t>Activation of ABA related genes</a:t>
+              <a:t>Activation of ABA related genes leading to stomatal closure</a:t>
+            </a:r>
+          </a:p>
+        </p:txBody>
+      </p:sp>
+      <p:cxnSp>
+        <p:nvCxnSpPr>
+          <p:cNvPr id="157" name="Straight Connector 156">
+            <a:extLst>
+              <a:ext uri="{FF2B5EF4-FFF2-40B4-BE49-F238E27FC236}">
+                <a16:creationId xmlns:a16="http://schemas.microsoft.com/office/drawing/2014/main" id="{022C335F-4516-BB45-8A65-EE496168714A}"/>
+              </a:ext>
+            </a:extLst>
+          </p:cNvPr>
+          <p:cNvCxnSpPr>
+            <a:cxnSpLocks/>
+            <a:stCxn id="133" idx="2"/>
+          </p:cNvCxnSpPr>
+          <p:nvPr/>
+        </p:nvCxnSpPr>
+        <p:spPr>
+          <a:xfrm flipH="1">
+            <a:off x="4506064" y="5119382"/>
+            <a:ext cx="789072" cy="60299"/>
+          </a:xfrm>
+          <a:prstGeom prst="line">
+            <a:avLst/>
+          </a:prstGeom>
+          <a:ln>
+            <a:solidFill>
+              <a:schemeClr val="tx1"/>
+            </a:solidFill>
+          </a:ln>
+        </p:spPr>
+        <p:style>
+          <a:lnRef idx="1">
+            <a:schemeClr val="accent1"/>
+          </a:lnRef>
+          <a:fillRef idx="0">
+            <a:schemeClr val="accent1"/>
+          </a:fillRef>
+          <a:effectRef idx="0">
+            <a:schemeClr val="accent1"/>
+          </a:effectRef>
+          <a:fontRef idx="minor">
+            <a:schemeClr val="tx1"/>
+          </a:fontRef>
+        </p:style>
+      </p:cxnSp>
+      <p:cxnSp>
+        <p:nvCxnSpPr>
+          <p:cNvPr id="159" name="Straight Connector 158">
+            <a:extLst>
+              <a:ext uri="{FF2B5EF4-FFF2-40B4-BE49-F238E27FC236}">
+                <a16:creationId xmlns:a16="http://schemas.microsoft.com/office/drawing/2014/main" id="{631CBB20-1DFE-1A4B-8FC8-4A48D337345A}"/>
+              </a:ext>
+            </a:extLst>
+          </p:cNvPr>
+          <p:cNvCxnSpPr>
+            <a:cxnSpLocks/>
+          </p:cNvCxnSpPr>
+          <p:nvPr/>
+        </p:nvCxnSpPr>
+        <p:spPr>
+          <a:xfrm flipH="1" flipV="1">
+            <a:off x="5254034" y="5129416"/>
+            <a:ext cx="940772" cy="69539"/>
+          </a:xfrm>
+          <a:prstGeom prst="line">
+            <a:avLst/>
+          </a:prstGeom>
+          <a:ln>
+            <a:solidFill>
+              <a:schemeClr val="tx1"/>
+            </a:solidFill>
+          </a:ln>
+        </p:spPr>
+        <p:style>
+          <a:lnRef idx="1">
+            <a:schemeClr val="accent1"/>
+          </a:lnRef>
+          <a:fillRef idx="0">
+            <a:schemeClr val="accent1"/>
+          </a:fillRef>
+          <a:effectRef idx="0">
+            <a:schemeClr val="accent1"/>
+          </a:effectRef>
+          <a:fontRef idx="minor">
+            <a:schemeClr val="tx1"/>
+          </a:fontRef>
+        </p:style>
+      </p:cxnSp>
+      <p:sp>
+        <p:nvSpPr>
+          <p:cNvPr id="161" name="&quot;No&quot; Symbol 160">
+            <a:extLst>
+              <a:ext uri="{FF2B5EF4-FFF2-40B4-BE49-F238E27FC236}">
+                <a16:creationId xmlns:a16="http://schemas.microsoft.com/office/drawing/2014/main" id="{C7C096A7-D59D-5345-8CC2-BB4A7B766BC5}"/>
+              </a:ext>
+            </a:extLst>
+          </p:cNvPr>
+          <p:cNvSpPr/>
+          <p:nvPr/>
+        </p:nvSpPr>
+        <p:spPr>
+          <a:xfrm>
+            <a:off x="1647618" y="5573247"/>
+            <a:ext cx="836980" cy="903753"/>
+          </a:xfrm>
+          <a:prstGeom prst="noSmoking">
+            <a:avLst/>
+          </a:prstGeom>
+          <a:solidFill>
+            <a:srgbClr val="FF0000">
+              <a:alpha val="64000"/>
+            </a:srgbClr>
+          </a:solidFill>
+          <a:ln>
+            <a:solidFill>
+              <a:srgbClr val="FF0000"/>
+            </a:solidFill>
+          </a:ln>
+        </p:spPr>
+        <p:style>
+          <a:lnRef idx="2">
+            <a:schemeClr val="accent1">
+              <a:shade val="50000"/>
+            </a:schemeClr>
+          </a:lnRef>
+          <a:fillRef idx="1">
+            <a:schemeClr val="accent1"/>
+          </a:fillRef>
+          <a:effectRef idx="0">
+            <a:schemeClr val="accent1"/>
+          </a:effectRef>
+          <a:fontRef idx="minor">
+            <a:schemeClr val="lt1"/>
+          </a:fontRef>
+        </p:style>
+        <p:txBody>
+          <a:bodyPr rtlCol="0" anchor="ctr"/>
+          <a:lstStyle/>
+          <a:p>
+            <a:pPr algn="ctr"/>
+            <a:endParaRPr lang="en-US" dirty="0">
+              <a:solidFill>
+                <a:schemeClr val="tx1"/>
+              </a:solidFill>
+            </a:endParaRPr>
+          </a:p>
+        </p:txBody>
+      </p:sp>
+      <p:cxnSp>
+        <p:nvCxnSpPr>
+          <p:cNvPr id="202" name="Straight Arrow Connector 201">
+            <a:extLst>
+              <a:ext uri="{FF2B5EF4-FFF2-40B4-BE49-F238E27FC236}">
+                <a16:creationId xmlns:a16="http://schemas.microsoft.com/office/drawing/2014/main" id="{B36C31B4-91F4-FB4D-ADDF-8C1B002273F7}"/>
+              </a:ext>
+            </a:extLst>
+          </p:cNvPr>
+          <p:cNvCxnSpPr>
+            <a:cxnSpLocks/>
+          </p:cNvCxnSpPr>
+          <p:nvPr/>
+        </p:nvCxnSpPr>
+        <p:spPr>
+          <a:xfrm>
+            <a:off x="840673" y="716388"/>
+            <a:ext cx="0" cy="2712612"/>
+          </a:xfrm>
+          <a:prstGeom prst="straightConnector1">
+            <a:avLst/>
+          </a:prstGeom>
+          <a:ln w="25400">
+            <a:solidFill>
+              <a:schemeClr val="tx1"/>
+            </a:solidFill>
+            <a:headEnd type="stealth" w="lg" len="lg"/>
+            <a:tailEnd type="stealth" w="lg" len="lg"/>
+          </a:ln>
+        </p:spPr>
+        <p:style>
+          <a:lnRef idx="1">
+            <a:schemeClr val="accent1"/>
+          </a:lnRef>
+          <a:fillRef idx="0">
+            <a:schemeClr val="accent1"/>
+          </a:fillRef>
+          <a:effectRef idx="0">
+            <a:schemeClr val="accent1"/>
+          </a:effectRef>
+          <a:fontRef idx="minor">
+            <a:schemeClr val="tx1"/>
+          </a:fontRef>
+        </p:style>
+      </p:cxnSp>
+      <p:pic>
+        <p:nvPicPr>
+          <p:cNvPr id="206" name="Picture 205" descr="Shape&#10;&#10;Description automatically generated with low confidence">
+            <a:extLst>
+              <a:ext uri="{FF2B5EF4-FFF2-40B4-BE49-F238E27FC236}">
+                <a16:creationId xmlns:a16="http://schemas.microsoft.com/office/drawing/2014/main" id="{10F7321C-6B57-5E45-8ED1-3F74015EAAF3}"/>
+              </a:ext>
+            </a:extLst>
+          </p:cNvPr>
+          <p:cNvPicPr>
+            <a:picLocks noChangeAspect="1"/>
+          </p:cNvPicPr>
+          <p:nvPr/>
+        </p:nvPicPr>
+        <p:blipFill>
+          <a:blip r:embed="rId3"/>
+          <a:stretch>
+            <a:fillRect/>
+          </a:stretch>
+        </p:blipFill>
+        <p:spPr>
+          <a:xfrm>
+            <a:off x="-20669" y="1566377"/>
+            <a:ext cx="867293" cy="867293"/>
+          </a:xfrm>
+          <a:prstGeom prst="rect">
+            <a:avLst/>
+          </a:prstGeom>
+        </p:spPr>
+      </p:pic>
+      <p:pic>
+        <p:nvPicPr>
+          <p:cNvPr id="208" name="Picture 207" descr="Shape, circle&#10;&#10;Description automatically generated">
+            <a:extLst>
+              <a:ext uri="{FF2B5EF4-FFF2-40B4-BE49-F238E27FC236}">
+                <a16:creationId xmlns:a16="http://schemas.microsoft.com/office/drawing/2014/main" id="{1D26D845-B0DD-774B-8243-DCF31D80B6FF}"/>
+              </a:ext>
+            </a:extLst>
+          </p:cNvPr>
+          <p:cNvPicPr>
+            <a:picLocks noChangeAspect="1"/>
+          </p:cNvPicPr>
+          <p:nvPr/>
+        </p:nvPicPr>
+        <p:blipFill>
+          <a:blip r:embed="rId4"/>
+          <a:stretch>
+            <a:fillRect/>
+          </a:stretch>
+        </p:blipFill>
+        <p:spPr>
+          <a:xfrm>
+            <a:off x="80281" y="4093028"/>
+            <a:ext cx="690576" cy="727571"/>
+          </a:xfrm>
+          <a:prstGeom prst="rect">
+            <a:avLst/>
+          </a:prstGeom>
+        </p:spPr>
+      </p:pic>
+      <p:cxnSp>
+        <p:nvCxnSpPr>
+          <p:cNvPr id="209" name="Straight Arrow Connector 208">
+            <a:extLst>
+              <a:ext uri="{FF2B5EF4-FFF2-40B4-BE49-F238E27FC236}">
+                <a16:creationId xmlns:a16="http://schemas.microsoft.com/office/drawing/2014/main" id="{C85AA6C7-2857-8447-9F9B-667ABB7A0844}"/>
+              </a:ext>
+            </a:extLst>
+          </p:cNvPr>
+          <p:cNvCxnSpPr/>
+          <p:nvPr/>
+        </p:nvCxnSpPr>
+        <p:spPr>
+          <a:xfrm>
+            <a:off x="845591" y="3390759"/>
+            <a:ext cx="0" cy="2712612"/>
+          </a:xfrm>
+          <a:prstGeom prst="straightConnector1">
+            <a:avLst/>
+          </a:prstGeom>
+          <a:ln w="25400">
+            <a:solidFill>
+              <a:schemeClr val="tx1"/>
+            </a:solidFill>
+            <a:headEnd type="stealth" w="lg" len="lg"/>
+            <a:tailEnd type="stealth" w="lg" len="lg"/>
+          </a:ln>
+        </p:spPr>
+        <p:style>
+          <a:lnRef idx="1">
+            <a:schemeClr val="accent1"/>
+          </a:lnRef>
+          <a:fillRef idx="0">
+            <a:schemeClr val="accent1"/>
+          </a:fillRef>
+          <a:effectRef idx="0">
+            <a:schemeClr val="accent1"/>
+          </a:effectRef>
+          <a:fontRef idx="minor">
+            <a:schemeClr val="tx1"/>
+          </a:fontRef>
+        </p:style>
+      </p:cxnSp>
+      <p:sp>
+        <p:nvSpPr>
+          <p:cNvPr id="211" name="TextBox 210">
+            <a:extLst>
+              <a:ext uri="{FF2B5EF4-FFF2-40B4-BE49-F238E27FC236}">
+                <a16:creationId xmlns:a16="http://schemas.microsoft.com/office/drawing/2014/main" id="{DFBB94C3-E5D0-294F-BE65-26289C40509D}"/>
+              </a:ext>
+            </a:extLst>
+          </p:cNvPr>
+          <p:cNvSpPr txBox="1"/>
+          <p:nvPr/>
+        </p:nvSpPr>
+        <p:spPr>
+          <a:xfrm>
+            <a:off x="44837" y="4863147"/>
+            <a:ext cx="739498" cy="646331"/>
+          </a:xfrm>
+          <a:prstGeom prst="rect">
+            <a:avLst/>
+          </a:prstGeom>
+          <a:noFill/>
+        </p:spPr>
+        <p:txBody>
+          <a:bodyPr wrap="none" rtlCol="0">
+            <a:spAutoFit/>
+          </a:bodyPr>
+          <a:lstStyle/>
+          <a:p>
+            <a:pPr algn="ctr"/>
+            <a:r>
+              <a:rPr lang="en-US" dirty="0"/>
+              <a:t>or </a:t>
+            </a:r>
+          </a:p>
+          <a:p>
+            <a:pPr algn="ctr"/>
+            <a:r>
+              <a:rPr lang="en-US" dirty="0"/>
+              <a:t>Stress</a:t>
+            </a:r>
+          </a:p>
+        </p:txBody>
+      </p:sp>
+      <p:sp>
+        <p:nvSpPr>
+          <p:cNvPr id="217" name="TextBox 216">
+            <a:extLst>
+              <a:ext uri="{FF2B5EF4-FFF2-40B4-BE49-F238E27FC236}">
+                <a16:creationId xmlns:a16="http://schemas.microsoft.com/office/drawing/2014/main" id="{2C0E9CD8-8EC2-0545-BF62-A9DD9D2322CA}"/>
+              </a:ext>
+            </a:extLst>
+          </p:cNvPr>
+          <p:cNvSpPr txBox="1"/>
+          <p:nvPr/>
+        </p:nvSpPr>
+        <p:spPr>
+          <a:xfrm>
+            <a:off x="6142484" y="224556"/>
+            <a:ext cx="8746690" cy="646331"/>
+          </a:xfrm>
+          <a:prstGeom prst="rect">
+            <a:avLst/>
+          </a:prstGeom>
+          <a:noFill/>
+        </p:spPr>
+        <p:txBody>
+          <a:bodyPr wrap="none" rtlCol="0">
+            <a:spAutoFit/>
+          </a:bodyPr>
+          <a:lstStyle/>
+          <a:p>
+            <a:r>
+              <a:rPr lang="en-US" dirty="0"/>
+              <a:t>[ABA] can increase up to 30-fold in response to drought stress.</a:t>
+            </a:r>
+          </a:p>
+          <a:p>
+            <a:r>
+              <a:rPr lang="en-US" dirty="0"/>
+              <a:t>Upregulation of NCED3 enzyme to produce ABA is observed within 15-30 minutes in leaves..</a:t>
+            </a:r>
+          </a:p>
+        </p:txBody>
+      </p:sp>
+      <p:pic>
+        <p:nvPicPr>
+          <p:cNvPr id="173" name="Picture 172" descr="Text&#10;&#10;Description automatically generated with low confidence">
+            <a:extLst>
+              <a:ext uri="{FF2B5EF4-FFF2-40B4-BE49-F238E27FC236}">
+                <a16:creationId xmlns:a16="http://schemas.microsoft.com/office/drawing/2014/main" id="{635D251D-974D-0A40-BC2D-365308A75189}"/>
+              </a:ext>
+            </a:extLst>
+          </p:cNvPr>
+          <p:cNvPicPr>
+            <a:picLocks noChangeAspect="1"/>
+          </p:cNvPicPr>
+          <p:nvPr/>
+        </p:nvPicPr>
+        <p:blipFill>
+          <a:blip r:embed="rId5"/>
+          <a:stretch>
+            <a:fillRect/>
+          </a:stretch>
+        </p:blipFill>
+        <p:spPr>
+          <a:xfrm rot="2692019">
+            <a:off x="7767197" y="4135394"/>
+            <a:ext cx="3318955" cy="3312915"/>
+          </a:xfrm>
+          <a:prstGeom prst="rect">
+            <a:avLst/>
+          </a:prstGeom>
+        </p:spPr>
+      </p:pic>
+      <p:grpSp>
+        <p:nvGrpSpPr>
+          <p:cNvPr id="271" name="Group 270">
+            <a:extLst>
+              <a:ext uri="{FF2B5EF4-FFF2-40B4-BE49-F238E27FC236}">
+                <a16:creationId xmlns:a16="http://schemas.microsoft.com/office/drawing/2014/main" id="{35E6AAE4-A66A-2741-BD01-4D37B8E69FD9}"/>
+              </a:ext>
+            </a:extLst>
+          </p:cNvPr>
+          <p:cNvGrpSpPr/>
+          <p:nvPr/>
+        </p:nvGrpSpPr>
+        <p:grpSpPr>
+          <a:xfrm>
+            <a:off x="7073533" y="1273432"/>
+            <a:ext cx="4888621" cy="5132028"/>
+            <a:chOff x="7147273" y="1273432"/>
+            <a:chExt cx="4888621" cy="5132028"/>
+          </a:xfrm>
+        </p:grpSpPr>
+        <p:sp>
+          <p:nvSpPr>
+            <p:cNvPr id="203" name="Rectangle 202">
+              <a:extLst>
+                <a:ext uri="{FF2B5EF4-FFF2-40B4-BE49-F238E27FC236}">
+                  <a16:creationId xmlns:a16="http://schemas.microsoft.com/office/drawing/2014/main" id="{AD4DBC20-EC89-7447-8E70-D49F68AF329A}"/>
+                </a:ext>
+              </a:extLst>
+            </p:cNvPr>
+            <p:cNvSpPr/>
+            <p:nvPr/>
+          </p:nvSpPr>
+          <p:spPr>
+            <a:xfrm>
+              <a:off x="7172803" y="1596569"/>
+              <a:ext cx="4782880" cy="4808891"/>
+            </a:xfrm>
+            <a:prstGeom prst="rect">
+              <a:avLst/>
+            </a:prstGeom>
+            <a:solidFill>
+              <a:srgbClr val="FFC000">
+                <a:alpha val="60000"/>
+              </a:srgbClr>
+            </a:solidFill>
+            <a:ln>
+              <a:noFill/>
+            </a:ln>
+          </p:spPr>
+          <p:style>
+            <a:lnRef idx="2">
+              <a:schemeClr val="accent1">
+                <a:shade val="50000"/>
+              </a:schemeClr>
+            </a:lnRef>
+            <a:fillRef idx="1">
+              <a:schemeClr val="accent1"/>
+            </a:fillRef>
+            <a:effectRef idx="0">
+              <a:schemeClr val="accent1"/>
+            </a:effectRef>
+            <a:fontRef idx="minor">
+              <a:schemeClr val="lt1"/>
+            </a:fontRef>
+          </p:style>
+          <p:txBody>
+            <a:bodyPr rtlCol="0" anchor="ctr"/>
+            <a:lstStyle/>
+            <a:p>
+              <a:pPr algn="ctr"/>
+              <a:endParaRPr lang="en-US" dirty="0"/>
+            </a:p>
+          </p:txBody>
+        </p:sp>
+        <p:grpSp>
+          <p:nvGrpSpPr>
+            <p:cNvPr id="175" name="Group 174">
+              <a:extLst>
+                <a:ext uri="{FF2B5EF4-FFF2-40B4-BE49-F238E27FC236}">
+                  <a16:creationId xmlns:a16="http://schemas.microsoft.com/office/drawing/2014/main" id="{0B77DD4B-365C-ED42-87FE-CE8B930107AD}"/>
+                </a:ext>
+              </a:extLst>
+            </p:cNvPr>
+            <p:cNvGrpSpPr/>
+            <p:nvPr/>
+          </p:nvGrpSpPr>
+          <p:grpSpPr>
+            <a:xfrm>
+              <a:off x="7264655" y="1703392"/>
+              <a:ext cx="2254310" cy="1316418"/>
+              <a:chOff x="8954733" y="1570640"/>
+              <a:chExt cx="2254310" cy="1316418"/>
+            </a:xfrm>
+          </p:grpSpPr>
+          <p:grpSp>
+            <p:nvGrpSpPr>
+              <p:cNvPr id="174" name="Group 173">
+                <a:extLst>
+                  <a:ext uri="{FF2B5EF4-FFF2-40B4-BE49-F238E27FC236}">
+                    <a16:creationId xmlns:a16="http://schemas.microsoft.com/office/drawing/2014/main" id="{EEDB46D2-A98F-E748-9B4B-E8ED072BF55B}"/>
+                  </a:ext>
+                </a:extLst>
+              </p:cNvPr>
+              <p:cNvGrpSpPr/>
+              <p:nvPr/>
+            </p:nvGrpSpPr>
+            <p:grpSpPr>
+              <a:xfrm>
+                <a:off x="8954733" y="1570640"/>
+                <a:ext cx="2170241" cy="1293628"/>
+                <a:chOff x="8954733" y="1570640"/>
+                <a:chExt cx="2170241" cy="1293628"/>
+              </a:xfrm>
+            </p:grpSpPr>
+            <p:sp>
+              <p:nvSpPr>
+                <p:cNvPr id="166" name="Rounded Rectangle 165">
+                  <a:extLst>
+                    <a:ext uri="{FF2B5EF4-FFF2-40B4-BE49-F238E27FC236}">
+                      <a16:creationId xmlns:a16="http://schemas.microsoft.com/office/drawing/2014/main" id="{1535E5FF-F8C9-1043-8ED3-0DF9E4D06856}"/>
+                    </a:ext>
+                  </a:extLst>
+                </p:cNvPr>
+                <p:cNvSpPr/>
+                <p:nvPr/>
+              </p:nvSpPr>
+              <p:spPr>
+                <a:xfrm>
+                  <a:off x="9446332" y="2358348"/>
+                  <a:ext cx="1678642" cy="505920"/>
+                </a:xfrm>
+                <a:prstGeom prst="roundRect">
+                  <a:avLst/>
+                </a:prstGeom>
+                <a:solidFill>
+                  <a:schemeClr val="bg1">
+                    <a:lumMod val="85000"/>
+                    <a:alpha val="70000"/>
+                  </a:schemeClr>
+                </a:solidFill>
+                <a:ln>
+                  <a:solidFill>
+                    <a:schemeClr val="tx1"/>
+                  </a:solidFill>
+                </a:ln>
+              </p:spPr>
+              <p:style>
+                <a:lnRef idx="2">
+                  <a:schemeClr val="accent1">
+                    <a:shade val="50000"/>
+                  </a:schemeClr>
+                </a:lnRef>
+                <a:fillRef idx="1">
+                  <a:schemeClr val="accent1"/>
+                </a:fillRef>
+                <a:effectRef idx="0">
+                  <a:schemeClr val="accent1"/>
+                </a:effectRef>
+                <a:fontRef idx="minor">
+                  <a:schemeClr val="lt1"/>
+                </a:fontRef>
+              </p:style>
+              <p:txBody>
+                <a:bodyPr rtlCol="0" anchor="ctr"/>
+                <a:lstStyle/>
+                <a:p>
+                  <a:pPr algn="ctr"/>
+                  <a:endParaRPr lang="en-US"/>
+                </a:p>
+              </p:txBody>
+            </p:sp>
+            <p:sp>
+              <p:nvSpPr>
+                <p:cNvPr id="162" name="Round Same Side Corner Rectangle 161">
+                  <a:extLst>
+                    <a:ext uri="{FF2B5EF4-FFF2-40B4-BE49-F238E27FC236}">
+                      <a16:creationId xmlns:a16="http://schemas.microsoft.com/office/drawing/2014/main" id="{835F4BC9-617A-E546-B0EA-DF8838DFC856}"/>
+                    </a:ext>
+                  </a:extLst>
+                </p:cNvPr>
+                <p:cNvSpPr/>
+                <p:nvPr/>
+              </p:nvSpPr>
+              <p:spPr>
+                <a:xfrm>
+                  <a:off x="9232490" y="1891500"/>
+                  <a:ext cx="1401097" cy="453467"/>
+                </a:xfrm>
+                <a:prstGeom prst="round2SameRect">
+                  <a:avLst/>
+                </a:prstGeom>
+                <a:solidFill>
+                  <a:srgbClr val="FF0000">
+                    <a:alpha val="70359"/>
+                  </a:srgbClr>
+                </a:solidFill>
+                <a:ln>
+                  <a:solidFill>
+                    <a:schemeClr val="tx1"/>
+                  </a:solidFill>
+                </a:ln>
+              </p:spPr>
+              <p:style>
+                <a:lnRef idx="2">
+                  <a:schemeClr val="accent1">
+                    <a:shade val="50000"/>
+                  </a:schemeClr>
+                </a:lnRef>
+                <a:fillRef idx="1">
+                  <a:schemeClr val="accent1"/>
+                </a:fillRef>
+                <a:effectRef idx="0">
+                  <a:schemeClr val="accent1"/>
+                </a:effectRef>
+                <a:fontRef idx="minor">
+                  <a:schemeClr val="lt1"/>
+                </a:fontRef>
+              </p:style>
+              <p:txBody>
+                <a:bodyPr rtlCol="0" anchor="ctr"/>
+                <a:lstStyle/>
+                <a:p>
+                  <a:pPr algn="ctr"/>
+                  <a:endParaRPr lang="en-US"/>
+                </a:p>
+              </p:txBody>
+            </p:sp>
+            <p:sp>
+              <p:nvSpPr>
+                <p:cNvPr id="163" name="TextBox 162">
+                  <a:extLst>
+                    <a:ext uri="{FF2B5EF4-FFF2-40B4-BE49-F238E27FC236}">
+                      <a16:creationId xmlns:a16="http://schemas.microsoft.com/office/drawing/2014/main" id="{8AE61FDD-55E5-614C-B127-2CA834E262F8}"/>
+                    </a:ext>
+                  </a:extLst>
+                </p:cNvPr>
+                <p:cNvSpPr txBox="1"/>
+                <p:nvPr/>
+              </p:nvSpPr>
+              <p:spPr>
+                <a:xfrm>
+                  <a:off x="9247873" y="1932612"/>
+                  <a:ext cx="1398973" cy="338554"/>
+                </a:xfrm>
+                <a:prstGeom prst="rect">
+                  <a:avLst/>
+                </a:prstGeom>
+                <a:noFill/>
+              </p:spPr>
+              <p:txBody>
+                <a:bodyPr wrap="none" rtlCol="0">
+                  <a:spAutoFit/>
+                </a:bodyPr>
+                <a:lstStyle/>
+                <a:p>
+                  <a:r>
+                    <a:rPr lang="en-US" sz="1600" dirty="0"/>
+                    <a:t>PYR/PYL/RCAR</a:t>
+                  </a:r>
+                </a:p>
+              </p:txBody>
+            </p:sp>
+            <p:grpSp>
+              <p:nvGrpSpPr>
+                <p:cNvPr id="167" name="Group 166">
+                  <a:extLst>
+                    <a:ext uri="{FF2B5EF4-FFF2-40B4-BE49-F238E27FC236}">
+                      <a16:creationId xmlns:a16="http://schemas.microsoft.com/office/drawing/2014/main" id="{C59DAAF2-E4EA-B94F-90A1-7575F5EEEF19}"/>
+                    </a:ext>
+                  </a:extLst>
+                </p:cNvPr>
+                <p:cNvGrpSpPr/>
+                <p:nvPr/>
+              </p:nvGrpSpPr>
+              <p:grpSpPr>
+                <a:xfrm>
+                  <a:off x="8954733" y="1570640"/>
+                  <a:ext cx="667948" cy="451226"/>
+                  <a:chOff x="8954733" y="1570640"/>
+                  <a:chExt cx="667948" cy="451226"/>
+                </a:xfrm>
+              </p:grpSpPr>
+              <p:sp>
+                <p:nvSpPr>
+                  <p:cNvPr id="164" name="Oval 163">
+                    <a:extLst>
+                      <a:ext uri="{FF2B5EF4-FFF2-40B4-BE49-F238E27FC236}">
+                        <a16:creationId xmlns:a16="http://schemas.microsoft.com/office/drawing/2014/main" id="{7FE9CB39-C8DB-464A-AE92-02618ABC98A5}"/>
+                      </a:ext>
+                    </a:extLst>
+                  </p:cNvPr>
+                  <p:cNvSpPr/>
+                  <p:nvPr/>
+                </p:nvSpPr>
+                <p:spPr>
+                  <a:xfrm>
+                    <a:off x="8954733" y="1570640"/>
+                    <a:ext cx="667948" cy="451226"/>
+                  </a:xfrm>
+                  <a:prstGeom prst="ellipse">
+                    <a:avLst/>
+                  </a:prstGeom>
+                  <a:solidFill>
+                    <a:srgbClr val="00B0F0"/>
+                  </a:solidFill>
+                </p:spPr>
+                <p:style>
+                  <a:lnRef idx="2">
+                    <a:schemeClr val="accent1">
+                      <a:shade val="50000"/>
+                    </a:schemeClr>
+                  </a:lnRef>
+                  <a:fillRef idx="1">
+                    <a:schemeClr val="accent1"/>
+                  </a:fillRef>
+                  <a:effectRef idx="0">
+                    <a:schemeClr val="accent1"/>
+                  </a:effectRef>
+                  <a:fontRef idx="minor">
+                    <a:schemeClr val="lt1"/>
+                  </a:fontRef>
+                </p:style>
+                <p:txBody>
+                  <a:bodyPr rtlCol="0" anchor="ctr"/>
+                  <a:lstStyle/>
+                  <a:p>
+                    <a:pPr algn="ctr"/>
+                    <a:endParaRPr lang="en-US"/>
+                  </a:p>
+                </p:txBody>
+              </p:sp>
+              <p:sp>
+                <p:nvSpPr>
+                  <p:cNvPr id="165" name="TextBox 164">
+                    <a:extLst>
+                      <a:ext uri="{FF2B5EF4-FFF2-40B4-BE49-F238E27FC236}">
+                        <a16:creationId xmlns:a16="http://schemas.microsoft.com/office/drawing/2014/main" id="{9D8936A2-8EED-BB46-ACCE-5C2FE1CA91DE}"/>
+                      </a:ext>
+                    </a:extLst>
+                  </p:cNvPr>
+                  <p:cNvSpPr txBox="1"/>
+                  <p:nvPr/>
+                </p:nvSpPr>
+                <p:spPr>
+                  <a:xfrm>
+                    <a:off x="9014757" y="1632154"/>
+                    <a:ext cx="532133" cy="338554"/>
+                  </a:xfrm>
+                  <a:prstGeom prst="rect">
+                    <a:avLst/>
+                  </a:prstGeom>
+                  <a:noFill/>
+                </p:spPr>
+                <p:txBody>
+                  <a:bodyPr wrap="none" rtlCol="0">
+                    <a:spAutoFit/>
+                  </a:bodyPr>
+                  <a:lstStyle/>
+                  <a:p>
+                    <a:r>
+                      <a:rPr lang="en-US" sz="1600" dirty="0"/>
+                      <a:t>ABA</a:t>
+                    </a:r>
+                  </a:p>
+                </p:txBody>
+              </p:sp>
+            </p:grpSp>
+          </p:grpSp>
+          <p:sp>
+            <p:nvSpPr>
+              <p:cNvPr id="168" name="TextBox 167">
+                <a:extLst>
+                  <a:ext uri="{FF2B5EF4-FFF2-40B4-BE49-F238E27FC236}">
+                    <a16:creationId xmlns:a16="http://schemas.microsoft.com/office/drawing/2014/main" id="{ABB13207-FCBC-F645-97EE-B1433BD0C91C}"/>
+                  </a:ext>
+                </a:extLst>
+              </p:cNvPr>
+              <p:cNvSpPr txBox="1"/>
+              <p:nvPr/>
+            </p:nvSpPr>
+            <p:spPr>
+              <a:xfrm>
+                <a:off x="9309598" y="2302283"/>
+                <a:ext cx="1899445" cy="584775"/>
+              </a:xfrm>
+              <a:prstGeom prst="rect">
+                <a:avLst/>
+              </a:prstGeom>
+              <a:noFill/>
+            </p:spPr>
+            <p:txBody>
+              <a:bodyPr wrap="square" rtlCol="0">
+                <a:spAutoFit/>
+              </a:bodyPr>
+              <a:lstStyle/>
+              <a:p>
+                <a:pPr algn="ctr"/>
+                <a:r>
+                  <a:rPr lang="en-US" sz="1600" dirty="0"/>
+                  <a:t>Clade A Phosphatase PP2C</a:t>
+                </a:r>
+              </a:p>
+            </p:txBody>
+          </p:sp>
+        </p:grpSp>
+        <p:grpSp>
+          <p:nvGrpSpPr>
+            <p:cNvPr id="180" name="Group 179">
+              <a:extLst>
+                <a:ext uri="{FF2B5EF4-FFF2-40B4-BE49-F238E27FC236}">
+                  <a16:creationId xmlns:a16="http://schemas.microsoft.com/office/drawing/2014/main" id="{0F3E5879-7EB6-4040-948A-7AA144C7D237}"/>
+                </a:ext>
+              </a:extLst>
+            </p:cNvPr>
+            <p:cNvGrpSpPr/>
+            <p:nvPr/>
+          </p:nvGrpSpPr>
+          <p:grpSpPr>
+            <a:xfrm>
+              <a:off x="7581255" y="3466695"/>
+              <a:ext cx="1269046" cy="1160868"/>
+              <a:chOff x="9877534" y="2235616"/>
+              <a:chExt cx="1269046" cy="1160868"/>
+            </a:xfrm>
+          </p:grpSpPr>
+          <p:sp>
+            <p:nvSpPr>
+              <p:cNvPr id="169" name="Oval 168">
+                <a:extLst>
+                  <a:ext uri="{FF2B5EF4-FFF2-40B4-BE49-F238E27FC236}">
+                    <a16:creationId xmlns:a16="http://schemas.microsoft.com/office/drawing/2014/main" id="{A27211B9-15B8-C44A-A4A1-192618150CB8}"/>
+                  </a:ext>
+                </a:extLst>
+              </p:cNvPr>
+              <p:cNvSpPr/>
+              <p:nvPr/>
+            </p:nvSpPr>
+            <p:spPr>
+              <a:xfrm>
+                <a:off x="9877534" y="2353410"/>
+                <a:ext cx="1269046" cy="1043074"/>
+              </a:xfrm>
+              <a:prstGeom prst="ellipse">
+                <a:avLst/>
+              </a:prstGeom>
+            </p:spPr>
+            <p:style>
+              <a:lnRef idx="2">
+                <a:schemeClr val="accent1">
+                  <a:shade val="50000"/>
+                </a:schemeClr>
+              </a:lnRef>
+              <a:fillRef idx="1">
+                <a:schemeClr val="accent1"/>
+              </a:fillRef>
+              <a:effectRef idx="0">
+                <a:schemeClr val="accent1"/>
+              </a:effectRef>
+              <a:fontRef idx="minor">
+                <a:schemeClr val="lt1"/>
+              </a:fontRef>
+            </p:style>
+            <p:txBody>
+              <a:bodyPr rtlCol="0" anchor="ctr"/>
+              <a:lstStyle/>
+              <a:p>
+                <a:pPr algn="ctr"/>
+                <a:endParaRPr lang="en-US" dirty="0"/>
+              </a:p>
+            </p:txBody>
+          </p:sp>
+          <p:sp>
+            <p:nvSpPr>
+              <p:cNvPr id="176" name="TextBox 175">
+                <a:extLst>
+                  <a:ext uri="{FF2B5EF4-FFF2-40B4-BE49-F238E27FC236}">
+                    <a16:creationId xmlns:a16="http://schemas.microsoft.com/office/drawing/2014/main" id="{2C024226-A537-6440-9C67-9FD0F9255FD7}"/>
+                  </a:ext>
+                </a:extLst>
+              </p:cNvPr>
+              <p:cNvSpPr txBox="1"/>
+              <p:nvPr/>
+            </p:nvSpPr>
+            <p:spPr>
+              <a:xfrm>
+                <a:off x="9895540" y="2445596"/>
+                <a:ext cx="1245854" cy="830997"/>
+              </a:xfrm>
+              <a:prstGeom prst="rect">
+                <a:avLst/>
+              </a:prstGeom>
+              <a:noFill/>
+            </p:spPr>
+            <p:txBody>
+              <a:bodyPr wrap="none" rtlCol="0">
+                <a:spAutoFit/>
+              </a:bodyPr>
+              <a:lstStyle/>
+              <a:p>
+                <a:pPr algn="ctr"/>
+                <a:r>
+                  <a:rPr lang="en-US" sz="1600" dirty="0"/>
+                  <a:t>Subclass III</a:t>
+                </a:r>
+              </a:p>
+              <a:p>
+                <a:pPr algn="ctr"/>
+                <a:r>
+                  <a:rPr lang="en-US" sz="1600" dirty="0"/>
+                  <a:t>SnRK2</a:t>
+                </a:r>
+              </a:p>
+              <a:p>
+                <a:pPr algn="ctr"/>
+                <a:r>
+                  <a:rPr lang="en-US" sz="1600" dirty="0"/>
+                  <a:t>(2.2/2.3/</a:t>
+                </a:r>
+                <a:r>
+                  <a:rPr lang="en-US" sz="1600" b="1" dirty="0"/>
+                  <a:t>2.6</a:t>
+                </a:r>
+                <a:r>
+                  <a:rPr lang="en-US" sz="1600" dirty="0"/>
+                  <a:t>)</a:t>
+                </a:r>
+              </a:p>
+            </p:txBody>
+          </p:sp>
+          <p:grpSp>
+            <p:nvGrpSpPr>
+              <p:cNvPr id="179" name="Group 178">
+                <a:extLst>
+                  <a:ext uri="{FF2B5EF4-FFF2-40B4-BE49-F238E27FC236}">
+                    <a16:creationId xmlns:a16="http://schemas.microsoft.com/office/drawing/2014/main" id="{06BF7A8F-BE02-BA4B-B121-3205D5D3ECC9}"/>
+                  </a:ext>
+                </a:extLst>
+              </p:cNvPr>
+              <p:cNvGrpSpPr/>
+              <p:nvPr/>
+            </p:nvGrpSpPr>
+            <p:grpSpPr>
+              <a:xfrm>
+                <a:off x="10418996" y="2235616"/>
+                <a:ext cx="316528" cy="307777"/>
+                <a:chOff x="10389500" y="2102884"/>
+                <a:chExt cx="316528" cy="307777"/>
+              </a:xfrm>
+            </p:grpSpPr>
+            <p:sp>
+              <p:nvSpPr>
+                <p:cNvPr id="177" name="Oval 176">
+                  <a:extLst>
+                    <a:ext uri="{FF2B5EF4-FFF2-40B4-BE49-F238E27FC236}">
+                      <a16:creationId xmlns:a16="http://schemas.microsoft.com/office/drawing/2014/main" id="{52D8D98B-DFCB-0549-8774-12CC1ADDE00B}"/>
+                    </a:ext>
+                  </a:extLst>
+                </p:cNvPr>
+                <p:cNvSpPr/>
+                <p:nvPr/>
+              </p:nvSpPr>
+              <p:spPr>
+                <a:xfrm>
+                  <a:off x="10389500" y="2141403"/>
+                  <a:ext cx="316528" cy="222577"/>
+                </a:xfrm>
+                <a:prstGeom prst="ellipse">
+                  <a:avLst/>
+                </a:prstGeom>
+                <a:solidFill>
+                  <a:srgbClr val="00B050"/>
+                </a:solidFill>
+                <a:ln>
+                  <a:solidFill>
+                    <a:schemeClr val="bg1"/>
+                  </a:solidFill>
+                </a:ln>
+              </p:spPr>
+              <p:style>
+                <a:lnRef idx="2">
+                  <a:schemeClr val="accent1">
+                    <a:shade val="50000"/>
+                  </a:schemeClr>
+                </a:lnRef>
+                <a:fillRef idx="1">
+                  <a:schemeClr val="accent1"/>
+                </a:fillRef>
+                <a:effectRef idx="0">
+                  <a:schemeClr val="accent1"/>
+                </a:effectRef>
+                <a:fontRef idx="minor">
+                  <a:schemeClr val="lt1"/>
+                </a:fontRef>
+              </p:style>
+              <p:txBody>
+                <a:bodyPr rtlCol="0" anchor="ctr"/>
+                <a:lstStyle/>
+                <a:p>
+                  <a:pPr algn="ctr"/>
+                  <a:endParaRPr lang="en-US" dirty="0"/>
+                </a:p>
+              </p:txBody>
+            </p:sp>
+            <p:sp>
+              <p:nvSpPr>
+                <p:cNvPr id="178" name="TextBox 177">
+                  <a:extLst>
+                    <a:ext uri="{FF2B5EF4-FFF2-40B4-BE49-F238E27FC236}">
+                      <a16:creationId xmlns:a16="http://schemas.microsoft.com/office/drawing/2014/main" id="{D0B882C8-5D41-3149-BBF9-02BCB80FAA27}"/>
+                    </a:ext>
+                  </a:extLst>
+                </p:cNvPr>
+                <p:cNvSpPr txBox="1"/>
+                <p:nvPr/>
+              </p:nvSpPr>
+              <p:spPr>
+                <a:xfrm>
+                  <a:off x="10408944" y="2102884"/>
+                  <a:ext cx="277640" cy="307777"/>
+                </a:xfrm>
+                <a:prstGeom prst="rect">
+                  <a:avLst/>
+                </a:prstGeom>
+                <a:noFill/>
+              </p:spPr>
+              <p:txBody>
+                <a:bodyPr wrap="none" rtlCol="0">
+                  <a:spAutoFit/>
+                </a:bodyPr>
+                <a:lstStyle/>
+                <a:p>
+                  <a:r>
+                    <a:rPr lang="en-US" sz="1400" dirty="0"/>
+                    <a:t>P</a:t>
+                  </a:r>
+                </a:p>
+              </p:txBody>
+            </p:sp>
+          </p:grpSp>
+        </p:grpSp>
+        <p:sp>
+          <p:nvSpPr>
+            <p:cNvPr id="182" name="TextBox 181">
+              <a:extLst>
+                <a:ext uri="{FF2B5EF4-FFF2-40B4-BE49-F238E27FC236}">
+                  <a16:creationId xmlns:a16="http://schemas.microsoft.com/office/drawing/2014/main" id="{2A4046BB-4A35-2E4D-AD07-E87E4D1E6437}"/>
+                </a:ext>
+              </a:extLst>
+            </p:cNvPr>
+            <p:cNvSpPr txBox="1"/>
+            <p:nvPr/>
+          </p:nvSpPr>
+          <p:spPr>
+            <a:xfrm>
+              <a:off x="9081973" y="5618643"/>
+              <a:ext cx="628698" cy="338554"/>
+            </a:xfrm>
+            <a:prstGeom prst="rect">
+              <a:avLst/>
+            </a:prstGeom>
+            <a:noFill/>
+          </p:spPr>
+          <p:txBody>
+            <a:bodyPr wrap="none" rtlCol="0">
+              <a:spAutoFit/>
+            </a:bodyPr>
+            <a:lstStyle/>
+            <a:p>
+              <a:r>
+                <a:rPr lang="en-US" sz="1600" dirty="0"/>
+                <a:t>ABRE</a:t>
+              </a:r>
+            </a:p>
+          </p:txBody>
+        </p:sp>
+        <p:grpSp>
+          <p:nvGrpSpPr>
+            <p:cNvPr id="183" name="Group 182">
+              <a:extLst>
+                <a:ext uri="{FF2B5EF4-FFF2-40B4-BE49-F238E27FC236}">
+                  <a16:creationId xmlns:a16="http://schemas.microsoft.com/office/drawing/2014/main" id="{998CAFCA-2AFE-C14F-BFCE-52E90354DFFA}"/>
+                </a:ext>
+              </a:extLst>
+            </p:cNvPr>
+            <p:cNvGrpSpPr/>
+            <p:nvPr/>
+          </p:nvGrpSpPr>
+          <p:grpSpPr>
+            <a:xfrm>
+              <a:off x="8877828" y="4203672"/>
+              <a:ext cx="1005899" cy="1005724"/>
+              <a:chOff x="10151558" y="2171265"/>
+              <a:chExt cx="1005899" cy="1005724"/>
+            </a:xfrm>
+          </p:grpSpPr>
+          <p:sp>
+            <p:nvSpPr>
+              <p:cNvPr id="184" name="Oval 183">
+                <a:extLst>
+                  <a:ext uri="{FF2B5EF4-FFF2-40B4-BE49-F238E27FC236}">
+                    <a16:creationId xmlns:a16="http://schemas.microsoft.com/office/drawing/2014/main" id="{58FB58E6-D379-864F-88C2-3EE47FDE57C1}"/>
+                  </a:ext>
+                </a:extLst>
+              </p:cNvPr>
+              <p:cNvSpPr/>
+              <p:nvPr/>
+            </p:nvSpPr>
+            <p:spPr>
+              <a:xfrm>
+                <a:off x="10151558" y="2359146"/>
+                <a:ext cx="995021" cy="817843"/>
+              </a:xfrm>
+              <a:prstGeom prst="ellipse">
+                <a:avLst/>
+              </a:prstGeom>
+            </p:spPr>
+            <p:style>
+              <a:lnRef idx="2">
+                <a:schemeClr val="accent1">
+                  <a:shade val="50000"/>
+                </a:schemeClr>
+              </a:lnRef>
+              <a:fillRef idx="1">
+                <a:schemeClr val="accent1"/>
+              </a:fillRef>
+              <a:effectRef idx="0">
+                <a:schemeClr val="accent1"/>
+              </a:effectRef>
+              <a:fontRef idx="minor">
+                <a:schemeClr val="lt1"/>
+              </a:fontRef>
+            </p:style>
+            <p:txBody>
+              <a:bodyPr rtlCol="0" anchor="ctr"/>
+              <a:lstStyle/>
+              <a:p>
+                <a:pPr algn="ctr"/>
+                <a:endParaRPr lang="en-US" dirty="0"/>
+              </a:p>
+            </p:txBody>
+          </p:sp>
+          <p:sp>
+            <p:nvSpPr>
+              <p:cNvPr id="185" name="TextBox 184">
+                <a:extLst>
+                  <a:ext uri="{FF2B5EF4-FFF2-40B4-BE49-F238E27FC236}">
+                    <a16:creationId xmlns:a16="http://schemas.microsoft.com/office/drawing/2014/main" id="{167B11AF-B80C-E445-B8FD-B05E13072EF2}"/>
+                  </a:ext>
+                </a:extLst>
+              </p:cNvPr>
+              <p:cNvSpPr txBox="1"/>
+              <p:nvPr/>
+            </p:nvSpPr>
+            <p:spPr>
+              <a:xfrm>
+                <a:off x="10177702" y="2483404"/>
+                <a:ext cx="979755" cy="584775"/>
+              </a:xfrm>
+              <a:prstGeom prst="rect">
+                <a:avLst/>
+              </a:prstGeom>
+              <a:noFill/>
+            </p:spPr>
+            <p:txBody>
+              <a:bodyPr wrap="none" rtlCol="0">
+                <a:spAutoFit/>
+              </a:bodyPr>
+              <a:lstStyle/>
+              <a:p>
+                <a:pPr algn="ctr"/>
+                <a:r>
+                  <a:rPr lang="en-US" sz="1600" dirty="0"/>
+                  <a:t>AREB1/2</a:t>
+                </a:r>
+              </a:p>
+              <a:p>
+                <a:pPr algn="ctr"/>
+                <a:r>
+                  <a:rPr lang="en-US" sz="1600" dirty="0"/>
+                  <a:t>ABF2/3/4</a:t>
+                </a:r>
+              </a:p>
+            </p:txBody>
+          </p:sp>
+          <p:sp>
+            <p:nvSpPr>
+              <p:cNvPr id="187" name="Oval 186">
+                <a:extLst>
+                  <a:ext uri="{FF2B5EF4-FFF2-40B4-BE49-F238E27FC236}">
+                    <a16:creationId xmlns:a16="http://schemas.microsoft.com/office/drawing/2014/main" id="{D278F57B-D911-2C45-8823-BCD7077C4F61}"/>
+                  </a:ext>
+                </a:extLst>
+              </p:cNvPr>
+              <p:cNvSpPr/>
+              <p:nvPr/>
+            </p:nvSpPr>
+            <p:spPr>
+              <a:xfrm>
+                <a:off x="10510436" y="2171265"/>
+                <a:ext cx="316528" cy="222577"/>
+              </a:xfrm>
+              <a:prstGeom prst="ellipse">
+                <a:avLst/>
+              </a:prstGeom>
+              <a:solidFill>
+                <a:srgbClr val="00B050"/>
+              </a:solidFill>
+              <a:ln>
+                <a:solidFill>
+                  <a:schemeClr val="bg1"/>
+                </a:solidFill>
+              </a:ln>
+            </p:spPr>
+            <p:style>
+              <a:lnRef idx="2">
+                <a:schemeClr val="accent1">
+                  <a:shade val="50000"/>
+                </a:schemeClr>
+              </a:lnRef>
+              <a:fillRef idx="1">
+                <a:schemeClr val="accent1"/>
+              </a:fillRef>
+              <a:effectRef idx="0">
+                <a:schemeClr val="accent1"/>
+              </a:effectRef>
+              <a:fontRef idx="minor">
+                <a:schemeClr val="lt1"/>
+              </a:fontRef>
+            </p:style>
+            <p:txBody>
+              <a:bodyPr rtlCol="0" anchor="ctr"/>
+              <a:lstStyle/>
+              <a:p>
+                <a:pPr algn="ctr"/>
+                <a:endParaRPr lang="en-US"/>
+              </a:p>
+            </p:txBody>
+          </p:sp>
+        </p:grpSp>
+        <p:cxnSp>
+          <p:nvCxnSpPr>
+            <p:cNvPr id="197" name="Elbow Connector 196">
+              <a:extLst>
+                <a:ext uri="{FF2B5EF4-FFF2-40B4-BE49-F238E27FC236}">
+                  <a16:creationId xmlns:a16="http://schemas.microsoft.com/office/drawing/2014/main" id="{E595E5A7-1B02-074B-862C-DD384203D9ED}"/>
+                </a:ext>
+              </a:extLst>
+            </p:cNvPr>
+            <p:cNvCxnSpPr>
+              <a:cxnSpLocks/>
+            </p:cNvCxnSpPr>
+            <p:nvPr/>
+          </p:nvCxnSpPr>
+          <p:spPr>
+            <a:xfrm rot="5400000" flipH="1" flipV="1">
+              <a:off x="9863451" y="4426166"/>
+              <a:ext cx="1235305" cy="1090291"/>
+            </a:xfrm>
+            <a:prstGeom prst="bentConnector3">
+              <a:avLst>
+                <a:gd name="adj1" fmla="val 99965"/>
+              </a:avLst>
+            </a:prstGeom>
+            <a:ln w="25400">
+              <a:solidFill>
+                <a:schemeClr val="tx1"/>
+              </a:solidFill>
+              <a:tailEnd type="triangle" w="lg" len="lg"/>
+            </a:ln>
+          </p:spPr>
+          <p:style>
+            <a:lnRef idx="1">
+              <a:schemeClr val="accent1"/>
+            </a:lnRef>
+            <a:fillRef idx="0">
+              <a:schemeClr val="accent1"/>
+            </a:fillRef>
+            <a:effectRef idx="0">
+              <a:schemeClr val="accent1"/>
+            </a:effectRef>
+            <a:fontRef idx="minor">
+              <a:schemeClr val="tx1"/>
+            </a:fontRef>
+          </p:style>
+        </p:cxnSp>
+        <p:sp>
+          <p:nvSpPr>
+            <p:cNvPr id="199" name="TextBox 198">
+              <a:extLst>
+                <a:ext uri="{FF2B5EF4-FFF2-40B4-BE49-F238E27FC236}">
+                  <a16:creationId xmlns:a16="http://schemas.microsoft.com/office/drawing/2014/main" id="{5BF4E637-C3A0-AD48-BFFB-7769A25E2199}"/>
+                </a:ext>
+              </a:extLst>
+            </p:cNvPr>
+            <p:cNvSpPr txBox="1"/>
+            <p:nvPr/>
+          </p:nvSpPr>
+          <p:spPr>
+            <a:xfrm>
+              <a:off x="9802519" y="3987205"/>
+              <a:ext cx="1405321" cy="369332"/>
+            </a:xfrm>
+            <a:prstGeom prst="rect">
+              <a:avLst/>
+            </a:prstGeom>
+            <a:noFill/>
+          </p:spPr>
+          <p:txBody>
+            <a:bodyPr wrap="none" rtlCol="0">
+              <a:spAutoFit/>
+            </a:bodyPr>
+            <a:lstStyle/>
+            <a:p>
+              <a:r>
+                <a:rPr lang="en-US" dirty="0"/>
+                <a:t>Transcription</a:t>
+              </a:r>
+            </a:p>
+          </p:txBody>
+        </p:sp>
+        <p:sp>
+          <p:nvSpPr>
+            <p:cNvPr id="204" name="TextBox 203">
+              <a:extLst>
+                <a:ext uri="{FF2B5EF4-FFF2-40B4-BE49-F238E27FC236}">
+                  <a16:creationId xmlns:a16="http://schemas.microsoft.com/office/drawing/2014/main" id="{22B36A2A-5730-FC44-94FB-DDB3D752C5BA}"/>
+                </a:ext>
+              </a:extLst>
+            </p:cNvPr>
+            <p:cNvSpPr txBox="1"/>
+            <p:nvPr/>
+          </p:nvSpPr>
+          <p:spPr>
+            <a:xfrm>
+              <a:off x="7147273" y="1273432"/>
+              <a:ext cx="1133708" cy="369332"/>
+            </a:xfrm>
+            <a:prstGeom prst="rect">
+              <a:avLst/>
+            </a:prstGeom>
+            <a:noFill/>
+          </p:spPr>
+          <p:txBody>
+            <a:bodyPr wrap="none" rtlCol="0">
+              <a:spAutoFit/>
+            </a:bodyPr>
+            <a:lstStyle/>
+            <a:p>
+              <a:r>
+                <a:rPr lang="en-US" dirty="0"/>
+                <a:t>Guard cell</a:t>
+              </a:r>
+            </a:p>
+          </p:txBody>
+        </p:sp>
+        <p:sp>
+          <p:nvSpPr>
+            <p:cNvPr id="215" name="TextBox 214">
+              <a:extLst>
+                <a:ext uri="{FF2B5EF4-FFF2-40B4-BE49-F238E27FC236}">
+                  <a16:creationId xmlns:a16="http://schemas.microsoft.com/office/drawing/2014/main" id="{FC108B0A-4865-3C44-870C-9026B45005F9}"/>
+                </a:ext>
+              </a:extLst>
+            </p:cNvPr>
+            <p:cNvSpPr txBox="1"/>
+            <p:nvPr/>
+          </p:nvSpPr>
+          <p:spPr>
+            <a:xfrm>
+              <a:off x="9934375" y="4378447"/>
+              <a:ext cx="1716681" cy="1107996"/>
+            </a:xfrm>
+            <a:prstGeom prst="rect">
+              <a:avLst/>
+            </a:prstGeom>
+            <a:noFill/>
+          </p:spPr>
+          <p:txBody>
+            <a:bodyPr wrap="square" rtlCol="0">
+              <a:spAutoFit/>
+            </a:bodyPr>
+            <a:lstStyle/>
+            <a:p>
+              <a:r>
+                <a:rPr lang="en-US" sz="1600" i="1" dirty="0"/>
+                <a:t>SLAC1</a:t>
+              </a:r>
+            </a:p>
+            <a:p>
+              <a:r>
+                <a:rPr lang="en-US" sz="1600" i="1" dirty="0"/>
+                <a:t>ALMT12/QUAC1</a:t>
+              </a:r>
+            </a:p>
+            <a:p>
+              <a:r>
+                <a:rPr lang="en-US" sz="1600" i="1" dirty="0"/>
+                <a:t>GORK</a:t>
+              </a:r>
+            </a:p>
+            <a:p>
+              <a:r>
+                <a:rPr lang="en-US" sz="1600" i="1" dirty="0"/>
+                <a:t>PIP, TIP?</a:t>
+              </a:r>
+            </a:p>
+          </p:txBody>
+        </p:sp>
+        <p:grpSp>
+          <p:nvGrpSpPr>
+            <p:cNvPr id="238" name="Group 237">
+              <a:extLst>
+                <a:ext uri="{FF2B5EF4-FFF2-40B4-BE49-F238E27FC236}">
+                  <a16:creationId xmlns:a16="http://schemas.microsoft.com/office/drawing/2014/main" id="{97B52D77-2E17-8B44-BDC4-8D01EEA0FF23}"/>
+                </a:ext>
+              </a:extLst>
+            </p:cNvPr>
+            <p:cNvGrpSpPr/>
+            <p:nvPr/>
+          </p:nvGrpSpPr>
+          <p:grpSpPr>
+            <a:xfrm>
+              <a:off x="10409820" y="2439322"/>
+              <a:ext cx="750382" cy="1415260"/>
+              <a:chOff x="10070612" y="2070614"/>
+              <a:chExt cx="750382" cy="1415260"/>
+            </a:xfrm>
+          </p:grpSpPr>
+          <p:sp>
+            <p:nvSpPr>
+              <p:cNvPr id="225" name="Can 224">
+                <a:extLst>
+                  <a:ext uri="{FF2B5EF4-FFF2-40B4-BE49-F238E27FC236}">
+                    <a16:creationId xmlns:a16="http://schemas.microsoft.com/office/drawing/2014/main" id="{C32211ED-E39D-FF46-A291-1F6D40C493AD}"/>
+                  </a:ext>
+                </a:extLst>
+              </p:cNvPr>
+              <p:cNvSpPr/>
+              <p:nvPr/>
+            </p:nvSpPr>
+            <p:spPr>
+              <a:xfrm rot="19005856">
+                <a:off x="10295507" y="2195239"/>
+                <a:ext cx="471041" cy="1142819"/>
+              </a:xfrm>
+              <a:prstGeom prst="can">
+                <a:avLst/>
+              </a:prstGeom>
+            </p:spPr>
+            <p:style>
+              <a:lnRef idx="2">
+                <a:schemeClr val="accent1">
+                  <a:shade val="50000"/>
+                </a:schemeClr>
+              </a:lnRef>
+              <a:fillRef idx="1">
+                <a:schemeClr val="accent1"/>
+              </a:fillRef>
+              <a:effectRef idx="0">
+                <a:schemeClr val="accent1"/>
+              </a:effectRef>
+              <a:fontRef idx="minor">
+                <a:schemeClr val="lt1"/>
+              </a:fontRef>
+            </p:style>
+            <p:txBody>
+              <a:bodyPr rtlCol="0" anchor="ctr"/>
+              <a:lstStyle/>
+              <a:p>
+                <a:pPr algn="ctr"/>
+                <a:endParaRPr lang="en-US"/>
+              </a:p>
+            </p:txBody>
+          </p:sp>
+          <p:sp>
+            <p:nvSpPr>
+              <p:cNvPr id="226" name="TextBox 225">
+                <a:extLst>
+                  <a:ext uri="{FF2B5EF4-FFF2-40B4-BE49-F238E27FC236}">
+                    <a16:creationId xmlns:a16="http://schemas.microsoft.com/office/drawing/2014/main" id="{2FC251CE-8CF1-BC41-88D1-3645C6C51667}"/>
+                  </a:ext>
+                </a:extLst>
+              </p:cNvPr>
+              <p:cNvSpPr txBox="1"/>
+              <p:nvPr/>
+            </p:nvSpPr>
+            <p:spPr>
+              <a:xfrm rot="2821161">
+                <a:off x="9974422" y="2639302"/>
+                <a:ext cx="1323812" cy="369332"/>
+              </a:xfrm>
+              <a:prstGeom prst="rect">
+                <a:avLst/>
+              </a:prstGeom>
+              <a:noFill/>
+            </p:spPr>
+            <p:txBody>
+              <a:bodyPr wrap="square" rtlCol="0">
+                <a:spAutoFit/>
+              </a:bodyPr>
+              <a:lstStyle/>
+              <a:p>
+                <a:r>
+                  <a:rPr lang="en-US" dirty="0"/>
+                  <a:t>H</a:t>
+                </a:r>
+                <a:r>
+                  <a:rPr lang="en-US" baseline="30000" dirty="0"/>
+                  <a:t>+</a:t>
+                </a:r>
+                <a:r>
+                  <a:rPr lang="en-US" dirty="0"/>
+                  <a:t>-ATPase</a:t>
+                </a:r>
+              </a:p>
+            </p:txBody>
+          </p:sp>
+          <p:grpSp>
+            <p:nvGrpSpPr>
+              <p:cNvPr id="232" name="Group 231">
+                <a:extLst>
+                  <a:ext uri="{FF2B5EF4-FFF2-40B4-BE49-F238E27FC236}">
+                    <a16:creationId xmlns:a16="http://schemas.microsoft.com/office/drawing/2014/main" id="{94A9FE12-5019-5A45-9BA0-C623D6FF494B}"/>
+                  </a:ext>
+                </a:extLst>
+              </p:cNvPr>
+              <p:cNvGrpSpPr/>
+              <p:nvPr/>
+            </p:nvGrpSpPr>
+            <p:grpSpPr>
+              <a:xfrm>
+                <a:off x="10070612" y="2070614"/>
+                <a:ext cx="316528" cy="307777"/>
+                <a:chOff x="10389500" y="2320054"/>
+                <a:chExt cx="316528" cy="307777"/>
+              </a:xfrm>
+            </p:grpSpPr>
+            <p:sp>
+              <p:nvSpPr>
+                <p:cNvPr id="233" name="Oval 232">
+                  <a:extLst>
+                    <a:ext uri="{FF2B5EF4-FFF2-40B4-BE49-F238E27FC236}">
+                      <a16:creationId xmlns:a16="http://schemas.microsoft.com/office/drawing/2014/main" id="{436EE4D2-C255-954D-94C9-8C29A660D6D0}"/>
+                    </a:ext>
+                  </a:extLst>
+                </p:cNvPr>
+                <p:cNvSpPr/>
+                <p:nvPr/>
+              </p:nvSpPr>
+              <p:spPr>
+                <a:xfrm>
+                  <a:off x="10389500" y="2358573"/>
+                  <a:ext cx="316528" cy="222577"/>
+                </a:xfrm>
+                <a:prstGeom prst="ellipse">
+                  <a:avLst/>
+                </a:prstGeom>
+                <a:solidFill>
+                  <a:srgbClr val="00B050"/>
+                </a:solidFill>
+                <a:ln>
+                  <a:solidFill>
+                    <a:schemeClr val="bg1"/>
+                  </a:solidFill>
+                </a:ln>
+              </p:spPr>
+              <p:style>
+                <a:lnRef idx="2">
+                  <a:schemeClr val="accent1">
+                    <a:shade val="50000"/>
+                  </a:schemeClr>
+                </a:lnRef>
+                <a:fillRef idx="1">
+                  <a:schemeClr val="accent1"/>
+                </a:fillRef>
+                <a:effectRef idx="0">
+                  <a:schemeClr val="accent1"/>
+                </a:effectRef>
+                <a:fontRef idx="minor">
+                  <a:schemeClr val="lt1"/>
+                </a:fontRef>
+              </p:style>
+              <p:txBody>
+                <a:bodyPr rtlCol="0" anchor="ctr"/>
+                <a:lstStyle/>
+                <a:p>
+                  <a:pPr algn="ctr"/>
+                  <a:endParaRPr lang="en-US"/>
+                </a:p>
+              </p:txBody>
+            </p:sp>
+            <p:sp>
+              <p:nvSpPr>
+                <p:cNvPr id="234" name="TextBox 233">
+                  <a:extLst>
+                    <a:ext uri="{FF2B5EF4-FFF2-40B4-BE49-F238E27FC236}">
+                      <a16:creationId xmlns:a16="http://schemas.microsoft.com/office/drawing/2014/main" id="{99999C36-325F-3D48-B1AA-51752C3DE2A9}"/>
+                    </a:ext>
+                  </a:extLst>
+                </p:cNvPr>
+                <p:cNvSpPr txBox="1"/>
+                <p:nvPr/>
+              </p:nvSpPr>
+              <p:spPr>
+                <a:xfrm>
+                  <a:off x="10408944" y="2320054"/>
+                  <a:ext cx="277640" cy="307777"/>
+                </a:xfrm>
+                <a:prstGeom prst="rect">
+                  <a:avLst/>
+                </a:prstGeom>
+                <a:noFill/>
+              </p:spPr>
+              <p:txBody>
+                <a:bodyPr wrap="none" rtlCol="0">
+                  <a:spAutoFit/>
+                </a:bodyPr>
+                <a:lstStyle/>
+                <a:p>
+                  <a:r>
+                    <a:rPr lang="en-US" sz="1400" dirty="0"/>
+                    <a:t>P</a:t>
+                  </a:r>
+                </a:p>
+              </p:txBody>
+            </p:sp>
+          </p:grpSp>
+        </p:grpSp>
+        <p:cxnSp>
+          <p:nvCxnSpPr>
+            <p:cNvPr id="235" name="Curved Connector 234">
+              <a:extLst>
+                <a:ext uri="{FF2B5EF4-FFF2-40B4-BE49-F238E27FC236}">
+                  <a16:creationId xmlns:a16="http://schemas.microsoft.com/office/drawing/2014/main" id="{5708BC63-8B55-F948-A71C-130C886A4A24}"/>
+                </a:ext>
+              </a:extLst>
+            </p:cNvPr>
+            <p:cNvCxnSpPr>
+              <a:cxnSpLocks/>
+              <a:stCxn id="177" idx="6"/>
+              <a:endCxn id="234" idx="1"/>
+            </p:cNvCxnSpPr>
+            <p:nvPr/>
+          </p:nvCxnSpPr>
+          <p:spPr>
+            <a:xfrm flipV="1">
+              <a:off x="8439245" y="2593211"/>
+              <a:ext cx="1990019" cy="1023292"/>
+            </a:xfrm>
+            <a:prstGeom prst="curvedConnector3">
+              <a:avLst>
+                <a:gd name="adj1" fmla="val 50574"/>
+              </a:avLst>
+            </a:prstGeom>
+            <a:ln w="12700">
+              <a:solidFill>
+                <a:schemeClr val="tx1"/>
+              </a:solidFill>
+              <a:tailEnd type="triangle"/>
+            </a:ln>
+          </p:spPr>
+          <p:style>
+            <a:lnRef idx="1">
+              <a:schemeClr val="accent1"/>
+            </a:lnRef>
+            <a:fillRef idx="0">
+              <a:schemeClr val="accent1"/>
+            </a:fillRef>
+            <a:effectRef idx="0">
+              <a:schemeClr val="accent1"/>
+            </a:effectRef>
+            <a:fontRef idx="minor">
+              <a:schemeClr val="tx1"/>
+            </a:fontRef>
+          </p:style>
+        </p:cxnSp>
+        <p:grpSp>
+          <p:nvGrpSpPr>
+            <p:cNvPr id="263" name="Group 262">
+              <a:extLst>
+                <a:ext uri="{FF2B5EF4-FFF2-40B4-BE49-F238E27FC236}">
+                  <a16:creationId xmlns:a16="http://schemas.microsoft.com/office/drawing/2014/main" id="{479A6D08-A295-594C-BC65-3CA15D9F72F4}"/>
+                </a:ext>
+              </a:extLst>
+            </p:cNvPr>
+            <p:cNvGrpSpPr/>
+            <p:nvPr/>
+          </p:nvGrpSpPr>
+          <p:grpSpPr>
+            <a:xfrm>
+              <a:off x="9781319" y="2916186"/>
+              <a:ext cx="879984" cy="828935"/>
+              <a:chOff x="9560096" y="2945682"/>
+              <a:chExt cx="879984" cy="828935"/>
+            </a:xfrm>
+          </p:grpSpPr>
+          <p:grpSp>
+            <p:nvGrpSpPr>
+              <p:cNvPr id="245" name="Group 244">
+                <a:extLst>
+                  <a:ext uri="{FF2B5EF4-FFF2-40B4-BE49-F238E27FC236}">
+                    <a16:creationId xmlns:a16="http://schemas.microsoft.com/office/drawing/2014/main" id="{4F0B73C6-3F95-554D-B3EF-BC99159ECEDD}"/>
+                  </a:ext>
+                </a:extLst>
+              </p:cNvPr>
+              <p:cNvGrpSpPr/>
+              <p:nvPr/>
+            </p:nvGrpSpPr>
+            <p:grpSpPr>
+              <a:xfrm>
+                <a:off x="9560096" y="3152565"/>
+                <a:ext cx="879984" cy="622052"/>
+                <a:chOff x="1974923" y="2616351"/>
+                <a:chExt cx="879984" cy="622052"/>
+              </a:xfrm>
+            </p:grpSpPr>
+            <p:grpSp>
+              <p:nvGrpSpPr>
+                <p:cNvPr id="246" name="Group 245">
+                  <a:extLst>
+                    <a:ext uri="{FF2B5EF4-FFF2-40B4-BE49-F238E27FC236}">
+                      <a16:creationId xmlns:a16="http://schemas.microsoft.com/office/drawing/2014/main" id="{F8251854-3ADD-B64B-8438-8A5D916BFC9C}"/>
+                    </a:ext>
+                  </a:extLst>
+                </p:cNvPr>
+                <p:cNvGrpSpPr/>
+                <p:nvPr/>
+              </p:nvGrpSpPr>
+              <p:grpSpPr>
+                <a:xfrm rot="5400000">
+                  <a:off x="2104519" y="2572464"/>
+                  <a:ext cx="580572" cy="751306"/>
+                  <a:chOff x="10609943" y="2267665"/>
+                  <a:chExt cx="580572" cy="751306"/>
+                </a:xfrm>
+              </p:grpSpPr>
+              <p:sp>
+                <p:nvSpPr>
+                  <p:cNvPr id="250" name="Oval 249">
+                    <a:extLst>
+                      <a:ext uri="{FF2B5EF4-FFF2-40B4-BE49-F238E27FC236}">
+                        <a16:creationId xmlns:a16="http://schemas.microsoft.com/office/drawing/2014/main" id="{7834688C-2B1A-094B-9B46-CF1EEAE6B96E}"/>
+                      </a:ext>
+                    </a:extLst>
+                  </p:cNvPr>
+                  <p:cNvSpPr/>
+                  <p:nvPr/>
+                </p:nvSpPr>
+                <p:spPr>
+                  <a:xfrm>
+                    <a:off x="10609943" y="2267666"/>
+                    <a:ext cx="290286" cy="751305"/>
+                  </a:xfrm>
+                  <a:prstGeom prst="ellipse">
+                    <a:avLst/>
+                  </a:prstGeom>
+                  <a:solidFill>
+                    <a:schemeClr val="tx1">
+                      <a:lumMod val="65000"/>
+                      <a:lumOff val="35000"/>
+                    </a:schemeClr>
+                  </a:solidFill>
+                  <a:ln>
+                    <a:solidFill>
+                      <a:schemeClr val="tx1"/>
+                    </a:solidFill>
+                  </a:ln>
+                </p:spPr>
+                <p:style>
+                  <a:lnRef idx="2">
+                    <a:schemeClr val="accent1">
+                      <a:shade val="50000"/>
+                    </a:schemeClr>
+                  </a:lnRef>
+                  <a:fillRef idx="1">
+                    <a:schemeClr val="accent1"/>
+                  </a:fillRef>
+                  <a:effectRef idx="0">
+                    <a:schemeClr val="accent1"/>
+                  </a:effectRef>
+                  <a:fontRef idx="minor">
+                    <a:schemeClr val="lt1"/>
+                  </a:fontRef>
+                </p:style>
+                <p:txBody>
+                  <a:bodyPr rtlCol="0" anchor="ctr"/>
+                  <a:lstStyle/>
+                  <a:p>
+                    <a:pPr algn="ctr"/>
+                    <a:endParaRPr lang="en-US"/>
+                  </a:p>
+                </p:txBody>
+              </p:sp>
+              <p:sp>
+                <p:nvSpPr>
+                  <p:cNvPr id="251" name="Oval 250">
+                    <a:extLst>
+                      <a:ext uri="{FF2B5EF4-FFF2-40B4-BE49-F238E27FC236}">
+                        <a16:creationId xmlns:a16="http://schemas.microsoft.com/office/drawing/2014/main" id="{32500199-03F1-4749-9E41-F6A2539A9F8D}"/>
+                      </a:ext>
+                    </a:extLst>
+                  </p:cNvPr>
+                  <p:cNvSpPr/>
+                  <p:nvPr/>
+                </p:nvSpPr>
+                <p:spPr>
+                  <a:xfrm>
+                    <a:off x="10900229" y="2267665"/>
+                    <a:ext cx="290286" cy="751305"/>
+                  </a:xfrm>
+                  <a:prstGeom prst="ellipse">
+                    <a:avLst/>
+                  </a:prstGeom>
+                  <a:solidFill>
+                    <a:schemeClr val="tx1">
+                      <a:lumMod val="65000"/>
+                      <a:lumOff val="35000"/>
+                    </a:schemeClr>
+                  </a:solidFill>
+                  <a:ln>
+                    <a:solidFill>
+                      <a:schemeClr val="tx1"/>
+                    </a:solidFill>
+                  </a:ln>
+                </p:spPr>
+                <p:style>
+                  <a:lnRef idx="2">
+                    <a:schemeClr val="accent1">
+                      <a:shade val="50000"/>
+                    </a:schemeClr>
+                  </a:lnRef>
+                  <a:fillRef idx="1">
+                    <a:schemeClr val="accent1"/>
+                  </a:fillRef>
+                  <a:effectRef idx="0">
+                    <a:schemeClr val="accent1"/>
+                  </a:effectRef>
+                  <a:fontRef idx="minor">
+                    <a:schemeClr val="lt1"/>
+                  </a:fontRef>
+                </p:style>
+                <p:txBody>
+                  <a:bodyPr rtlCol="0" anchor="ctr"/>
+                  <a:lstStyle/>
+                  <a:p>
+                    <a:pPr algn="ctr"/>
+                    <a:endParaRPr lang="en-US" dirty="0"/>
+                  </a:p>
+                </p:txBody>
+              </p:sp>
+            </p:grpSp>
+            <p:sp>
+              <p:nvSpPr>
+                <p:cNvPr id="249" name="TextBox 248">
+                  <a:extLst>
+                    <a:ext uri="{FF2B5EF4-FFF2-40B4-BE49-F238E27FC236}">
+                      <a16:creationId xmlns:a16="http://schemas.microsoft.com/office/drawing/2014/main" id="{15181DC0-2964-844D-88A8-0DAB3AFF5695}"/>
+                    </a:ext>
+                  </a:extLst>
+                </p:cNvPr>
+                <p:cNvSpPr txBox="1"/>
+                <p:nvPr/>
+              </p:nvSpPr>
+              <p:spPr>
+                <a:xfrm>
+                  <a:off x="1974923" y="2616351"/>
+                  <a:ext cx="879984" cy="369332"/>
+                </a:xfrm>
+                <a:prstGeom prst="rect">
+                  <a:avLst/>
+                </a:prstGeom>
+                <a:noFill/>
+              </p:spPr>
+              <p:txBody>
+                <a:bodyPr wrap="none" rtlCol="0">
+                  <a:spAutoFit/>
+                </a:bodyPr>
+                <a:lstStyle/>
+                <a:p>
+                  <a:r>
+                    <a:rPr lang="en-US" dirty="0">
+                      <a:solidFill>
+                        <a:schemeClr val="bg1"/>
+                      </a:solidFill>
+                    </a:rPr>
+                    <a:t>KAT1/2</a:t>
+                  </a:r>
+                </a:p>
+              </p:txBody>
+            </p:sp>
+          </p:grpSp>
+          <p:grpSp>
+            <p:nvGrpSpPr>
+              <p:cNvPr id="255" name="Group 254">
+                <a:extLst>
+                  <a:ext uri="{FF2B5EF4-FFF2-40B4-BE49-F238E27FC236}">
+                    <a16:creationId xmlns:a16="http://schemas.microsoft.com/office/drawing/2014/main" id="{9B2B6196-61D4-4643-8CE9-E544E31AD066}"/>
+                  </a:ext>
+                </a:extLst>
+              </p:cNvPr>
+              <p:cNvGrpSpPr/>
+              <p:nvPr/>
+            </p:nvGrpSpPr>
+            <p:grpSpPr>
+              <a:xfrm>
+                <a:off x="9795307" y="2945682"/>
+                <a:ext cx="316528" cy="307777"/>
+                <a:chOff x="10389500" y="2320054"/>
+                <a:chExt cx="316528" cy="307777"/>
+              </a:xfrm>
+            </p:grpSpPr>
+            <p:sp>
+              <p:nvSpPr>
+                <p:cNvPr id="256" name="Oval 255">
+                  <a:extLst>
+                    <a:ext uri="{FF2B5EF4-FFF2-40B4-BE49-F238E27FC236}">
+                      <a16:creationId xmlns:a16="http://schemas.microsoft.com/office/drawing/2014/main" id="{634DF241-404E-9540-94C4-44CB157E6DE4}"/>
+                    </a:ext>
+                  </a:extLst>
+                </p:cNvPr>
+                <p:cNvSpPr/>
+                <p:nvPr/>
+              </p:nvSpPr>
+              <p:spPr>
+                <a:xfrm>
+                  <a:off x="10389500" y="2358573"/>
+                  <a:ext cx="316528" cy="222577"/>
+                </a:xfrm>
+                <a:prstGeom prst="ellipse">
+                  <a:avLst/>
+                </a:prstGeom>
+                <a:solidFill>
+                  <a:srgbClr val="00B050"/>
+                </a:solidFill>
+                <a:ln>
+                  <a:solidFill>
+                    <a:schemeClr val="bg1"/>
+                  </a:solidFill>
+                </a:ln>
+              </p:spPr>
+              <p:style>
+                <a:lnRef idx="2">
+                  <a:schemeClr val="accent1">
+                    <a:shade val="50000"/>
+                  </a:schemeClr>
+                </a:lnRef>
+                <a:fillRef idx="1">
+                  <a:schemeClr val="accent1"/>
+                </a:fillRef>
+                <a:effectRef idx="0">
+                  <a:schemeClr val="accent1"/>
+                </a:effectRef>
+                <a:fontRef idx="minor">
+                  <a:schemeClr val="lt1"/>
+                </a:fontRef>
+              </p:style>
+              <p:txBody>
+                <a:bodyPr rtlCol="0" anchor="ctr"/>
+                <a:lstStyle/>
+                <a:p>
+                  <a:pPr algn="ctr"/>
+                  <a:endParaRPr lang="en-US"/>
+                </a:p>
+              </p:txBody>
+            </p:sp>
+            <p:sp>
+              <p:nvSpPr>
+                <p:cNvPr id="257" name="TextBox 256">
+                  <a:extLst>
+                    <a:ext uri="{FF2B5EF4-FFF2-40B4-BE49-F238E27FC236}">
+                      <a16:creationId xmlns:a16="http://schemas.microsoft.com/office/drawing/2014/main" id="{C701102E-AC9D-684F-9F63-813F172BA0CD}"/>
+                    </a:ext>
+                  </a:extLst>
+                </p:cNvPr>
+                <p:cNvSpPr txBox="1"/>
+                <p:nvPr/>
+              </p:nvSpPr>
+              <p:spPr>
+                <a:xfrm>
+                  <a:off x="10408944" y="2320054"/>
+                  <a:ext cx="277640" cy="307777"/>
+                </a:xfrm>
+                <a:prstGeom prst="rect">
+                  <a:avLst/>
+                </a:prstGeom>
+                <a:noFill/>
+              </p:spPr>
+              <p:txBody>
+                <a:bodyPr wrap="none" rtlCol="0">
+                  <a:spAutoFit/>
+                </a:bodyPr>
+                <a:lstStyle/>
+                <a:p>
+                  <a:r>
+                    <a:rPr lang="en-US" sz="1400" dirty="0"/>
+                    <a:t>P</a:t>
+                  </a:r>
+                </a:p>
+              </p:txBody>
+            </p:sp>
+          </p:grpSp>
+        </p:grpSp>
+        <p:cxnSp>
+          <p:nvCxnSpPr>
+            <p:cNvPr id="258" name="Curved Connector 257">
+              <a:extLst>
+                <a:ext uri="{FF2B5EF4-FFF2-40B4-BE49-F238E27FC236}">
+                  <a16:creationId xmlns:a16="http://schemas.microsoft.com/office/drawing/2014/main" id="{67D98B8B-392A-FE46-9319-18012BBE34A3}"/>
+                </a:ext>
+              </a:extLst>
+            </p:cNvPr>
+            <p:cNvCxnSpPr>
+              <a:cxnSpLocks/>
+              <a:stCxn id="177" idx="6"/>
+              <a:endCxn id="257" idx="1"/>
+            </p:cNvCxnSpPr>
+            <p:nvPr/>
+          </p:nvCxnSpPr>
+          <p:spPr>
+            <a:xfrm flipV="1">
+              <a:off x="8439245" y="3070075"/>
+              <a:ext cx="1596729" cy="546428"/>
+            </a:xfrm>
+            <a:prstGeom prst="curvedConnector3">
+              <a:avLst>
+                <a:gd name="adj1" fmla="val 49284"/>
+              </a:avLst>
+            </a:prstGeom>
+            <a:ln w="12700">
+              <a:solidFill>
+                <a:schemeClr val="tx1"/>
+              </a:solidFill>
+              <a:tailEnd type="triangle"/>
+            </a:ln>
+          </p:spPr>
+          <p:style>
+            <a:lnRef idx="1">
+              <a:schemeClr val="accent1"/>
+            </a:lnRef>
+            <a:fillRef idx="0">
+              <a:schemeClr val="accent1"/>
+            </a:fillRef>
+            <a:effectRef idx="0">
+              <a:schemeClr val="accent1"/>
+            </a:effectRef>
+            <a:fontRef idx="minor">
+              <a:schemeClr val="tx1"/>
+            </a:fontRef>
+          </p:style>
+        </p:cxnSp>
+        <p:sp>
+          <p:nvSpPr>
+            <p:cNvPr id="266" name="TextBox 265">
+              <a:extLst>
+                <a:ext uri="{FF2B5EF4-FFF2-40B4-BE49-F238E27FC236}">
+                  <a16:creationId xmlns:a16="http://schemas.microsoft.com/office/drawing/2014/main" id="{6DE817AC-E34F-E640-BC1F-0712A4FEDA57}"/>
+                </a:ext>
+              </a:extLst>
+            </p:cNvPr>
+            <p:cNvSpPr txBox="1"/>
+            <p:nvPr/>
+          </p:nvSpPr>
+          <p:spPr>
+            <a:xfrm>
+              <a:off x="9571845" y="1763551"/>
+              <a:ext cx="2433310" cy="923330"/>
+            </a:xfrm>
+            <a:prstGeom prst="rect">
+              <a:avLst/>
+            </a:prstGeom>
+            <a:noFill/>
+          </p:spPr>
+          <p:txBody>
+            <a:bodyPr wrap="square" rtlCol="0">
+              <a:spAutoFit/>
+            </a:bodyPr>
+            <a:lstStyle/>
+            <a:p>
+              <a:r>
+                <a:rPr lang="en-US" dirty="0"/>
+                <a:t>Phosphorylation of key proteins initiating ion efflux</a:t>
+              </a:r>
+            </a:p>
+          </p:txBody>
+        </p:sp>
+        <p:sp>
+          <p:nvSpPr>
+            <p:cNvPr id="269" name="Right Brace 268">
+              <a:extLst>
+                <a:ext uri="{FF2B5EF4-FFF2-40B4-BE49-F238E27FC236}">
+                  <a16:creationId xmlns:a16="http://schemas.microsoft.com/office/drawing/2014/main" id="{AB1A43F8-F9C5-B54C-A317-4096AF7F3165}"/>
+                </a:ext>
+              </a:extLst>
+            </p:cNvPr>
+            <p:cNvSpPr/>
+            <p:nvPr/>
+          </p:nvSpPr>
+          <p:spPr>
+            <a:xfrm>
+              <a:off x="11288359" y="4438771"/>
+              <a:ext cx="181591" cy="987347"/>
+            </a:xfrm>
+            <a:prstGeom prst="rightBrace">
+              <a:avLst/>
+            </a:prstGeom>
+            <a:ln>
+              <a:solidFill>
+                <a:schemeClr val="tx1"/>
+              </a:solidFill>
+            </a:ln>
+          </p:spPr>
+          <p:style>
+            <a:lnRef idx="1">
+              <a:schemeClr val="accent1"/>
+            </a:lnRef>
+            <a:fillRef idx="0">
+              <a:schemeClr val="accent1"/>
+            </a:fillRef>
+            <a:effectRef idx="0">
+              <a:schemeClr val="accent1"/>
+            </a:effectRef>
+            <a:fontRef idx="minor">
+              <a:schemeClr val="tx1"/>
+            </a:fontRef>
+          </p:style>
+          <p:txBody>
+            <a:bodyPr rtlCol="0" anchor="ctr"/>
+            <a:lstStyle/>
+            <a:p>
+              <a:pPr algn="ctr"/>
+              <a:endParaRPr lang="en-US"/>
+            </a:p>
+          </p:txBody>
+        </p:sp>
+        <p:sp>
+          <p:nvSpPr>
+            <p:cNvPr id="270" name="TextBox 269">
+              <a:extLst>
+                <a:ext uri="{FF2B5EF4-FFF2-40B4-BE49-F238E27FC236}">
+                  <a16:creationId xmlns:a16="http://schemas.microsoft.com/office/drawing/2014/main" id="{9C9765F6-A7BD-A641-9622-D78BC0C3F879}"/>
+                </a:ext>
+              </a:extLst>
+            </p:cNvPr>
+            <p:cNvSpPr txBox="1"/>
+            <p:nvPr/>
+          </p:nvSpPr>
+          <p:spPr>
+            <a:xfrm rot="16200000">
+              <a:off x="10595525" y="4796216"/>
+              <a:ext cx="2234407" cy="646331"/>
+            </a:xfrm>
+            <a:prstGeom prst="rect">
+              <a:avLst/>
+            </a:prstGeom>
+            <a:noFill/>
+          </p:spPr>
+          <p:txBody>
+            <a:bodyPr wrap="square" rtlCol="0">
+              <a:spAutoFit/>
+            </a:bodyPr>
+            <a:lstStyle/>
+            <a:p>
+              <a:r>
+                <a:rPr lang="en-US" dirty="0"/>
+                <a:t>Proteins for ion efflux and stomata closure</a:t>
+              </a:r>
+            </a:p>
+          </p:txBody>
+        </p:sp>
+        <p:sp>
+          <p:nvSpPr>
+            <p:cNvPr id="181" name="Rounded Rectangle 180">
+              <a:extLst>
+                <a:ext uri="{FF2B5EF4-FFF2-40B4-BE49-F238E27FC236}">
+                  <a16:creationId xmlns:a16="http://schemas.microsoft.com/office/drawing/2014/main" id="{72174027-630A-4149-BA55-5072CC68CE69}"/>
+                </a:ext>
+              </a:extLst>
+            </p:cNvPr>
+            <p:cNvSpPr/>
+            <p:nvPr/>
+          </p:nvSpPr>
+          <p:spPr>
+            <a:xfrm>
+              <a:off x="8809322" y="5383178"/>
+              <a:ext cx="1247644" cy="837615"/>
+            </a:xfrm>
+            <a:prstGeom prst="roundRect">
+              <a:avLst/>
+            </a:prstGeom>
+            <a:solidFill>
+              <a:schemeClr val="bg2">
+                <a:lumMod val="50000"/>
+              </a:schemeClr>
+            </a:solidFill>
+            <a:ln>
+              <a:solidFill>
+                <a:schemeClr val="bg2">
+                  <a:lumMod val="50000"/>
+                </a:schemeClr>
+              </a:solidFill>
+            </a:ln>
+          </p:spPr>
+          <p:style>
+            <a:lnRef idx="2">
+              <a:schemeClr val="accent1">
+                <a:shade val="50000"/>
+              </a:schemeClr>
+            </a:lnRef>
+            <a:fillRef idx="1">
+              <a:schemeClr val="accent1"/>
+            </a:fillRef>
+            <a:effectRef idx="0">
+              <a:schemeClr val="accent1"/>
+            </a:effectRef>
+            <a:fontRef idx="minor">
+              <a:schemeClr val="lt1"/>
+            </a:fontRef>
+          </p:style>
+          <p:txBody>
+            <a:bodyPr rtlCol="0" anchor="ctr"/>
+            <a:lstStyle/>
+            <a:p>
+              <a:pPr algn="ctr"/>
+              <a:endParaRPr lang="en-US"/>
+            </a:p>
+          </p:txBody>
+        </p:sp>
+      </p:grpSp>
+      <p:sp>
+        <p:nvSpPr>
+          <p:cNvPr id="278" name="Oval 277">
+            <a:extLst>
+              <a:ext uri="{FF2B5EF4-FFF2-40B4-BE49-F238E27FC236}">
+                <a16:creationId xmlns:a16="http://schemas.microsoft.com/office/drawing/2014/main" id="{450B8CC9-601F-EB49-9266-A16EFF135652}"/>
+              </a:ext>
+            </a:extLst>
+          </p:cNvPr>
+          <p:cNvSpPr/>
+          <p:nvPr/>
+        </p:nvSpPr>
+        <p:spPr>
+          <a:xfrm>
+            <a:off x="7725235" y="3509231"/>
+            <a:ext cx="316528" cy="222577"/>
+          </a:xfrm>
+          <a:prstGeom prst="ellipse">
+            <a:avLst/>
+          </a:prstGeom>
+          <a:solidFill>
+            <a:srgbClr val="00B050"/>
+          </a:solidFill>
+          <a:ln>
+            <a:solidFill>
+              <a:schemeClr val="bg1"/>
+            </a:solidFill>
+          </a:ln>
+        </p:spPr>
+        <p:style>
+          <a:lnRef idx="2">
+            <a:schemeClr val="accent1">
+              <a:shade val="50000"/>
+            </a:schemeClr>
+          </a:lnRef>
+          <a:fillRef idx="1">
+            <a:schemeClr val="accent1"/>
+          </a:fillRef>
+          <a:effectRef idx="0">
+            <a:schemeClr val="accent1"/>
+          </a:effectRef>
+          <a:fontRef idx="minor">
+            <a:schemeClr val="lt1"/>
+          </a:fontRef>
+        </p:style>
+        <p:txBody>
+          <a:bodyPr rtlCol="0" anchor="ctr"/>
+          <a:lstStyle/>
+          <a:p>
+            <a:pPr algn="ctr"/>
+            <a:endParaRPr lang="en-US"/>
+          </a:p>
+        </p:txBody>
+      </p:sp>
+      <p:sp>
+        <p:nvSpPr>
+          <p:cNvPr id="279" name="TextBox 278">
+            <a:extLst>
+              <a:ext uri="{FF2B5EF4-FFF2-40B4-BE49-F238E27FC236}">
+                <a16:creationId xmlns:a16="http://schemas.microsoft.com/office/drawing/2014/main" id="{CBB9CCD5-C229-2842-8F96-62D637595084}"/>
+              </a:ext>
+            </a:extLst>
+          </p:cNvPr>
+          <p:cNvSpPr txBox="1"/>
+          <p:nvPr/>
+        </p:nvSpPr>
+        <p:spPr>
+          <a:xfrm>
+            <a:off x="9203801" y="4156305"/>
+            <a:ext cx="277640" cy="307777"/>
+          </a:xfrm>
+          <a:prstGeom prst="rect">
+            <a:avLst/>
+          </a:prstGeom>
+          <a:noFill/>
+        </p:spPr>
+        <p:txBody>
+          <a:bodyPr wrap="none" rtlCol="0">
+            <a:spAutoFit/>
+          </a:bodyPr>
+          <a:lstStyle/>
+          <a:p>
+            <a:r>
+              <a:rPr lang="en-US" sz="1400" dirty="0"/>
+              <a:t>P</a:t>
+            </a:r>
+          </a:p>
+        </p:txBody>
+      </p:sp>
+      <p:sp>
+        <p:nvSpPr>
+          <p:cNvPr id="280" name="TextBox 279">
+            <a:extLst>
+              <a:ext uri="{FF2B5EF4-FFF2-40B4-BE49-F238E27FC236}">
+                <a16:creationId xmlns:a16="http://schemas.microsoft.com/office/drawing/2014/main" id="{044D8ACD-D95F-3140-9CC9-6F9A699568B0}"/>
+              </a:ext>
+            </a:extLst>
+          </p:cNvPr>
+          <p:cNvSpPr txBox="1"/>
+          <p:nvPr/>
+        </p:nvSpPr>
+        <p:spPr>
+          <a:xfrm>
+            <a:off x="7763621" y="3459075"/>
+            <a:ext cx="277640" cy="307777"/>
+          </a:xfrm>
+          <a:prstGeom prst="rect">
+            <a:avLst/>
+          </a:prstGeom>
+          <a:noFill/>
+        </p:spPr>
+        <p:txBody>
+          <a:bodyPr wrap="none" rtlCol="0">
+            <a:spAutoFit/>
+          </a:bodyPr>
+          <a:lstStyle/>
+          <a:p>
+            <a:r>
+              <a:rPr lang="en-US" sz="1400" dirty="0"/>
+              <a:t>P</a:t>
+            </a:r>
+          </a:p>
+        </p:txBody>
+      </p:sp>
+      <p:cxnSp>
+        <p:nvCxnSpPr>
+          <p:cNvPr id="282" name="Straight Arrow Connector 281">
+            <a:extLst>
+              <a:ext uri="{FF2B5EF4-FFF2-40B4-BE49-F238E27FC236}">
+                <a16:creationId xmlns:a16="http://schemas.microsoft.com/office/drawing/2014/main" id="{90B9A055-86F5-6F44-BACA-55A6078D45AB}"/>
+              </a:ext>
+            </a:extLst>
+          </p:cNvPr>
+          <p:cNvCxnSpPr>
+            <a:cxnSpLocks/>
+          </p:cNvCxnSpPr>
+          <p:nvPr/>
+        </p:nvCxnSpPr>
+        <p:spPr>
+          <a:xfrm>
+            <a:off x="8169220" y="3019810"/>
+            <a:ext cx="0" cy="472591"/>
+          </a:xfrm>
+          <a:prstGeom prst="straightConnector1">
+            <a:avLst/>
+          </a:prstGeom>
+          <a:ln>
+            <a:solidFill>
+              <a:schemeClr val="tx1"/>
+            </a:solidFill>
+            <a:tailEnd type="triangle"/>
+          </a:ln>
+        </p:spPr>
+        <p:style>
+          <a:lnRef idx="1">
+            <a:schemeClr val="accent1"/>
+          </a:lnRef>
+          <a:fillRef idx="0">
+            <a:schemeClr val="accent1"/>
+          </a:fillRef>
+          <a:effectRef idx="0">
+            <a:schemeClr val="accent1"/>
+          </a:effectRef>
+          <a:fontRef idx="minor">
+            <a:schemeClr val="tx1"/>
+          </a:fontRef>
+        </p:style>
+      </p:cxnSp>
+      <p:sp>
+        <p:nvSpPr>
+          <p:cNvPr id="283" name="&quot;No&quot; Symbol 282">
+            <a:extLst>
+              <a:ext uri="{FF2B5EF4-FFF2-40B4-BE49-F238E27FC236}">
+                <a16:creationId xmlns:a16="http://schemas.microsoft.com/office/drawing/2014/main" id="{E5CABE66-EDE2-4B43-8244-7ADC384334DD}"/>
+              </a:ext>
+            </a:extLst>
+          </p:cNvPr>
+          <p:cNvSpPr/>
+          <p:nvPr/>
+        </p:nvSpPr>
+        <p:spPr>
+          <a:xfrm>
+            <a:off x="7972480" y="3022020"/>
+            <a:ext cx="391627" cy="393619"/>
+          </a:xfrm>
+          <a:prstGeom prst="noSmoking">
+            <a:avLst/>
+          </a:prstGeom>
+          <a:solidFill>
+            <a:srgbClr val="FF0000">
+              <a:alpha val="64000"/>
+            </a:srgbClr>
+          </a:solidFill>
+          <a:ln>
+            <a:solidFill>
+              <a:srgbClr val="FF0000"/>
+            </a:solidFill>
+          </a:ln>
+        </p:spPr>
+        <p:style>
+          <a:lnRef idx="2">
+            <a:schemeClr val="accent1">
+              <a:shade val="50000"/>
+            </a:schemeClr>
+          </a:lnRef>
+          <a:fillRef idx="1">
+            <a:schemeClr val="accent1"/>
+          </a:fillRef>
+          <a:effectRef idx="0">
+            <a:schemeClr val="accent1"/>
+          </a:effectRef>
+          <a:fontRef idx="minor">
+            <a:schemeClr val="lt1"/>
+          </a:fontRef>
+        </p:style>
+        <p:txBody>
+          <a:bodyPr rtlCol="0" anchor="ctr"/>
+          <a:lstStyle/>
+          <a:p>
+            <a:pPr algn="ctr"/>
+            <a:endParaRPr lang="en-US" dirty="0">
+              <a:solidFill>
+                <a:schemeClr val="tx1"/>
+              </a:solidFill>
+            </a:endParaRPr>
+          </a:p>
+        </p:txBody>
+      </p:sp>
+      <p:cxnSp>
+        <p:nvCxnSpPr>
+          <p:cNvPr id="297" name="Curved Connector 296">
+            <a:extLst>
+              <a:ext uri="{FF2B5EF4-FFF2-40B4-BE49-F238E27FC236}">
+                <a16:creationId xmlns:a16="http://schemas.microsoft.com/office/drawing/2014/main" id="{A368E769-7527-8F41-B77F-B8279263E3D4}"/>
+              </a:ext>
+            </a:extLst>
+          </p:cNvPr>
+          <p:cNvCxnSpPr>
+            <a:cxnSpLocks/>
+            <a:stCxn id="178" idx="3"/>
+            <a:endCxn id="279" idx="0"/>
+          </p:cNvCxnSpPr>
+          <p:nvPr/>
+        </p:nvCxnSpPr>
+        <p:spPr>
+          <a:xfrm>
+            <a:off x="8346061" y="3620584"/>
+            <a:ext cx="996560" cy="535721"/>
+          </a:xfrm>
+          <a:prstGeom prst="curvedConnector2">
+            <a:avLst/>
+          </a:prstGeom>
+          <a:ln w="12700">
+            <a:solidFill>
+              <a:schemeClr val="tx1"/>
+            </a:solidFill>
+            <a:tailEnd type="triangle"/>
+          </a:ln>
+        </p:spPr>
+        <p:style>
+          <a:lnRef idx="1">
+            <a:schemeClr val="accent1"/>
+          </a:lnRef>
+          <a:fillRef idx="0">
+            <a:schemeClr val="accent1"/>
+          </a:fillRef>
+          <a:effectRef idx="0">
+            <a:schemeClr val="accent1"/>
+          </a:effectRef>
+          <a:fontRef idx="minor">
+            <a:schemeClr val="tx1"/>
+          </a:fontRef>
+        </p:style>
+      </p:cxnSp>
+      <p:cxnSp>
+        <p:nvCxnSpPr>
+          <p:cNvPr id="302" name="Straight Arrow Connector 301">
+            <a:extLst>
+              <a:ext uri="{FF2B5EF4-FFF2-40B4-BE49-F238E27FC236}">
+                <a16:creationId xmlns:a16="http://schemas.microsoft.com/office/drawing/2014/main" id="{3EBFE7C7-3C5C-AB48-A745-111A319BFD28}"/>
+              </a:ext>
+            </a:extLst>
+          </p:cNvPr>
+          <p:cNvCxnSpPr>
+            <a:cxnSpLocks/>
+          </p:cNvCxnSpPr>
+          <p:nvPr/>
+        </p:nvCxnSpPr>
+        <p:spPr>
+          <a:xfrm>
+            <a:off x="9320689" y="5053745"/>
+            <a:ext cx="0" cy="472591"/>
+          </a:xfrm>
+          <a:prstGeom prst="straightConnector1">
+            <a:avLst/>
+          </a:prstGeom>
+          <a:ln>
+            <a:solidFill>
+              <a:schemeClr val="tx1"/>
+            </a:solidFill>
+            <a:tailEnd type="triangle"/>
+          </a:ln>
+        </p:spPr>
+        <p:style>
+          <a:lnRef idx="1">
+            <a:schemeClr val="accent1"/>
+          </a:lnRef>
+          <a:fillRef idx="0">
+            <a:schemeClr val="accent1"/>
+          </a:fillRef>
+          <a:effectRef idx="0">
+            <a:schemeClr val="accent1"/>
+          </a:effectRef>
+          <a:fontRef idx="minor">
+            <a:schemeClr val="tx1"/>
+          </a:fontRef>
+        </p:style>
+      </p:cxnSp>
+      <p:sp>
+        <p:nvSpPr>
+          <p:cNvPr id="303" name="TextBox 302">
+            <a:extLst>
+              <a:ext uri="{FF2B5EF4-FFF2-40B4-BE49-F238E27FC236}">
+                <a16:creationId xmlns:a16="http://schemas.microsoft.com/office/drawing/2014/main" id="{E77DB508-9582-AD4A-A751-0051B9B291E0}"/>
+              </a:ext>
+            </a:extLst>
+          </p:cNvPr>
+          <p:cNvSpPr txBox="1"/>
+          <p:nvPr/>
+        </p:nvSpPr>
+        <p:spPr>
+          <a:xfrm>
+            <a:off x="9044874" y="5639651"/>
+            <a:ext cx="628698" cy="338554"/>
+          </a:xfrm>
+          <a:prstGeom prst="rect">
+            <a:avLst/>
+          </a:prstGeom>
+          <a:noFill/>
+        </p:spPr>
+        <p:txBody>
+          <a:bodyPr wrap="none" rtlCol="0">
+            <a:spAutoFit/>
+          </a:bodyPr>
+          <a:lstStyle/>
+          <a:p>
+            <a:pPr algn="ctr"/>
+            <a:r>
+              <a:rPr lang="en-US" sz="1600" dirty="0"/>
+              <a:t>ABRE</a:t>
             </a:r>
           </a:p>
         </p:txBody>
@@ -8709,6 +12722,5065 @@
 </file>
 
 <file path=ppt/slides/slide3.xml><?xml version="1.0" encoding="utf-8"?>
+<p:sld xmlns:a="http://schemas.openxmlformats.org/drawingml/2006/main" xmlns:r="http://schemas.openxmlformats.org/officeDocument/2006/relationships" xmlns:p="http://schemas.openxmlformats.org/presentationml/2006/main">
+  <p:cSld>
+    <p:spTree>
+      <p:nvGrpSpPr>
+        <p:cNvPr id="1" name=""/>
+        <p:cNvGrpSpPr/>
+        <p:nvPr/>
+      </p:nvGrpSpPr>
+      <p:grpSpPr>
+        <a:xfrm>
+          <a:off x="0" y="0"/>
+          <a:ext cx="0" cy="0"/>
+          <a:chOff x="0" y="0"/>
+          <a:chExt cx="0" cy="0"/>
+        </a:xfrm>
+      </p:grpSpPr>
+      <p:grpSp>
+        <p:nvGrpSpPr>
+          <p:cNvPr id="10" name="Group 9">
+            <a:extLst>
+              <a:ext uri="{FF2B5EF4-FFF2-40B4-BE49-F238E27FC236}">
+                <a16:creationId xmlns:a16="http://schemas.microsoft.com/office/drawing/2014/main" id="{8C4AE800-E9E8-C54F-910B-D5001FCB4B11}"/>
+              </a:ext>
+            </a:extLst>
+          </p:cNvPr>
+          <p:cNvGrpSpPr/>
+          <p:nvPr/>
+        </p:nvGrpSpPr>
+        <p:grpSpPr>
+          <a:xfrm>
+            <a:off x="2195288" y="799844"/>
+            <a:ext cx="7236256" cy="5557312"/>
+            <a:chOff x="2765726" y="1601368"/>
+            <a:chExt cx="5442987" cy="4180114"/>
+          </a:xfrm>
+        </p:grpSpPr>
+        <p:sp>
+          <p:nvSpPr>
+            <p:cNvPr id="5" name="Freeform 4">
+              <a:extLst>
+                <a:ext uri="{FF2B5EF4-FFF2-40B4-BE49-F238E27FC236}">
+                  <a16:creationId xmlns:a16="http://schemas.microsoft.com/office/drawing/2014/main" id="{3F57EC63-E416-2241-B964-E7A9AC76EB81}"/>
+                </a:ext>
+              </a:extLst>
+            </p:cNvPr>
+            <p:cNvSpPr/>
+            <p:nvPr/>
+          </p:nvSpPr>
+          <p:spPr>
+            <a:xfrm>
+              <a:off x="2765726" y="1640113"/>
+              <a:ext cx="2714302" cy="4102625"/>
+            </a:xfrm>
+            <a:custGeom>
+              <a:avLst/>
+              <a:gdLst>
+                <a:gd name="connsiteX0" fmla="*/ 1219200 w 1219539"/>
+                <a:gd name="connsiteY0" fmla="*/ 333828 h 1843314"/>
+                <a:gd name="connsiteX1" fmla="*/ 1219200 w 1219539"/>
+                <a:gd name="connsiteY1" fmla="*/ 333828 h 1843314"/>
+                <a:gd name="connsiteX2" fmla="*/ 1175657 w 1219539"/>
+                <a:gd name="connsiteY2" fmla="*/ 217714 h 1843314"/>
+                <a:gd name="connsiteX3" fmla="*/ 1161143 w 1219539"/>
+                <a:gd name="connsiteY3" fmla="*/ 174171 h 1843314"/>
+                <a:gd name="connsiteX4" fmla="*/ 1117600 w 1219539"/>
+                <a:gd name="connsiteY4" fmla="*/ 145143 h 1843314"/>
+                <a:gd name="connsiteX5" fmla="*/ 1045029 w 1219539"/>
+                <a:gd name="connsiteY5" fmla="*/ 87085 h 1843314"/>
+                <a:gd name="connsiteX6" fmla="*/ 1016000 w 1219539"/>
+                <a:gd name="connsiteY6" fmla="*/ 43543 h 1843314"/>
+                <a:gd name="connsiteX7" fmla="*/ 928915 w 1219539"/>
+                <a:gd name="connsiteY7" fmla="*/ 0 h 1843314"/>
+                <a:gd name="connsiteX8" fmla="*/ 537029 w 1219539"/>
+                <a:gd name="connsiteY8" fmla="*/ 29028 h 1843314"/>
+                <a:gd name="connsiteX9" fmla="*/ 449943 w 1219539"/>
+                <a:gd name="connsiteY9" fmla="*/ 58057 h 1843314"/>
+                <a:gd name="connsiteX10" fmla="*/ 406400 w 1219539"/>
+                <a:gd name="connsiteY10" fmla="*/ 87085 h 1843314"/>
+                <a:gd name="connsiteX11" fmla="*/ 333829 w 1219539"/>
+                <a:gd name="connsiteY11" fmla="*/ 159657 h 1843314"/>
+                <a:gd name="connsiteX12" fmla="*/ 304800 w 1219539"/>
+                <a:gd name="connsiteY12" fmla="*/ 203200 h 1843314"/>
+                <a:gd name="connsiteX13" fmla="*/ 217715 w 1219539"/>
+                <a:gd name="connsiteY13" fmla="*/ 290285 h 1843314"/>
+                <a:gd name="connsiteX14" fmla="*/ 174172 w 1219539"/>
+                <a:gd name="connsiteY14" fmla="*/ 333828 h 1843314"/>
+                <a:gd name="connsiteX15" fmla="*/ 116115 w 1219539"/>
+                <a:gd name="connsiteY15" fmla="*/ 420914 h 1843314"/>
+                <a:gd name="connsiteX16" fmla="*/ 87086 w 1219539"/>
+                <a:gd name="connsiteY16" fmla="*/ 508000 h 1843314"/>
+                <a:gd name="connsiteX17" fmla="*/ 43543 w 1219539"/>
+                <a:gd name="connsiteY17" fmla="*/ 740228 h 1843314"/>
+                <a:gd name="connsiteX18" fmla="*/ 14515 w 1219539"/>
+                <a:gd name="connsiteY18" fmla="*/ 827314 h 1843314"/>
+                <a:gd name="connsiteX19" fmla="*/ 0 w 1219539"/>
+                <a:gd name="connsiteY19" fmla="*/ 870857 h 1843314"/>
+                <a:gd name="connsiteX20" fmla="*/ 14515 w 1219539"/>
+                <a:gd name="connsiteY20" fmla="*/ 1132114 h 1843314"/>
+                <a:gd name="connsiteX21" fmla="*/ 43543 w 1219539"/>
+                <a:gd name="connsiteY21" fmla="*/ 1248228 h 1843314"/>
+                <a:gd name="connsiteX22" fmla="*/ 58057 w 1219539"/>
+                <a:gd name="connsiteY22" fmla="*/ 1306285 h 1843314"/>
+                <a:gd name="connsiteX23" fmla="*/ 72572 w 1219539"/>
+                <a:gd name="connsiteY23" fmla="*/ 1349828 h 1843314"/>
+                <a:gd name="connsiteX24" fmla="*/ 101600 w 1219539"/>
+                <a:gd name="connsiteY24" fmla="*/ 1451428 h 1843314"/>
+                <a:gd name="connsiteX25" fmla="*/ 145143 w 1219539"/>
+                <a:gd name="connsiteY25" fmla="*/ 1494971 h 1843314"/>
+                <a:gd name="connsiteX26" fmla="*/ 174172 w 1219539"/>
+                <a:gd name="connsiteY26" fmla="*/ 1538514 h 1843314"/>
+                <a:gd name="connsiteX27" fmla="*/ 188686 w 1219539"/>
+                <a:gd name="connsiteY27" fmla="*/ 1582057 h 1843314"/>
+                <a:gd name="connsiteX28" fmla="*/ 261257 w 1219539"/>
+                <a:gd name="connsiteY28" fmla="*/ 1669143 h 1843314"/>
+                <a:gd name="connsiteX29" fmla="*/ 304800 w 1219539"/>
+                <a:gd name="connsiteY29" fmla="*/ 1698171 h 1843314"/>
+                <a:gd name="connsiteX30" fmla="*/ 377372 w 1219539"/>
+                <a:gd name="connsiteY30" fmla="*/ 1756228 h 1843314"/>
+                <a:gd name="connsiteX31" fmla="*/ 478972 w 1219539"/>
+                <a:gd name="connsiteY31" fmla="*/ 1814285 h 1843314"/>
+                <a:gd name="connsiteX32" fmla="*/ 566057 w 1219539"/>
+                <a:gd name="connsiteY32" fmla="*/ 1843314 h 1843314"/>
+                <a:gd name="connsiteX33" fmla="*/ 986972 w 1219539"/>
+                <a:gd name="connsiteY33" fmla="*/ 1828800 h 1843314"/>
+                <a:gd name="connsiteX34" fmla="*/ 1074057 w 1219539"/>
+                <a:gd name="connsiteY34" fmla="*/ 1799771 h 1843314"/>
+                <a:gd name="connsiteX35" fmla="*/ 1117600 w 1219539"/>
+                <a:gd name="connsiteY35" fmla="*/ 1785257 h 1843314"/>
+                <a:gd name="connsiteX36" fmla="*/ 1146629 w 1219539"/>
+                <a:gd name="connsiteY36" fmla="*/ 1741714 h 1843314"/>
+                <a:gd name="connsiteX37" fmla="*/ 1190172 w 1219539"/>
+                <a:gd name="connsiteY37" fmla="*/ 1654628 h 1843314"/>
+                <a:gd name="connsiteX38" fmla="*/ 1219200 w 1219539"/>
+                <a:gd name="connsiteY38" fmla="*/ 1567543 h 1843314"/>
+                <a:gd name="connsiteX39" fmla="*/ 1190172 w 1219539"/>
+                <a:gd name="connsiteY39" fmla="*/ 1378857 h 1843314"/>
+                <a:gd name="connsiteX40" fmla="*/ 1161143 w 1219539"/>
+                <a:gd name="connsiteY40" fmla="*/ 1335314 h 1843314"/>
+                <a:gd name="connsiteX41" fmla="*/ 1103086 w 1219539"/>
+                <a:gd name="connsiteY41" fmla="*/ 1204685 h 1843314"/>
+                <a:gd name="connsiteX42" fmla="*/ 1074057 w 1219539"/>
+                <a:gd name="connsiteY42" fmla="*/ 1117600 h 1843314"/>
+                <a:gd name="connsiteX43" fmla="*/ 1059543 w 1219539"/>
+                <a:gd name="connsiteY43" fmla="*/ 1074057 h 1843314"/>
+                <a:gd name="connsiteX44" fmla="*/ 1030515 w 1219539"/>
+                <a:gd name="connsiteY44" fmla="*/ 1030514 h 1843314"/>
+                <a:gd name="connsiteX45" fmla="*/ 1045029 w 1219539"/>
+                <a:gd name="connsiteY45" fmla="*/ 740228 h 1843314"/>
+                <a:gd name="connsiteX46" fmla="*/ 1088572 w 1219539"/>
+                <a:gd name="connsiteY46" fmla="*/ 551543 h 1843314"/>
+                <a:gd name="connsiteX47" fmla="*/ 1117600 w 1219539"/>
+                <a:gd name="connsiteY47" fmla="*/ 508000 h 1843314"/>
+                <a:gd name="connsiteX48" fmla="*/ 1161143 w 1219539"/>
+                <a:gd name="connsiteY48" fmla="*/ 478971 h 1843314"/>
+                <a:gd name="connsiteX49" fmla="*/ 1175657 w 1219539"/>
+                <a:gd name="connsiteY49" fmla="*/ 435428 h 1843314"/>
+                <a:gd name="connsiteX50" fmla="*/ 1219200 w 1219539"/>
+                <a:gd name="connsiteY50" fmla="*/ 333828 h 1843314"/>
+              </a:gdLst>
+              <a:ahLst/>
+              <a:cxnLst>
+                <a:cxn ang="0">
+                  <a:pos x="connsiteX0" y="connsiteY0"/>
+                </a:cxn>
+                <a:cxn ang="0">
+                  <a:pos x="connsiteX1" y="connsiteY1"/>
+                </a:cxn>
+                <a:cxn ang="0">
+                  <a:pos x="connsiteX2" y="connsiteY2"/>
+                </a:cxn>
+                <a:cxn ang="0">
+                  <a:pos x="connsiteX3" y="connsiteY3"/>
+                </a:cxn>
+                <a:cxn ang="0">
+                  <a:pos x="connsiteX4" y="connsiteY4"/>
+                </a:cxn>
+                <a:cxn ang="0">
+                  <a:pos x="connsiteX5" y="connsiteY5"/>
+                </a:cxn>
+                <a:cxn ang="0">
+                  <a:pos x="connsiteX6" y="connsiteY6"/>
+                </a:cxn>
+                <a:cxn ang="0">
+                  <a:pos x="connsiteX7" y="connsiteY7"/>
+                </a:cxn>
+                <a:cxn ang="0">
+                  <a:pos x="connsiteX8" y="connsiteY8"/>
+                </a:cxn>
+                <a:cxn ang="0">
+                  <a:pos x="connsiteX9" y="connsiteY9"/>
+                </a:cxn>
+                <a:cxn ang="0">
+                  <a:pos x="connsiteX10" y="connsiteY10"/>
+                </a:cxn>
+                <a:cxn ang="0">
+                  <a:pos x="connsiteX11" y="connsiteY11"/>
+                </a:cxn>
+                <a:cxn ang="0">
+                  <a:pos x="connsiteX12" y="connsiteY12"/>
+                </a:cxn>
+                <a:cxn ang="0">
+                  <a:pos x="connsiteX13" y="connsiteY13"/>
+                </a:cxn>
+                <a:cxn ang="0">
+                  <a:pos x="connsiteX14" y="connsiteY14"/>
+                </a:cxn>
+                <a:cxn ang="0">
+                  <a:pos x="connsiteX15" y="connsiteY15"/>
+                </a:cxn>
+                <a:cxn ang="0">
+                  <a:pos x="connsiteX16" y="connsiteY16"/>
+                </a:cxn>
+                <a:cxn ang="0">
+                  <a:pos x="connsiteX17" y="connsiteY17"/>
+                </a:cxn>
+                <a:cxn ang="0">
+                  <a:pos x="connsiteX18" y="connsiteY18"/>
+                </a:cxn>
+                <a:cxn ang="0">
+                  <a:pos x="connsiteX19" y="connsiteY19"/>
+                </a:cxn>
+                <a:cxn ang="0">
+                  <a:pos x="connsiteX20" y="connsiteY20"/>
+                </a:cxn>
+                <a:cxn ang="0">
+                  <a:pos x="connsiteX21" y="connsiteY21"/>
+                </a:cxn>
+                <a:cxn ang="0">
+                  <a:pos x="connsiteX22" y="connsiteY22"/>
+                </a:cxn>
+                <a:cxn ang="0">
+                  <a:pos x="connsiteX23" y="connsiteY23"/>
+                </a:cxn>
+                <a:cxn ang="0">
+                  <a:pos x="connsiteX24" y="connsiteY24"/>
+                </a:cxn>
+                <a:cxn ang="0">
+                  <a:pos x="connsiteX25" y="connsiteY25"/>
+                </a:cxn>
+                <a:cxn ang="0">
+                  <a:pos x="connsiteX26" y="connsiteY26"/>
+                </a:cxn>
+                <a:cxn ang="0">
+                  <a:pos x="connsiteX27" y="connsiteY27"/>
+                </a:cxn>
+                <a:cxn ang="0">
+                  <a:pos x="connsiteX28" y="connsiteY28"/>
+                </a:cxn>
+                <a:cxn ang="0">
+                  <a:pos x="connsiteX29" y="connsiteY29"/>
+                </a:cxn>
+                <a:cxn ang="0">
+                  <a:pos x="connsiteX30" y="connsiteY30"/>
+                </a:cxn>
+                <a:cxn ang="0">
+                  <a:pos x="connsiteX31" y="connsiteY31"/>
+                </a:cxn>
+                <a:cxn ang="0">
+                  <a:pos x="connsiteX32" y="connsiteY32"/>
+                </a:cxn>
+                <a:cxn ang="0">
+                  <a:pos x="connsiteX33" y="connsiteY33"/>
+                </a:cxn>
+                <a:cxn ang="0">
+                  <a:pos x="connsiteX34" y="connsiteY34"/>
+                </a:cxn>
+                <a:cxn ang="0">
+                  <a:pos x="connsiteX35" y="connsiteY35"/>
+                </a:cxn>
+                <a:cxn ang="0">
+                  <a:pos x="connsiteX36" y="connsiteY36"/>
+                </a:cxn>
+                <a:cxn ang="0">
+                  <a:pos x="connsiteX37" y="connsiteY37"/>
+                </a:cxn>
+                <a:cxn ang="0">
+                  <a:pos x="connsiteX38" y="connsiteY38"/>
+                </a:cxn>
+                <a:cxn ang="0">
+                  <a:pos x="connsiteX39" y="connsiteY39"/>
+                </a:cxn>
+                <a:cxn ang="0">
+                  <a:pos x="connsiteX40" y="connsiteY40"/>
+                </a:cxn>
+                <a:cxn ang="0">
+                  <a:pos x="connsiteX41" y="connsiteY41"/>
+                </a:cxn>
+                <a:cxn ang="0">
+                  <a:pos x="connsiteX42" y="connsiteY42"/>
+                </a:cxn>
+                <a:cxn ang="0">
+                  <a:pos x="connsiteX43" y="connsiteY43"/>
+                </a:cxn>
+                <a:cxn ang="0">
+                  <a:pos x="connsiteX44" y="connsiteY44"/>
+                </a:cxn>
+                <a:cxn ang="0">
+                  <a:pos x="connsiteX45" y="connsiteY45"/>
+                </a:cxn>
+                <a:cxn ang="0">
+                  <a:pos x="connsiteX46" y="connsiteY46"/>
+                </a:cxn>
+                <a:cxn ang="0">
+                  <a:pos x="connsiteX47" y="connsiteY47"/>
+                </a:cxn>
+                <a:cxn ang="0">
+                  <a:pos x="connsiteX48" y="connsiteY48"/>
+                </a:cxn>
+                <a:cxn ang="0">
+                  <a:pos x="connsiteX49" y="connsiteY49"/>
+                </a:cxn>
+                <a:cxn ang="0">
+                  <a:pos x="connsiteX50" y="connsiteY50"/>
+                </a:cxn>
+              </a:cxnLst>
+              <a:rect l="l" t="t" r="r" b="b"/>
+              <a:pathLst>
+                <a:path w="1219539" h="1843314">
+                  <a:moveTo>
+                    <a:pt x="1219200" y="333828"/>
+                  </a:moveTo>
+                  <a:lnTo>
+                    <a:pt x="1219200" y="333828"/>
+                  </a:lnTo>
+                  <a:cubicBezTo>
+                    <a:pt x="1204686" y="295123"/>
+                    <a:pt x="1189783" y="256562"/>
+                    <a:pt x="1175657" y="217714"/>
+                  </a:cubicBezTo>
+                  <a:cubicBezTo>
+                    <a:pt x="1170429" y="203336"/>
+                    <a:pt x="1170700" y="186118"/>
+                    <a:pt x="1161143" y="174171"/>
+                  </a:cubicBezTo>
+                  <a:cubicBezTo>
+                    <a:pt x="1150246" y="160550"/>
+                    <a:pt x="1132114" y="154819"/>
+                    <a:pt x="1117600" y="145143"/>
+                  </a:cubicBezTo>
+                  <a:cubicBezTo>
+                    <a:pt x="1034414" y="20362"/>
+                    <a:pt x="1145177" y="167203"/>
+                    <a:pt x="1045029" y="87085"/>
+                  </a:cubicBezTo>
+                  <a:cubicBezTo>
+                    <a:pt x="1031408" y="76188"/>
+                    <a:pt x="1028335" y="55878"/>
+                    <a:pt x="1016000" y="43543"/>
+                  </a:cubicBezTo>
+                  <a:cubicBezTo>
+                    <a:pt x="987862" y="15406"/>
+                    <a:pt x="964331" y="11805"/>
+                    <a:pt x="928915" y="0"/>
+                  </a:cubicBezTo>
+                  <a:cubicBezTo>
+                    <a:pt x="829667" y="4511"/>
+                    <a:pt x="657421" y="-3806"/>
+                    <a:pt x="537029" y="29028"/>
+                  </a:cubicBezTo>
+                  <a:cubicBezTo>
+                    <a:pt x="507508" y="37079"/>
+                    <a:pt x="475403" y="41084"/>
+                    <a:pt x="449943" y="58057"/>
+                  </a:cubicBezTo>
+                  <a:lnTo>
+                    <a:pt x="406400" y="87085"/>
+                  </a:lnTo>
+                  <a:cubicBezTo>
+                    <a:pt x="328995" y="203195"/>
+                    <a:pt x="430587" y="62899"/>
+                    <a:pt x="333829" y="159657"/>
+                  </a:cubicBezTo>
+                  <a:cubicBezTo>
+                    <a:pt x="321494" y="171992"/>
+                    <a:pt x="316389" y="190162"/>
+                    <a:pt x="304800" y="203200"/>
+                  </a:cubicBezTo>
+                  <a:cubicBezTo>
+                    <a:pt x="277526" y="233883"/>
+                    <a:pt x="246743" y="261257"/>
+                    <a:pt x="217715" y="290285"/>
+                  </a:cubicBezTo>
+                  <a:cubicBezTo>
+                    <a:pt x="203201" y="304799"/>
+                    <a:pt x="185558" y="316749"/>
+                    <a:pt x="174172" y="333828"/>
+                  </a:cubicBezTo>
+                  <a:cubicBezTo>
+                    <a:pt x="154820" y="362857"/>
+                    <a:pt x="127148" y="387816"/>
+                    <a:pt x="116115" y="420914"/>
+                  </a:cubicBezTo>
+                  <a:lnTo>
+                    <a:pt x="87086" y="508000"/>
+                  </a:lnTo>
+                  <a:cubicBezTo>
+                    <a:pt x="69527" y="683594"/>
+                    <a:pt x="87948" y="607013"/>
+                    <a:pt x="43543" y="740228"/>
+                  </a:cubicBezTo>
+                  <a:lnTo>
+                    <a:pt x="14515" y="827314"/>
+                  </a:lnTo>
+                  <a:lnTo>
+                    <a:pt x="0" y="870857"/>
+                  </a:lnTo>
+                  <a:cubicBezTo>
+                    <a:pt x="4838" y="957943"/>
+                    <a:pt x="6959" y="1045222"/>
+                    <a:pt x="14515" y="1132114"/>
+                  </a:cubicBezTo>
+                  <a:cubicBezTo>
+                    <a:pt x="20048" y="1195742"/>
+                    <a:pt x="28659" y="1196132"/>
+                    <a:pt x="43543" y="1248228"/>
+                  </a:cubicBezTo>
+                  <a:cubicBezTo>
+                    <a:pt x="49023" y="1267408"/>
+                    <a:pt x="52577" y="1287105"/>
+                    <a:pt x="58057" y="1306285"/>
+                  </a:cubicBezTo>
+                  <a:cubicBezTo>
+                    <a:pt x="62260" y="1320996"/>
+                    <a:pt x="68369" y="1335117"/>
+                    <a:pt x="72572" y="1349828"/>
+                  </a:cubicBezTo>
+                  <a:cubicBezTo>
+                    <a:pt x="74991" y="1358295"/>
+                    <a:pt x="92900" y="1438378"/>
+                    <a:pt x="101600" y="1451428"/>
+                  </a:cubicBezTo>
+                  <a:cubicBezTo>
+                    <a:pt x="112986" y="1468507"/>
+                    <a:pt x="132002" y="1479202"/>
+                    <a:pt x="145143" y="1494971"/>
+                  </a:cubicBezTo>
+                  <a:cubicBezTo>
+                    <a:pt x="156310" y="1508372"/>
+                    <a:pt x="164496" y="1524000"/>
+                    <a:pt x="174172" y="1538514"/>
+                  </a:cubicBezTo>
+                  <a:cubicBezTo>
+                    <a:pt x="179010" y="1553028"/>
+                    <a:pt x="181844" y="1568373"/>
+                    <a:pt x="188686" y="1582057"/>
+                  </a:cubicBezTo>
+                  <a:cubicBezTo>
+                    <a:pt x="204995" y="1614675"/>
+                    <a:pt x="233745" y="1646217"/>
+                    <a:pt x="261257" y="1669143"/>
+                  </a:cubicBezTo>
+                  <a:cubicBezTo>
+                    <a:pt x="274658" y="1680310"/>
+                    <a:pt x="290286" y="1688495"/>
+                    <a:pt x="304800" y="1698171"/>
+                  </a:cubicBezTo>
+                  <a:cubicBezTo>
+                    <a:pt x="369723" y="1795554"/>
+                    <a:pt x="293243" y="1700142"/>
+                    <a:pt x="377372" y="1756228"/>
+                  </a:cubicBezTo>
+                  <a:cubicBezTo>
+                    <a:pt x="498372" y="1836894"/>
+                    <a:pt x="339435" y="1772424"/>
+                    <a:pt x="478972" y="1814285"/>
+                  </a:cubicBezTo>
+                  <a:cubicBezTo>
+                    <a:pt x="508280" y="1823078"/>
+                    <a:pt x="566057" y="1843314"/>
+                    <a:pt x="566057" y="1843314"/>
+                  </a:cubicBezTo>
+                  <a:cubicBezTo>
+                    <a:pt x="706362" y="1838476"/>
+                    <a:pt x="847097" y="1840789"/>
+                    <a:pt x="986972" y="1828800"/>
+                  </a:cubicBezTo>
+                  <a:cubicBezTo>
+                    <a:pt x="1017459" y="1826187"/>
+                    <a:pt x="1045029" y="1809447"/>
+                    <a:pt x="1074057" y="1799771"/>
+                  </a:cubicBezTo>
+                  <a:lnTo>
+                    <a:pt x="1117600" y="1785257"/>
+                  </a:lnTo>
+                  <a:cubicBezTo>
+                    <a:pt x="1127276" y="1770743"/>
+                    <a:pt x="1138828" y="1757316"/>
+                    <a:pt x="1146629" y="1741714"/>
+                  </a:cubicBezTo>
+                  <a:cubicBezTo>
+                    <a:pt x="1206721" y="1621530"/>
+                    <a:pt x="1106979" y="1779417"/>
+                    <a:pt x="1190172" y="1654628"/>
+                  </a:cubicBezTo>
+                  <a:cubicBezTo>
+                    <a:pt x="1199848" y="1625600"/>
+                    <a:pt x="1222579" y="1597954"/>
+                    <a:pt x="1219200" y="1567543"/>
+                  </a:cubicBezTo>
+                  <a:cubicBezTo>
+                    <a:pt x="1216287" y="1541322"/>
+                    <a:pt x="1209027" y="1422851"/>
+                    <a:pt x="1190172" y="1378857"/>
+                  </a:cubicBezTo>
+                  <a:cubicBezTo>
+                    <a:pt x="1183300" y="1362823"/>
+                    <a:pt x="1170819" y="1349828"/>
+                    <a:pt x="1161143" y="1335314"/>
+                  </a:cubicBezTo>
+                  <a:cubicBezTo>
+                    <a:pt x="1126599" y="1231679"/>
+                    <a:pt x="1149088" y="1273688"/>
+                    <a:pt x="1103086" y="1204685"/>
+                  </a:cubicBezTo>
+                  <a:lnTo>
+                    <a:pt x="1074057" y="1117600"/>
+                  </a:lnTo>
+                  <a:cubicBezTo>
+                    <a:pt x="1069219" y="1103086"/>
+                    <a:pt x="1068029" y="1086787"/>
+                    <a:pt x="1059543" y="1074057"/>
+                  </a:cubicBezTo>
+                  <a:lnTo>
+                    <a:pt x="1030515" y="1030514"/>
+                  </a:lnTo>
+                  <a:cubicBezTo>
+                    <a:pt x="1035353" y="933752"/>
+                    <a:pt x="1037872" y="836846"/>
+                    <a:pt x="1045029" y="740228"/>
+                  </a:cubicBezTo>
+                  <a:cubicBezTo>
+                    <a:pt x="1048096" y="698821"/>
+                    <a:pt x="1062833" y="590152"/>
+                    <a:pt x="1088572" y="551543"/>
+                  </a:cubicBezTo>
+                  <a:cubicBezTo>
+                    <a:pt x="1098248" y="537029"/>
+                    <a:pt x="1105265" y="520335"/>
+                    <a:pt x="1117600" y="508000"/>
+                  </a:cubicBezTo>
+                  <a:cubicBezTo>
+                    <a:pt x="1129935" y="495665"/>
+                    <a:pt x="1146629" y="488647"/>
+                    <a:pt x="1161143" y="478971"/>
+                  </a:cubicBezTo>
+                  <a:cubicBezTo>
+                    <a:pt x="1165981" y="464457"/>
+                    <a:pt x="1168227" y="448802"/>
+                    <a:pt x="1175657" y="435428"/>
+                  </a:cubicBezTo>
+                  <a:cubicBezTo>
+                    <a:pt x="1230883" y="336022"/>
+                    <a:pt x="1211943" y="350761"/>
+                    <a:pt x="1219200" y="333828"/>
+                  </a:cubicBezTo>
+                  <a:close/>
+                </a:path>
+              </a:pathLst>
+            </a:custGeom>
+            <a:solidFill>
+              <a:srgbClr val="FFC000">
+                <a:alpha val="60000"/>
+              </a:srgbClr>
+            </a:solidFill>
+            <a:ln w="19050">
+              <a:solidFill>
+                <a:schemeClr val="tx1"/>
+              </a:solidFill>
+            </a:ln>
+          </p:spPr>
+          <p:style>
+            <a:lnRef idx="2">
+              <a:schemeClr val="accent1">
+                <a:shade val="50000"/>
+              </a:schemeClr>
+            </a:lnRef>
+            <a:fillRef idx="1">
+              <a:schemeClr val="accent1"/>
+            </a:fillRef>
+            <a:effectRef idx="0">
+              <a:schemeClr val="accent1"/>
+            </a:effectRef>
+            <a:fontRef idx="minor">
+              <a:schemeClr val="lt1"/>
+            </a:fontRef>
+          </p:style>
+          <p:txBody>
+            <a:bodyPr rtlCol="0" anchor="ctr"/>
+            <a:lstStyle/>
+            <a:p>
+              <a:pPr algn="ctr"/>
+              <a:endParaRPr lang="en-US" dirty="0"/>
+            </a:p>
+          </p:txBody>
+        </p:sp>
+        <p:sp>
+          <p:nvSpPr>
+            <p:cNvPr id="7" name="Freeform 6">
+              <a:extLst>
+                <a:ext uri="{FF2B5EF4-FFF2-40B4-BE49-F238E27FC236}">
+                  <a16:creationId xmlns:a16="http://schemas.microsoft.com/office/drawing/2014/main" id="{E43FEA83-C65D-D546-B7CA-E0D6B4E65F95}"/>
+                </a:ext>
+              </a:extLst>
+            </p:cNvPr>
+            <p:cNvSpPr/>
+            <p:nvPr/>
+          </p:nvSpPr>
+          <p:spPr>
+            <a:xfrm>
+              <a:off x="5480028" y="1601368"/>
+              <a:ext cx="2728685" cy="4180114"/>
+            </a:xfrm>
+            <a:custGeom>
+              <a:avLst/>
+              <a:gdLst>
+                <a:gd name="connsiteX0" fmla="*/ 406400 w 2728685"/>
+                <a:gd name="connsiteY0" fmla="*/ 159657 h 4180114"/>
+                <a:gd name="connsiteX1" fmla="*/ 406400 w 2728685"/>
+                <a:gd name="connsiteY1" fmla="*/ 159657 h 4180114"/>
+                <a:gd name="connsiteX2" fmla="*/ 304800 w 2728685"/>
+                <a:gd name="connsiteY2" fmla="*/ 246743 h 4180114"/>
+                <a:gd name="connsiteX3" fmla="*/ 232228 w 2728685"/>
+                <a:gd name="connsiteY3" fmla="*/ 319314 h 4180114"/>
+                <a:gd name="connsiteX4" fmla="*/ 174171 w 2728685"/>
+                <a:gd name="connsiteY4" fmla="*/ 406400 h 4180114"/>
+                <a:gd name="connsiteX5" fmla="*/ 130628 w 2728685"/>
+                <a:gd name="connsiteY5" fmla="*/ 493486 h 4180114"/>
+                <a:gd name="connsiteX6" fmla="*/ 116114 w 2728685"/>
+                <a:gd name="connsiteY6" fmla="*/ 537029 h 4180114"/>
+                <a:gd name="connsiteX7" fmla="*/ 87085 w 2728685"/>
+                <a:gd name="connsiteY7" fmla="*/ 580572 h 4180114"/>
+                <a:gd name="connsiteX8" fmla="*/ 58057 w 2728685"/>
+                <a:gd name="connsiteY8" fmla="*/ 667657 h 4180114"/>
+                <a:gd name="connsiteX9" fmla="*/ 43542 w 2728685"/>
+                <a:gd name="connsiteY9" fmla="*/ 711200 h 4180114"/>
+                <a:gd name="connsiteX10" fmla="*/ 29028 w 2728685"/>
+                <a:gd name="connsiteY10" fmla="*/ 754743 h 4180114"/>
+                <a:gd name="connsiteX11" fmla="*/ 14514 w 2728685"/>
+                <a:gd name="connsiteY11" fmla="*/ 870857 h 4180114"/>
+                <a:gd name="connsiteX12" fmla="*/ 29028 w 2728685"/>
+                <a:gd name="connsiteY12" fmla="*/ 1233714 h 4180114"/>
+                <a:gd name="connsiteX13" fmla="*/ 0 w 2728685"/>
+                <a:gd name="connsiteY13" fmla="*/ 1320800 h 4180114"/>
+                <a:gd name="connsiteX14" fmla="*/ 0 w 2728685"/>
+                <a:gd name="connsiteY14" fmla="*/ 2249714 h 4180114"/>
+                <a:gd name="connsiteX15" fmla="*/ 14514 w 2728685"/>
+                <a:gd name="connsiteY15" fmla="*/ 3526972 h 4180114"/>
+                <a:gd name="connsiteX16" fmla="*/ 43542 w 2728685"/>
+                <a:gd name="connsiteY16" fmla="*/ 3643086 h 4180114"/>
+                <a:gd name="connsiteX17" fmla="*/ 87085 w 2728685"/>
+                <a:gd name="connsiteY17" fmla="*/ 3918857 h 4180114"/>
+                <a:gd name="connsiteX18" fmla="*/ 116114 w 2728685"/>
+                <a:gd name="connsiteY18" fmla="*/ 3962400 h 4180114"/>
+                <a:gd name="connsiteX19" fmla="*/ 246742 w 2728685"/>
+                <a:gd name="connsiteY19" fmla="*/ 4064000 h 4180114"/>
+                <a:gd name="connsiteX20" fmla="*/ 377371 w 2728685"/>
+                <a:gd name="connsiteY20" fmla="*/ 4107543 h 4180114"/>
+                <a:gd name="connsiteX21" fmla="*/ 420914 w 2728685"/>
+                <a:gd name="connsiteY21" fmla="*/ 4122057 h 4180114"/>
+                <a:gd name="connsiteX22" fmla="*/ 464457 w 2728685"/>
+                <a:gd name="connsiteY22" fmla="*/ 4136572 h 4180114"/>
+                <a:gd name="connsiteX23" fmla="*/ 624114 w 2728685"/>
+                <a:gd name="connsiteY23" fmla="*/ 4165600 h 4180114"/>
+                <a:gd name="connsiteX24" fmla="*/ 1088571 w 2728685"/>
+                <a:gd name="connsiteY24" fmla="*/ 4180114 h 4180114"/>
+                <a:gd name="connsiteX25" fmla="*/ 1422400 w 2728685"/>
+                <a:gd name="connsiteY25" fmla="*/ 4165600 h 4180114"/>
+                <a:gd name="connsiteX26" fmla="*/ 1683657 w 2728685"/>
+                <a:gd name="connsiteY26" fmla="*/ 4151086 h 4180114"/>
+                <a:gd name="connsiteX27" fmla="*/ 1828800 w 2728685"/>
+                <a:gd name="connsiteY27" fmla="*/ 4093029 h 4180114"/>
+                <a:gd name="connsiteX28" fmla="*/ 1872342 w 2728685"/>
+                <a:gd name="connsiteY28" fmla="*/ 4078514 h 4180114"/>
+                <a:gd name="connsiteX29" fmla="*/ 1959428 w 2728685"/>
+                <a:gd name="connsiteY29" fmla="*/ 4020457 h 4180114"/>
+                <a:gd name="connsiteX30" fmla="*/ 2002971 w 2728685"/>
+                <a:gd name="connsiteY30" fmla="*/ 3991429 h 4180114"/>
+                <a:gd name="connsiteX31" fmla="*/ 2046514 w 2728685"/>
+                <a:gd name="connsiteY31" fmla="*/ 3962400 h 4180114"/>
+                <a:gd name="connsiteX32" fmla="*/ 2133600 w 2728685"/>
+                <a:gd name="connsiteY32" fmla="*/ 3889829 h 4180114"/>
+                <a:gd name="connsiteX33" fmla="*/ 2220685 w 2728685"/>
+                <a:gd name="connsiteY33" fmla="*/ 3817257 h 4180114"/>
+                <a:gd name="connsiteX34" fmla="*/ 2249714 w 2728685"/>
+                <a:gd name="connsiteY34" fmla="*/ 3773714 h 4180114"/>
+                <a:gd name="connsiteX35" fmla="*/ 2264228 w 2728685"/>
+                <a:gd name="connsiteY35" fmla="*/ 3730172 h 4180114"/>
+                <a:gd name="connsiteX36" fmla="*/ 2351314 w 2728685"/>
+                <a:gd name="connsiteY36" fmla="*/ 3599543 h 4180114"/>
+                <a:gd name="connsiteX37" fmla="*/ 2380342 w 2728685"/>
+                <a:gd name="connsiteY37" fmla="*/ 3556000 h 4180114"/>
+                <a:gd name="connsiteX38" fmla="*/ 2409371 w 2728685"/>
+                <a:gd name="connsiteY38" fmla="*/ 3512457 h 4180114"/>
+                <a:gd name="connsiteX39" fmla="*/ 2452914 w 2728685"/>
+                <a:gd name="connsiteY39" fmla="*/ 3425372 h 4180114"/>
+                <a:gd name="connsiteX40" fmla="*/ 2496457 w 2728685"/>
+                <a:gd name="connsiteY40" fmla="*/ 3338286 h 4180114"/>
+                <a:gd name="connsiteX41" fmla="*/ 2540000 w 2728685"/>
+                <a:gd name="connsiteY41" fmla="*/ 3251200 h 4180114"/>
+                <a:gd name="connsiteX42" fmla="*/ 2569028 w 2728685"/>
+                <a:gd name="connsiteY42" fmla="*/ 3164114 h 4180114"/>
+                <a:gd name="connsiteX43" fmla="*/ 2612571 w 2728685"/>
+                <a:gd name="connsiteY43" fmla="*/ 3033486 h 4180114"/>
+                <a:gd name="connsiteX44" fmla="*/ 2641600 w 2728685"/>
+                <a:gd name="connsiteY44" fmla="*/ 2946400 h 4180114"/>
+                <a:gd name="connsiteX45" fmla="*/ 2656114 w 2728685"/>
+                <a:gd name="connsiteY45" fmla="*/ 2902857 h 4180114"/>
+                <a:gd name="connsiteX46" fmla="*/ 2670628 w 2728685"/>
+                <a:gd name="connsiteY46" fmla="*/ 2815772 h 4180114"/>
+                <a:gd name="connsiteX47" fmla="*/ 2685142 w 2728685"/>
+                <a:gd name="connsiteY47" fmla="*/ 2757714 h 4180114"/>
+                <a:gd name="connsiteX48" fmla="*/ 2699657 w 2728685"/>
+                <a:gd name="connsiteY48" fmla="*/ 2641600 h 4180114"/>
+                <a:gd name="connsiteX49" fmla="*/ 2728685 w 2728685"/>
+                <a:gd name="connsiteY49" fmla="*/ 2467429 h 4180114"/>
+                <a:gd name="connsiteX50" fmla="*/ 2714171 w 2728685"/>
+                <a:gd name="connsiteY50" fmla="*/ 2293257 h 4180114"/>
+                <a:gd name="connsiteX51" fmla="*/ 2699657 w 2728685"/>
+                <a:gd name="connsiteY51" fmla="*/ 1785257 h 4180114"/>
+                <a:gd name="connsiteX52" fmla="*/ 2670628 w 2728685"/>
+                <a:gd name="connsiteY52" fmla="*/ 1698172 h 4180114"/>
+                <a:gd name="connsiteX53" fmla="*/ 2656114 w 2728685"/>
+                <a:gd name="connsiteY53" fmla="*/ 1654629 h 4180114"/>
+                <a:gd name="connsiteX54" fmla="*/ 2641600 w 2728685"/>
+                <a:gd name="connsiteY54" fmla="*/ 1553029 h 4180114"/>
+                <a:gd name="connsiteX55" fmla="*/ 2627085 w 2728685"/>
+                <a:gd name="connsiteY55" fmla="*/ 1378857 h 4180114"/>
+                <a:gd name="connsiteX56" fmla="*/ 2598057 w 2728685"/>
+                <a:gd name="connsiteY56" fmla="*/ 1291772 h 4180114"/>
+                <a:gd name="connsiteX57" fmla="*/ 2554514 w 2728685"/>
+                <a:gd name="connsiteY57" fmla="*/ 1161143 h 4180114"/>
+                <a:gd name="connsiteX58" fmla="*/ 2525485 w 2728685"/>
+                <a:gd name="connsiteY58" fmla="*/ 1074057 h 4180114"/>
+                <a:gd name="connsiteX59" fmla="*/ 2510971 w 2728685"/>
+                <a:gd name="connsiteY59" fmla="*/ 1030514 h 4180114"/>
+                <a:gd name="connsiteX60" fmla="*/ 2481942 w 2728685"/>
+                <a:gd name="connsiteY60" fmla="*/ 986972 h 4180114"/>
+                <a:gd name="connsiteX61" fmla="*/ 2452914 w 2728685"/>
+                <a:gd name="connsiteY61" fmla="*/ 899886 h 4180114"/>
+                <a:gd name="connsiteX62" fmla="*/ 2307771 w 2728685"/>
+                <a:gd name="connsiteY62" fmla="*/ 682172 h 4180114"/>
+                <a:gd name="connsiteX63" fmla="*/ 2249714 w 2728685"/>
+                <a:gd name="connsiteY63" fmla="*/ 595086 h 4180114"/>
+                <a:gd name="connsiteX64" fmla="*/ 2220685 w 2728685"/>
+                <a:gd name="connsiteY64" fmla="*/ 551543 h 4180114"/>
+                <a:gd name="connsiteX65" fmla="*/ 2177142 w 2728685"/>
+                <a:gd name="connsiteY65" fmla="*/ 508000 h 4180114"/>
+                <a:gd name="connsiteX66" fmla="*/ 2104571 w 2728685"/>
+                <a:gd name="connsiteY66" fmla="*/ 435429 h 4180114"/>
+                <a:gd name="connsiteX67" fmla="*/ 2032000 w 2728685"/>
+                <a:gd name="connsiteY67" fmla="*/ 362857 h 4180114"/>
+                <a:gd name="connsiteX68" fmla="*/ 2002971 w 2728685"/>
+                <a:gd name="connsiteY68" fmla="*/ 319314 h 4180114"/>
+                <a:gd name="connsiteX69" fmla="*/ 1959428 w 2728685"/>
+                <a:gd name="connsiteY69" fmla="*/ 275772 h 4180114"/>
+                <a:gd name="connsiteX70" fmla="*/ 1930400 w 2728685"/>
+                <a:gd name="connsiteY70" fmla="*/ 232229 h 4180114"/>
+                <a:gd name="connsiteX71" fmla="*/ 1886857 w 2728685"/>
+                <a:gd name="connsiteY71" fmla="*/ 217714 h 4180114"/>
+                <a:gd name="connsiteX72" fmla="*/ 1843314 w 2728685"/>
+                <a:gd name="connsiteY72" fmla="*/ 188686 h 4180114"/>
+                <a:gd name="connsiteX73" fmla="*/ 1814285 w 2728685"/>
+                <a:gd name="connsiteY73" fmla="*/ 145143 h 4180114"/>
+                <a:gd name="connsiteX74" fmla="*/ 1727200 w 2728685"/>
+                <a:gd name="connsiteY74" fmla="*/ 116114 h 4180114"/>
+                <a:gd name="connsiteX75" fmla="*/ 1640114 w 2728685"/>
+                <a:gd name="connsiteY75" fmla="*/ 87086 h 4180114"/>
+                <a:gd name="connsiteX76" fmla="*/ 1596571 w 2728685"/>
+                <a:gd name="connsiteY76" fmla="*/ 72572 h 4180114"/>
+                <a:gd name="connsiteX77" fmla="*/ 1494971 w 2728685"/>
+                <a:gd name="connsiteY77" fmla="*/ 58057 h 4180114"/>
+                <a:gd name="connsiteX78" fmla="*/ 1233714 w 2728685"/>
+                <a:gd name="connsiteY78" fmla="*/ 43543 h 4180114"/>
+                <a:gd name="connsiteX79" fmla="*/ 1117600 w 2728685"/>
+                <a:gd name="connsiteY79" fmla="*/ 29029 h 4180114"/>
+                <a:gd name="connsiteX80" fmla="*/ 1059542 w 2728685"/>
+                <a:gd name="connsiteY80" fmla="*/ 14514 h 4180114"/>
+                <a:gd name="connsiteX81" fmla="*/ 972457 w 2728685"/>
+                <a:gd name="connsiteY81" fmla="*/ 0 h 4180114"/>
+                <a:gd name="connsiteX82" fmla="*/ 638628 w 2728685"/>
+                <a:gd name="connsiteY82" fmla="*/ 14514 h 4180114"/>
+                <a:gd name="connsiteX83" fmla="*/ 595085 w 2728685"/>
+                <a:gd name="connsiteY83" fmla="*/ 29029 h 4180114"/>
+                <a:gd name="connsiteX84" fmla="*/ 508000 w 2728685"/>
+                <a:gd name="connsiteY84" fmla="*/ 87086 h 4180114"/>
+                <a:gd name="connsiteX85" fmla="*/ 377371 w 2728685"/>
+                <a:gd name="connsiteY85" fmla="*/ 145143 h 4180114"/>
+                <a:gd name="connsiteX86" fmla="*/ 406400 w 2728685"/>
+                <a:gd name="connsiteY86" fmla="*/ 159657 h 4180114"/>
+              </a:gdLst>
+              <a:ahLst/>
+              <a:cxnLst>
+                <a:cxn ang="0">
+                  <a:pos x="connsiteX0" y="connsiteY0"/>
+                </a:cxn>
+                <a:cxn ang="0">
+                  <a:pos x="connsiteX1" y="connsiteY1"/>
+                </a:cxn>
+                <a:cxn ang="0">
+                  <a:pos x="connsiteX2" y="connsiteY2"/>
+                </a:cxn>
+                <a:cxn ang="0">
+                  <a:pos x="connsiteX3" y="connsiteY3"/>
+                </a:cxn>
+                <a:cxn ang="0">
+                  <a:pos x="connsiteX4" y="connsiteY4"/>
+                </a:cxn>
+                <a:cxn ang="0">
+                  <a:pos x="connsiteX5" y="connsiteY5"/>
+                </a:cxn>
+                <a:cxn ang="0">
+                  <a:pos x="connsiteX6" y="connsiteY6"/>
+                </a:cxn>
+                <a:cxn ang="0">
+                  <a:pos x="connsiteX7" y="connsiteY7"/>
+                </a:cxn>
+                <a:cxn ang="0">
+                  <a:pos x="connsiteX8" y="connsiteY8"/>
+                </a:cxn>
+                <a:cxn ang="0">
+                  <a:pos x="connsiteX9" y="connsiteY9"/>
+                </a:cxn>
+                <a:cxn ang="0">
+                  <a:pos x="connsiteX10" y="connsiteY10"/>
+                </a:cxn>
+                <a:cxn ang="0">
+                  <a:pos x="connsiteX11" y="connsiteY11"/>
+                </a:cxn>
+                <a:cxn ang="0">
+                  <a:pos x="connsiteX12" y="connsiteY12"/>
+                </a:cxn>
+                <a:cxn ang="0">
+                  <a:pos x="connsiteX13" y="connsiteY13"/>
+                </a:cxn>
+                <a:cxn ang="0">
+                  <a:pos x="connsiteX14" y="connsiteY14"/>
+                </a:cxn>
+                <a:cxn ang="0">
+                  <a:pos x="connsiteX15" y="connsiteY15"/>
+                </a:cxn>
+                <a:cxn ang="0">
+                  <a:pos x="connsiteX16" y="connsiteY16"/>
+                </a:cxn>
+                <a:cxn ang="0">
+                  <a:pos x="connsiteX17" y="connsiteY17"/>
+                </a:cxn>
+                <a:cxn ang="0">
+                  <a:pos x="connsiteX18" y="connsiteY18"/>
+                </a:cxn>
+                <a:cxn ang="0">
+                  <a:pos x="connsiteX19" y="connsiteY19"/>
+                </a:cxn>
+                <a:cxn ang="0">
+                  <a:pos x="connsiteX20" y="connsiteY20"/>
+                </a:cxn>
+                <a:cxn ang="0">
+                  <a:pos x="connsiteX21" y="connsiteY21"/>
+                </a:cxn>
+                <a:cxn ang="0">
+                  <a:pos x="connsiteX22" y="connsiteY22"/>
+                </a:cxn>
+                <a:cxn ang="0">
+                  <a:pos x="connsiteX23" y="connsiteY23"/>
+                </a:cxn>
+                <a:cxn ang="0">
+                  <a:pos x="connsiteX24" y="connsiteY24"/>
+                </a:cxn>
+                <a:cxn ang="0">
+                  <a:pos x="connsiteX25" y="connsiteY25"/>
+                </a:cxn>
+                <a:cxn ang="0">
+                  <a:pos x="connsiteX26" y="connsiteY26"/>
+                </a:cxn>
+                <a:cxn ang="0">
+                  <a:pos x="connsiteX27" y="connsiteY27"/>
+                </a:cxn>
+                <a:cxn ang="0">
+                  <a:pos x="connsiteX28" y="connsiteY28"/>
+                </a:cxn>
+                <a:cxn ang="0">
+                  <a:pos x="connsiteX29" y="connsiteY29"/>
+                </a:cxn>
+                <a:cxn ang="0">
+                  <a:pos x="connsiteX30" y="connsiteY30"/>
+                </a:cxn>
+                <a:cxn ang="0">
+                  <a:pos x="connsiteX31" y="connsiteY31"/>
+                </a:cxn>
+                <a:cxn ang="0">
+                  <a:pos x="connsiteX32" y="connsiteY32"/>
+                </a:cxn>
+                <a:cxn ang="0">
+                  <a:pos x="connsiteX33" y="connsiteY33"/>
+                </a:cxn>
+                <a:cxn ang="0">
+                  <a:pos x="connsiteX34" y="connsiteY34"/>
+                </a:cxn>
+                <a:cxn ang="0">
+                  <a:pos x="connsiteX35" y="connsiteY35"/>
+                </a:cxn>
+                <a:cxn ang="0">
+                  <a:pos x="connsiteX36" y="connsiteY36"/>
+                </a:cxn>
+                <a:cxn ang="0">
+                  <a:pos x="connsiteX37" y="connsiteY37"/>
+                </a:cxn>
+                <a:cxn ang="0">
+                  <a:pos x="connsiteX38" y="connsiteY38"/>
+                </a:cxn>
+                <a:cxn ang="0">
+                  <a:pos x="connsiteX39" y="connsiteY39"/>
+                </a:cxn>
+                <a:cxn ang="0">
+                  <a:pos x="connsiteX40" y="connsiteY40"/>
+                </a:cxn>
+                <a:cxn ang="0">
+                  <a:pos x="connsiteX41" y="connsiteY41"/>
+                </a:cxn>
+                <a:cxn ang="0">
+                  <a:pos x="connsiteX42" y="connsiteY42"/>
+                </a:cxn>
+                <a:cxn ang="0">
+                  <a:pos x="connsiteX43" y="connsiteY43"/>
+                </a:cxn>
+                <a:cxn ang="0">
+                  <a:pos x="connsiteX44" y="connsiteY44"/>
+                </a:cxn>
+                <a:cxn ang="0">
+                  <a:pos x="connsiteX45" y="connsiteY45"/>
+                </a:cxn>
+                <a:cxn ang="0">
+                  <a:pos x="connsiteX46" y="connsiteY46"/>
+                </a:cxn>
+                <a:cxn ang="0">
+                  <a:pos x="connsiteX47" y="connsiteY47"/>
+                </a:cxn>
+                <a:cxn ang="0">
+                  <a:pos x="connsiteX48" y="connsiteY48"/>
+                </a:cxn>
+                <a:cxn ang="0">
+                  <a:pos x="connsiteX49" y="connsiteY49"/>
+                </a:cxn>
+                <a:cxn ang="0">
+                  <a:pos x="connsiteX50" y="connsiteY50"/>
+                </a:cxn>
+                <a:cxn ang="0">
+                  <a:pos x="connsiteX51" y="connsiteY51"/>
+                </a:cxn>
+                <a:cxn ang="0">
+                  <a:pos x="connsiteX52" y="connsiteY52"/>
+                </a:cxn>
+                <a:cxn ang="0">
+                  <a:pos x="connsiteX53" y="connsiteY53"/>
+                </a:cxn>
+                <a:cxn ang="0">
+                  <a:pos x="connsiteX54" y="connsiteY54"/>
+                </a:cxn>
+                <a:cxn ang="0">
+                  <a:pos x="connsiteX55" y="connsiteY55"/>
+                </a:cxn>
+                <a:cxn ang="0">
+                  <a:pos x="connsiteX56" y="connsiteY56"/>
+                </a:cxn>
+                <a:cxn ang="0">
+                  <a:pos x="connsiteX57" y="connsiteY57"/>
+                </a:cxn>
+                <a:cxn ang="0">
+                  <a:pos x="connsiteX58" y="connsiteY58"/>
+                </a:cxn>
+                <a:cxn ang="0">
+                  <a:pos x="connsiteX59" y="connsiteY59"/>
+                </a:cxn>
+                <a:cxn ang="0">
+                  <a:pos x="connsiteX60" y="connsiteY60"/>
+                </a:cxn>
+                <a:cxn ang="0">
+                  <a:pos x="connsiteX61" y="connsiteY61"/>
+                </a:cxn>
+                <a:cxn ang="0">
+                  <a:pos x="connsiteX62" y="connsiteY62"/>
+                </a:cxn>
+                <a:cxn ang="0">
+                  <a:pos x="connsiteX63" y="connsiteY63"/>
+                </a:cxn>
+                <a:cxn ang="0">
+                  <a:pos x="connsiteX64" y="connsiteY64"/>
+                </a:cxn>
+                <a:cxn ang="0">
+                  <a:pos x="connsiteX65" y="connsiteY65"/>
+                </a:cxn>
+                <a:cxn ang="0">
+                  <a:pos x="connsiteX66" y="connsiteY66"/>
+                </a:cxn>
+                <a:cxn ang="0">
+                  <a:pos x="connsiteX67" y="connsiteY67"/>
+                </a:cxn>
+                <a:cxn ang="0">
+                  <a:pos x="connsiteX68" y="connsiteY68"/>
+                </a:cxn>
+                <a:cxn ang="0">
+                  <a:pos x="connsiteX69" y="connsiteY69"/>
+                </a:cxn>
+                <a:cxn ang="0">
+                  <a:pos x="connsiteX70" y="connsiteY70"/>
+                </a:cxn>
+                <a:cxn ang="0">
+                  <a:pos x="connsiteX71" y="connsiteY71"/>
+                </a:cxn>
+                <a:cxn ang="0">
+                  <a:pos x="connsiteX72" y="connsiteY72"/>
+                </a:cxn>
+                <a:cxn ang="0">
+                  <a:pos x="connsiteX73" y="connsiteY73"/>
+                </a:cxn>
+                <a:cxn ang="0">
+                  <a:pos x="connsiteX74" y="connsiteY74"/>
+                </a:cxn>
+                <a:cxn ang="0">
+                  <a:pos x="connsiteX75" y="connsiteY75"/>
+                </a:cxn>
+                <a:cxn ang="0">
+                  <a:pos x="connsiteX76" y="connsiteY76"/>
+                </a:cxn>
+                <a:cxn ang="0">
+                  <a:pos x="connsiteX77" y="connsiteY77"/>
+                </a:cxn>
+                <a:cxn ang="0">
+                  <a:pos x="connsiteX78" y="connsiteY78"/>
+                </a:cxn>
+                <a:cxn ang="0">
+                  <a:pos x="connsiteX79" y="connsiteY79"/>
+                </a:cxn>
+                <a:cxn ang="0">
+                  <a:pos x="connsiteX80" y="connsiteY80"/>
+                </a:cxn>
+                <a:cxn ang="0">
+                  <a:pos x="connsiteX81" y="connsiteY81"/>
+                </a:cxn>
+                <a:cxn ang="0">
+                  <a:pos x="connsiteX82" y="connsiteY82"/>
+                </a:cxn>
+                <a:cxn ang="0">
+                  <a:pos x="connsiteX83" y="connsiteY83"/>
+                </a:cxn>
+                <a:cxn ang="0">
+                  <a:pos x="connsiteX84" y="connsiteY84"/>
+                </a:cxn>
+                <a:cxn ang="0">
+                  <a:pos x="connsiteX85" y="connsiteY85"/>
+                </a:cxn>
+                <a:cxn ang="0">
+                  <a:pos x="connsiteX86" y="connsiteY86"/>
+                </a:cxn>
+              </a:cxnLst>
+              <a:rect l="l" t="t" r="r" b="b"/>
+              <a:pathLst>
+                <a:path w="2728685" h="4180114">
+                  <a:moveTo>
+                    <a:pt x="406400" y="159657"/>
+                  </a:moveTo>
+                  <a:lnTo>
+                    <a:pt x="406400" y="159657"/>
+                  </a:lnTo>
+                  <a:cubicBezTo>
+                    <a:pt x="372533" y="188686"/>
+                    <a:pt x="336341" y="215202"/>
+                    <a:pt x="304800" y="246743"/>
+                  </a:cubicBezTo>
+                  <a:cubicBezTo>
+                    <a:pt x="208042" y="343501"/>
+                    <a:pt x="348338" y="241909"/>
+                    <a:pt x="232228" y="319314"/>
+                  </a:cubicBezTo>
+                  <a:cubicBezTo>
+                    <a:pt x="212876" y="348343"/>
+                    <a:pt x="185203" y="373302"/>
+                    <a:pt x="174171" y="406400"/>
+                  </a:cubicBezTo>
+                  <a:cubicBezTo>
+                    <a:pt x="154141" y="466492"/>
+                    <a:pt x="168144" y="437213"/>
+                    <a:pt x="130628" y="493486"/>
+                  </a:cubicBezTo>
+                  <a:cubicBezTo>
+                    <a:pt x="125790" y="508000"/>
+                    <a:pt x="122956" y="523345"/>
+                    <a:pt x="116114" y="537029"/>
+                  </a:cubicBezTo>
+                  <a:cubicBezTo>
+                    <a:pt x="108313" y="552631"/>
+                    <a:pt x="94170" y="564631"/>
+                    <a:pt x="87085" y="580572"/>
+                  </a:cubicBezTo>
+                  <a:cubicBezTo>
+                    <a:pt x="74658" y="608533"/>
+                    <a:pt x="67733" y="638629"/>
+                    <a:pt x="58057" y="667657"/>
+                  </a:cubicBezTo>
+                  <a:lnTo>
+                    <a:pt x="43542" y="711200"/>
+                  </a:lnTo>
+                  <a:lnTo>
+                    <a:pt x="29028" y="754743"/>
+                  </a:lnTo>
+                  <a:cubicBezTo>
+                    <a:pt x="24190" y="793448"/>
+                    <a:pt x="14514" y="831851"/>
+                    <a:pt x="14514" y="870857"/>
+                  </a:cubicBezTo>
+                  <a:cubicBezTo>
+                    <a:pt x="14514" y="991906"/>
+                    <a:pt x="32931" y="1112728"/>
+                    <a:pt x="29028" y="1233714"/>
+                  </a:cubicBezTo>
+                  <a:cubicBezTo>
+                    <a:pt x="28041" y="1264297"/>
+                    <a:pt x="0" y="1320800"/>
+                    <a:pt x="0" y="1320800"/>
+                  </a:cubicBezTo>
+                  <a:cubicBezTo>
+                    <a:pt x="44927" y="2938220"/>
+                    <a:pt x="0" y="922794"/>
+                    <a:pt x="0" y="2249714"/>
+                  </a:cubicBezTo>
+                  <a:cubicBezTo>
+                    <a:pt x="0" y="2675494"/>
+                    <a:pt x="1215" y="3101400"/>
+                    <a:pt x="14514" y="3526972"/>
+                  </a:cubicBezTo>
+                  <a:cubicBezTo>
+                    <a:pt x="15760" y="3566848"/>
+                    <a:pt x="43542" y="3643086"/>
+                    <a:pt x="43542" y="3643086"/>
+                  </a:cubicBezTo>
+                  <a:cubicBezTo>
+                    <a:pt x="47233" y="3691068"/>
+                    <a:pt x="44498" y="3854977"/>
+                    <a:pt x="87085" y="3918857"/>
+                  </a:cubicBezTo>
+                  <a:cubicBezTo>
+                    <a:pt x="96761" y="3933371"/>
+                    <a:pt x="104947" y="3948999"/>
+                    <a:pt x="116114" y="3962400"/>
+                  </a:cubicBezTo>
+                  <a:cubicBezTo>
+                    <a:pt x="145014" y="3997080"/>
+                    <a:pt x="209396" y="4051551"/>
+                    <a:pt x="246742" y="4064000"/>
+                  </a:cubicBezTo>
+                  <a:lnTo>
+                    <a:pt x="377371" y="4107543"/>
+                  </a:lnTo>
+                  <a:lnTo>
+                    <a:pt x="420914" y="4122057"/>
+                  </a:lnTo>
+                  <a:cubicBezTo>
+                    <a:pt x="435428" y="4126895"/>
+                    <a:pt x="449614" y="4132861"/>
+                    <a:pt x="464457" y="4136572"/>
+                  </a:cubicBezTo>
+                  <a:cubicBezTo>
+                    <a:pt x="523096" y="4151232"/>
+                    <a:pt x="558687" y="4162245"/>
+                    <a:pt x="624114" y="4165600"/>
+                  </a:cubicBezTo>
+                  <a:cubicBezTo>
+                    <a:pt x="778805" y="4173533"/>
+                    <a:pt x="933752" y="4175276"/>
+                    <a:pt x="1088571" y="4180114"/>
+                  </a:cubicBezTo>
+                  <a:lnTo>
+                    <a:pt x="1422400" y="4165600"/>
+                  </a:lnTo>
+                  <a:cubicBezTo>
+                    <a:pt x="1509516" y="4161351"/>
+                    <a:pt x="1597111" y="4161904"/>
+                    <a:pt x="1683657" y="4151086"/>
+                  </a:cubicBezTo>
+                  <a:cubicBezTo>
+                    <a:pt x="1745833" y="4143314"/>
+                    <a:pt x="1775501" y="4115871"/>
+                    <a:pt x="1828800" y="4093029"/>
+                  </a:cubicBezTo>
+                  <a:cubicBezTo>
+                    <a:pt x="1842862" y="4087002"/>
+                    <a:pt x="1858968" y="4085944"/>
+                    <a:pt x="1872342" y="4078514"/>
+                  </a:cubicBezTo>
+                  <a:cubicBezTo>
+                    <a:pt x="1902840" y="4061571"/>
+                    <a:pt x="1930399" y="4039809"/>
+                    <a:pt x="1959428" y="4020457"/>
+                  </a:cubicBezTo>
+                  <a:lnTo>
+                    <a:pt x="2002971" y="3991429"/>
+                  </a:lnTo>
+                  <a:cubicBezTo>
+                    <a:pt x="2017485" y="3981753"/>
+                    <a:pt x="2034179" y="3974735"/>
+                    <a:pt x="2046514" y="3962400"/>
+                  </a:cubicBezTo>
+                  <a:cubicBezTo>
+                    <a:pt x="2173734" y="3835180"/>
+                    <a:pt x="2012349" y="3990872"/>
+                    <a:pt x="2133600" y="3889829"/>
+                  </a:cubicBezTo>
+                  <a:cubicBezTo>
+                    <a:pt x="2245362" y="3796693"/>
+                    <a:pt x="2112569" y="3889335"/>
+                    <a:pt x="2220685" y="3817257"/>
+                  </a:cubicBezTo>
+                  <a:cubicBezTo>
+                    <a:pt x="2230361" y="3802743"/>
+                    <a:pt x="2241913" y="3789316"/>
+                    <a:pt x="2249714" y="3773714"/>
+                  </a:cubicBezTo>
+                  <a:cubicBezTo>
+                    <a:pt x="2256556" y="3760030"/>
+                    <a:pt x="2256798" y="3743546"/>
+                    <a:pt x="2264228" y="3730172"/>
+                  </a:cubicBezTo>
+                  <a:cubicBezTo>
+                    <a:pt x="2264236" y="3730157"/>
+                    <a:pt x="2336795" y="3621322"/>
+                    <a:pt x="2351314" y="3599543"/>
+                  </a:cubicBezTo>
+                  <a:lnTo>
+                    <a:pt x="2380342" y="3556000"/>
+                  </a:lnTo>
+                  <a:lnTo>
+                    <a:pt x="2409371" y="3512457"/>
+                  </a:lnTo>
+                  <a:cubicBezTo>
+                    <a:pt x="2445852" y="3403010"/>
+                    <a:pt x="2396641" y="3537917"/>
+                    <a:pt x="2452914" y="3425372"/>
+                  </a:cubicBezTo>
+                  <a:cubicBezTo>
+                    <a:pt x="2513009" y="3305184"/>
+                    <a:pt x="2413260" y="3463079"/>
+                    <a:pt x="2496457" y="3338286"/>
+                  </a:cubicBezTo>
+                  <a:cubicBezTo>
+                    <a:pt x="2549389" y="3179486"/>
+                    <a:pt x="2464970" y="3420019"/>
+                    <a:pt x="2540000" y="3251200"/>
+                  </a:cubicBezTo>
+                  <a:cubicBezTo>
+                    <a:pt x="2552427" y="3223238"/>
+                    <a:pt x="2559352" y="3193143"/>
+                    <a:pt x="2569028" y="3164114"/>
+                  </a:cubicBezTo>
+                  <a:lnTo>
+                    <a:pt x="2612571" y="3033486"/>
+                  </a:lnTo>
+                  <a:lnTo>
+                    <a:pt x="2641600" y="2946400"/>
+                  </a:lnTo>
+                  <a:cubicBezTo>
+                    <a:pt x="2646438" y="2931886"/>
+                    <a:pt x="2653599" y="2917948"/>
+                    <a:pt x="2656114" y="2902857"/>
+                  </a:cubicBezTo>
+                  <a:cubicBezTo>
+                    <a:pt x="2660952" y="2873829"/>
+                    <a:pt x="2664857" y="2844629"/>
+                    <a:pt x="2670628" y="2815772"/>
+                  </a:cubicBezTo>
+                  <a:cubicBezTo>
+                    <a:pt x="2674540" y="2796211"/>
+                    <a:pt x="2681862" y="2777391"/>
+                    <a:pt x="2685142" y="2757714"/>
+                  </a:cubicBezTo>
+                  <a:cubicBezTo>
+                    <a:pt x="2691555" y="2719239"/>
+                    <a:pt x="2694502" y="2680264"/>
+                    <a:pt x="2699657" y="2641600"/>
+                  </a:cubicBezTo>
+                  <a:cubicBezTo>
+                    <a:pt x="2714061" y="2533574"/>
+                    <a:pt x="2710057" y="2560570"/>
+                    <a:pt x="2728685" y="2467429"/>
+                  </a:cubicBezTo>
+                  <a:cubicBezTo>
+                    <a:pt x="2723847" y="2409372"/>
+                    <a:pt x="2716648" y="2351463"/>
+                    <a:pt x="2714171" y="2293257"/>
+                  </a:cubicBezTo>
+                  <a:cubicBezTo>
+                    <a:pt x="2706969" y="2124008"/>
+                    <a:pt x="2712019" y="1954208"/>
+                    <a:pt x="2699657" y="1785257"/>
+                  </a:cubicBezTo>
+                  <a:cubicBezTo>
+                    <a:pt x="2697424" y="1754740"/>
+                    <a:pt x="2680304" y="1727200"/>
+                    <a:pt x="2670628" y="1698172"/>
+                  </a:cubicBezTo>
+                  <a:lnTo>
+                    <a:pt x="2656114" y="1654629"/>
+                  </a:lnTo>
+                  <a:cubicBezTo>
+                    <a:pt x="2651276" y="1620762"/>
+                    <a:pt x="2645181" y="1587052"/>
+                    <a:pt x="2641600" y="1553029"/>
+                  </a:cubicBezTo>
+                  <a:cubicBezTo>
+                    <a:pt x="2635501" y="1495091"/>
+                    <a:pt x="2636663" y="1436323"/>
+                    <a:pt x="2627085" y="1378857"/>
+                  </a:cubicBezTo>
+                  <a:cubicBezTo>
+                    <a:pt x="2622055" y="1348675"/>
+                    <a:pt x="2607733" y="1320800"/>
+                    <a:pt x="2598057" y="1291772"/>
+                  </a:cubicBezTo>
+                  <a:lnTo>
+                    <a:pt x="2554514" y="1161143"/>
+                  </a:lnTo>
+                  <a:lnTo>
+                    <a:pt x="2525485" y="1074057"/>
+                  </a:lnTo>
+                  <a:cubicBezTo>
+                    <a:pt x="2520647" y="1059543"/>
+                    <a:pt x="2519458" y="1043244"/>
+                    <a:pt x="2510971" y="1030514"/>
+                  </a:cubicBezTo>
+                  <a:lnTo>
+                    <a:pt x="2481942" y="986972"/>
+                  </a:lnTo>
+                  <a:cubicBezTo>
+                    <a:pt x="2472266" y="957943"/>
+                    <a:pt x="2469887" y="925346"/>
+                    <a:pt x="2452914" y="899886"/>
+                  </a:cubicBezTo>
+                  <a:lnTo>
+                    <a:pt x="2307771" y="682172"/>
+                  </a:lnTo>
+                  <a:lnTo>
+                    <a:pt x="2249714" y="595086"/>
+                  </a:lnTo>
+                  <a:cubicBezTo>
+                    <a:pt x="2240038" y="580572"/>
+                    <a:pt x="2233020" y="563878"/>
+                    <a:pt x="2220685" y="551543"/>
+                  </a:cubicBezTo>
+                  <a:cubicBezTo>
+                    <a:pt x="2206171" y="537029"/>
+                    <a:pt x="2190283" y="523769"/>
+                    <a:pt x="2177142" y="508000"/>
+                  </a:cubicBezTo>
+                  <a:cubicBezTo>
+                    <a:pt x="2116666" y="435429"/>
+                    <a:pt x="2184400" y="488647"/>
+                    <a:pt x="2104571" y="435429"/>
+                  </a:cubicBezTo>
+                  <a:cubicBezTo>
+                    <a:pt x="2027160" y="319313"/>
+                    <a:pt x="2128762" y="459620"/>
+                    <a:pt x="2032000" y="362857"/>
+                  </a:cubicBezTo>
+                  <a:cubicBezTo>
+                    <a:pt x="2019665" y="350522"/>
+                    <a:pt x="2014139" y="332715"/>
+                    <a:pt x="2002971" y="319314"/>
+                  </a:cubicBezTo>
+                  <a:cubicBezTo>
+                    <a:pt x="1989830" y="303545"/>
+                    <a:pt x="1972569" y="291541"/>
+                    <a:pt x="1959428" y="275772"/>
+                  </a:cubicBezTo>
+                  <a:cubicBezTo>
+                    <a:pt x="1948261" y="262371"/>
+                    <a:pt x="1944021" y="243126"/>
+                    <a:pt x="1930400" y="232229"/>
+                  </a:cubicBezTo>
+                  <a:cubicBezTo>
+                    <a:pt x="1918453" y="222671"/>
+                    <a:pt x="1900541" y="224556"/>
+                    <a:pt x="1886857" y="217714"/>
+                  </a:cubicBezTo>
+                  <a:cubicBezTo>
+                    <a:pt x="1871255" y="209913"/>
+                    <a:pt x="1857828" y="198362"/>
+                    <a:pt x="1843314" y="188686"/>
+                  </a:cubicBezTo>
+                  <a:cubicBezTo>
+                    <a:pt x="1833638" y="174172"/>
+                    <a:pt x="1829078" y="154388"/>
+                    <a:pt x="1814285" y="145143"/>
+                  </a:cubicBezTo>
+                  <a:cubicBezTo>
+                    <a:pt x="1788337" y="128926"/>
+                    <a:pt x="1756228" y="125790"/>
+                    <a:pt x="1727200" y="116114"/>
+                  </a:cubicBezTo>
+                  <a:lnTo>
+                    <a:pt x="1640114" y="87086"/>
+                  </a:lnTo>
+                  <a:cubicBezTo>
+                    <a:pt x="1625600" y="82248"/>
+                    <a:pt x="1611717" y="74736"/>
+                    <a:pt x="1596571" y="72572"/>
+                  </a:cubicBezTo>
+                  <a:cubicBezTo>
+                    <a:pt x="1562704" y="67734"/>
+                    <a:pt x="1529073" y="60785"/>
+                    <a:pt x="1494971" y="58057"/>
+                  </a:cubicBezTo>
+                  <a:cubicBezTo>
+                    <a:pt x="1408029" y="51102"/>
+                    <a:pt x="1320800" y="48381"/>
+                    <a:pt x="1233714" y="43543"/>
+                  </a:cubicBezTo>
+                  <a:cubicBezTo>
+                    <a:pt x="1195009" y="38705"/>
+                    <a:pt x="1156075" y="35442"/>
+                    <a:pt x="1117600" y="29029"/>
+                  </a:cubicBezTo>
+                  <a:cubicBezTo>
+                    <a:pt x="1097923" y="25749"/>
+                    <a:pt x="1079103" y="18426"/>
+                    <a:pt x="1059542" y="14514"/>
+                  </a:cubicBezTo>
+                  <a:cubicBezTo>
+                    <a:pt x="1030685" y="8742"/>
+                    <a:pt x="1001485" y="4838"/>
+                    <a:pt x="972457" y="0"/>
+                  </a:cubicBezTo>
+                  <a:cubicBezTo>
+                    <a:pt x="861181" y="4838"/>
+                    <a:pt x="749681" y="5971"/>
+                    <a:pt x="638628" y="14514"/>
+                  </a:cubicBezTo>
+                  <a:cubicBezTo>
+                    <a:pt x="623374" y="15687"/>
+                    <a:pt x="608459" y="21599"/>
+                    <a:pt x="595085" y="29029"/>
+                  </a:cubicBezTo>
+                  <a:cubicBezTo>
+                    <a:pt x="564588" y="45972"/>
+                    <a:pt x="537028" y="67734"/>
+                    <a:pt x="508000" y="87086"/>
+                  </a:cubicBezTo>
+                  <a:cubicBezTo>
+                    <a:pt x="439000" y="133086"/>
+                    <a:pt x="481000" y="110600"/>
+                    <a:pt x="377371" y="145143"/>
+                  </a:cubicBezTo>
+                  <a:cubicBezTo>
+                    <a:pt x="323565" y="163078"/>
+                    <a:pt x="401562" y="157238"/>
+                    <a:pt x="406400" y="159657"/>
+                  </a:cubicBezTo>
+                  <a:close/>
+                </a:path>
+              </a:pathLst>
+            </a:custGeom>
+            <a:solidFill>
+              <a:srgbClr val="FFC000">
+                <a:alpha val="60000"/>
+              </a:srgbClr>
+            </a:solidFill>
+            <a:ln w="19050">
+              <a:solidFill>
+                <a:schemeClr val="tx1"/>
+              </a:solidFill>
+            </a:ln>
+          </p:spPr>
+          <p:style>
+            <a:lnRef idx="2">
+              <a:schemeClr val="accent1">
+                <a:shade val="50000"/>
+              </a:schemeClr>
+            </a:lnRef>
+            <a:fillRef idx="1">
+              <a:schemeClr val="accent1"/>
+            </a:fillRef>
+            <a:effectRef idx="0">
+              <a:schemeClr val="accent1"/>
+            </a:effectRef>
+            <a:fontRef idx="minor">
+              <a:schemeClr val="lt1"/>
+            </a:fontRef>
+          </p:style>
+          <p:txBody>
+            <a:bodyPr rtlCol="0" anchor="ctr"/>
+            <a:lstStyle/>
+            <a:p>
+              <a:pPr algn="ctr"/>
+              <a:endParaRPr lang="en-US" dirty="0"/>
+            </a:p>
+          </p:txBody>
+        </p:sp>
+      </p:grpSp>
+      <p:sp>
+        <p:nvSpPr>
+          <p:cNvPr id="8" name="TextBox 7">
+            <a:extLst>
+              <a:ext uri="{FF2B5EF4-FFF2-40B4-BE49-F238E27FC236}">
+                <a16:creationId xmlns:a16="http://schemas.microsoft.com/office/drawing/2014/main" id="{CAF73318-D083-3A41-9989-0B8A068C5B40}"/>
+              </a:ext>
+            </a:extLst>
+          </p:cNvPr>
+          <p:cNvSpPr txBox="1"/>
+          <p:nvPr/>
+        </p:nvSpPr>
+        <p:spPr>
+          <a:xfrm>
+            <a:off x="3439779" y="345092"/>
+            <a:ext cx="1918346" cy="461665"/>
+          </a:xfrm>
+          <a:prstGeom prst="rect">
+            <a:avLst/>
+          </a:prstGeom>
+          <a:noFill/>
+        </p:spPr>
+        <p:txBody>
+          <a:bodyPr wrap="none" rtlCol="0">
+            <a:spAutoFit/>
+          </a:bodyPr>
+          <a:lstStyle/>
+          <a:p>
+            <a:r>
+              <a:rPr lang="en-US" sz="2400" b="1" dirty="0"/>
+              <a:t>Opened (day)</a:t>
+            </a:r>
+          </a:p>
+        </p:txBody>
+      </p:sp>
+      <p:sp>
+        <p:nvSpPr>
+          <p:cNvPr id="11" name="Can 10">
+            <a:extLst>
+              <a:ext uri="{FF2B5EF4-FFF2-40B4-BE49-F238E27FC236}">
+                <a16:creationId xmlns:a16="http://schemas.microsoft.com/office/drawing/2014/main" id="{F1FA4DEE-B62E-B645-9335-973C5E6166CA}"/>
+              </a:ext>
+            </a:extLst>
+          </p:cNvPr>
+          <p:cNvSpPr/>
+          <p:nvPr/>
+        </p:nvSpPr>
+        <p:spPr>
+          <a:xfrm rot="18444624">
+            <a:off x="2931256" y="1221735"/>
+            <a:ext cx="471041" cy="672362"/>
+          </a:xfrm>
+          <a:prstGeom prst="can">
+            <a:avLst/>
+          </a:prstGeom>
+        </p:spPr>
+        <p:style>
+          <a:lnRef idx="2">
+            <a:schemeClr val="accent1">
+              <a:shade val="50000"/>
+            </a:schemeClr>
+          </a:lnRef>
+          <a:fillRef idx="1">
+            <a:schemeClr val="accent1"/>
+          </a:fillRef>
+          <a:effectRef idx="0">
+            <a:schemeClr val="accent1"/>
+          </a:effectRef>
+          <a:fontRef idx="minor">
+            <a:schemeClr val="lt1"/>
+          </a:fontRef>
+        </p:style>
+        <p:txBody>
+          <a:bodyPr rtlCol="0" anchor="ctr"/>
+          <a:lstStyle/>
+          <a:p>
+            <a:pPr algn="ctr"/>
+            <a:endParaRPr lang="en-US"/>
+          </a:p>
+        </p:txBody>
+      </p:sp>
+      <p:cxnSp>
+        <p:nvCxnSpPr>
+          <p:cNvPr id="13" name="Straight Arrow Connector 12">
+            <a:extLst>
+              <a:ext uri="{FF2B5EF4-FFF2-40B4-BE49-F238E27FC236}">
+                <a16:creationId xmlns:a16="http://schemas.microsoft.com/office/drawing/2014/main" id="{82814885-4587-124E-9DD0-2B2FCC0B4BA9}"/>
+              </a:ext>
+            </a:extLst>
+          </p:cNvPr>
+          <p:cNvCxnSpPr>
+            <a:cxnSpLocks/>
+          </p:cNvCxnSpPr>
+          <p:nvPr/>
+        </p:nvCxnSpPr>
+        <p:spPr>
+          <a:xfrm flipH="1" flipV="1">
+            <a:off x="2786746" y="1223886"/>
+            <a:ext cx="733157" cy="607043"/>
+          </a:xfrm>
+          <a:prstGeom prst="straightConnector1">
+            <a:avLst/>
+          </a:prstGeom>
+          <a:ln w="12700">
+            <a:solidFill>
+              <a:schemeClr val="tx1"/>
+            </a:solidFill>
+            <a:tailEnd type="triangle"/>
+          </a:ln>
+        </p:spPr>
+        <p:style>
+          <a:lnRef idx="1">
+            <a:schemeClr val="accent1"/>
+          </a:lnRef>
+          <a:fillRef idx="0">
+            <a:schemeClr val="accent1"/>
+          </a:fillRef>
+          <a:effectRef idx="0">
+            <a:schemeClr val="accent1"/>
+          </a:effectRef>
+          <a:fontRef idx="minor">
+            <a:schemeClr val="tx1"/>
+          </a:fontRef>
+        </p:style>
+      </p:cxnSp>
+      <p:sp>
+        <p:nvSpPr>
+          <p:cNvPr id="17" name="TextBox 16">
+            <a:extLst>
+              <a:ext uri="{FF2B5EF4-FFF2-40B4-BE49-F238E27FC236}">
+                <a16:creationId xmlns:a16="http://schemas.microsoft.com/office/drawing/2014/main" id="{EFD5E1EA-ABB7-AB40-9B1D-FA892BDC5DB6}"/>
+              </a:ext>
+            </a:extLst>
+          </p:cNvPr>
+          <p:cNvSpPr txBox="1"/>
+          <p:nvPr/>
+        </p:nvSpPr>
+        <p:spPr>
+          <a:xfrm>
+            <a:off x="2552742" y="973815"/>
+            <a:ext cx="405880" cy="369332"/>
+          </a:xfrm>
+          <a:prstGeom prst="rect">
+            <a:avLst/>
+          </a:prstGeom>
+          <a:noFill/>
+        </p:spPr>
+        <p:txBody>
+          <a:bodyPr wrap="none" rtlCol="0">
+            <a:spAutoFit/>
+          </a:bodyPr>
+          <a:lstStyle/>
+          <a:p>
+            <a:r>
+              <a:rPr lang="en-US" dirty="0"/>
+              <a:t>H</a:t>
+            </a:r>
+            <a:r>
+              <a:rPr lang="en-US" baseline="30000" dirty="0"/>
+              <a:t>+</a:t>
+            </a:r>
+          </a:p>
+        </p:txBody>
+      </p:sp>
+      <p:sp>
+        <p:nvSpPr>
+          <p:cNvPr id="21" name="Circular Arrow 20">
+            <a:extLst>
+              <a:ext uri="{FF2B5EF4-FFF2-40B4-BE49-F238E27FC236}">
+                <a16:creationId xmlns:a16="http://schemas.microsoft.com/office/drawing/2014/main" id="{5F63B856-A8FE-B443-9312-789358FECB38}"/>
+              </a:ext>
+            </a:extLst>
+          </p:cNvPr>
+          <p:cNvSpPr/>
+          <p:nvPr/>
+        </p:nvSpPr>
+        <p:spPr>
+          <a:xfrm rot="19234449">
+            <a:off x="3389091" y="1617998"/>
+            <a:ext cx="566058" cy="631371"/>
+          </a:xfrm>
+          <a:prstGeom prst="circularArrow">
+            <a:avLst/>
+          </a:prstGeom>
+          <a:solidFill>
+            <a:schemeClr val="tx1"/>
+          </a:solidFill>
+          <a:ln>
+            <a:noFill/>
+          </a:ln>
+        </p:spPr>
+        <p:style>
+          <a:lnRef idx="2">
+            <a:schemeClr val="accent1">
+              <a:shade val="50000"/>
+            </a:schemeClr>
+          </a:lnRef>
+          <a:fillRef idx="1">
+            <a:schemeClr val="accent1"/>
+          </a:fillRef>
+          <a:effectRef idx="0">
+            <a:schemeClr val="accent1"/>
+          </a:effectRef>
+          <a:fontRef idx="minor">
+            <a:schemeClr val="lt1"/>
+          </a:fontRef>
+        </p:style>
+        <p:txBody>
+          <a:bodyPr rtlCol="0" anchor="ctr"/>
+          <a:lstStyle/>
+          <a:p>
+            <a:pPr algn="ctr"/>
+            <a:endParaRPr lang="en-US" dirty="0">
+              <a:solidFill>
+                <a:schemeClr val="tx1"/>
+              </a:solidFill>
+            </a:endParaRPr>
+          </a:p>
+        </p:txBody>
+      </p:sp>
+      <p:sp>
+        <p:nvSpPr>
+          <p:cNvPr id="22" name="TextBox 21">
+            <a:extLst>
+              <a:ext uri="{FF2B5EF4-FFF2-40B4-BE49-F238E27FC236}">
+                <a16:creationId xmlns:a16="http://schemas.microsoft.com/office/drawing/2014/main" id="{87410843-C125-C64A-AED6-C414420014AC}"/>
+              </a:ext>
+            </a:extLst>
+          </p:cNvPr>
+          <p:cNvSpPr txBox="1"/>
+          <p:nvPr/>
+        </p:nvSpPr>
+        <p:spPr>
+          <a:xfrm>
+            <a:off x="3439779" y="1936516"/>
+            <a:ext cx="530530" cy="369332"/>
+          </a:xfrm>
+          <a:prstGeom prst="rect">
+            <a:avLst/>
+          </a:prstGeom>
+          <a:noFill/>
+        </p:spPr>
+        <p:txBody>
+          <a:bodyPr wrap="none" rtlCol="0">
+            <a:spAutoFit/>
+          </a:bodyPr>
+          <a:lstStyle/>
+          <a:p>
+            <a:r>
+              <a:rPr lang="en-US" dirty="0"/>
+              <a:t>ATP</a:t>
+            </a:r>
+          </a:p>
+        </p:txBody>
+      </p:sp>
+      <p:grpSp>
+        <p:nvGrpSpPr>
+          <p:cNvPr id="25" name="Group 24">
+            <a:extLst>
+              <a:ext uri="{FF2B5EF4-FFF2-40B4-BE49-F238E27FC236}">
+                <a16:creationId xmlns:a16="http://schemas.microsoft.com/office/drawing/2014/main" id="{3F4C26A4-3242-084C-B3DB-449A85C4A0B6}"/>
+              </a:ext>
+            </a:extLst>
+          </p:cNvPr>
+          <p:cNvGrpSpPr/>
+          <p:nvPr/>
+        </p:nvGrpSpPr>
+        <p:grpSpPr>
+          <a:xfrm>
+            <a:off x="10609943" y="2267665"/>
+            <a:ext cx="580572" cy="751306"/>
+            <a:chOff x="10609943" y="2267665"/>
+            <a:chExt cx="580572" cy="751306"/>
+          </a:xfrm>
+        </p:grpSpPr>
+        <p:sp>
+          <p:nvSpPr>
+            <p:cNvPr id="23" name="Oval 22">
+              <a:extLst>
+                <a:ext uri="{FF2B5EF4-FFF2-40B4-BE49-F238E27FC236}">
+                  <a16:creationId xmlns:a16="http://schemas.microsoft.com/office/drawing/2014/main" id="{4F15882D-09C1-584F-B7F5-7D791249BE56}"/>
+                </a:ext>
+              </a:extLst>
+            </p:cNvPr>
+            <p:cNvSpPr/>
+            <p:nvPr/>
+          </p:nvSpPr>
+          <p:spPr>
+            <a:xfrm>
+              <a:off x="10609943" y="2267666"/>
+              <a:ext cx="290286" cy="751305"/>
+            </a:xfrm>
+            <a:prstGeom prst="ellipse">
+              <a:avLst/>
+            </a:prstGeom>
+            <a:solidFill>
+              <a:schemeClr val="tx1">
+                <a:lumMod val="65000"/>
+                <a:lumOff val="35000"/>
+              </a:schemeClr>
+            </a:solidFill>
+            <a:ln>
+              <a:solidFill>
+                <a:schemeClr val="tx1"/>
+              </a:solidFill>
+            </a:ln>
+          </p:spPr>
+          <p:style>
+            <a:lnRef idx="2">
+              <a:schemeClr val="accent1">
+                <a:shade val="50000"/>
+              </a:schemeClr>
+            </a:lnRef>
+            <a:fillRef idx="1">
+              <a:schemeClr val="accent1"/>
+            </a:fillRef>
+            <a:effectRef idx="0">
+              <a:schemeClr val="accent1"/>
+            </a:effectRef>
+            <a:fontRef idx="minor">
+              <a:schemeClr val="lt1"/>
+            </a:fontRef>
+          </p:style>
+          <p:txBody>
+            <a:bodyPr rtlCol="0" anchor="ctr"/>
+            <a:lstStyle/>
+            <a:p>
+              <a:pPr algn="ctr"/>
+              <a:endParaRPr lang="en-US"/>
+            </a:p>
+          </p:txBody>
+        </p:sp>
+        <p:sp>
+          <p:nvSpPr>
+            <p:cNvPr id="24" name="Oval 23">
+              <a:extLst>
+                <a:ext uri="{FF2B5EF4-FFF2-40B4-BE49-F238E27FC236}">
+                  <a16:creationId xmlns:a16="http://schemas.microsoft.com/office/drawing/2014/main" id="{79583BE6-DD81-2540-A437-CC8A004CDFC1}"/>
+                </a:ext>
+              </a:extLst>
+            </p:cNvPr>
+            <p:cNvSpPr/>
+            <p:nvPr/>
+          </p:nvSpPr>
+          <p:spPr>
+            <a:xfrm>
+              <a:off x="10900229" y="2267665"/>
+              <a:ext cx="290286" cy="751305"/>
+            </a:xfrm>
+            <a:prstGeom prst="ellipse">
+              <a:avLst/>
+            </a:prstGeom>
+            <a:solidFill>
+              <a:schemeClr val="tx1">
+                <a:lumMod val="65000"/>
+                <a:lumOff val="35000"/>
+              </a:schemeClr>
+            </a:solidFill>
+            <a:ln>
+              <a:solidFill>
+                <a:schemeClr val="tx1"/>
+              </a:solidFill>
+            </a:ln>
+          </p:spPr>
+          <p:style>
+            <a:lnRef idx="2">
+              <a:schemeClr val="accent1">
+                <a:shade val="50000"/>
+              </a:schemeClr>
+            </a:lnRef>
+            <a:fillRef idx="1">
+              <a:schemeClr val="accent1"/>
+            </a:fillRef>
+            <a:effectRef idx="0">
+              <a:schemeClr val="accent1"/>
+            </a:effectRef>
+            <a:fontRef idx="minor">
+              <a:schemeClr val="lt1"/>
+            </a:fontRef>
+          </p:style>
+          <p:txBody>
+            <a:bodyPr rtlCol="0" anchor="ctr"/>
+            <a:lstStyle/>
+            <a:p>
+              <a:pPr algn="ctr"/>
+              <a:endParaRPr lang="en-US"/>
+            </a:p>
+          </p:txBody>
+        </p:sp>
+      </p:grpSp>
+      <p:grpSp>
+        <p:nvGrpSpPr>
+          <p:cNvPr id="54" name="Group 53">
+            <a:extLst>
+              <a:ext uri="{FF2B5EF4-FFF2-40B4-BE49-F238E27FC236}">
+                <a16:creationId xmlns:a16="http://schemas.microsoft.com/office/drawing/2014/main" id="{AAFF6CFE-0200-0847-A318-E09B3352C870}"/>
+              </a:ext>
+            </a:extLst>
+          </p:cNvPr>
+          <p:cNvGrpSpPr/>
+          <p:nvPr/>
+        </p:nvGrpSpPr>
+        <p:grpSpPr>
+          <a:xfrm>
+            <a:off x="1915889" y="1990992"/>
+            <a:ext cx="1477921" cy="884554"/>
+            <a:chOff x="1828805" y="2353849"/>
+            <a:chExt cx="1477921" cy="884554"/>
+          </a:xfrm>
+        </p:grpSpPr>
+        <p:grpSp>
+          <p:nvGrpSpPr>
+            <p:cNvPr id="26" name="Group 25">
+              <a:extLst>
+                <a:ext uri="{FF2B5EF4-FFF2-40B4-BE49-F238E27FC236}">
+                  <a16:creationId xmlns:a16="http://schemas.microsoft.com/office/drawing/2014/main" id="{797F88F8-0F56-5543-B454-1D7C8460A707}"/>
+                </a:ext>
+              </a:extLst>
+            </p:cNvPr>
+            <p:cNvGrpSpPr/>
+            <p:nvPr/>
+          </p:nvGrpSpPr>
+          <p:grpSpPr>
+            <a:xfrm rot="5400000">
+              <a:off x="2104519" y="2572464"/>
+              <a:ext cx="580572" cy="751306"/>
+              <a:chOff x="10609943" y="2267665"/>
+              <a:chExt cx="580572" cy="751306"/>
+            </a:xfrm>
+          </p:grpSpPr>
+          <p:sp>
+            <p:nvSpPr>
+              <p:cNvPr id="27" name="Oval 26">
+                <a:extLst>
+                  <a:ext uri="{FF2B5EF4-FFF2-40B4-BE49-F238E27FC236}">
+                    <a16:creationId xmlns:a16="http://schemas.microsoft.com/office/drawing/2014/main" id="{2E1F84AC-5E6F-444F-82F6-A967754DCDAC}"/>
+                  </a:ext>
+                </a:extLst>
+              </p:cNvPr>
+              <p:cNvSpPr/>
+              <p:nvPr/>
+            </p:nvSpPr>
+            <p:spPr>
+              <a:xfrm>
+                <a:off x="10609943" y="2267666"/>
+                <a:ext cx="290286" cy="751305"/>
+              </a:xfrm>
+              <a:prstGeom prst="ellipse">
+                <a:avLst/>
+              </a:prstGeom>
+              <a:solidFill>
+                <a:schemeClr val="tx1">
+                  <a:lumMod val="65000"/>
+                  <a:lumOff val="35000"/>
+                </a:schemeClr>
+              </a:solidFill>
+              <a:ln>
+                <a:solidFill>
+                  <a:schemeClr val="tx1"/>
+                </a:solidFill>
+              </a:ln>
+            </p:spPr>
+            <p:style>
+              <a:lnRef idx="2">
+                <a:schemeClr val="accent1">
+                  <a:shade val="50000"/>
+                </a:schemeClr>
+              </a:lnRef>
+              <a:fillRef idx="1">
+                <a:schemeClr val="accent1"/>
+              </a:fillRef>
+              <a:effectRef idx="0">
+                <a:schemeClr val="accent1"/>
+              </a:effectRef>
+              <a:fontRef idx="minor">
+                <a:schemeClr val="lt1"/>
+              </a:fontRef>
+            </p:style>
+            <p:txBody>
+              <a:bodyPr rtlCol="0" anchor="ctr"/>
+              <a:lstStyle/>
+              <a:p>
+                <a:pPr algn="ctr"/>
+                <a:endParaRPr lang="en-US"/>
+              </a:p>
+            </p:txBody>
+          </p:sp>
+          <p:sp>
+            <p:nvSpPr>
+              <p:cNvPr id="28" name="Oval 27">
+                <a:extLst>
+                  <a:ext uri="{FF2B5EF4-FFF2-40B4-BE49-F238E27FC236}">
+                    <a16:creationId xmlns:a16="http://schemas.microsoft.com/office/drawing/2014/main" id="{13767894-9874-7F40-97BB-F471EAD4A0F6}"/>
+                  </a:ext>
+                </a:extLst>
+              </p:cNvPr>
+              <p:cNvSpPr/>
+              <p:nvPr/>
+            </p:nvSpPr>
+            <p:spPr>
+              <a:xfrm>
+                <a:off x="10900229" y="2267665"/>
+                <a:ext cx="290286" cy="751305"/>
+              </a:xfrm>
+              <a:prstGeom prst="ellipse">
+                <a:avLst/>
+              </a:prstGeom>
+              <a:solidFill>
+                <a:schemeClr val="tx1">
+                  <a:lumMod val="65000"/>
+                  <a:lumOff val="35000"/>
+                </a:schemeClr>
+              </a:solidFill>
+              <a:ln>
+                <a:solidFill>
+                  <a:schemeClr val="tx1"/>
+                </a:solidFill>
+              </a:ln>
+            </p:spPr>
+            <p:style>
+              <a:lnRef idx="2">
+                <a:schemeClr val="accent1">
+                  <a:shade val="50000"/>
+                </a:schemeClr>
+              </a:lnRef>
+              <a:fillRef idx="1">
+                <a:schemeClr val="accent1"/>
+              </a:fillRef>
+              <a:effectRef idx="0">
+                <a:schemeClr val="accent1"/>
+              </a:effectRef>
+              <a:fontRef idx="minor">
+                <a:schemeClr val="lt1"/>
+              </a:fontRef>
+            </p:style>
+            <p:txBody>
+              <a:bodyPr rtlCol="0" anchor="ctr"/>
+              <a:lstStyle/>
+              <a:p>
+                <a:pPr algn="ctr"/>
+                <a:endParaRPr lang="en-US" dirty="0"/>
+              </a:p>
+            </p:txBody>
+          </p:sp>
+        </p:grpSp>
+        <p:cxnSp>
+          <p:nvCxnSpPr>
+            <p:cNvPr id="29" name="Straight Arrow Connector 28">
+              <a:extLst>
+                <a:ext uri="{FF2B5EF4-FFF2-40B4-BE49-F238E27FC236}">
+                  <a16:creationId xmlns:a16="http://schemas.microsoft.com/office/drawing/2014/main" id="{0F8CE544-F0C6-7445-98AF-B1F3DC92954A}"/>
+                </a:ext>
+              </a:extLst>
+            </p:cNvPr>
+            <p:cNvCxnSpPr>
+              <a:cxnSpLocks/>
+            </p:cNvCxnSpPr>
+            <p:nvPr/>
+          </p:nvCxnSpPr>
+          <p:spPr>
+            <a:xfrm>
+              <a:off x="1828805" y="2933602"/>
+              <a:ext cx="1033959" cy="15799"/>
+            </a:xfrm>
+            <a:prstGeom prst="straightConnector1">
+              <a:avLst/>
+            </a:prstGeom>
+            <a:ln w="12700">
+              <a:solidFill>
+                <a:schemeClr val="tx1"/>
+              </a:solidFill>
+              <a:tailEnd type="triangle"/>
+            </a:ln>
+          </p:spPr>
+          <p:style>
+            <a:lnRef idx="1">
+              <a:schemeClr val="accent1"/>
+            </a:lnRef>
+            <a:fillRef idx="0">
+              <a:schemeClr val="accent1"/>
+            </a:fillRef>
+            <a:effectRef idx="0">
+              <a:schemeClr val="accent1"/>
+            </a:effectRef>
+            <a:fontRef idx="minor">
+              <a:schemeClr val="tx1"/>
+            </a:fontRef>
+          </p:style>
+        </p:cxnSp>
+        <p:sp>
+          <p:nvSpPr>
+            <p:cNvPr id="33" name="TextBox 32">
+              <a:extLst>
+                <a:ext uri="{FF2B5EF4-FFF2-40B4-BE49-F238E27FC236}">
+                  <a16:creationId xmlns:a16="http://schemas.microsoft.com/office/drawing/2014/main" id="{00AFF4FF-1F23-A64C-970C-8F9E46CFB805}"/>
+                </a:ext>
+              </a:extLst>
+            </p:cNvPr>
+            <p:cNvSpPr txBox="1"/>
+            <p:nvPr/>
+          </p:nvSpPr>
+          <p:spPr>
+            <a:xfrm>
+              <a:off x="2924890" y="2764734"/>
+              <a:ext cx="381836" cy="369332"/>
+            </a:xfrm>
+            <a:prstGeom prst="rect">
+              <a:avLst/>
+            </a:prstGeom>
+            <a:noFill/>
+          </p:spPr>
+          <p:txBody>
+            <a:bodyPr wrap="none" rtlCol="0">
+              <a:spAutoFit/>
+            </a:bodyPr>
+            <a:lstStyle/>
+            <a:p>
+              <a:r>
+                <a:rPr lang="en-US" dirty="0"/>
+                <a:t>K</a:t>
+              </a:r>
+              <a:r>
+                <a:rPr lang="en-US" baseline="30000" dirty="0"/>
+                <a:t>+</a:t>
+              </a:r>
+            </a:p>
+          </p:txBody>
+        </p:sp>
+        <p:sp>
+          <p:nvSpPr>
+            <p:cNvPr id="34" name="TextBox 33">
+              <a:extLst>
+                <a:ext uri="{FF2B5EF4-FFF2-40B4-BE49-F238E27FC236}">
+                  <a16:creationId xmlns:a16="http://schemas.microsoft.com/office/drawing/2014/main" id="{0745DF80-9F80-1944-8ABA-8EA68AC1E5B2}"/>
+                </a:ext>
+              </a:extLst>
+            </p:cNvPr>
+            <p:cNvSpPr txBox="1"/>
+            <p:nvPr/>
+          </p:nvSpPr>
+          <p:spPr>
+            <a:xfrm>
+              <a:off x="1929221" y="2353849"/>
+              <a:ext cx="879984" cy="369332"/>
+            </a:xfrm>
+            <a:prstGeom prst="rect">
+              <a:avLst/>
+            </a:prstGeom>
+            <a:noFill/>
+          </p:spPr>
+          <p:txBody>
+            <a:bodyPr wrap="none" rtlCol="0">
+              <a:spAutoFit/>
+            </a:bodyPr>
+            <a:lstStyle/>
+            <a:p>
+              <a:r>
+                <a:rPr lang="en-US" b="1" dirty="0"/>
+                <a:t>KAT1/2</a:t>
+              </a:r>
+            </a:p>
+          </p:txBody>
+        </p:sp>
+      </p:grpSp>
+      <p:sp>
+        <p:nvSpPr>
+          <p:cNvPr id="35" name="TextBox 34">
+            <a:extLst>
+              <a:ext uri="{FF2B5EF4-FFF2-40B4-BE49-F238E27FC236}">
+                <a16:creationId xmlns:a16="http://schemas.microsoft.com/office/drawing/2014/main" id="{5F1C7BBD-04D9-0647-93A1-873B7B71CCC3}"/>
+              </a:ext>
+            </a:extLst>
+          </p:cNvPr>
+          <p:cNvSpPr txBox="1"/>
+          <p:nvPr/>
+        </p:nvSpPr>
+        <p:spPr>
+          <a:xfrm>
+            <a:off x="3347434" y="1148925"/>
+            <a:ext cx="1323812" cy="369332"/>
+          </a:xfrm>
+          <a:prstGeom prst="rect">
+            <a:avLst/>
+          </a:prstGeom>
+          <a:noFill/>
+        </p:spPr>
+        <p:txBody>
+          <a:bodyPr wrap="square" rtlCol="0">
+            <a:spAutoFit/>
+          </a:bodyPr>
+          <a:lstStyle/>
+          <a:p>
+            <a:r>
+              <a:rPr lang="en-US" b="1" dirty="0"/>
+              <a:t>H</a:t>
+            </a:r>
+            <a:r>
+              <a:rPr lang="en-US" b="1" baseline="30000" dirty="0"/>
+              <a:t>+</a:t>
+            </a:r>
+            <a:r>
+              <a:rPr lang="en-US" b="1" dirty="0"/>
+              <a:t>-ATPase</a:t>
+            </a:r>
+          </a:p>
+        </p:txBody>
+      </p:sp>
+      <p:grpSp>
+        <p:nvGrpSpPr>
+          <p:cNvPr id="55" name="Group 54">
+            <a:extLst>
+              <a:ext uri="{FF2B5EF4-FFF2-40B4-BE49-F238E27FC236}">
+                <a16:creationId xmlns:a16="http://schemas.microsoft.com/office/drawing/2014/main" id="{373413B9-6B3F-BC4A-B382-B69CBB911AF6}"/>
+              </a:ext>
+            </a:extLst>
+          </p:cNvPr>
+          <p:cNvGrpSpPr/>
+          <p:nvPr/>
+        </p:nvGrpSpPr>
+        <p:grpSpPr>
+          <a:xfrm>
+            <a:off x="1051007" y="3156434"/>
+            <a:ext cx="2670248" cy="578880"/>
+            <a:chOff x="1051007" y="3432202"/>
+            <a:chExt cx="2670248" cy="578880"/>
+          </a:xfrm>
+        </p:grpSpPr>
+        <p:sp>
+          <p:nvSpPr>
+            <p:cNvPr id="37" name="Can 36">
+              <a:extLst>
+                <a:ext uri="{FF2B5EF4-FFF2-40B4-BE49-F238E27FC236}">
+                  <a16:creationId xmlns:a16="http://schemas.microsoft.com/office/drawing/2014/main" id="{BC08BD66-D053-034F-962A-33C2CA3BEFE3}"/>
+                </a:ext>
+              </a:extLst>
+            </p:cNvPr>
+            <p:cNvSpPr/>
+            <p:nvPr/>
+          </p:nvSpPr>
+          <p:spPr>
+            <a:xfrm rot="5400000">
+              <a:off x="1976053" y="3402373"/>
+              <a:ext cx="483314" cy="542972"/>
+            </a:xfrm>
+            <a:prstGeom prst="can">
+              <a:avLst/>
+            </a:prstGeom>
+          </p:spPr>
+          <p:style>
+            <a:lnRef idx="2">
+              <a:schemeClr val="accent1">
+                <a:shade val="50000"/>
+              </a:schemeClr>
+            </a:lnRef>
+            <a:fillRef idx="1">
+              <a:schemeClr val="accent1"/>
+            </a:fillRef>
+            <a:effectRef idx="0">
+              <a:schemeClr val="accent1"/>
+            </a:effectRef>
+            <a:fontRef idx="minor">
+              <a:schemeClr val="lt1"/>
+            </a:fontRef>
+          </p:style>
+          <p:txBody>
+            <a:bodyPr rtlCol="0" anchor="ctr"/>
+            <a:lstStyle/>
+            <a:p>
+              <a:pPr algn="ctr"/>
+              <a:endParaRPr lang="en-US"/>
+            </a:p>
+          </p:txBody>
+        </p:sp>
+        <p:sp>
+          <p:nvSpPr>
+            <p:cNvPr id="38" name="TextBox 37">
+              <a:extLst>
+                <a:ext uri="{FF2B5EF4-FFF2-40B4-BE49-F238E27FC236}">
+                  <a16:creationId xmlns:a16="http://schemas.microsoft.com/office/drawing/2014/main" id="{D50ED817-3DDF-994D-822C-4ADBCD16DE26}"/>
+                </a:ext>
+              </a:extLst>
+            </p:cNvPr>
+            <p:cNvSpPr txBox="1"/>
+            <p:nvPr/>
+          </p:nvSpPr>
+          <p:spPr>
+            <a:xfrm>
+              <a:off x="1051007" y="3641750"/>
+              <a:ext cx="939681" cy="369332"/>
+            </a:xfrm>
+            <a:prstGeom prst="rect">
+              <a:avLst/>
+            </a:prstGeom>
+            <a:noFill/>
+          </p:spPr>
+          <p:txBody>
+            <a:bodyPr wrap="none" rtlCol="0">
+              <a:spAutoFit/>
+            </a:bodyPr>
+            <a:lstStyle/>
+            <a:p>
+              <a:r>
+                <a:rPr lang="en-US" b="1" dirty="0"/>
+                <a:t>ABCB14</a:t>
+              </a:r>
+            </a:p>
+          </p:txBody>
+        </p:sp>
+        <p:cxnSp>
+          <p:nvCxnSpPr>
+            <p:cNvPr id="39" name="Straight Arrow Connector 38">
+              <a:extLst>
+                <a:ext uri="{FF2B5EF4-FFF2-40B4-BE49-F238E27FC236}">
+                  <a16:creationId xmlns:a16="http://schemas.microsoft.com/office/drawing/2014/main" id="{F5FD660C-F495-074D-995C-C24460FD4AD0}"/>
+                </a:ext>
+              </a:extLst>
+            </p:cNvPr>
+            <p:cNvCxnSpPr>
+              <a:cxnSpLocks/>
+            </p:cNvCxnSpPr>
+            <p:nvPr/>
+          </p:nvCxnSpPr>
+          <p:spPr>
+            <a:xfrm>
+              <a:off x="1721984" y="3650982"/>
+              <a:ext cx="1033959" cy="15799"/>
+            </a:xfrm>
+            <a:prstGeom prst="straightConnector1">
+              <a:avLst/>
+            </a:prstGeom>
+            <a:ln w="12700">
+              <a:solidFill>
+                <a:schemeClr val="tx1"/>
+              </a:solidFill>
+              <a:tailEnd type="triangle"/>
+            </a:ln>
+          </p:spPr>
+          <p:style>
+            <a:lnRef idx="1">
+              <a:schemeClr val="accent1"/>
+            </a:lnRef>
+            <a:fillRef idx="0">
+              <a:schemeClr val="accent1"/>
+            </a:fillRef>
+            <a:effectRef idx="0">
+              <a:schemeClr val="accent1"/>
+            </a:effectRef>
+            <a:fontRef idx="minor">
+              <a:schemeClr val="tx1"/>
+            </a:fontRef>
+          </p:style>
+        </p:cxnSp>
+        <p:sp>
+          <p:nvSpPr>
+            <p:cNvPr id="40" name="TextBox 39">
+              <a:extLst>
+                <a:ext uri="{FF2B5EF4-FFF2-40B4-BE49-F238E27FC236}">
+                  <a16:creationId xmlns:a16="http://schemas.microsoft.com/office/drawing/2014/main" id="{0DF0999E-E24B-7C47-9F21-29E9D9F3B88E}"/>
+                </a:ext>
+              </a:extLst>
+            </p:cNvPr>
+            <p:cNvSpPr txBox="1"/>
+            <p:nvPr/>
+          </p:nvSpPr>
+          <p:spPr>
+            <a:xfrm>
+              <a:off x="2752528" y="3469672"/>
+              <a:ext cx="968727" cy="369332"/>
+            </a:xfrm>
+            <a:prstGeom prst="rect">
+              <a:avLst/>
+            </a:prstGeom>
+            <a:noFill/>
+          </p:spPr>
+          <p:txBody>
+            <a:bodyPr wrap="none" rtlCol="0">
+              <a:spAutoFit/>
+            </a:bodyPr>
+            <a:lstStyle/>
+            <a:p>
+              <a:r>
+                <a:rPr lang="en-US" dirty="0"/>
+                <a:t>Malate</a:t>
+              </a:r>
+              <a:r>
+                <a:rPr lang="en-US" baseline="30000" dirty="0"/>
+                <a:t>2-</a:t>
+              </a:r>
+            </a:p>
+          </p:txBody>
+        </p:sp>
+      </p:grpSp>
+      <p:grpSp>
+        <p:nvGrpSpPr>
+          <p:cNvPr id="56" name="Group 55">
+            <a:extLst>
+              <a:ext uri="{FF2B5EF4-FFF2-40B4-BE49-F238E27FC236}">
+                <a16:creationId xmlns:a16="http://schemas.microsoft.com/office/drawing/2014/main" id="{145D4F9C-EABB-0B42-A8EA-FF7C96CB2D50}"/>
+              </a:ext>
+            </a:extLst>
+          </p:cNvPr>
+          <p:cNvGrpSpPr/>
+          <p:nvPr/>
+        </p:nvGrpSpPr>
+        <p:grpSpPr>
+          <a:xfrm>
+            <a:off x="1937662" y="3738784"/>
+            <a:ext cx="1226150" cy="826532"/>
+            <a:chOff x="1981204" y="4072613"/>
+            <a:chExt cx="1226150" cy="826532"/>
+          </a:xfrm>
+        </p:grpSpPr>
+        <p:sp>
+          <p:nvSpPr>
+            <p:cNvPr id="36" name="Oval 35">
+              <a:extLst>
+                <a:ext uri="{FF2B5EF4-FFF2-40B4-BE49-F238E27FC236}">
+                  <a16:creationId xmlns:a16="http://schemas.microsoft.com/office/drawing/2014/main" id="{6AC1C4B8-5BDF-4648-A91A-545F1E970B5F}"/>
+                </a:ext>
+              </a:extLst>
+            </p:cNvPr>
+            <p:cNvSpPr/>
+            <p:nvPr/>
+          </p:nvSpPr>
+          <p:spPr>
+            <a:xfrm>
+              <a:off x="2064845" y="4275364"/>
+              <a:ext cx="437093" cy="464457"/>
+            </a:xfrm>
+            <a:prstGeom prst="ellipse">
+              <a:avLst/>
+            </a:prstGeom>
+          </p:spPr>
+          <p:style>
+            <a:lnRef idx="2">
+              <a:schemeClr val="accent1">
+                <a:shade val="50000"/>
+              </a:schemeClr>
+            </a:lnRef>
+            <a:fillRef idx="1">
+              <a:schemeClr val="accent1"/>
+            </a:fillRef>
+            <a:effectRef idx="0">
+              <a:schemeClr val="accent1"/>
+            </a:effectRef>
+            <a:fontRef idx="minor">
+              <a:schemeClr val="lt1"/>
+            </a:fontRef>
+          </p:style>
+          <p:txBody>
+            <a:bodyPr rtlCol="0" anchor="ctr"/>
+            <a:lstStyle/>
+            <a:p>
+              <a:pPr algn="ctr"/>
+              <a:endParaRPr lang="en-US"/>
+            </a:p>
+          </p:txBody>
+        </p:sp>
+        <p:cxnSp>
+          <p:nvCxnSpPr>
+            <p:cNvPr id="44" name="Straight Arrow Connector 43">
+              <a:extLst>
+                <a:ext uri="{FF2B5EF4-FFF2-40B4-BE49-F238E27FC236}">
+                  <a16:creationId xmlns:a16="http://schemas.microsoft.com/office/drawing/2014/main" id="{8953F08A-6022-CA42-9FA4-2FC5ED0BC7D5}"/>
+                </a:ext>
+              </a:extLst>
+            </p:cNvPr>
+            <p:cNvCxnSpPr>
+              <a:cxnSpLocks/>
+            </p:cNvCxnSpPr>
+            <p:nvPr/>
+          </p:nvCxnSpPr>
+          <p:spPr>
+            <a:xfrm>
+              <a:off x="1981204" y="4260849"/>
+              <a:ext cx="623521" cy="0"/>
+            </a:xfrm>
+            <a:prstGeom prst="straightConnector1">
+              <a:avLst/>
+            </a:prstGeom>
+            <a:ln w="12700">
+              <a:solidFill>
+                <a:schemeClr val="tx1"/>
+              </a:solidFill>
+              <a:tailEnd type="triangle"/>
+            </a:ln>
+          </p:spPr>
+          <p:style>
+            <a:lnRef idx="1">
+              <a:schemeClr val="accent1"/>
+            </a:lnRef>
+            <a:fillRef idx="0">
+              <a:schemeClr val="accent1"/>
+            </a:fillRef>
+            <a:effectRef idx="0">
+              <a:schemeClr val="accent1"/>
+            </a:effectRef>
+            <a:fontRef idx="minor">
+              <a:schemeClr val="tx1"/>
+            </a:fontRef>
+          </p:style>
+        </p:cxnSp>
+        <p:cxnSp>
+          <p:nvCxnSpPr>
+            <p:cNvPr id="46" name="Straight Arrow Connector 45">
+              <a:extLst>
+                <a:ext uri="{FF2B5EF4-FFF2-40B4-BE49-F238E27FC236}">
+                  <a16:creationId xmlns:a16="http://schemas.microsoft.com/office/drawing/2014/main" id="{126867A3-ABE4-474B-95B7-820BB4A85BD2}"/>
+                </a:ext>
+              </a:extLst>
+            </p:cNvPr>
+            <p:cNvCxnSpPr>
+              <a:cxnSpLocks/>
+            </p:cNvCxnSpPr>
+            <p:nvPr/>
+          </p:nvCxnSpPr>
+          <p:spPr>
+            <a:xfrm>
+              <a:off x="1981204" y="4747079"/>
+              <a:ext cx="623521" cy="0"/>
+            </a:xfrm>
+            <a:prstGeom prst="straightConnector1">
+              <a:avLst/>
+            </a:prstGeom>
+            <a:ln w="12700">
+              <a:solidFill>
+                <a:schemeClr val="tx1"/>
+              </a:solidFill>
+              <a:tailEnd type="triangle"/>
+            </a:ln>
+          </p:spPr>
+          <p:style>
+            <a:lnRef idx="1">
+              <a:schemeClr val="accent1"/>
+            </a:lnRef>
+            <a:fillRef idx="0">
+              <a:schemeClr val="accent1"/>
+            </a:fillRef>
+            <a:effectRef idx="0">
+              <a:schemeClr val="accent1"/>
+            </a:effectRef>
+            <a:fontRef idx="minor">
+              <a:schemeClr val="tx1"/>
+            </a:fontRef>
+          </p:style>
+        </p:cxnSp>
+        <p:sp>
+          <p:nvSpPr>
+            <p:cNvPr id="47" name="TextBox 46">
+              <a:extLst>
+                <a:ext uri="{FF2B5EF4-FFF2-40B4-BE49-F238E27FC236}">
+                  <a16:creationId xmlns:a16="http://schemas.microsoft.com/office/drawing/2014/main" id="{56722C55-9DC0-6F43-81C9-CB104EECA2A1}"/>
+                </a:ext>
+              </a:extLst>
+            </p:cNvPr>
+            <p:cNvSpPr txBox="1"/>
+            <p:nvPr/>
+          </p:nvSpPr>
+          <p:spPr>
+            <a:xfrm>
+              <a:off x="2574516" y="4072613"/>
+              <a:ext cx="405880" cy="369332"/>
+            </a:xfrm>
+            <a:prstGeom prst="rect">
+              <a:avLst/>
+            </a:prstGeom>
+            <a:noFill/>
+          </p:spPr>
+          <p:txBody>
+            <a:bodyPr wrap="none" rtlCol="0">
+              <a:spAutoFit/>
+            </a:bodyPr>
+            <a:lstStyle/>
+            <a:p>
+              <a:r>
+                <a:rPr lang="en-US" dirty="0"/>
+                <a:t>H</a:t>
+              </a:r>
+              <a:r>
+                <a:rPr lang="en-US" baseline="30000" dirty="0"/>
+                <a:t>+</a:t>
+              </a:r>
+            </a:p>
+          </p:txBody>
+        </p:sp>
+        <p:sp>
+          <p:nvSpPr>
+            <p:cNvPr id="48" name="TextBox 47">
+              <a:extLst>
+                <a:ext uri="{FF2B5EF4-FFF2-40B4-BE49-F238E27FC236}">
+                  <a16:creationId xmlns:a16="http://schemas.microsoft.com/office/drawing/2014/main" id="{D5469185-1E24-2147-BA00-8076D6AD847A}"/>
+                </a:ext>
+              </a:extLst>
+            </p:cNvPr>
+            <p:cNvSpPr txBox="1"/>
+            <p:nvPr/>
+          </p:nvSpPr>
+          <p:spPr>
+            <a:xfrm>
+              <a:off x="2596289" y="4529813"/>
+              <a:ext cx="611065" cy="369332"/>
+            </a:xfrm>
+            <a:prstGeom prst="rect">
+              <a:avLst/>
+            </a:prstGeom>
+            <a:noFill/>
+          </p:spPr>
+          <p:txBody>
+            <a:bodyPr wrap="none" rtlCol="0">
+              <a:spAutoFit/>
+            </a:bodyPr>
+            <a:lstStyle/>
+            <a:p>
+              <a:r>
+                <a:rPr lang="en-US" dirty="0"/>
+                <a:t>NO</a:t>
+              </a:r>
+              <a:r>
+                <a:rPr lang="en-US" baseline="-25000" dirty="0"/>
+                <a:t>3-</a:t>
+              </a:r>
+            </a:p>
+          </p:txBody>
+        </p:sp>
+      </p:grpSp>
+      <p:grpSp>
+        <p:nvGrpSpPr>
+          <p:cNvPr id="57" name="Group 56">
+            <a:extLst>
+              <a:ext uri="{FF2B5EF4-FFF2-40B4-BE49-F238E27FC236}">
+                <a16:creationId xmlns:a16="http://schemas.microsoft.com/office/drawing/2014/main" id="{66E738EC-8A57-7743-BA27-7C1320793927}"/>
+              </a:ext>
+            </a:extLst>
+          </p:cNvPr>
+          <p:cNvGrpSpPr/>
+          <p:nvPr/>
+        </p:nvGrpSpPr>
+        <p:grpSpPr>
+          <a:xfrm>
+            <a:off x="2130195" y="4515297"/>
+            <a:ext cx="1022569" cy="826532"/>
+            <a:chOff x="2231794" y="4791070"/>
+            <a:chExt cx="1022569" cy="826532"/>
+          </a:xfrm>
+        </p:grpSpPr>
+        <p:sp>
+          <p:nvSpPr>
+            <p:cNvPr id="49" name="Oval 48">
+              <a:extLst>
+                <a:ext uri="{FF2B5EF4-FFF2-40B4-BE49-F238E27FC236}">
+                  <a16:creationId xmlns:a16="http://schemas.microsoft.com/office/drawing/2014/main" id="{D0C9E242-9402-EC4F-9B7D-42657DDBCC57}"/>
+                </a:ext>
+              </a:extLst>
+            </p:cNvPr>
+            <p:cNvSpPr/>
+            <p:nvPr/>
+          </p:nvSpPr>
+          <p:spPr>
+            <a:xfrm>
+              <a:off x="2315435" y="4993821"/>
+              <a:ext cx="437093" cy="464457"/>
+            </a:xfrm>
+            <a:prstGeom prst="ellipse">
+              <a:avLst/>
+            </a:prstGeom>
+          </p:spPr>
+          <p:style>
+            <a:lnRef idx="2">
+              <a:schemeClr val="accent1">
+                <a:shade val="50000"/>
+              </a:schemeClr>
+            </a:lnRef>
+            <a:fillRef idx="1">
+              <a:schemeClr val="accent1"/>
+            </a:fillRef>
+            <a:effectRef idx="0">
+              <a:schemeClr val="accent1"/>
+            </a:effectRef>
+            <a:fontRef idx="minor">
+              <a:schemeClr val="lt1"/>
+            </a:fontRef>
+          </p:style>
+          <p:txBody>
+            <a:bodyPr rtlCol="0" anchor="ctr"/>
+            <a:lstStyle/>
+            <a:p>
+              <a:pPr algn="ctr"/>
+              <a:endParaRPr lang="en-US"/>
+            </a:p>
+          </p:txBody>
+        </p:sp>
+        <p:cxnSp>
+          <p:nvCxnSpPr>
+            <p:cNvPr id="50" name="Straight Arrow Connector 49">
+              <a:extLst>
+                <a:ext uri="{FF2B5EF4-FFF2-40B4-BE49-F238E27FC236}">
+                  <a16:creationId xmlns:a16="http://schemas.microsoft.com/office/drawing/2014/main" id="{EAFE9AA2-E846-664C-BFA1-5B4821F6D169}"/>
+                </a:ext>
+              </a:extLst>
+            </p:cNvPr>
+            <p:cNvCxnSpPr>
+              <a:cxnSpLocks/>
+            </p:cNvCxnSpPr>
+            <p:nvPr/>
+          </p:nvCxnSpPr>
+          <p:spPr>
+            <a:xfrm>
+              <a:off x="2231794" y="4979306"/>
+              <a:ext cx="623521" cy="0"/>
+            </a:xfrm>
+            <a:prstGeom prst="straightConnector1">
+              <a:avLst/>
+            </a:prstGeom>
+            <a:ln w="12700">
+              <a:solidFill>
+                <a:schemeClr val="tx1"/>
+              </a:solidFill>
+              <a:tailEnd type="triangle"/>
+            </a:ln>
+          </p:spPr>
+          <p:style>
+            <a:lnRef idx="1">
+              <a:schemeClr val="accent1"/>
+            </a:lnRef>
+            <a:fillRef idx="0">
+              <a:schemeClr val="accent1"/>
+            </a:fillRef>
+            <a:effectRef idx="0">
+              <a:schemeClr val="accent1"/>
+            </a:effectRef>
+            <a:fontRef idx="minor">
+              <a:schemeClr val="tx1"/>
+            </a:fontRef>
+          </p:style>
+        </p:cxnSp>
+        <p:cxnSp>
+          <p:nvCxnSpPr>
+            <p:cNvPr id="51" name="Straight Arrow Connector 50">
+              <a:extLst>
+                <a:ext uri="{FF2B5EF4-FFF2-40B4-BE49-F238E27FC236}">
+                  <a16:creationId xmlns:a16="http://schemas.microsoft.com/office/drawing/2014/main" id="{24FC57C2-A79C-474B-8DA1-D8B4CDA80823}"/>
+                </a:ext>
+              </a:extLst>
+            </p:cNvPr>
+            <p:cNvCxnSpPr>
+              <a:cxnSpLocks/>
+            </p:cNvCxnSpPr>
+            <p:nvPr/>
+          </p:nvCxnSpPr>
+          <p:spPr>
+            <a:xfrm>
+              <a:off x="2231794" y="5465536"/>
+              <a:ext cx="623521" cy="0"/>
+            </a:xfrm>
+            <a:prstGeom prst="straightConnector1">
+              <a:avLst/>
+            </a:prstGeom>
+            <a:ln w="12700">
+              <a:solidFill>
+                <a:schemeClr val="tx1"/>
+              </a:solidFill>
+              <a:tailEnd type="triangle"/>
+            </a:ln>
+          </p:spPr>
+          <p:style>
+            <a:lnRef idx="1">
+              <a:schemeClr val="accent1"/>
+            </a:lnRef>
+            <a:fillRef idx="0">
+              <a:schemeClr val="accent1"/>
+            </a:fillRef>
+            <a:effectRef idx="0">
+              <a:schemeClr val="accent1"/>
+            </a:effectRef>
+            <a:fontRef idx="minor">
+              <a:schemeClr val="tx1"/>
+            </a:fontRef>
+          </p:style>
+        </p:cxnSp>
+        <p:sp>
+          <p:nvSpPr>
+            <p:cNvPr id="52" name="TextBox 51">
+              <a:extLst>
+                <a:ext uri="{FF2B5EF4-FFF2-40B4-BE49-F238E27FC236}">
+                  <a16:creationId xmlns:a16="http://schemas.microsoft.com/office/drawing/2014/main" id="{24BB25C0-01D3-5143-AD13-43DD5A8661B3}"/>
+                </a:ext>
+              </a:extLst>
+            </p:cNvPr>
+            <p:cNvSpPr txBox="1"/>
+            <p:nvPr/>
+          </p:nvSpPr>
+          <p:spPr>
+            <a:xfrm>
+              <a:off x="2825106" y="4791070"/>
+              <a:ext cx="405880" cy="369332"/>
+            </a:xfrm>
+            <a:prstGeom prst="rect">
+              <a:avLst/>
+            </a:prstGeom>
+            <a:noFill/>
+          </p:spPr>
+          <p:txBody>
+            <a:bodyPr wrap="none" rtlCol="0">
+              <a:spAutoFit/>
+            </a:bodyPr>
+            <a:lstStyle/>
+            <a:p>
+              <a:r>
+                <a:rPr lang="en-US" dirty="0"/>
+                <a:t>H</a:t>
+              </a:r>
+              <a:r>
+                <a:rPr lang="en-US" baseline="30000" dirty="0"/>
+                <a:t>+</a:t>
+              </a:r>
+            </a:p>
+          </p:txBody>
+        </p:sp>
+        <p:sp>
+          <p:nvSpPr>
+            <p:cNvPr id="53" name="TextBox 52">
+              <a:extLst>
+                <a:ext uri="{FF2B5EF4-FFF2-40B4-BE49-F238E27FC236}">
+                  <a16:creationId xmlns:a16="http://schemas.microsoft.com/office/drawing/2014/main" id="{83B8C009-F0A5-4040-82C7-7DC91D7ACD40}"/>
+                </a:ext>
+              </a:extLst>
+            </p:cNvPr>
+            <p:cNvSpPr txBox="1"/>
+            <p:nvPr/>
+          </p:nvSpPr>
+          <p:spPr>
+            <a:xfrm>
+              <a:off x="2846879" y="5248270"/>
+              <a:ext cx="407484" cy="369332"/>
+            </a:xfrm>
+            <a:prstGeom prst="rect">
+              <a:avLst/>
+            </a:prstGeom>
+            <a:noFill/>
+          </p:spPr>
+          <p:txBody>
+            <a:bodyPr wrap="none" rtlCol="0">
+              <a:spAutoFit/>
+            </a:bodyPr>
+            <a:lstStyle/>
+            <a:p>
+              <a:r>
+                <a:rPr lang="en-US" dirty="0"/>
+                <a:t>Cl</a:t>
+              </a:r>
+              <a:r>
+                <a:rPr lang="en-US" baseline="30000" dirty="0"/>
+                <a:t>-</a:t>
+              </a:r>
+            </a:p>
+          </p:txBody>
+        </p:sp>
+      </p:grpSp>
+      <p:sp>
+        <p:nvSpPr>
+          <p:cNvPr id="58" name="TextBox 57">
+            <a:extLst>
+              <a:ext uri="{FF2B5EF4-FFF2-40B4-BE49-F238E27FC236}">
+                <a16:creationId xmlns:a16="http://schemas.microsoft.com/office/drawing/2014/main" id="{DF223186-8C77-FA4D-8CAE-E1440B7821CA}"/>
+              </a:ext>
+            </a:extLst>
+          </p:cNvPr>
+          <p:cNvSpPr txBox="1"/>
+          <p:nvPr/>
+        </p:nvSpPr>
+        <p:spPr>
+          <a:xfrm>
+            <a:off x="1145503" y="4012805"/>
+            <a:ext cx="862737" cy="369332"/>
+          </a:xfrm>
+          <a:prstGeom prst="rect">
+            <a:avLst/>
+          </a:prstGeom>
+          <a:noFill/>
+        </p:spPr>
+        <p:txBody>
+          <a:bodyPr wrap="none" rtlCol="0">
+            <a:spAutoFit/>
+          </a:bodyPr>
+          <a:lstStyle/>
+          <a:p>
+            <a:r>
+              <a:rPr lang="en-US" dirty="0"/>
+              <a:t>NTR1.1</a:t>
+            </a:r>
+          </a:p>
+        </p:txBody>
+      </p:sp>
+      <p:grpSp>
+        <p:nvGrpSpPr>
+          <p:cNvPr id="59" name="Group 58">
+            <a:extLst>
+              <a:ext uri="{FF2B5EF4-FFF2-40B4-BE49-F238E27FC236}">
+                <a16:creationId xmlns:a16="http://schemas.microsoft.com/office/drawing/2014/main" id="{80CC7DEA-057F-4C41-B6B2-30C6D97CCFC5}"/>
+              </a:ext>
+            </a:extLst>
+          </p:cNvPr>
+          <p:cNvGrpSpPr/>
+          <p:nvPr/>
+        </p:nvGrpSpPr>
+        <p:grpSpPr>
+          <a:xfrm rot="19953544">
+            <a:off x="2235675" y="5497566"/>
+            <a:ext cx="1950403" cy="549407"/>
+            <a:chOff x="1469023" y="3432202"/>
+            <a:chExt cx="1950403" cy="549407"/>
+          </a:xfrm>
+        </p:grpSpPr>
+        <p:sp>
+          <p:nvSpPr>
+            <p:cNvPr id="60" name="Can 59">
+              <a:extLst>
+                <a:ext uri="{FF2B5EF4-FFF2-40B4-BE49-F238E27FC236}">
+                  <a16:creationId xmlns:a16="http://schemas.microsoft.com/office/drawing/2014/main" id="{9B720E61-DFA1-0248-A1AD-317DD5D14348}"/>
+                </a:ext>
+              </a:extLst>
+            </p:cNvPr>
+            <p:cNvSpPr/>
+            <p:nvPr/>
+          </p:nvSpPr>
+          <p:spPr>
+            <a:xfrm rot="5400000">
+              <a:off x="1976053" y="3402373"/>
+              <a:ext cx="483314" cy="542972"/>
+            </a:xfrm>
+            <a:prstGeom prst="can">
+              <a:avLst/>
+            </a:prstGeom>
+          </p:spPr>
+          <p:style>
+            <a:lnRef idx="2">
+              <a:schemeClr val="accent1">
+                <a:shade val="50000"/>
+              </a:schemeClr>
+            </a:lnRef>
+            <a:fillRef idx="1">
+              <a:schemeClr val="accent1"/>
+            </a:fillRef>
+            <a:effectRef idx="0">
+              <a:schemeClr val="accent1"/>
+            </a:effectRef>
+            <a:fontRef idx="minor">
+              <a:schemeClr val="lt1"/>
+            </a:fontRef>
+          </p:style>
+          <p:txBody>
+            <a:bodyPr rtlCol="0" anchor="ctr"/>
+            <a:lstStyle/>
+            <a:p>
+              <a:pPr algn="ctr"/>
+              <a:endParaRPr lang="en-US"/>
+            </a:p>
+          </p:txBody>
+        </p:sp>
+        <p:sp>
+          <p:nvSpPr>
+            <p:cNvPr id="61" name="TextBox 60">
+              <a:extLst>
+                <a:ext uri="{FF2B5EF4-FFF2-40B4-BE49-F238E27FC236}">
+                  <a16:creationId xmlns:a16="http://schemas.microsoft.com/office/drawing/2014/main" id="{48B3106B-5C75-7248-B897-71DF618ECA6F}"/>
+                </a:ext>
+              </a:extLst>
+            </p:cNvPr>
+            <p:cNvSpPr txBox="1"/>
+            <p:nvPr/>
+          </p:nvSpPr>
+          <p:spPr>
+            <a:xfrm>
+              <a:off x="1469023" y="3612277"/>
+              <a:ext cx="479618" cy="369332"/>
+            </a:xfrm>
+            <a:prstGeom prst="rect">
+              <a:avLst/>
+            </a:prstGeom>
+            <a:noFill/>
+          </p:spPr>
+          <p:txBody>
+            <a:bodyPr wrap="none" rtlCol="0">
+              <a:spAutoFit/>
+            </a:bodyPr>
+            <a:lstStyle/>
+            <a:p>
+              <a:r>
+                <a:rPr lang="en-US" dirty="0"/>
+                <a:t>PIP</a:t>
+              </a:r>
+            </a:p>
+          </p:txBody>
+        </p:sp>
+        <p:cxnSp>
+          <p:nvCxnSpPr>
+            <p:cNvPr id="62" name="Straight Arrow Connector 61">
+              <a:extLst>
+                <a:ext uri="{FF2B5EF4-FFF2-40B4-BE49-F238E27FC236}">
+                  <a16:creationId xmlns:a16="http://schemas.microsoft.com/office/drawing/2014/main" id="{6E859EE3-CC68-2D4F-B48E-CF6E0DEC896B}"/>
+                </a:ext>
+              </a:extLst>
+            </p:cNvPr>
+            <p:cNvCxnSpPr>
+              <a:cxnSpLocks/>
+            </p:cNvCxnSpPr>
+            <p:nvPr/>
+          </p:nvCxnSpPr>
+          <p:spPr>
+            <a:xfrm>
+              <a:off x="1721984" y="3650982"/>
+              <a:ext cx="1033959" cy="15799"/>
+            </a:xfrm>
+            <a:prstGeom prst="straightConnector1">
+              <a:avLst/>
+            </a:prstGeom>
+            <a:ln w="12700">
+              <a:solidFill>
+                <a:schemeClr val="tx1"/>
+              </a:solidFill>
+              <a:tailEnd type="triangle"/>
+            </a:ln>
+          </p:spPr>
+          <p:style>
+            <a:lnRef idx="1">
+              <a:schemeClr val="accent1"/>
+            </a:lnRef>
+            <a:fillRef idx="0">
+              <a:schemeClr val="accent1"/>
+            </a:fillRef>
+            <a:effectRef idx="0">
+              <a:schemeClr val="accent1"/>
+            </a:effectRef>
+            <a:fontRef idx="minor">
+              <a:schemeClr val="tx1"/>
+            </a:fontRef>
+          </p:style>
+        </p:cxnSp>
+        <p:sp>
+          <p:nvSpPr>
+            <p:cNvPr id="63" name="TextBox 62">
+              <a:extLst>
+                <a:ext uri="{FF2B5EF4-FFF2-40B4-BE49-F238E27FC236}">
+                  <a16:creationId xmlns:a16="http://schemas.microsoft.com/office/drawing/2014/main" id="{2ABEB43C-5E76-994F-A4C9-0D3ABAA54E45}"/>
+                </a:ext>
+              </a:extLst>
+            </p:cNvPr>
+            <p:cNvSpPr txBox="1"/>
+            <p:nvPr/>
+          </p:nvSpPr>
+          <p:spPr>
+            <a:xfrm>
+              <a:off x="2859657" y="3468185"/>
+              <a:ext cx="559769" cy="369332"/>
+            </a:xfrm>
+            <a:prstGeom prst="rect">
+              <a:avLst/>
+            </a:prstGeom>
+            <a:noFill/>
+          </p:spPr>
+          <p:txBody>
+            <a:bodyPr wrap="none" rtlCol="0">
+              <a:spAutoFit/>
+            </a:bodyPr>
+            <a:lstStyle/>
+            <a:p>
+              <a:r>
+                <a:rPr lang="en-US" dirty="0"/>
+                <a:t>H</a:t>
+              </a:r>
+              <a:r>
+                <a:rPr lang="en-US" baseline="-25000" dirty="0"/>
+                <a:t>2</a:t>
+              </a:r>
+              <a:r>
+                <a:rPr lang="en-US" dirty="0"/>
+                <a:t>O</a:t>
+              </a:r>
+              <a:endParaRPr lang="en-US" baseline="30000" dirty="0"/>
+            </a:p>
+          </p:txBody>
+        </p:sp>
+      </p:grpSp>
+      <p:sp>
+        <p:nvSpPr>
+          <p:cNvPr id="64" name="TextBox 63">
+            <a:extLst>
+              <a:ext uri="{FF2B5EF4-FFF2-40B4-BE49-F238E27FC236}">
+                <a16:creationId xmlns:a16="http://schemas.microsoft.com/office/drawing/2014/main" id="{03D34B68-BE17-6A45-ABC3-9EAA7DC4D59F}"/>
+              </a:ext>
+            </a:extLst>
+          </p:cNvPr>
+          <p:cNvSpPr txBox="1"/>
+          <p:nvPr/>
+        </p:nvSpPr>
+        <p:spPr>
+          <a:xfrm>
+            <a:off x="5898005" y="288102"/>
+            <a:ext cx="3130537" cy="461665"/>
+          </a:xfrm>
+          <a:prstGeom prst="rect">
+            <a:avLst/>
+          </a:prstGeom>
+          <a:noFill/>
+        </p:spPr>
+        <p:txBody>
+          <a:bodyPr wrap="none" rtlCol="0">
+            <a:spAutoFit/>
+          </a:bodyPr>
+          <a:lstStyle/>
+          <a:p>
+            <a:r>
+              <a:rPr lang="en-US" sz="2400" b="1" dirty="0"/>
+              <a:t>Closed (night/stressed)</a:t>
+            </a:r>
+          </a:p>
+        </p:txBody>
+      </p:sp>
+      <p:sp>
+        <p:nvSpPr>
+          <p:cNvPr id="65" name="TextBox 64">
+            <a:extLst>
+              <a:ext uri="{FF2B5EF4-FFF2-40B4-BE49-F238E27FC236}">
+                <a16:creationId xmlns:a16="http://schemas.microsoft.com/office/drawing/2014/main" id="{EF6E887A-934C-174A-A2AD-E8C80C1BEC2A}"/>
+              </a:ext>
+            </a:extLst>
+          </p:cNvPr>
+          <p:cNvSpPr txBox="1"/>
+          <p:nvPr/>
+        </p:nvSpPr>
+        <p:spPr>
+          <a:xfrm>
+            <a:off x="7617699" y="1435379"/>
+            <a:ext cx="573555" cy="369332"/>
+          </a:xfrm>
+          <a:prstGeom prst="rect">
+            <a:avLst/>
+          </a:prstGeom>
+          <a:noFill/>
+        </p:spPr>
+        <p:txBody>
+          <a:bodyPr wrap="none" rtlCol="0">
+            <a:spAutoFit/>
+          </a:bodyPr>
+          <a:lstStyle/>
+          <a:p>
+            <a:r>
+              <a:rPr lang="en-US" dirty="0"/>
+              <a:t>ABA</a:t>
+            </a:r>
+          </a:p>
+        </p:txBody>
+      </p:sp>
+      <p:sp>
+        <p:nvSpPr>
+          <p:cNvPr id="67" name="TextBox 66">
+            <a:extLst>
+              <a:ext uri="{FF2B5EF4-FFF2-40B4-BE49-F238E27FC236}">
+                <a16:creationId xmlns:a16="http://schemas.microsoft.com/office/drawing/2014/main" id="{75EC0309-7381-8F4C-A08B-0C844D37F16F}"/>
+              </a:ext>
+            </a:extLst>
+          </p:cNvPr>
+          <p:cNvSpPr txBox="1"/>
+          <p:nvPr/>
+        </p:nvSpPr>
+        <p:spPr>
+          <a:xfrm>
+            <a:off x="8835161" y="824932"/>
+            <a:ext cx="955646" cy="369332"/>
+          </a:xfrm>
+          <a:prstGeom prst="rect">
+            <a:avLst/>
+          </a:prstGeom>
+          <a:noFill/>
+        </p:spPr>
+        <p:txBody>
+          <a:bodyPr wrap="none" rtlCol="0">
+            <a:spAutoFit/>
+          </a:bodyPr>
+          <a:lstStyle/>
+          <a:p>
+            <a:r>
+              <a:rPr lang="en-US" b="1" dirty="0"/>
+              <a:t>ABCG25</a:t>
+            </a:r>
+          </a:p>
+        </p:txBody>
+      </p:sp>
+      <p:grpSp>
+        <p:nvGrpSpPr>
+          <p:cNvPr id="69" name="Group 68">
+            <a:extLst>
+              <a:ext uri="{FF2B5EF4-FFF2-40B4-BE49-F238E27FC236}">
+                <a16:creationId xmlns:a16="http://schemas.microsoft.com/office/drawing/2014/main" id="{329E1A63-68E6-2B48-9652-006F5A12E611}"/>
+              </a:ext>
+            </a:extLst>
+          </p:cNvPr>
+          <p:cNvGrpSpPr/>
+          <p:nvPr/>
+        </p:nvGrpSpPr>
+        <p:grpSpPr>
+          <a:xfrm rot="2938105">
+            <a:off x="8140409" y="779848"/>
+            <a:ext cx="573555" cy="874217"/>
+            <a:chOff x="8160891" y="799844"/>
+            <a:chExt cx="573555" cy="874217"/>
+          </a:xfrm>
+        </p:grpSpPr>
+        <p:sp>
+          <p:nvSpPr>
+            <p:cNvPr id="66" name="Can 65">
+              <a:extLst>
+                <a:ext uri="{FF2B5EF4-FFF2-40B4-BE49-F238E27FC236}">
+                  <a16:creationId xmlns:a16="http://schemas.microsoft.com/office/drawing/2014/main" id="{43819FF9-B7D8-264F-B63A-F4757A7CBA9B}"/>
+                </a:ext>
+              </a:extLst>
+            </p:cNvPr>
+            <p:cNvSpPr/>
+            <p:nvPr/>
+          </p:nvSpPr>
+          <p:spPr>
+            <a:xfrm>
+              <a:off x="8160891" y="916018"/>
+              <a:ext cx="573555" cy="542972"/>
+            </a:xfrm>
+            <a:prstGeom prst="can">
+              <a:avLst/>
+            </a:prstGeom>
+          </p:spPr>
+          <p:style>
+            <a:lnRef idx="2">
+              <a:schemeClr val="accent1">
+                <a:shade val="50000"/>
+              </a:schemeClr>
+            </a:lnRef>
+            <a:fillRef idx="1">
+              <a:schemeClr val="accent1"/>
+            </a:fillRef>
+            <a:effectRef idx="0">
+              <a:schemeClr val="accent1"/>
+            </a:effectRef>
+            <a:fontRef idx="minor">
+              <a:schemeClr val="lt1"/>
+            </a:fontRef>
+          </p:style>
+          <p:txBody>
+            <a:bodyPr rtlCol="0" anchor="ctr"/>
+            <a:lstStyle/>
+            <a:p>
+              <a:pPr algn="ctr"/>
+              <a:endParaRPr lang="en-US"/>
+            </a:p>
+          </p:txBody>
+        </p:sp>
+        <p:cxnSp>
+          <p:nvCxnSpPr>
+            <p:cNvPr id="68" name="Straight Arrow Connector 67">
+              <a:extLst>
+                <a:ext uri="{FF2B5EF4-FFF2-40B4-BE49-F238E27FC236}">
+                  <a16:creationId xmlns:a16="http://schemas.microsoft.com/office/drawing/2014/main" id="{789EC619-3723-8F47-8B5D-A625D0AFE304}"/>
+                </a:ext>
+              </a:extLst>
+            </p:cNvPr>
+            <p:cNvCxnSpPr>
+              <a:cxnSpLocks/>
+            </p:cNvCxnSpPr>
+            <p:nvPr/>
+          </p:nvCxnSpPr>
+          <p:spPr>
+            <a:xfrm>
+              <a:off x="8454946" y="799844"/>
+              <a:ext cx="0" cy="874217"/>
+            </a:xfrm>
+            <a:prstGeom prst="straightConnector1">
+              <a:avLst/>
+            </a:prstGeom>
+            <a:ln>
+              <a:solidFill>
+                <a:schemeClr val="tx1"/>
+              </a:solidFill>
+              <a:tailEnd type="triangle"/>
+            </a:ln>
+          </p:spPr>
+          <p:style>
+            <a:lnRef idx="1">
+              <a:schemeClr val="accent1"/>
+            </a:lnRef>
+            <a:fillRef idx="0">
+              <a:schemeClr val="accent1"/>
+            </a:fillRef>
+            <a:effectRef idx="0">
+              <a:schemeClr val="accent1"/>
+            </a:effectRef>
+            <a:fontRef idx="minor">
+              <a:schemeClr val="tx1"/>
+            </a:fontRef>
+          </p:style>
+        </p:cxnSp>
+      </p:grpSp>
+      <p:sp>
+        <p:nvSpPr>
+          <p:cNvPr id="71" name="TextBox 70">
+            <a:extLst>
+              <a:ext uri="{FF2B5EF4-FFF2-40B4-BE49-F238E27FC236}">
+                <a16:creationId xmlns:a16="http://schemas.microsoft.com/office/drawing/2014/main" id="{E528C773-EA6E-1745-A35D-25EF654B1B26}"/>
+              </a:ext>
+            </a:extLst>
+          </p:cNvPr>
+          <p:cNvSpPr txBox="1"/>
+          <p:nvPr/>
+        </p:nvSpPr>
+        <p:spPr>
+          <a:xfrm>
+            <a:off x="9927771" y="2570745"/>
+            <a:ext cx="1046248" cy="369332"/>
+          </a:xfrm>
+          <a:prstGeom prst="rect">
+            <a:avLst/>
+          </a:prstGeom>
+          <a:noFill/>
+        </p:spPr>
+        <p:txBody>
+          <a:bodyPr wrap="none" rtlCol="0">
+            <a:spAutoFit/>
+          </a:bodyPr>
+          <a:lstStyle/>
+          <a:p>
+            <a:r>
+              <a:rPr lang="en-US" dirty="0"/>
+              <a:t>PYR/PYL/</a:t>
+            </a:r>
+          </a:p>
+        </p:txBody>
+      </p:sp>
+      <p:sp>
+        <p:nvSpPr>
+          <p:cNvPr id="72" name="Oval 71">
+            <a:extLst>
+              <a:ext uri="{FF2B5EF4-FFF2-40B4-BE49-F238E27FC236}">
+                <a16:creationId xmlns:a16="http://schemas.microsoft.com/office/drawing/2014/main" id="{07F6A21B-6D13-704A-816D-6DC56022BF8D}"/>
+              </a:ext>
+            </a:extLst>
+          </p:cNvPr>
+          <p:cNvSpPr/>
+          <p:nvPr/>
+        </p:nvSpPr>
+        <p:spPr>
+          <a:xfrm>
+            <a:off x="6781949" y="2118349"/>
+            <a:ext cx="940212" cy="900621"/>
+          </a:xfrm>
+          <a:prstGeom prst="ellipse">
+            <a:avLst/>
+          </a:prstGeom>
+        </p:spPr>
+        <p:style>
+          <a:lnRef idx="2">
+            <a:schemeClr val="accent1">
+              <a:shade val="50000"/>
+            </a:schemeClr>
+          </a:lnRef>
+          <a:fillRef idx="1">
+            <a:schemeClr val="accent1"/>
+          </a:fillRef>
+          <a:effectRef idx="0">
+            <a:schemeClr val="accent1"/>
+          </a:effectRef>
+          <a:fontRef idx="minor">
+            <a:schemeClr val="lt1"/>
+          </a:fontRef>
+        </p:style>
+        <p:txBody>
+          <a:bodyPr rtlCol="0" anchor="ctr"/>
+          <a:lstStyle/>
+          <a:p>
+            <a:pPr algn="ctr"/>
+            <a:endParaRPr lang="en-US"/>
+          </a:p>
+        </p:txBody>
+      </p:sp>
+      <p:sp>
+        <p:nvSpPr>
+          <p:cNvPr id="73" name="TextBox 72">
+            <a:extLst>
+              <a:ext uri="{FF2B5EF4-FFF2-40B4-BE49-F238E27FC236}">
+                <a16:creationId xmlns:a16="http://schemas.microsoft.com/office/drawing/2014/main" id="{91A473FF-E25C-F347-A78E-200D244DE0CE}"/>
+              </a:ext>
+            </a:extLst>
+          </p:cNvPr>
+          <p:cNvSpPr txBox="1"/>
+          <p:nvPr/>
+        </p:nvSpPr>
+        <p:spPr>
+          <a:xfrm>
+            <a:off x="6686034" y="2401877"/>
+            <a:ext cx="1132041" cy="369332"/>
+          </a:xfrm>
+          <a:prstGeom prst="rect">
+            <a:avLst/>
+          </a:prstGeom>
+          <a:noFill/>
+        </p:spPr>
+        <p:txBody>
+          <a:bodyPr wrap="none" rtlCol="0">
+            <a:spAutoFit/>
+          </a:bodyPr>
+          <a:lstStyle/>
+          <a:p>
+            <a:r>
+              <a:rPr lang="en-US" dirty="0"/>
+              <a:t>ABI1/ABI2</a:t>
+            </a:r>
+          </a:p>
+        </p:txBody>
+      </p:sp>
+      <p:sp>
+        <p:nvSpPr>
+          <p:cNvPr id="78" name="TextBox 77">
+            <a:extLst>
+              <a:ext uri="{FF2B5EF4-FFF2-40B4-BE49-F238E27FC236}">
+                <a16:creationId xmlns:a16="http://schemas.microsoft.com/office/drawing/2014/main" id="{3300E157-6C3F-FA4D-8D5D-C6A3A73D9649}"/>
+              </a:ext>
+            </a:extLst>
+          </p:cNvPr>
+          <p:cNvSpPr txBox="1"/>
+          <p:nvPr/>
+        </p:nvSpPr>
+        <p:spPr>
+          <a:xfrm>
+            <a:off x="7009130" y="2958185"/>
+            <a:ext cx="573555" cy="369332"/>
+          </a:xfrm>
+          <a:prstGeom prst="rect">
+            <a:avLst/>
+          </a:prstGeom>
+          <a:noFill/>
+        </p:spPr>
+        <p:txBody>
+          <a:bodyPr wrap="none" rtlCol="0">
+            <a:spAutoFit/>
+          </a:bodyPr>
+          <a:lstStyle/>
+          <a:p>
+            <a:r>
+              <a:rPr lang="en-US" dirty="0"/>
+              <a:t>ABA</a:t>
+            </a:r>
+          </a:p>
+        </p:txBody>
+      </p:sp>
+      <p:sp>
+        <p:nvSpPr>
+          <p:cNvPr id="80" name="Rounded Rectangle 79">
+            <a:extLst>
+              <a:ext uri="{FF2B5EF4-FFF2-40B4-BE49-F238E27FC236}">
+                <a16:creationId xmlns:a16="http://schemas.microsoft.com/office/drawing/2014/main" id="{97E83504-E13F-C648-81E5-5ADF831C8C5B}"/>
+              </a:ext>
+            </a:extLst>
+          </p:cNvPr>
+          <p:cNvSpPr/>
+          <p:nvPr/>
+        </p:nvSpPr>
+        <p:spPr>
+          <a:xfrm>
+            <a:off x="4047355" y="4515297"/>
+            <a:ext cx="1483398" cy="1628256"/>
+          </a:xfrm>
+          <a:prstGeom prst="roundRect">
+            <a:avLst/>
+          </a:prstGeom>
+        </p:spPr>
+        <p:style>
+          <a:lnRef idx="2">
+            <a:schemeClr val="accent1">
+              <a:shade val="50000"/>
+            </a:schemeClr>
+          </a:lnRef>
+          <a:fillRef idx="1">
+            <a:schemeClr val="accent1"/>
+          </a:fillRef>
+          <a:effectRef idx="0">
+            <a:schemeClr val="accent1"/>
+          </a:effectRef>
+          <a:fontRef idx="minor">
+            <a:schemeClr val="lt1"/>
+          </a:fontRef>
+        </p:style>
+        <p:txBody>
+          <a:bodyPr rtlCol="0" anchor="ctr"/>
+          <a:lstStyle/>
+          <a:p>
+            <a:pPr algn="ctr"/>
+            <a:endParaRPr lang="en-US"/>
+          </a:p>
+        </p:txBody>
+      </p:sp>
+      <p:grpSp>
+        <p:nvGrpSpPr>
+          <p:cNvPr id="83" name="Group 82">
+            <a:extLst>
+              <a:ext uri="{FF2B5EF4-FFF2-40B4-BE49-F238E27FC236}">
+                <a16:creationId xmlns:a16="http://schemas.microsoft.com/office/drawing/2014/main" id="{FF6AFD4B-4D75-B649-95A2-F79BCF2C68ED}"/>
+              </a:ext>
+            </a:extLst>
+          </p:cNvPr>
+          <p:cNvGrpSpPr/>
+          <p:nvPr/>
+        </p:nvGrpSpPr>
+        <p:grpSpPr>
+          <a:xfrm rot="6354995">
+            <a:off x="4023303" y="4285726"/>
+            <a:ext cx="1033959" cy="483314"/>
+            <a:chOff x="3631355" y="4140480"/>
+            <a:chExt cx="1033959" cy="483314"/>
+          </a:xfrm>
+        </p:grpSpPr>
+        <p:sp>
+          <p:nvSpPr>
+            <p:cNvPr id="81" name="Can 80">
+              <a:extLst>
+                <a:ext uri="{FF2B5EF4-FFF2-40B4-BE49-F238E27FC236}">
+                  <a16:creationId xmlns:a16="http://schemas.microsoft.com/office/drawing/2014/main" id="{7D3A3918-EBCE-864D-AAF5-28CAC7CC0364}"/>
+                </a:ext>
+              </a:extLst>
+            </p:cNvPr>
+            <p:cNvSpPr/>
+            <p:nvPr/>
+          </p:nvSpPr>
+          <p:spPr>
+            <a:xfrm rot="3753544">
+              <a:off x="3894717" y="4110651"/>
+              <a:ext cx="483314" cy="542972"/>
+            </a:xfrm>
+            <a:prstGeom prst="can">
+              <a:avLst/>
+            </a:prstGeom>
+          </p:spPr>
+          <p:style>
+            <a:lnRef idx="2">
+              <a:schemeClr val="accent1">
+                <a:shade val="50000"/>
+              </a:schemeClr>
+            </a:lnRef>
+            <a:fillRef idx="1">
+              <a:schemeClr val="accent1"/>
+            </a:fillRef>
+            <a:effectRef idx="0">
+              <a:schemeClr val="accent1"/>
+            </a:effectRef>
+            <a:fontRef idx="minor">
+              <a:schemeClr val="lt1"/>
+            </a:fontRef>
+          </p:style>
+          <p:txBody>
+            <a:bodyPr rtlCol="0" anchor="ctr"/>
+            <a:lstStyle/>
+            <a:p>
+              <a:pPr algn="ctr"/>
+              <a:endParaRPr lang="en-US"/>
+            </a:p>
+          </p:txBody>
+        </p:sp>
+        <p:cxnSp>
+          <p:nvCxnSpPr>
+            <p:cNvPr id="82" name="Straight Arrow Connector 81">
+              <a:extLst>
+                <a:ext uri="{FF2B5EF4-FFF2-40B4-BE49-F238E27FC236}">
+                  <a16:creationId xmlns:a16="http://schemas.microsoft.com/office/drawing/2014/main" id="{C3720228-2018-544C-B898-D647759FC791}"/>
+                </a:ext>
+              </a:extLst>
+            </p:cNvPr>
+            <p:cNvCxnSpPr>
+              <a:cxnSpLocks/>
+            </p:cNvCxnSpPr>
+            <p:nvPr/>
+          </p:nvCxnSpPr>
+          <p:spPr>
+            <a:xfrm rot="19953544">
+              <a:off x="3631355" y="4351151"/>
+              <a:ext cx="1033959" cy="15799"/>
+            </a:xfrm>
+            <a:prstGeom prst="straightConnector1">
+              <a:avLst/>
+            </a:prstGeom>
+            <a:ln w="12700">
+              <a:solidFill>
+                <a:schemeClr val="tx1"/>
+              </a:solidFill>
+              <a:tailEnd type="triangle"/>
+            </a:ln>
+          </p:spPr>
+          <p:style>
+            <a:lnRef idx="1">
+              <a:schemeClr val="accent1"/>
+            </a:lnRef>
+            <a:fillRef idx="0">
+              <a:schemeClr val="accent1"/>
+            </a:fillRef>
+            <a:effectRef idx="0">
+              <a:schemeClr val="accent1"/>
+            </a:effectRef>
+            <a:fontRef idx="minor">
+              <a:schemeClr val="tx1"/>
+            </a:fontRef>
+          </p:style>
+        </p:cxnSp>
+      </p:grpSp>
+      <p:sp>
+        <p:nvSpPr>
+          <p:cNvPr id="84" name="TextBox 83">
+            <a:extLst>
+              <a:ext uri="{FF2B5EF4-FFF2-40B4-BE49-F238E27FC236}">
+                <a16:creationId xmlns:a16="http://schemas.microsoft.com/office/drawing/2014/main" id="{FAFAC0ED-9AED-2A44-AB37-4D2AC5C1FE49}"/>
+              </a:ext>
+            </a:extLst>
+          </p:cNvPr>
+          <p:cNvSpPr txBox="1"/>
+          <p:nvPr/>
+        </p:nvSpPr>
+        <p:spPr>
+          <a:xfrm rot="19953544">
+            <a:off x="4003219" y="3857098"/>
+            <a:ext cx="473206" cy="369332"/>
+          </a:xfrm>
+          <a:prstGeom prst="rect">
+            <a:avLst/>
+          </a:prstGeom>
+          <a:noFill/>
+        </p:spPr>
+        <p:txBody>
+          <a:bodyPr wrap="none" rtlCol="0">
+            <a:spAutoFit/>
+          </a:bodyPr>
+          <a:lstStyle/>
+          <a:p>
+            <a:r>
+              <a:rPr lang="en-US" dirty="0"/>
+              <a:t>TIP</a:t>
+            </a:r>
+          </a:p>
+        </p:txBody>
+      </p:sp>
+      <p:sp>
+        <p:nvSpPr>
+          <p:cNvPr id="85" name="Rounded Rectangle 84">
+            <a:extLst>
+              <a:ext uri="{FF2B5EF4-FFF2-40B4-BE49-F238E27FC236}">
+                <a16:creationId xmlns:a16="http://schemas.microsoft.com/office/drawing/2014/main" id="{678CA0E0-AC38-294E-9861-BA9A83A1E117}"/>
+              </a:ext>
+            </a:extLst>
+          </p:cNvPr>
+          <p:cNvSpPr/>
+          <p:nvPr/>
+        </p:nvSpPr>
+        <p:spPr>
+          <a:xfrm>
+            <a:off x="6881969" y="2987785"/>
+            <a:ext cx="827875" cy="592463"/>
+          </a:xfrm>
+          <a:prstGeom prst="roundRect">
+            <a:avLst/>
+          </a:prstGeom>
+        </p:spPr>
+        <p:style>
+          <a:lnRef idx="2">
+            <a:schemeClr val="accent1">
+              <a:shade val="50000"/>
+            </a:schemeClr>
+          </a:lnRef>
+          <a:fillRef idx="1">
+            <a:schemeClr val="accent1"/>
+          </a:fillRef>
+          <a:effectRef idx="0">
+            <a:schemeClr val="accent1"/>
+          </a:effectRef>
+          <a:fontRef idx="minor">
+            <a:schemeClr val="lt1"/>
+          </a:fontRef>
+        </p:style>
+        <p:txBody>
+          <a:bodyPr rtlCol="0" anchor="ctr"/>
+          <a:lstStyle/>
+          <a:p>
+            <a:pPr algn="ctr"/>
+            <a:endParaRPr lang="en-US"/>
+          </a:p>
+        </p:txBody>
+      </p:sp>
+      <p:sp>
+        <p:nvSpPr>
+          <p:cNvPr id="86" name="TextBox 85">
+            <a:extLst>
+              <a:ext uri="{FF2B5EF4-FFF2-40B4-BE49-F238E27FC236}">
+                <a16:creationId xmlns:a16="http://schemas.microsoft.com/office/drawing/2014/main" id="{BDB4BD47-8CDF-C247-9C8E-D73FA0E401C9}"/>
+              </a:ext>
+            </a:extLst>
+          </p:cNvPr>
+          <p:cNvSpPr txBox="1"/>
+          <p:nvPr/>
+        </p:nvSpPr>
+        <p:spPr>
+          <a:xfrm>
+            <a:off x="6934201" y="3084551"/>
+            <a:ext cx="662361" cy="369332"/>
+          </a:xfrm>
+          <a:prstGeom prst="rect">
+            <a:avLst/>
+          </a:prstGeom>
+          <a:noFill/>
+        </p:spPr>
+        <p:txBody>
+          <a:bodyPr wrap="none" rtlCol="0">
+            <a:spAutoFit/>
+          </a:bodyPr>
+          <a:lstStyle/>
+          <a:p>
+            <a:r>
+              <a:rPr lang="en-US" dirty="0"/>
+              <a:t>PP2C</a:t>
+            </a:r>
+          </a:p>
+        </p:txBody>
+      </p:sp>
+      <p:sp>
+        <p:nvSpPr>
+          <p:cNvPr id="87" name="TextBox 86">
+            <a:extLst>
+              <a:ext uri="{FF2B5EF4-FFF2-40B4-BE49-F238E27FC236}">
+                <a16:creationId xmlns:a16="http://schemas.microsoft.com/office/drawing/2014/main" id="{CD3286E3-8BF6-8640-B9DD-25413073F053}"/>
+              </a:ext>
+            </a:extLst>
+          </p:cNvPr>
+          <p:cNvSpPr txBox="1"/>
+          <p:nvPr/>
+        </p:nvSpPr>
+        <p:spPr>
+          <a:xfrm>
+            <a:off x="6996774" y="2790854"/>
+            <a:ext cx="573555" cy="369332"/>
+          </a:xfrm>
+          <a:prstGeom prst="rect">
+            <a:avLst/>
+          </a:prstGeom>
+          <a:noFill/>
+        </p:spPr>
+        <p:txBody>
+          <a:bodyPr wrap="none" rtlCol="0">
+            <a:spAutoFit/>
+          </a:bodyPr>
+          <a:lstStyle/>
+          <a:p>
+            <a:r>
+              <a:rPr lang="en-US" dirty="0"/>
+              <a:t>ABA</a:t>
+            </a:r>
+          </a:p>
+        </p:txBody>
+      </p:sp>
+      <p:grpSp>
+        <p:nvGrpSpPr>
+          <p:cNvPr id="89" name="Group 88">
+            <a:extLst>
+              <a:ext uri="{FF2B5EF4-FFF2-40B4-BE49-F238E27FC236}">
+                <a16:creationId xmlns:a16="http://schemas.microsoft.com/office/drawing/2014/main" id="{AFDE3A78-E251-354A-9BC7-52D51962B121}"/>
+              </a:ext>
+            </a:extLst>
+          </p:cNvPr>
+          <p:cNvGrpSpPr/>
+          <p:nvPr/>
+        </p:nvGrpSpPr>
+        <p:grpSpPr>
+          <a:xfrm>
+            <a:off x="8807388" y="2830421"/>
+            <a:ext cx="1477921" cy="928798"/>
+            <a:chOff x="1828805" y="2309605"/>
+            <a:chExt cx="1477921" cy="928798"/>
+          </a:xfrm>
+        </p:grpSpPr>
+        <p:grpSp>
+          <p:nvGrpSpPr>
+            <p:cNvPr id="90" name="Group 89">
+              <a:extLst>
+                <a:ext uri="{FF2B5EF4-FFF2-40B4-BE49-F238E27FC236}">
+                  <a16:creationId xmlns:a16="http://schemas.microsoft.com/office/drawing/2014/main" id="{4030B6DB-F054-8B4F-9FCC-42DA2077C0D2}"/>
+                </a:ext>
+              </a:extLst>
+            </p:cNvPr>
+            <p:cNvGrpSpPr/>
+            <p:nvPr/>
+          </p:nvGrpSpPr>
+          <p:grpSpPr>
+            <a:xfrm rot="5400000">
+              <a:off x="2104519" y="2572464"/>
+              <a:ext cx="580572" cy="751306"/>
+              <a:chOff x="10609943" y="2267665"/>
+              <a:chExt cx="580572" cy="751306"/>
+            </a:xfrm>
+          </p:grpSpPr>
+          <p:sp>
+            <p:nvSpPr>
+              <p:cNvPr id="94" name="Oval 93">
+                <a:extLst>
+                  <a:ext uri="{FF2B5EF4-FFF2-40B4-BE49-F238E27FC236}">
+                    <a16:creationId xmlns:a16="http://schemas.microsoft.com/office/drawing/2014/main" id="{60F6216D-F447-EB49-910B-CE8E2E24018B}"/>
+                  </a:ext>
+                </a:extLst>
+              </p:cNvPr>
+              <p:cNvSpPr/>
+              <p:nvPr/>
+            </p:nvSpPr>
+            <p:spPr>
+              <a:xfrm>
+                <a:off x="10609943" y="2267666"/>
+                <a:ext cx="290286" cy="751305"/>
+              </a:xfrm>
+              <a:prstGeom prst="ellipse">
+                <a:avLst/>
+              </a:prstGeom>
+              <a:solidFill>
+                <a:schemeClr val="tx1">
+                  <a:lumMod val="65000"/>
+                  <a:lumOff val="35000"/>
+                </a:schemeClr>
+              </a:solidFill>
+              <a:ln>
+                <a:solidFill>
+                  <a:schemeClr val="tx1"/>
+                </a:solidFill>
+              </a:ln>
+            </p:spPr>
+            <p:style>
+              <a:lnRef idx="2">
+                <a:schemeClr val="accent1">
+                  <a:shade val="50000"/>
+                </a:schemeClr>
+              </a:lnRef>
+              <a:fillRef idx="1">
+                <a:schemeClr val="accent1"/>
+              </a:fillRef>
+              <a:effectRef idx="0">
+                <a:schemeClr val="accent1"/>
+              </a:effectRef>
+              <a:fontRef idx="minor">
+                <a:schemeClr val="lt1"/>
+              </a:fontRef>
+            </p:style>
+            <p:txBody>
+              <a:bodyPr rtlCol="0" anchor="ctr"/>
+              <a:lstStyle/>
+              <a:p>
+                <a:pPr algn="ctr"/>
+                <a:endParaRPr lang="en-US"/>
+              </a:p>
+            </p:txBody>
+          </p:sp>
+          <p:sp>
+            <p:nvSpPr>
+              <p:cNvPr id="95" name="Oval 94">
+                <a:extLst>
+                  <a:ext uri="{FF2B5EF4-FFF2-40B4-BE49-F238E27FC236}">
+                    <a16:creationId xmlns:a16="http://schemas.microsoft.com/office/drawing/2014/main" id="{7CFB37FC-7F9E-D147-BCF2-4732032AEFDC}"/>
+                  </a:ext>
+                </a:extLst>
+              </p:cNvPr>
+              <p:cNvSpPr/>
+              <p:nvPr/>
+            </p:nvSpPr>
+            <p:spPr>
+              <a:xfrm>
+                <a:off x="10900229" y="2267665"/>
+                <a:ext cx="290286" cy="751305"/>
+              </a:xfrm>
+              <a:prstGeom prst="ellipse">
+                <a:avLst/>
+              </a:prstGeom>
+              <a:solidFill>
+                <a:schemeClr val="tx1">
+                  <a:lumMod val="65000"/>
+                  <a:lumOff val="35000"/>
+                </a:schemeClr>
+              </a:solidFill>
+              <a:ln>
+                <a:solidFill>
+                  <a:schemeClr val="tx1"/>
+                </a:solidFill>
+              </a:ln>
+            </p:spPr>
+            <p:style>
+              <a:lnRef idx="2">
+                <a:schemeClr val="accent1">
+                  <a:shade val="50000"/>
+                </a:schemeClr>
+              </a:lnRef>
+              <a:fillRef idx="1">
+                <a:schemeClr val="accent1"/>
+              </a:fillRef>
+              <a:effectRef idx="0">
+                <a:schemeClr val="accent1"/>
+              </a:effectRef>
+              <a:fontRef idx="minor">
+                <a:schemeClr val="lt1"/>
+              </a:fontRef>
+            </p:style>
+            <p:txBody>
+              <a:bodyPr rtlCol="0" anchor="ctr"/>
+              <a:lstStyle/>
+              <a:p>
+                <a:pPr algn="ctr"/>
+                <a:endParaRPr lang="en-US" dirty="0"/>
+              </a:p>
+            </p:txBody>
+          </p:sp>
+        </p:grpSp>
+        <p:cxnSp>
+          <p:nvCxnSpPr>
+            <p:cNvPr id="91" name="Straight Arrow Connector 90">
+              <a:extLst>
+                <a:ext uri="{FF2B5EF4-FFF2-40B4-BE49-F238E27FC236}">
+                  <a16:creationId xmlns:a16="http://schemas.microsoft.com/office/drawing/2014/main" id="{A2B821C3-CEDF-C14D-80B7-D86C00D39BC6}"/>
+                </a:ext>
+              </a:extLst>
+            </p:cNvPr>
+            <p:cNvCxnSpPr>
+              <a:cxnSpLocks/>
+            </p:cNvCxnSpPr>
+            <p:nvPr/>
+          </p:nvCxnSpPr>
+          <p:spPr>
+            <a:xfrm>
+              <a:off x="1828805" y="2933602"/>
+              <a:ext cx="1033959" cy="15799"/>
+            </a:xfrm>
+            <a:prstGeom prst="straightConnector1">
+              <a:avLst/>
+            </a:prstGeom>
+            <a:ln w="12700">
+              <a:solidFill>
+                <a:schemeClr val="tx1"/>
+              </a:solidFill>
+              <a:tailEnd type="triangle"/>
+            </a:ln>
+          </p:spPr>
+          <p:style>
+            <a:lnRef idx="1">
+              <a:schemeClr val="accent1"/>
+            </a:lnRef>
+            <a:fillRef idx="0">
+              <a:schemeClr val="accent1"/>
+            </a:fillRef>
+            <a:effectRef idx="0">
+              <a:schemeClr val="accent1"/>
+            </a:effectRef>
+            <a:fontRef idx="minor">
+              <a:schemeClr val="tx1"/>
+            </a:fontRef>
+          </p:style>
+        </p:cxnSp>
+        <p:sp>
+          <p:nvSpPr>
+            <p:cNvPr id="92" name="TextBox 91">
+              <a:extLst>
+                <a:ext uri="{FF2B5EF4-FFF2-40B4-BE49-F238E27FC236}">
+                  <a16:creationId xmlns:a16="http://schemas.microsoft.com/office/drawing/2014/main" id="{96A6B8CB-4CD0-FA46-BF8F-D3B4CFF74571}"/>
+                </a:ext>
+              </a:extLst>
+            </p:cNvPr>
+            <p:cNvSpPr txBox="1"/>
+            <p:nvPr/>
+          </p:nvSpPr>
+          <p:spPr>
+            <a:xfrm>
+              <a:off x="2924890" y="2764734"/>
+              <a:ext cx="381836" cy="369332"/>
+            </a:xfrm>
+            <a:prstGeom prst="rect">
+              <a:avLst/>
+            </a:prstGeom>
+            <a:noFill/>
+          </p:spPr>
+          <p:txBody>
+            <a:bodyPr wrap="none" rtlCol="0">
+              <a:spAutoFit/>
+            </a:bodyPr>
+            <a:lstStyle/>
+            <a:p>
+              <a:r>
+                <a:rPr lang="en-US" dirty="0"/>
+                <a:t>K</a:t>
+              </a:r>
+              <a:r>
+                <a:rPr lang="en-US" baseline="30000" dirty="0"/>
+                <a:t>+</a:t>
+              </a:r>
+            </a:p>
+          </p:txBody>
+        </p:sp>
+        <p:sp>
+          <p:nvSpPr>
+            <p:cNvPr id="93" name="TextBox 92">
+              <a:extLst>
+                <a:ext uri="{FF2B5EF4-FFF2-40B4-BE49-F238E27FC236}">
+                  <a16:creationId xmlns:a16="http://schemas.microsoft.com/office/drawing/2014/main" id="{0868BA60-41FC-6443-9FEA-D44D907565DB}"/>
+                </a:ext>
+              </a:extLst>
+            </p:cNvPr>
+            <p:cNvSpPr txBox="1"/>
+            <p:nvPr/>
+          </p:nvSpPr>
+          <p:spPr>
+            <a:xfrm>
+              <a:off x="2327425" y="2309605"/>
+              <a:ext cx="728084" cy="369332"/>
+            </a:xfrm>
+            <a:prstGeom prst="rect">
+              <a:avLst/>
+            </a:prstGeom>
+            <a:noFill/>
+          </p:spPr>
+          <p:txBody>
+            <a:bodyPr wrap="none" rtlCol="0">
+              <a:spAutoFit/>
+            </a:bodyPr>
+            <a:lstStyle/>
+            <a:p>
+              <a:r>
+                <a:rPr lang="en-US" dirty="0"/>
+                <a:t>GORK</a:t>
+              </a:r>
+            </a:p>
+          </p:txBody>
+        </p:sp>
+      </p:grpSp>
+      <p:grpSp>
+        <p:nvGrpSpPr>
+          <p:cNvPr id="96" name="Group 95">
+            <a:extLst>
+              <a:ext uri="{FF2B5EF4-FFF2-40B4-BE49-F238E27FC236}">
+                <a16:creationId xmlns:a16="http://schemas.microsoft.com/office/drawing/2014/main" id="{AB062E24-394D-C740-85E4-AB74D4B3B418}"/>
+              </a:ext>
+            </a:extLst>
+          </p:cNvPr>
+          <p:cNvGrpSpPr/>
+          <p:nvPr/>
+        </p:nvGrpSpPr>
+        <p:grpSpPr>
+          <a:xfrm>
+            <a:off x="8792117" y="3956283"/>
+            <a:ext cx="2064812" cy="914050"/>
+            <a:chOff x="1828805" y="2324353"/>
+            <a:chExt cx="2064812" cy="914050"/>
+          </a:xfrm>
+        </p:grpSpPr>
+        <p:grpSp>
+          <p:nvGrpSpPr>
+            <p:cNvPr id="97" name="Group 96">
+              <a:extLst>
+                <a:ext uri="{FF2B5EF4-FFF2-40B4-BE49-F238E27FC236}">
+                  <a16:creationId xmlns:a16="http://schemas.microsoft.com/office/drawing/2014/main" id="{A5620EFB-A66A-7F40-BA9C-888652E5A5F3}"/>
+                </a:ext>
+              </a:extLst>
+            </p:cNvPr>
+            <p:cNvGrpSpPr/>
+            <p:nvPr/>
+          </p:nvGrpSpPr>
+          <p:grpSpPr>
+            <a:xfrm rot="5400000">
+              <a:off x="2104519" y="2572464"/>
+              <a:ext cx="580572" cy="751306"/>
+              <a:chOff x="10609943" y="2267665"/>
+              <a:chExt cx="580572" cy="751306"/>
+            </a:xfrm>
+          </p:grpSpPr>
+          <p:sp>
+            <p:nvSpPr>
+              <p:cNvPr id="101" name="Oval 100">
+                <a:extLst>
+                  <a:ext uri="{FF2B5EF4-FFF2-40B4-BE49-F238E27FC236}">
+                    <a16:creationId xmlns:a16="http://schemas.microsoft.com/office/drawing/2014/main" id="{1896A7B1-6602-524D-ADA1-AE8D8D6D3F99}"/>
+                  </a:ext>
+                </a:extLst>
+              </p:cNvPr>
+              <p:cNvSpPr/>
+              <p:nvPr/>
+            </p:nvSpPr>
+            <p:spPr>
+              <a:xfrm>
+                <a:off x="10609943" y="2267666"/>
+                <a:ext cx="290286" cy="751305"/>
+              </a:xfrm>
+              <a:prstGeom prst="ellipse">
+                <a:avLst/>
+              </a:prstGeom>
+              <a:solidFill>
+                <a:schemeClr val="tx1">
+                  <a:lumMod val="65000"/>
+                  <a:lumOff val="35000"/>
+                </a:schemeClr>
+              </a:solidFill>
+              <a:ln>
+                <a:solidFill>
+                  <a:schemeClr val="tx1"/>
+                </a:solidFill>
+              </a:ln>
+            </p:spPr>
+            <p:style>
+              <a:lnRef idx="2">
+                <a:schemeClr val="accent1">
+                  <a:shade val="50000"/>
+                </a:schemeClr>
+              </a:lnRef>
+              <a:fillRef idx="1">
+                <a:schemeClr val="accent1"/>
+              </a:fillRef>
+              <a:effectRef idx="0">
+                <a:schemeClr val="accent1"/>
+              </a:effectRef>
+              <a:fontRef idx="minor">
+                <a:schemeClr val="lt1"/>
+              </a:fontRef>
+            </p:style>
+            <p:txBody>
+              <a:bodyPr rtlCol="0" anchor="ctr"/>
+              <a:lstStyle/>
+              <a:p>
+                <a:pPr algn="ctr"/>
+                <a:endParaRPr lang="en-US"/>
+              </a:p>
+            </p:txBody>
+          </p:sp>
+          <p:sp>
+            <p:nvSpPr>
+              <p:cNvPr id="102" name="Oval 101">
+                <a:extLst>
+                  <a:ext uri="{FF2B5EF4-FFF2-40B4-BE49-F238E27FC236}">
+                    <a16:creationId xmlns:a16="http://schemas.microsoft.com/office/drawing/2014/main" id="{45096194-5C60-D84A-81EB-0540BB003B3E}"/>
+                  </a:ext>
+                </a:extLst>
+              </p:cNvPr>
+              <p:cNvSpPr/>
+              <p:nvPr/>
+            </p:nvSpPr>
+            <p:spPr>
+              <a:xfrm>
+                <a:off x="10900229" y="2267665"/>
+                <a:ext cx="290286" cy="751305"/>
+              </a:xfrm>
+              <a:prstGeom prst="ellipse">
+                <a:avLst/>
+              </a:prstGeom>
+              <a:solidFill>
+                <a:schemeClr val="tx1">
+                  <a:lumMod val="65000"/>
+                  <a:lumOff val="35000"/>
+                </a:schemeClr>
+              </a:solidFill>
+              <a:ln>
+                <a:solidFill>
+                  <a:schemeClr val="tx1"/>
+                </a:solidFill>
+              </a:ln>
+            </p:spPr>
+            <p:style>
+              <a:lnRef idx="2">
+                <a:schemeClr val="accent1">
+                  <a:shade val="50000"/>
+                </a:schemeClr>
+              </a:lnRef>
+              <a:fillRef idx="1">
+                <a:schemeClr val="accent1"/>
+              </a:fillRef>
+              <a:effectRef idx="0">
+                <a:schemeClr val="accent1"/>
+              </a:effectRef>
+              <a:fontRef idx="minor">
+                <a:schemeClr val="lt1"/>
+              </a:fontRef>
+            </p:style>
+            <p:txBody>
+              <a:bodyPr rtlCol="0" anchor="ctr"/>
+              <a:lstStyle/>
+              <a:p>
+                <a:pPr algn="ctr"/>
+                <a:endParaRPr lang="en-US" dirty="0"/>
+              </a:p>
+            </p:txBody>
+          </p:sp>
+        </p:grpSp>
+        <p:cxnSp>
+          <p:nvCxnSpPr>
+            <p:cNvPr id="98" name="Straight Arrow Connector 97">
+              <a:extLst>
+                <a:ext uri="{FF2B5EF4-FFF2-40B4-BE49-F238E27FC236}">
+                  <a16:creationId xmlns:a16="http://schemas.microsoft.com/office/drawing/2014/main" id="{8C7DC94D-E088-2745-8D28-FE39F02F80CA}"/>
+                </a:ext>
+              </a:extLst>
+            </p:cNvPr>
+            <p:cNvCxnSpPr>
+              <a:cxnSpLocks/>
+            </p:cNvCxnSpPr>
+            <p:nvPr/>
+          </p:nvCxnSpPr>
+          <p:spPr>
+            <a:xfrm>
+              <a:off x="1828805" y="2933602"/>
+              <a:ext cx="1033959" cy="15799"/>
+            </a:xfrm>
+            <a:prstGeom prst="straightConnector1">
+              <a:avLst/>
+            </a:prstGeom>
+            <a:ln w="12700">
+              <a:solidFill>
+                <a:schemeClr val="tx1"/>
+              </a:solidFill>
+              <a:tailEnd type="triangle"/>
+            </a:ln>
+          </p:spPr>
+          <p:style>
+            <a:lnRef idx="1">
+              <a:schemeClr val="accent1"/>
+            </a:lnRef>
+            <a:fillRef idx="0">
+              <a:schemeClr val="accent1"/>
+            </a:fillRef>
+            <a:effectRef idx="0">
+              <a:schemeClr val="accent1"/>
+            </a:effectRef>
+            <a:fontRef idx="minor">
+              <a:schemeClr val="tx1"/>
+            </a:fontRef>
+          </p:style>
+        </p:cxnSp>
+        <p:sp>
+          <p:nvSpPr>
+            <p:cNvPr id="99" name="TextBox 98">
+              <a:extLst>
+                <a:ext uri="{FF2B5EF4-FFF2-40B4-BE49-F238E27FC236}">
+                  <a16:creationId xmlns:a16="http://schemas.microsoft.com/office/drawing/2014/main" id="{D42F2B9B-D052-C948-A877-54CFCFD6B3F5}"/>
+                </a:ext>
+              </a:extLst>
+            </p:cNvPr>
+            <p:cNvSpPr txBox="1"/>
+            <p:nvPr/>
+          </p:nvSpPr>
+          <p:spPr>
+            <a:xfrm>
+              <a:off x="2924890" y="2764734"/>
+              <a:ext cx="968727" cy="369332"/>
+            </a:xfrm>
+            <a:prstGeom prst="rect">
+              <a:avLst/>
+            </a:prstGeom>
+            <a:noFill/>
+          </p:spPr>
+          <p:txBody>
+            <a:bodyPr wrap="none" rtlCol="0">
+              <a:spAutoFit/>
+            </a:bodyPr>
+            <a:lstStyle/>
+            <a:p>
+              <a:r>
+                <a:rPr lang="en-US" dirty="0"/>
+                <a:t>Malate</a:t>
+              </a:r>
+              <a:r>
+                <a:rPr lang="en-US" baseline="30000" dirty="0"/>
+                <a:t>2-</a:t>
+              </a:r>
+            </a:p>
+          </p:txBody>
+        </p:sp>
+        <p:sp>
+          <p:nvSpPr>
+            <p:cNvPr id="100" name="TextBox 99">
+              <a:extLst>
+                <a:ext uri="{FF2B5EF4-FFF2-40B4-BE49-F238E27FC236}">
+                  <a16:creationId xmlns:a16="http://schemas.microsoft.com/office/drawing/2014/main" id="{9E9AE919-B4B3-8446-9026-F0369638FE4C}"/>
+                </a:ext>
+              </a:extLst>
+            </p:cNvPr>
+            <p:cNvSpPr txBox="1"/>
+            <p:nvPr/>
+          </p:nvSpPr>
+          <p:spPr>
+            <a:xfrm>
+              <a:off x="2445410" y="2324353"/>
+              <a:ext cx="760080" cy="369332"/>
+            </a:xfrm>
+            <a:prstGeom prst="rect">
+              <a:avLst/>
+            </a:prstGeom>
+            <a:noFill/>
+          </p:spPr>
+          <p:txBody>
+            <a:bodyPr wrap="none" rtlCol="0">
+              <a:spAutoFit/>
+            </a:bodyPr>
+            <a:lstStyle/>
+            <a:p>
+              <a:r>
+                <a:rPr lang="en-US" dirty="0"/>
+                <a:t>SLAC1</a:t>
+              </a:r>
+            </a:p>
+          </p:txBody>
+        </p:sp>
+      </p:grpSp>
+      <p:grpSp>
+        <p:nvGrpSpPr>
+          <p:cNvPr id="103" name="Group 102">
+            <a:extLst>
+              <a:ext uri="{FF2B5EF4-FFF2-40B4-BE49-F238E27FC236}">
+                <a16:creationId xmlns:a16="http://schemas.microsoft.com/office/drawing/2014/main" id="{2EDEC656-C26A-704E-81C9-BAEB37B098E6}"/>
+              </a:ext>
+            </a:extLst>
+          </p:cNvPr>
+          <p:cNvGrpSpPr/>
+          <p:nvPr/>
+        </p:nvGrpSpPr>
+        <p:grpSpPr>
+          <a:xfrm>
+            <a:off x="8578770" y="4872400"/>
+            <a:ext cx="2064812" cy="914050"/>
+            <a:chOff x="1828805" y="2324353"/>
+            <a:chExt cx="2064812" cy="914050"/>
+          </a:xfrm>
+        </p:grpSpPr>
+        <p:grpSp>
+          <p:nvGrpSpPr>
+            <p:cNvPr id="104" name="Group 103">
+              <a:extLst>
+                <a:ext uri="{FF2B5EF4-FFF2-40B4-BE49-F238E27FC236}">
+                  <a16:creationId xmlns:a16="http://schemas.microsoft.com/office/drawing/2014/main" id="{802F3C7A-8063-AA48-8AFB-6B7C6CD8E70D}"/>
+                </a:ext>
+              </a:extLst>
+            </p:cNvPr>
+            <p:cNvGrpSpPr/>
+            <p:nvPr/>
+          </p:nvGrpSpPr>
+          <p:grpSpPr>
+            <a:xfrm rot="5400000">
+              <a:off x="2104519" y="2572464"/>
+              <a:ext cx="580572" cy="751306"/>
+              <a:chOff x="10609943" y="2267665"/>
+              <a:chExt cx="580572" cy="751306"/>
+            </a:xfrm>
+          </p:grpSpPr>
+          <p:sp>
+            <p:nvSpPr>
+              <p:cNvPr id="108" name="Oval 107">
+                <a:extLst>
+                  <a:ext uri="{FF2B5EF4-FFF2-40B4-BE49-F238E27FC236}">
+                    <a16:creationId xmlns:a16="http://schemas.microsoft.com/office/drawing/2014/main" id="{2EB9A671-E78D-D347-B792-AED71D166CC9}"/>
+                  </a:ext>
+                </a:extLst>
+              </p:cNvPr>
+              <p:cNvSpPr/>
+              <p:nvPr/>
+            </p:nvSpPr>
+            <p:spPr>
+              <a:xfrm>
+                <a:off x="10609943" y="2267666"/>
+                <a:ext cx="290286" cy="751305"/>
+              </a:xfrm>
+              <a:prstGeom prst="ellipse">
+                <a:avLst/>
+              </a:prstGeom>
+              <a:solidFill>
+                <a:schemeClr val="tx1">
+                  <a:lumMod val="65000"/>
+                  <a:lumOff val="35000"/>
+                </a:schemeClr>
+              </a:solidFill>
+              <a:ln>
+                <a:solidFill>
+                  <a:schemeClr val="tx1"/>
+                </a:solidFill>
+              </a:ln>
+            </p:spPr>
+            <p:style>
+              <a:lnRef idx="2">
+                <a:schemeClr val="accent1">
+                  <a:shade val="50000"/>
+                </a:schemeClr>
+              </a:lnRef>
+              <a:fillRef idx="1">
+                <a:schemeClr val="accent1"/>
+              </a:fillRef>
+              <a:effectRef idx="0">
+                <a:schemeClr val="accent1"/>
+              </a:effectRef>
+              <a:fontRef idx="minor">
+                <a:schemeClr val="lt1"/>
+              </a:fontRef>
+            </p:style>
+            <p:txBody>
+              <a:bodyPr rtlCol="0" anchor="ctr"/>
+              <a:lstStyle/>
+              <a:p>
+                <a:pPr algn="ctr"/>
+                <a:endParaRPr lang="en-US"/>
+              </a:p>
+            </p:txBody>
+          </p:sp>
+          <p:sp>
+            <p:nvSpPr>
+              <p:cNvPr id="109" name="Oval 108">
+                <a:extLst>
+                  <a:ext uri="{FF2B5EF4-FFF2-40B4-BE49-F238E27FC236}">
+                    <a16:creationId xmlns:a16="http://schemas.microsoft.com/office/drawing/2014/main" id="{66027021-0513-EB4B-A3A1-9ED80840C5C1}"/>
+                  </a:ext>
+                </a:extLst>
+              </p:cNvPr>
+              <p:cNvSpPr/>
+              <p:nvPr/>
+            </p:nvSpPr>
+            <p:spPr>
+              <a:xfrm>
+                <a:off x="10900229" y="2267665"/>
+                <a:ext cx="290286" cy="751305"/>
+              </a:xfrm>
+              <a:prstGeom prst="ellipse">
+                <a:avLst/>
+              </a:prstGeom>
+              <a:solidFill>
+                <a:schemeClr val="tx1">
+                  <a:lumMod val="65000"/>
+                  <a:lumOff val="35000"/>
+                </a:schemeClr>
+              </a:solidFill>
+              <a:ln>
+                <a:solidFill>
+                  <a:schemeClr val="tx1"/>
+                </a:solidFill>
+              </a:ln>
+            </p:spPr>
+            <p:style>
+              <a:lnRef idx="2">
+                <a:schemeClr val="accent1">
+                  <a:shade val="50000"/>
+                </a:schemeClr>
+              </a:lnRef>
+              <a:fillRef idx="1">
+                <a:schemeClr val="accent1"/>
+              </a:fillRef>
+              <a:effectRef idx="0">
+                <a:schemeClr val="accent1"/>
+              </a:effectRef>
+              <a:fontRef idx="minor">
+                <a:schemeClr val="lt1"/>
+              </a:fontRef>
+            </p:style>
+            <p:txBody>
+              <a:bodyPr rtlCol="0" anchor="ctr"/>
+              <a:lstStyle/>
+              <a:p>
+                <a:pPr algn="ctr"/>
+                <a:endParaRPr lang="en-US" dirty="0"/>
+              </a:p>
+            </p:txBody>
+          </p:sp>
+        </p:grpSp>
+        <p:cxnSp>
+          <p:nvCxnSpPr>
+            <p:cNvPr id="105" name="Straight Arrow Connector 104">
+              <a:extLst>
+                <a:ext uri="{FF2B5EF4-FFF2-40B4-BE49-F238E27FC236}">
+                  <a16:creationId xmlns:a16="http://schemas.microsoft.com/office/drawing/2014/main" id="{2C65676C-FF90-8D4E-A818-35A81CD6D1B6}"/>
+                </a:ext>
+              </a:extLst>
+            </p:cNvPr>
+            <p:cNvCxnSpPr>
+              <a:cxnSpLocks/>
+            </p:cNvCxnSpPr>
+            <p:nvPr/>
+          </p:nvCxnSpPr>
+          <p:spPr>
+            <a:xfrm>
+              <a:off x="1828805" y="2933602"/>
+              <a:ext cx="1033959" cy="15799"/>
+            </a:xfrm>
+            <a:prstGeom prst="straightConnector1">
+              <a:avLst/>
+            </a:prstGeom>
+            <a:ln w="12700">
+              <a:solidFill>
+                <a:schemeClr val="tx1"/>
+              </a:solidFill>
+              <a:tailEnd type="triangle"/>
+            </a:ln>
+          </p:spPr>
+          <p:style>
+            <a:lnRef idx="1">
+              <a:schemeClr val="accent1"/>
+            </a:lnRef>
+            <a:fillRef idx="0">
+              <a:schemeClr val="accent1"/>
+            </a:fillRef>
+            <a:effectRef idx="0">
+              <a:schemeClr val="accent1"/>
+            </a:effectRef>
+            <a:fontRef idx="minor">
+              <a:schemeClr val="tx1"/>
+            </a:fontRef>
+          </p:style>
+        </p:cxnSp>
+        <p:sp>
+          <p:nvSpPr>
+            <p:cNvPr id="106" name="TextBox 105">
+              <a:extLst>
+                <a:ext uri="{FF2B5EF4-FFF2-40B4-BE49-F238E27FC236}">
+                  <a16:creationId xmlns:a16="http://schemas.microsoft.com/office/drawing/2014/main" id="{42C0F973-9C9E-F040-A877-1433858EC431}"/>
+                </a:ext>
+              </a:extLst>
+            </p:cNvPr>
+            <p:cNvSpPr txBox="1"/>
+            <p:nvPr/>
+          </p:nvSpPr>
+          <p:spPr>
+            <a:xfrm>
+              <a:off x="2924890" y="2764734"/>
+              <a:ext cx="968727" cy="369332"/>
+            </a:xfrm>
+            <a:prstGeom prst="rect">
+              <a:avLst/>
+            </a:prstGeom>
+            <a:noFill/>
+          </p:spPr>
+          <p:txBody>
+            <a:bodyPr wrap="none" rtlCol="0">
+              <a:spAutoFit/>
+            </a:bodyPr>
+            <a:lstStyle/>
+            <a:p>
+              <a:r>
+                <a:rPr lang="en-US" dirty="0"/>
+                <a:t>Malate</a:t>
+              </a:r>
+              <a:r>
+                <a:rPr lang="en-US" baseline="30000" dirty="0"/>
+                <a:t>2-</a:t>
+              </a:r>
+            </a:p>
+          </p:txBody>
+        </p:sp>
+        <p:sp>
+          <p:nvSpPr>
+            <p:cNvPr id="107" name="TextBox 106">
+              <a:extLst>
+                <a:ext uri="{FF2B5EF4-FFF2-40B4-BE49-F238E27FC236}">
+                  <a16:creationId xmlns:a16="http://schemas.microsoft.com/office/drawing/2014/main" id="{BD15A788-7C16-5648-8AAC-EC9836834912}"/>
+                </a:ext>
+              </a:extLst>
+            </p:cNvPr>
+            <p:cNvSpPr txBox="1"/>
+            <p:nvPr/>
+          </p:nvSpPr>
+          <p:spPr>
+            <a:xfrm>
+              <a:off x="2445410" y="2324353"/>
+              <a:ext cx="854401" cy="369332"/>
+            </a:xfrm>
+            <a:prstGeom prst="rect">
+              <a:avLst/>
+            </a:prstGeom>
+            <a:noFill/>
+          </p:spPr>
+          <p:txBody>
+            <a:bodyPr wrap="none" rtlCol="0">
+              <a:spAutoFit/>
+            </a:bodyPr>
+            <a:lstStyle/>
+            <a:p>
+              <a:r>
+                <a:rPr lang="en-US" dirty="0"/>
+                <a:t>QUAC1</a:t>
+              </a:r>
+            </a:p>
+          </p:txBody>
+        </p:sp>
+      </p:grpSp>
+      <p:grpSp>
+        <p:nvGrpSpPr>
+          <p:cNvPr id="110" name="Group 109">
+            <a:extLst>
+              <a:ext uri="{FF2B5EF4-FFF2-40B4-BE49-F238E27FC236}">
+                <a16:creationId xmlns:a16="http://schemas.microsoft.com/office/drawing/2014/main" id="{51A06142-961D-F44E-BCF5-75F1DCBC0D1B}"/>
+              </a:ext>
+            </a:extLst>
+          </p:cNvPr>
+          <p:cNvGrpSpPr/>
+          <p:nvPr/>
+        </p:nvGrpSpPr>
+        <p:grpSpPr>
+          <a:xfrm rot="5400000">
+            <a:off x="6696684" y="6261364"/>
+            <a:ext cx="1950403" cy="549407"/>
+            <a:chOff x="1469023" y="3432202"/>
+            <a:chExt cx="1950403" cy="549407"/>
+          </a:xfrm>
+        </p:grpSpPr>
+        <p:sp>
+          <p:nvSpPr>
+            <p:cNvPr id="111" name="Can 110">
+              <a:extLst>
+                <a:ext uri="{FF2B5EF4-FFF2-40B4-BE49-F238E27FC236}">
+                  <a16:creationId xmlns:a16="http://schemas.microsoft.com/office/drawing/2014/main" id="{C9AA63CB-B64B-D14F-874C-BC0C151F37BF}"/>
+                </a:ext>
+              </a:extLst>
+            </p:cNvPr>
+            <p:cNvSpPr/>
+            <p:nvPr/>
+          </p:nvSpPr>
+          <p:spPr>
+            <a:xfrm rot="5400000">
+              <a:off x="1976053" y="3402373"/>
+              <a:ext cx="483314" cy="542972"/>
+            </a:xfrm>
+            <a:prstGeom prst="can">
+              <a:avLst/>
+            </a:prstGeom>
+          </p:spPr>
+          <p:style>
+            <a:lnRef idx="2">
+              <a:schemeClr val="accent1">
+                <a:shade val="50000"/>
+              </a:schemeClr>
+            </a:lnRef>
+            <a:fillRef idx="1">
+              <a:schemeClr val="accent1"/>
+            </a:fillRef>
+            <a:effectRef idx="0">
+              <a:schemeClr val="accent1"/>
+            </a:effectRef>
+            <a:fontRef idx="minor">
+              <a:schemeClr val="lt1"/>
+            </a:fontRef>
+          </p:style>
+          <p:txBody>
+            <a:bodyPr rtlCol="0" anchor="ctr"/>
+            <a:lstStyle/>
+            <a:p>
+              <a:pPr algn="ctr"/>
+              <a:endParaRPr lang="en-US"/>
+            </a:p>
+          </p:txBody>
+        </p:sp>
+        <p:sp>
+          <p:nvSpPr>
+            <p:cNvPr id="112" name="TextBox 111">
+              <a:extLst>
+                <a:ext uri="{FF2B5EF4-FFF2-40B4-BE49-F238E27FC236}">
+                  <a16:creationId xmlns:a16="http://schemas.microsoft.com/office/drawing/2014/main" id="{5AC9B2CC-D902-F349-8C2A-25A5BC617EAD}"/>
+                </a:ext>
+              </a:extLst>
+            </p:cNvPr>
+            <p:cNvSpPr txBox="1"/>
+            <p:nvPr/>
+          </p:nvSpPr>
+          <p:spPr>
+            <a:xfrm>
+              <a:off x="1469023" y="3612277"/>
+              <a:ext cx="479618" cy="369332"/>
+            </a:xfrm>
+            <a:prstGeom prst="rect">
+              <a:avLst/>
+            </a:prstGeom>
+            <a:noFill/>
+          </p:spPr>
+          <p:txBody>
+            <a:bodyPr wrap="none" rtlCol="0">
+              <a:spAutoFit/>
+            </a:bodyPr>
+            <a:lstStyle/>
+            <a:p>
+              <a:r>
+                <a:rPr lang="en-US" dirty="0"/>
+                <a:t>PIP</a:t>
+              </a:r>
+            </a:p>
+          </p:txBody>
+        </p:sp>
+        <p:cxnSp>
+          <p:nvCxnSpPr>
+            <p:cNvPr id="113" name="Straight Arrow Connector 112">
+              <a:extLst>
+                <a:ext uri="{FF2B5EF4-FFF2-40B4-BE49-F238E27FC236}">
+                  <a16:creationId xmlns:a16="http://schemas.microsoft.com/office/drawing/2014/main" id="{FDBD6A97-19E2-CA4A-B066-2A91B55DF556}"/>
+                </a:ext>
+              </a:extLst>
+            </p:cNvPr>
+            <p:cNvCxnSpPr>
+              <a:cxnSpLocks/>
+            </p:cNvCxnSpPr>
+            <p:nvPr/>
+          </p:nvCxnSpPr>
+          <p:spPr>
+            <a:xfrm>
+              <a:off x="1721984" y="3650982"/>
+              <a:ext cx="1033959" cy="15799"/>
+            </a:xfrm>
+            <a:prstGeom prst="straightConnector1">
+              <a:avLst/>
+            </a:prstGeom>
+            <a:ln w="12700">
+              <a:solidFill>
+                <a:schemeClr val="tx1"/>
+              </a:solidFill>
+              <a:tailEnd type="triangle"/>
+            </a:ln>
+          </p:spPr>
+          <p:style>
+            <a:lnRef idx="1">
+              <a:schemeClr val="accent1"/>
+            </a:lnRef>
+            <a:fillRef idx="0">
+              <a:schemeClr val="accent1"/>
+            </a:fillRef>
+            <a:effectRef idx="0">
+              <a:schemeClr val="accent1"/>
+            </a:effectRef>
+            <a:fontRef idx="minor">
+              <a:schemeClr val="tx1"/>
+            </a:fontRef>
+          </p:style>
+        </p:cxnSp>
+        <p:sp>
+          <p:nvSpPr>
+            <p:cNvPr id="114" name="TextBox 113">
+              <a:extLst>
+                <a:ext uri="{FF2B5EF4-FFF2-40B4-BE49-F238E27FC236}">
+                  <a16:creationId xmlns:a16="http://schemas.microsoft.com/office/drawing/2014/main" id="{E593C943-BD5B-0D4C-A3F9-B3EB5B26BADA}"/>
+                </a:ext>
+              </a:extLst>
+            </p:cNvPr>
+            <p:cNvSpPr txBox="1"/>
+            <p:nvPr/>
+          </p:nvSpPr>
+          <p:spPr>
+            <a:xfrm>
+              <a:off x="2859657" y="3468185"/>
+              <a:ext cx="559769" cy="369332"/>
+            </a:xfrm>
+            <a:prstGeom prst="rect">
+              <a:avLst/>
+            </a:prstGeom>
+            <a:noFill/>
+          </p:spPr>
+          <p:txBody>
+            <a:bodyPr wrap="none" rtlCol="0">
+              <a:spAutoFit/>
+            </a:bodyPr>
+            <a:lstStyle/>
+            <a:p>
+              <a:r>
+                <a:rPr lang="en-US" dirty="0"/>
+                <a:t>H</a:t>
+              </a:r>
+              <a:r>
+                <a:rPr lang="en-US" baseline="-25000" dirty="0"/>
+                <a:t>2</a:t>
+              </a:r>
+              <a:r>
+                <a:rPr lang="en-US" dirty="0"/>
+                <a:t>O</a:t>
+              </a:r>
+              <a:endParaRPr lang="en-US" baseline="30000" dirty="0"/>
+            </a:p>
+          </p:txBody>
+        </p:sp>
+      </p:grpSp>
+      <p:sp>
+        <p:nvSpPr>
+          <p:cNvPr id="115" name="Rounded Rectangle 114">
+            <a:extLst>
+              <a:ext uri="{FF2B5EF4-FFF2-40B4-BE49-F238E27FC236}">
+                <a16:creationId xmlns:a16="http://schemas.microsoft.com/office/drawing/2014/main" id="{5D00523E-468F-3A42-BC58-6EB7C6416D84}"/>
+              </a:ext>
+            </a:extLst>
+          </p:cNvPr>
+          <p:cNvSpPr/>
+          <p:nvPr/>
+        </p:nvSpPr>
+        <p:spPr>
+          <a:xfrm>
+            <a:off x="6177045" y="4151921"/>
+            <a:ext cx="1483398" cy="1628256"/>
+          </a:xfrm>
+          <a:prstGeom prst="roundRect">
+            <a:avLst/>
+          </a:prstGeom>
+        </p:spPr>
+        <p:style>
+          <a:lnRef idx="2">
+            <a:schemeClr val="accent1">
+              <a:shade val="50000"/>
+            </a:schemeClr>
+          </a:lnRef>
+          <a:fillRef idx="1">
+            <a:schemeClr val="accent1"/>
+          </a:fillRef>
+          <a:effectRef idx="0">
+            <a:schemeClr val="accent1"/>
+          </a:effectRef>
+          <a:fontRef idx="minor">
+            <a:schemeClr val="lt1"/>
+          </a:fontRef>
+        </p:style>
+        <p:txBody>
+          <a:bodyPr rtlCol="0" anchor="ctr"/>
+          <a:lstStyle/>
+          <a:p>
+            <a:pPr algn="ctr"/>
+            <a:endParaRPr lang="en-US"/>
+          </a:p>
+        </p:txBody>
+      </p:sp>
+      <p:grpSp>
+        <p:nvGrpSpPr>
+          <p:cNvPr id="116" name="Group 115">
+            <a:extLst>
+              <a:ext uri="{FF2B5EF4-FFF2-40B4-BE49-F238E27FC236}">
+                <a16:creationId xmlns:a16="http://schemas.microsoft.com/office/drawing/2014/main" id="{401423F0-A091-DD46-A055-11E4D2B4FA24}"/>
+              </a:ext>
+            </a:extLst>
+          </p:cNvPr>
+          <p:cNvGrpSpPr/>
+          <p:nvPr/>
+        </p:nvGrpSpPr>
+        <p:grpSpPr>
+          <a:xfrm rot="17461118">
+            <a:off x="6152993" y="3922350"/>
+            <a:ext cx="1033959" cy="483314"/>
+            <a:chOff x="3631355" y="4140480"/>
+            <a:chExt cx="1033959" cy="483314"/>
+          </a:xfrm>
+        </p:grpSpPr>
+        <p:sp>
+          <p:nvSpPr>
+            <p:cNvPr id="117" name="Can 116">
+              <a:extLst>
+                <a:ext uri="{FF2B5EF4-FFF2-40B4-BE49-F238E27FC236}">
+                  <a16:creationId xmlns:a16="http://schemas.microsoft.com/office/drawing/2014/main" id="{F962A739-D24A-BF47-837E-D83DA0A71869}"/>
+                </a:ext>
+              </a:extLst>
+            </p:cNvPr>
+            <p:cNvSpPr/>
+            <p:nvPr/>
+          </p:nvSpPr>
+          <p:spPr>
+            <a:xfrm rot="3753544">
+              <a:off x="3894717" y="4110651"/>
+              <a:ext cx="483314" cy="542972"/>
+            </a:xfrm>
+            <a:prstGeom prst="can">
+              <a:avLst/>
+            </a:prstGeom>
+          </p:spPr>
+          <p:style>
+            <a:lnRef idx="2">
+              <a:schemeClr val="accent1">
+                <a:shade val="50000"/>
+              </a:schemeClr>
+            </a:lnRef>
+            <a:fillRef idx="1">
+              <a:schemeClr val="accent1"/>
+            </a:fillRef>
+            <a:effectRef idx="0">
+              <a:schemeClr val="accent1"/>
+            </a:effectRef>
+            <a:fontRef idx="minor">
+              <a:schemeClr val="lt1"/>
+            </a:fontRef>
+          </p:style>
+          <p:txBody>
+            <a:bodyPr rtlCol="0" anchor="ctr"/>
+            <a:lstStyle/>
+            <a:p>
+              <a:pPr algn="ctr"/>
+              <a:endParaRPr lang="en-US"/>
+            </a:p>
+          </p:txBody>
+        </p:sp>
+        <p:cxnSp>
+          <p:nvCxnSpPr>
+            <p:cNvPr id="118" name="Straight Arrow Connector 117">
+              <a:extLst>
+                <a:ext uri="{FF2B5EF4-FFF2-40B4-BE49-F238E27FC236}">
+                  <a16:creationId xmlns:a16="http://schemas.microsoft.com/office/drawing/2014/main" id="{75FFF5C8-FAEE-9843-BA7E-29FBBB9684A0}"/>
+                </a:ext>
+              </a:extLst>
+            </p:cNvPr>
+            <p:cNvCxnSpPr>
+              <a:cxnSpLocks/>
+            </p:cNvCxnSpPr>
+            <p:nvPr/>
+          </p:nvCxnSpPr>
+          <p:spPr>
+            <a:xfrm rot="19953544">
+              <a:off x="3631355" y="4351151"/>
+              <a:ext cx="1033959" cy="15799"/>
+            </a:xfrm>
+            <a:prstGeom prst="straightConnector1">
+              <a:avLst/>
+            </a:prstGeom>
+            <a:ln w="12700">
+              <a:solidFill>
+                <a:schemeClr val="tx1"/>
+              </a:solidFill>
+              <a:tailEnd type="triangle"/>
+            </a:ln>
+          </p:spPr>
+          <p:style>
+            <a:lnRef idx="1">
+              <a:schemeClr val="accent1"/>
+            </a:lnRef>
+            <a:fillRef idx="0">
+              <a:schemeClr val="accent1"/>
+            </a:fillRef>
+            <a:effectRef idx="0">
+              <a:schemeClr val="accent1"/>
+            </a:effectRef>
+            <a:fontRef idx="minor">
+              <a:schemeClr val="tx1"/>
+            </a:fontRef>
+          </p:style>
+        </p:cxnSp>
+      </p:grpSp>
+      <p:sp>
+        <p:nvSpPr>
+          <p:cNvPr id="119" name="TextBox 118">
+            <a:extLst>
+              <a:ext uri="{FF2B5EF4-FFF2-40B4-BE49-F238E27FC236}">
+                <a16:creationId xmlns:a16="http://schemas.microsoft.com/office/drawing/2014/main" id="{62599984-5F0E-A046-A2A3-9ADCBDB1712E}"/>
+              </a:ext>
+            </a:extLst>
+          </p:cNvPr>
+          <p:cNvSpPr txBox="1"/>
+          <p:nvPr/>
+        </p:nvSpPr>
+        <p:spPr>
+          <a:xfrm rot="19953544">
+            <a:off x="6132909" y="3493722"/>
+            <a:ext cx="473206" cy="369332"/>
+          </a:xfrm>
+          <a:prstGeom prst="rect">
+            <a:avLst/>
+          </a:prstGeom>
+          <a:noFill/>
+        </p:spPr>
+        <p:txBody>
+          <a:bodyPr wrap="none" rtlCol="0">
+            <a:spAutoFit/>
+          </a:bodyPr>
+          <a:lstStyle/>
+          <a:p>
+            <a:r>
+              <a:rPr lang="en-US" dirty="0"/>
+              <a:t>TIP</a:t>
+            </a:r>
+          </a:p>
+        </p:txBody>
+      </p:sp>
+      <p:sp>
+        <p:nvSpPr>
+          <p:cNvPr id="120" name="Oval 119">
+            <a:extLst>
+              <a:ext uri="{FF2B5EF4-FFF2-40B4-BE49-F238E27FC236}">
+                <a16:creationId xmlns:a16="http://schemas.microsoft.com/office/drawing/2014/main" id="{36B990F6-9E4E-1740-9709-9F1330889C77}"/>
+              </a:ext>
+            </a:extLst>
+          </p:cNvPr>
+          <p:cNvSpPr/>
+          <p:nvPr/>
+        </p:nvSpPr>
+        <p:spPr>
+          <a:xfrm>
+            <a:off x="7882300" y="2797378"/>
+            <a:ext cx="914400" cy="914400"/>
+          </a:xfrm>
+          <a:prstGeom prst="ellipse">
+            <a:avLst/>
+          </a:prstGeom>
+        </p:spPr>
+        <p:style>
+          <a:lnRef idx="2">
+            <a:schemeClr val="accent1">
+              <a:shade val="50000"/>
+            </a:schemeClr>
+          </a:lnRef>
+          <a:fillRef idx="1">
+            <a:schemeClr val="accent1"/>
+          </a:fillRef>
+          <a:effectRef idx="0">
+            <a:schemeClr val="accent1"/>
+          </a:effectRef>
+          <a:fontRef idx="minor">
+            <a:schemeClr val="lt1"/>
+          </a:fontRef>
+        </p:style>
+        <p:txBody>
+          <a:bodyPr rtlCol="0" anchor="ctr"/>
+          <a:lstStyle/>
+          <a:p>
+            <a:pPr algn="ctr"/>
+            <a:r>
+              <a:rPr lang="en-US" b="1" dirty="0"/>
+              <a:t>OST1</a:t>
+            </a:r>
+          </a:p>
+        </p:txBody>
+      </p:sp>
+      <p:cxnSp>
+        <p:nvCxnSpPr>
+          <p:cNvPr id="122" name="Straight Arrow Connector 121">
+            <a:extLst>
+              <a:ext uri="{FF2B5EF4-FFF2-40B4-BE49-F238E27FC236}">
+                <a16:creationId xmlns:a16="http://schemas.microsoft.com/office/drawing/2014/main" id="{D87D6DBA-20A3-8342-AA0F-5818F107EC8B}"/>
+              </a:ext>
+            </a:extLst>
+          </p:cNvPr>
+          <p:cNvCxnSpPr/>
+          <p:nvPr/>
+        </p:nvCxnSpPr>
+        <p:spPr>
+          <a:xfrm>
+            <a:off x="11872452" y="6357156"/>
+            <a:ext cx="914400" cy="914400"/>
+          </a:xfrm>
+          <a:prstGeom prst="straightConnector1">
+            <a:avLst/>
+          </a:prstGeom>
+          <a:ln>
+            <a:tailEnd type="triangle"/>
+          </a:ln>
+        </p:spPr>
+        <p:style>
+          <a:lnRef idx="1">
+            <a:schemeClr val="accent1"/>
+          </a:lnRef>
+          <a:fillRef idx="0">
+            <a:schemeClr val="accent1"/>
+          </a:fillRef>
+          <a:effectRef idx="0">
+            <a:schemeClr val="accent1"/>
+          </a:effectRef>
+          <a:fontRef idx="minor">
+            <a:schemeClr val="tx1"/>
+          </a:fontRef>
+        </p:style>
+      </p:cxnSp>
+    </p:spTree>
+    <p:extLst>
+      <p:ext uri="{BB962C8B-B14F-4D97-AF65-F5344CB8AC3E}">
+        <p14:creationId xmlns:p14="http://schemas.microsoft.com/office/powerpoint/2010/main" val="1781820388"/>
+      </p:ext>
+    </p:extLst>
+  </p:cSld>
+  <p:clrMapOvr>
+    <a:masterClrMapping/>
+  </p:clrMapOvr>
+</p:sld>
+</file>
+
+<file path=ppt/slides/slide4.xml><?xml version="1.0" encoding="utf-8"?>
 <p:sld xmlns:a="http://schemas.openxmlformats.org/drawingml/2006/main" xmlns:r="http://schemas.openxmlformats.org/officeDocument/2006/relationships" xmlns:p="http://schemas.openxmlformats.org/presentationml/2006/main">
   <p:cSld>
     <p:spTree>
@@ -11719,4 +20791,299 @@
     </a:ext>
   </a:extLst>
 </a:theme>
+</file>
+
+<file path=ppt/theme/theme2.xml><?xml version="1.0" encoding="utf-8"?>
+<a:theme xmlns:a="http://schemas.openxmlformats.org/drawingml/2006/main" name="Office Theme">
+  <a:themeElements>
+    <a:clrScheme name="Office">
+      <a:dk1>
+        <a:sysClr val="windowText" lastClr="000000"/>
+      </a:dk1>
+      <a:lt1>
+        <a:sysClr val="window" lastClr="FFFFFF"/>
+      </a:lt1>
+      <a:dk2>
+        <a:srgbClr val="44546A"/>
+      </a:dk2>
+      <a:lt2>
+        <a:srgbClr val="E7E6E6"/>
+      </a:lt2>
+      <a:accent1>
+        <a:srgbClr val="4472C4"/>
+      </a:accent1>
+      <a:accent2>
+        <a:srgbClr val="ED7D31"/>
+      </a:accent2>
+      <a:accent3>
+        <a:srgbClr val="A5A5A5"/>
+      </a:accent3>
+      <a:accent4>
+        <a:srgbClr val="FFC000"/>
+      </a:accent4>
+      <a:accent5>
+        <a:srgbClr val="5B9BD5"/>
+      </a:accent5>
+      <a:accent6>
+        <a:srgbClr val="70AD47"/>
+      </a:accent6>
+      <a:hlink>
+        <a:srgbClr val="0563C1"/>
+      </a:hlink>
+      <a:folHlink>
+        <a:srgbClr val="954F72"/>
+      </a:folHlink>
+    </a:clrScheme>
+    <a:fontScheme name="Office">
+      <a:majorFont>
+        <a:latin typeface="Calibri Light" panose="020F0302020204030204"/>
+        <a:ea typeface=""/>
+        <a:cs typeface=""/>
+        <a:font script="Jpan" typeface="游ゴシック Light"/>
+        <a:font script="Hang" typeface="맑은 고딕"/>
+        <a:font script="Hans" typeface="等线 Light"/>
+        <a:font script="Hant" typeface="新細明體"/>
+        <a:font script="Arab" typeface="Times New Roman"/>
+        <a:font script="Hebr" typeface="Times New Roman"/>
+        <a:font script="Thai" typeface="Angsana New"/>
+        <a:font script="Ethi" typeface="Nyala"/>
+        <a:font script="Beng" typeface="Vrinda"/>
+        <a:font script="Gujr" typeface="Shruti"/>
+        <a:font script="Khmr" typeface="MoolBoran"/>
+        <a:font script="Knda" typeface="Tunga"/>
+        <a:font script="Guru" typeface="Raavi"/>
+        <a:font script="Cans" typeface="Euphemia"/>
+        <a:font script="Cher" typeface="Plantagenet Cherokee"/>
+        <a:font script="Yiii" typeface="Microsoft Yi Baiti"/>
+        <a:font script="Tibt" typeface="Microsoft Himalaya"/>
+        <a:font script="Thaa" typeface="MV Boli"/>
+        <a:font script="Deva" typeface="Mangal"/>
+        <a:font script="Telu" typeface="Gautami"/>
+        <a:font script="Taml" typeface="Latha"/>
+        <a:font script="Syrc" typeface="Estrangelo Edessa"/>
+        <a:font script="Orya" typeface="Kalinga"/>
+        <a:font script="Mlym" typeface="Kartika"/>
+        <a:font script="Laoo" typeface="DokChampa"/>
+        <a:font script="Sinh" typeface="Iskoola Pota"/>
+        <a:font script="Mong" typeface="Mongolian Baiti"/>
+        <a:font script="Viet" typeface="Times New Roman"/>
+        <a:font script="Uigh" typeface="Microsoft Uighur"/>
+        <a:font script="Geor" typeface="Sylfaen"/>
+        <a:font script="Armn" typeface="Arial"/>
+        <a:font script="Bugi" typeface="Leelawadee UI"/>
+        <a:font script="Bopo" typeface="Microsoft JhengHei"/>
+        <a:font script="Java" typeface="Javanese Text"/>
+        <a:font script="Lisu" typeface="Segoe UI"/>
+        <a:font script="Mymr" typeface="Myanmar Text"/>
+        <a:font script="Nkoo" typeface="Ebrima"/>
+        <a:font script="Olck" typeface="Nirmala UI"/>
+        <a:font script="Osma" typeface="Ebrima"/>
+        <a:font script="Phag" typeface="Phagspa"/>
+        <a:font script="Syrn" typeface="Estrangelo Edessa"/>
+        <a:font script="Syrj" typeface="Estrangelo Edessa"/>
+        <a:font script="Syre" typeface="Estrangelo Edessa"/>
+        <a:font script="Sora" typeface="Nirmala UI"/>
+        <a:font script="Tale" typeface="Microsoft Tai Le"/>
+        <a:font script="Talu" typeface="Microsoft New Tai Lue"/>
+        <a:font script="Tfng" typeface="Ebrima"/>
+      </a:majorFont>
+      <a:minorFont>
+        <a:latin typeface="Calibri" panose="020F0502020204030204"/>
+        <a:ea typeface=""/>
+        <a:cs typeface=""/>
+        <a:font script="Jpan" typeface="游ゴシック"/>
+        <a:font script="Hang" typeface="맑은 고딕"/>
+        <a:font script="Hans" typeface="等线"/>
+        <a:font script="Hant" typeface="新細明體"/>
+        <a:font script="Arab" typeface="Arial"/>
+        <a:font script="Hebr" typeface="Arial"/>
+        <a:font script="Thai" typeface="Cordia New"/>
+        <a:font script="Ethi" typeface="Nyala"/>
+        <a:font script="Beng" typeface="Vrinda"/>
+        <a:font script="Gujr" typeface="Shruti"/>
+        <a:font script="Khmr" typeface="DaunPenh"/>
+        <a:font script="Knda" typeface="Tunga"/>
+        <a:font script="Guru" typeface="Raavi"/>
+        <a:font script="Cans" typeface="Euphemia"/>
+        <a:font script="Cher" typeface="Plantagenet Cherokee"/>
+        <a:font script="Yiii" typeface="Microsoft Yi Baiti"/>
+        <a:font script="Tibt" typeface="Microsoft Himalaya"/>
+        <a:font script="Thaa" typeface="MV Boli"/>
+        <a:font script="Deva" typeface="Mangal"/>
+        <a:font script="Telu" typeface="Gautami"/>
+        <a:font script="Taml" typeface="Latha"/>
+        <a:font script="Syrc" typeface="Estrangelo Edessa"/>
+        <a:font script="Orya" typeface="Kalinga"/>
+        <a:font script="Mlym" typeface="Kartika"/>
+        <a:font script="Laoo" typeface="DokChampa"/>
+        <a:font script="Sinh" typeface="Iskoola Pota"/>
+        <a:font script="Mong" typeface="Mongolian Baiti"/>
+        <a:font script="Viet" typeface="Arial"/>
+        <a:font script="Uigh" typeface="Microsoft Uighur"/>
+        <a:font script="Geor" typeface="Sylfaen"/>
+        <a:font script="Armn" typeface="Arial"/>
+        <a:font script="Bugi" typeface="Leelawadee UI"/>
+        <a:font script="Bopo" typeface="Microsoft JhengHei"/>
+        <a:font script="Java" typeface="Javanese Text"/>
+        <a:font script="Lisu" typeface="Segoe UI"/>
+        <a:font script="Mymr" typeface="Myanmar Text"/>
+        <a:font script="Nkoo" typeface="Ebrima"/>
+        <a:font script="Olck" typeface="Nirmala UI"/>
+        <a:font script="Osma" typeface="Ebrima"/>
+        <a:font script="Phag" typeface="Phagspa"/>
+        <a:font script="Syrn" typeface="Estrangelo Edessa"/>
+        <a:font script="Syrj" typeface="Estrangelo Edessa"/>
+        <a:font script="Syre" typeface="Estrangelo Edessa"/>
+        <a:font script="Sora" typeface="Nirmala UI"/>
+        <a:font script="Tale" typeface="Microsoft Tai Le"/>
+        <a:font script="Talu" typeface="Microsoft New Tai Lue"/>
+        <a:font script="Tfng" typeface="Ebrima"/>
+      </a:minorFont>
+    </a:fontScheme>
+    <a:fmtScheme name="Office">
+      <a:fillStyleLst>
+        <a:solidFill>
+          <a:schemeClr val="phClr"/>
+        </a:solidFill>
+        <a:gradFill rotWithShape="1">
+          <a:gsLst>
+            <a:gs pos="0">
+              <a:schemeClr val="phClr">
+                <a:lumMod val="110000"/>
+                <a:satMod val="105000"/>
+                <a:tint val="67000"/>
+              </a:schemeClr>
+            </a:gs>
+            <a:gs pos="50000">
+              <a:schemeClr val="phClr">
+                <a:lumMod val="105000"/>
+                <a:satMod val="103000"/>
+                <a:tint val="73000"/>
+              </a:schemeClr>
+            </a:gs>
+            <a:gs pos="100000">
+              <a:schemeClr val="phClr">
+                <a:lumMod val="105000"/>
+                <a:satMod val="109000"/>
+                <a:tint val="81000"/>
+              </a:schemeClr>
+            </a:gs>
+          </a:gsLst>
+          <a:lin ang="5400000" scaled="0"/>
+        </a:gradFill>
+        <a:gradFill rotWithShape="1">
+          <a:gsLst>
+            <a:gs pos="0">
+              <a:schemeClr val="phClr">
+                <a:satMod val="103000"/>
+                <a:lumMod val="102000"/>
+                <a:tint val="94000"/>
+              </a:schemeClr>
+            </a:gs>
+            <a:gs pos="50000">
+              <a:schemeClr val="phClr">
+                <a:satMod val="110000"/>
+                <a:lumMod val="100000"/>
+                <a:shade val="100000"/>
+              </a:schemeClr>
+            </a:gs>
+            <a:gs pos="100000">
+              <a:schemeClr val="phClr">
+                <a:lumMod val="99000"/>
+                <a:satMod val="120000"/>
+                <a:shade val="78000"/>
+              </a:schemeClr>
+            </a:gs>
+          </a:gsLst>
+          <a:lin ang="5400000" scaled="0"/>
+        </a:gradFill>
+      </a:fillStyleLst>
+      <a:lnStyleLst>
+        <a:ln w="6350" cap="flat" cmpd="sng" algn="ctr">
+          <a:solidFill>
+            <a:schemeClr val="phClr"/>
+          </a:solidFill>
+          <a:prstDash val="solid"/>
+          <a:miter lim="800000"/>
+        </a:ln>
+        <a:ln w="12700" cap="flat" cmpd="sng" algn="ctr">
+          <a:solidFill>
+            <a:schemeClr val="phClr"/>
+          </a:solidFill>
+          <a:prstDash val="solid"/>
+          <a:miter lim="800000"/>
+        </a:ln>
+        <a:ln w="19050" cap="flat" cmpd="sng" algn="ctr">
+          <a:solidFill>
+            <a:schemeClr val="phClr"/>
+          </a:solidFill>
+          <a:prstDash val="solid"/>
+          <a:miter lim="800000"/>
+        </a:ln>
+      </a:lnStyleLst>
+      <a:effectStyleLst>
+        <a:effectStyle>
+          <a:effectLst/>
+        </a:effectStyle>
+        <a:effectStyle>
+          <a:effectLst/>
+        </a:effectStyle>
+        <a:effectStyle>
+          <a:effectLst>
+            <a:outerShdw blurRad="57150" dist="19050" dir="5400000" algn="ctr" rotWithShape="0">
+              <a:srgbClr val="000000">
+                <a:alpha val="63000"/>
+              </a:srgbClr>
+            </a:outerShdw>
+          </a:effectLst>
+        </a:effectStyle>
+      </a:effectStyleLst>
+      <a:bgFillStyleLst>
+        <a:solidFill>
+          <a:schemeClr val="phClr"/>
+        </a:solidFill>
+        <a:solidFill>
+          <a:schemeClr val="phClr">
+            <a:tint val="95000"/>
+            <a:satMod val="170000"/>
+          </a:schemeClr>
+        </a:solidFill>
+        <a:gradFill rotWithShape="1">
+          <a:gsLst>
+            <a:gs pos="0">
+              <a:schemeClr val="phClr">
+                <a:tint val="93000"/>
+                <a:satMod val="150000"/>
+                <a:shade val="98000"/>
+                <a:lumMod val="102000"/>
+              </a:schemeClr>
+            </a:gs>
+            <a:gs pos="50000">
+              <a:schemeClr val="phClr">
+                <a:tint val="98000"/>
+                <a:satMod val="130000"/>
+                <a:shade val="90000"/>
+                <a:lumMod val="103000"/>
+              </a:schemeClr>
+            </a:gs>
+            <a:gs pos="100000">
+              <a:schemeClr val="phClr">
+                <a:shade val="63000"/>
+                <a:satMod val="120000"/>
+              </a:schemeClr>
+            </a:gs>
+          </a:gsLst>
+          <a:lin ang="5400000" scaled="0"/>
+        </a:gradFill>
+      </a:bgFillStyleLst>
+    </a:fmtScheme>
+  </a:themeElements>
+  <a:objectDefaults/>
+  <a:extraClrSchemeLst/>
+  <a:extLst>
+    <a:ext uri="{05A4C25C-085E-4340-85A3-A5531E510DB2}">
+      <thm15:themeFamily xmlns:thm15="http://schemas.microsoft.com/office/thememl/2012/main" name="Office Theme" id="{62F939B6-93AF-4DB8-9C6B-D6C7DFDC589F}" vid="{4A3C46E8-61CC-4603-A589-7422A47A8E4A}"/>
+    </a:ext>
+  </a:extLst>
+</a:theme>
 </file>